--- a/planning/AI seminar.pptx
+++ b/planning/AI seminar.pptx
@@ -32,17 +32,18 @@
     <p:sldId id="296" r:id="rId26"/>
     <p:sldId id="269" r:id="rId27"/>
     <p:sldId id="297" r:id="rId28"/>
-    <p:sldId id="272" r:id="rId29"/>
-    <p:sldId id="273" r:id="rId30"/>
-    <p:sldId id="274" r:id="rId31"/>
+    <p:sldId id="299" r:id="rId29"/>
+    <p:sldId id="272" r:id="rId30"/>
+    <p:sldId id="273" r:id="rId31"/>
+    <p:sldId id="274" r:id="rId32"/>
   </p:sldIdLst>
   <p:sldSz cx="12192000" cy="6858000"/>
   <p:notesSz cx="6858000" cy="9144000"/>
   <p:embeddedFontLst>
     <p:embeddedFont>
       <p:font typeface="맑은 고딕" panose="020B0503020000020004" pitchFamily="50" charset="-127"/>
-      <p:regular r:id="rId32"/>
-      <p:bold r:id="rId33"/>
+      <p:regular r:id="rId33"/>
+      <p:bold r:id="rId34"/>
     </p:embeddedFont>
   </p:embeddedFontLst>
   <p:defaultTextStyle>
@@ -16847,12 +16848,273 @@
           <a:chExt cx="0" cy="0"/>
         </a:xfrm>
       </p:grpSpPr>
+      <p:sp>
+        <p:nvSpPr>
+          <p:cNvPr id="19" name="사각형: 둥근 모서리 18">
+            <a:extLst>
+              <a:ext uri="{FF2B5EF4-FFF2-40B4-BE49-F238E27FC236}">
+                <a16:creationId xmlns:a16="http://schemas.microsoft.com/office/drawing/2014/main" id="{0C1714FE-6B61-4B06-81E5-4194F6BBA23F}"/>
+              </a:ext>
+            </a:extLst>
+          </p:cNvPr>
+          <p:cNvSpPr/>
+          <p:nvPr/>
+        </p:nvSpPr>
+        <p:spPr>
+          <a:xfrm>
+            <a:off x="492516" y="3588373"/>
+            <a:ext cx="1935465" cy="700217"/>
+          </a:xfrm>
+          <a:prstGeom prst="roundRect">
+            <a:avLst/>
+          </a:prstGeom>
+          <a:solidFill>
+            <a:schemeClr val="tx2">
+              <a:lumMod val="60000"/>
+              <a:lumOff val="40000"/>
+            </a:schemeClr>
+          </a:solidFill>
+          <a:ln>
+            <a:solidFill>
+              <a:schemeClr val="bg1"/>
+            </a:solidFill>
+          </a:ln>
+        </p:spPr>
+        <p:style>
+          <a:lnRef idx="2">
+            <a:schemeClr val="accent1">
+              <a:shade val="50000"/>
+            </a:schemeClr>
+          </a:lnRef>
+          <a:fillRef idx="1">
+            <a:schemeClr val="accent1"/>
+          </a:fillRef>
+          <a:effectRef idx="0">
+            <a:schemeClr val="accent1"/>
+          </a:effectRef>
+          <a:fontRef idx="minor">
+            <a:schemeClr val="lt1"/>
+          </a:fontRef>
+        </p:style>
+        <p:txBody>
+          <a:bodyPr rtlCol="0" anchor="ctr"/>
+          <a:lstStyle/>
+          <a:p>
+            <a:pPr algn="ctr"/>
+            <a:r>
+              <a:rPr lang="en-US" altLang="ko-KR" dirty="0"/>
+              <a:t>Convolutional</a:t>
+            </a:r>
+            <a:br>
+              <a:rPr lang="en-US" altLang="ko-KR" dirty="0"/>
+            </a:br>
+            <a:r>
+              <a:rPr lang="en-US" altLang="ko-KR" dirty="0"/>
+              <a:t>neural network</a:t>
+            </a:r>
+          </a:p>
+        </p:txBody>
+      </p:sp>
+      <p:sp>
+        <p:nvSpPr>
+          <p:cNvPr id="20" name="사각형: 둥근 모서리 19">
+            <a:extLst>
+              <a:ext uri="{FF2B5EF4-FFF2-40B4-BE49-F238E27FC236}">
+                <a16:creationId xmlns:a16="http://schemas.microsoft.com/office/drawing/2014/main" id="{945C16C9-3C0A-46D4-8FDB-DED3B1DB07DF}"/>
+              </a:ext>
+            </a:extLst>
+          </p:cNvPr>
+          <p:cNvSpPr/>
+          <p:nvPr/>
+        </p:nvSpPr>
+        <p:spPr>
+          <a:xfrm>
+            <a:off x="492517" y="2307370"/>
+            <a:ext cx="1935464" cy="700217"/>
+          </a:xfrm>
+          <a:prstGeom prst="roundRect">
+            <a:avLst/>
+          </a:prstGeom>
+          <a:solidFill>
+            <a:schemeClr val="tx2">
+              <a:lumMod val="20000"/>
+              <a:lumOff val="80000"/>
+            </a:schemeClr>
+          </a:solidFill>
+          <a:ln>
+            <a:solidFill>
+              <a:schemeClr val="bg1"/>
+            </a:solidFill>
+          </a:ln>
+        </p:spPr>
+        <p:style>
+          <a:lnRef idx="2">
+            <a:schemeClr val="accent1">
+              <a:shade val="50000"/>
+            </a:schemeClr>
+          </a:lnRef>
+          <a:fillRef idx="1">
+            <a:schemeClr val="accent1"/>
+          </a:fillRef>
+          <a:effectRef idx="0">
+            <a:schemeClr val="accent1"/>
+          </a:effectRef>
+          <a:fontRef idx="minor">
+            <a:schemeClr val="lt1"/>
+          </a:fontRef>
+        </p:style>
+        <p:txBody>
+          <a:bodyPr rtlCol="0" anchor="ctr"/>
+          <a:lstStyle/>
+          <a:p>
+            <a:pPr algn="ctr"/>
+            <a:r>
+              <a:rPr lang="en-US" altLang="ko-KR" dirty="0"/>
+              <a:t>Overfitting</a:t>
+            </a:r>
+          </a:p>
+          <a:p>
+            <a:pPr algn="ctr"/>
+            <a:r>
+              <a:rPr lang="en-US" altLang="ko-KR" dirty="0"/>
+              <a:t>Dropout</a:t>
+            </a:r>
+          </a:p>
+        </p:txBody>
+      </p:sp>
+      <p:sp>
+        <p:nvSpPr>
+          <p:cNvPr id="21" name="사각형: 둥근 모서리 20">
+            <a:extLst>
+              <a:ext uri="{FF2B5EF4-FFF2-40B4-BE49-F238E27FC236}">
+                <a16:creationId xmlns:a16="http://schemas.microsoft.com/office/drawing/2014/main" id="{97772BAE-C7F7-4FA9-A6D4-3139AB286A81}"/>
+              </a:ext>
+            </a:extLst>
+          </p:cNvPr>
+          <p:cNvSpPr/>
+          <p:nvPr/>
+        </p:nvSpPr>
+        <p:spPr>
+          <a:xfrm>
+            <a:off x="492518" y="1026367"/>
+            <a:ext cx="1935463" cy="700217"/>
+          </a:xfrm>
+          <a:prstGeom prst="roundRect">
+            <a:avLst/>
+          </a:prstGeom>
+          <a:solidFill>
+            <a:schemeClr val="tx2">
+              <a:lumMod val="20000"/>
+              <a:lumOff val="80000"/>
+            </a:schemeClr>
+          </a:solidFill>
+          <a:ln>
+            <a:solidFill>
+              <a:schemeClr val="bg1"/>
+            </a:solidFill>
+          </a:ln>
+        </p:spPr>
+        <p:style>
+          <a:lnRef idx="2">
+            <a:schemeClr val="accent1">
+              <a:shade val="50000"/>
+            </a:schemeClr>
+          </a:lnRef>
+          <a:fillRef idx="1">
+            <a:schemeClr val="accent1"/>
+          </a:fillRef>
+          <a:effectRef idx="0">
+            <a:schemeClr val="accent1"/>
+          </a:effectRef>
+          <a:fontRef idx="minor">
+            <a:schemeClr val="lt1"/>
+          </a:fontRef>
+        </p:style>
+        <p:txBody>
+          <a:bodyPr rtlCol="0" anchor="ctr"/>
+          <a:lstStyle/>
+          <a:p>
+            <a:pPr algn="ctr"/>
+            <a:r>
+              <a:rPr lang="en-US" altLang="ko-KR" dirty="0"/>
+              <a:t>Perceptron, </a:t>
+            </a:r>
+            <a:br>
+              <a:rPr lang="en-US" altLang="ko-KR" dirty="0"/>
+            </a:br>
+            <a:r>
+              <a:rPr lang="en-US" altLang="ko-KR" dirty="0"/>
+              <a:t>Neural Network</a:t>
+            </a:r>
+          </a:p>
+        </p:txBody>
+      </p:sp>
+      <p:sp>
+        <p:nvSpPr>
+          <p:cNvPr id="22" name="사각형: 둥근 모서리 21">
+            <a:extLst>
+              <a:ext uri="{FF2B5EF4-FFF2-40B4-BE49-F238E27FC236}">
+                <a16:creationId xmlns:a16="http://schemas.microsoft.com/office/drawing/2014/main" id="{B613D72A-D33C-4CDD-93AC-DEE6085F4803}"/>
+              </a:ext>
+            </a:extLst>
+          </p:cNvPr>
+          <p:cNvSpPr/>
+          <p:nvPr/>
+        </p:nvSpPr>
+        <p:spPr>
+          <a:xfrm>
+            <a:off x="492515" y="4869376"/>
+            <a:ext cx="1935465" cy="700217"/>
+          </a:xfrm>
+          <a:prstGeom prst="roundRect">
+            <a:avLst/>
+          </a:prstGeom>
+          <a:solidFill>
+            <a:schemeClr val="tx2">
+              <a:lumMod val="20000"/>
+              <a:lumOff val="80000"/>
+            </a:schemeClr>
+          </a:solidFill>
+          <a:ln>
+            <a:solidFill>
+              <a:schemeClr val="bg1"/>
+            </a:solidFill>
+          </a:ln>
+        </p:spPr>
+        <p:style>
+          <a:lnRef idx="2">
+            <a:schemeClr val="accent1">
+              <a:shade val="50000"/>
+            </a:schemeClr>
+          </a:lnRef>
+          <a:fillRef idx="1">
+            <a:schemeClr val="accent1"/>
+          </a:fillRef>
+          <a:effectRef idx="0">
+            <a:schemeClr val="accent1"/>
+          </a:effectRef>
+          <a:fontRef idx="minor">
+            <a:schemeClr val="lt1"/>
+          </a:fontRef>
+        </p:style>
+        <p:txBody>
+          <a:bodyPr rtlCol="0" anchor="ctr"/>
+          <a:lstStyle/>
+          <a:p>
+            <a:pPr algn="ctr"/>
+            <a:r>
+              <a:rPr lang="en-US" altLang="ko-KR" dirty="0"/>
+              <a:t>GAN</a:t>
+            </a:r>
+          </a:p>
+        </p:txBody>
+      </p:sp>
       <p:pic>
         <p:nvPicPr>
-          <p:cNvPr id="2050" name="Picture 2" descr="GAN(Generative Adversarial Network)">
-            <a:extLst>
-              <a:ext uri="{FF2B5EF4-FFF2-40B4-BE49-F238E27FC236}">
-                <a16:creationId xmlns:a16="http://schemas.microsoft.com/office/drawing/2014/main" id="{BE27CF84-D525-465B-924F-06645CB75ACE}"/>
+          <p:cNvPr id="1028" name="Picture 4" descr="Convolutional neural network Very-large-scale integration AlexNet  Handwriting recognition Artificial neural network, Energy Conversion  Efficiency, text, plan, engineering png | PNGWing">
+            <a:extLst>
+              <a:ext uri="{FF2B5EF4-FFF2-40B4-BE49-F238E27FC236}">
+                <a16:creationId xmlns:a16="http://schemas.microsoft.com/office/drawing/2014/main" id="{99119603-C87A-4619-8906-AF9D9847C5AD}"/>
               </a:ext>
             </a:extLst>
           </p:cNvPr>
@@ -16876,8 +17138,8 @@
         </p:blipFill>
         <p:spPr bwMode="auto">
           <a:xfrm>
-            <a:off x="3990677" y="182661"/>
-            <a:ext cx="6545133" cy="2854390"/>
+            <a:off x="3724532" y="1026367"/>
+            <a:ext cx="7108107" cy="4311221"/>
           </a:xfrm>
           <a:prstGeom prst="rect">
             <a:avLst/>
@@ -16894,318 +17156,10 @@
           </a:extLst>
         </p:spPr>
       </p:pic>
-      <p:pic>
-        <p:nvPicPr>
-          <p:cNvPr id="2052" name="Picture 4" descr="GAN 모델의 이해와 구현">
-            <a:extLst>
-              <a:ext uri="{FF2B5EF4-FFF2-40B4-BE49-F238E27FC236}">
-                <a16:creationId xmlns:a16="http://schemas.microsoft.com/office/drawing/2014/main" id="{B414B632-2748-4EEA-B888-F8AB7AE70E4F}"/>
-              </a:ext>
-            </a:extLst>
-          </p:cNvPr>
-          <p:cNvPicPr>
-            <a:picLocks noChangeAspect="1" noChangeArrowheads="1"/>
-          </p:cNvPicPr>
-          <p:nvPr/>
-        </p:nvPicPr>
-        <p:blipFill>
-          <a:blip r:embed="rId3">
-            <a:extLst>
-              <a:ext uri="{28A0092B-C50C-407E-A947-70E740481C1C}">
-                <a14:useLocalDpi xmlns:a14="http://schemas.microsoft.com/office/drawing/2010/main" val="0"/>
-              </a:ext>
-            </a:extLst>
-          </a:blip>
-          <a:srcRect/>
-          <a:stretch>
-            <a:fillRect/>
-          </a:stretch>
-        </p:blipFill>
-        <p:spPr bwMode="auto">
-          <a:xfrm>
-            <a:off x="4514600" y="3529208"/>
-            <a:ext cx="5497286" cy="2756278"/>
-          </a:xfrm>
-          <a:prstGeom prst="rect">
-            <a:avLst/>
-          </a:prstGeom>
-          <a:noFill/>
-          <a:extLst>
-            <a:ext uri="{909E8E84-426E-40DD-AFC4-6F175D3DCCD1}">
-              <a14:hiddenFill xmlns:a14="http://schemas.microsoft.com/office/drawing/2010/main">
-                <a:solidFill>
-                  <a:srgbClr val="FFFFFF"/>
-                </a:solidFill>
-              </a14:hiddenFill>
-            </a:ext>
-          </a:extLst>
-        </p:spPr>
-      </p:pic>
-      <p:sp>
-        <p:nvSpPr>
-          <p:cNvPr id="18" name="사각형: 둥근 모서리 17">
-            <a:extLst>
-              <a:ext uri="{FF2B5EF4-FFF2-40B4-BE49-F238E27FC236}">
-                <a16:creationId xmlns:a16="http://schemas.microsoft.com/office/drawing/2014/main" id="{99633B40-0D11-45CE-B2D4-E0A6FA3D1705}"/>
-              </a:ext>
-            </a:extLst>
-          </p:cNvPr>
-          <p:cNvSpPr/>
-          <p:nvPr/>
-        </p:nvSpPr>
-        <p:spPr>
-          <a:xfrm>
-            <a:off x="492516" y="3588373"/>
-            <a:ext cx="1935465" cy="700217"/>
-          </a:xfrm>
-          <a:prstGeom prst="roundRect">
-            <a:avLst/>
-          </a:prstGeom>
-          <a:solidFill>
-            <a:schemeClr val="tx2">
-              <a:lumMod val="20000"/>
-              <a:lumOff val="80000"/>
-            </a:schemeClr>
-          </a:solidFill>
-          <a:ln>
-            <a:solidFill>
-              <a:schemeClr val="bg1"/>
-            </a:solidFill>
-          </a:ln>
-        </p:spPr>
-        <p:style>
-          <a:lnRef idx="2">
-            <a:schemeClr val="accent1">
-              <a:shade val="50000"/>
-            </a:schemeClr>
-          </a:lnRef>
-          <a:fillRef idx="1">
-            <a:schemeClr val="accent1"/>
-          </a:fillRef>
-          <a:effectRef idx="0">
-            <a:schemeClr val="accent1"/>
-          </a:effectRef>
-          <a:fontRef idx="minor">
-            <a:schemeClr val="lt1"/>
-          </a:fontRef>
-        </p:style>
-        <p:txBody>
-          <a:bodyPr rtlCol="0" anchor="ctr"/>
-          <a:lstStyle/>
-          <a:p>
-            <a:pPr algn="ctr"/>
-            <a:r>
-              <a:rPr lang="en-US" altLang="ko-KR" dirty="0"/>
-              <a:t>Convolutional</a:t>
-            </a:r>
-            <a:br>
-              <a:rPr lang="en-US" altLang="ko-KR" dirty="0"/>
-            </a:br>
-            <a:r>
-              <a:rPr lang="en-US" altLang="ko-KR" dirty="0"/>
-              <a:t>neural network</a:t>
-            </a:r>
-          </a:p>
-        </p:txBody>
-      </p:sp>
-      <p:sp>
-        <p:nvSpPr>
-          <p:cNvPr id="19" name="사각형: 둥근 모서리 18">
-            <a:extLst>
-              <a:ext uri="{FF2B5EF4-FFF2-40B4-BE49-F238E27FC236}">
-                <a16:creationId xmlns:a16="http://schemas.microsoft.com/office/drawing/2014/main" id="{AB95BC15-E49B-41B0-ACE6-726E279C53AB}"/>
-              </a:ext>
-            </a:extLst>
-          </p:cNvPr>
-          <p:cNvSpPr/>
-          <p:nvPr/>
-        </p:nvSpPr>
-        <p:spPr>
-          <a:xfrm>
-            <a:off x="492517" y="2307370"/>
-            <a:ext cx="1935464" cy="700217"/>
-          </a:xfrm>
-          <a:prstGeom prst="roundRect">
-            <a:avLst/>
-          </a:prstGeom>
-          <a:solidFill>
-            <a:schemeClr val="tx2">
-              <a:lumMod val="20000"/>
-              <a:lumOff val="80000"/>
-            </a:schemeClr>
-          </a:solidFill>
-          <a:ln>
-            <a:solidFill>
-              <a:schemeClr val="bg1"/>
-            </a:solidFill>
-          </a:ln>
-        </p:spPr>
-        <p:style>
-          <a:lnRef idx="2">
-            <a:schemeClr val="accent1">
-              <a:shade val="50000"/>
-            </a:schemeClr>
-          </a:lnRef>
-          <a:fillRef idx="1">
-            <a:schemeClr val="accent1"/>
-          </a:fillRef>
-          <a:effectRef idx="0">
-            <a:schemeClr val="accent1"/>
-          </a:effectRef>
-          <a:fontRef idx="minor">
-            <a:schemeClr val="lt1"/>
-          </a:fontRef>
-        </p:style>
-        <p:txBody>
-          <a:bodyPr rtlCol="0" anchor="ctr"/>
-          <a:lstStyle/>
-          <a:p>
-            <a:pPr algn="ctr"/>
-            <a:r>
-              <a:rPr lang="en-US" altLang="ko-KR" dirty="0"/>
-              <a:t>Overfitting</a:t>
-            </a:r>
-          </a:p>
-          <a:p>
-            <a:pPr algn="ctr"/>
-            <a:r>
-              <a:rPr lang="en-US" altLang="ko-KR" dirty="0"/>
-              <a:t>Dropout</a:t>
-            </a:r>
-          </a:p>
-        </p:txBody>
-      </p:sp>
-      <p:sp>
-        <p:nvSpPr>
-          <p:cNvPr id="20" name="사각형: 둥근 모서리 19">
-            <a:extLst>
-              <a:ext uri="{FF2B5EF4-FFF2-40B4-BE49-F238E27FC236}">
-                <a16:creationId xmlns:a16="http://schemas.microsoft.com/office/drawing/2014/main" id="{07A219B6-D33F-45D7-BDFC-E7C2CB36916E}"/>
-              </a:ext>
-            </a:extLst>
-          </p:cNvPr>
-          <p:cNvSpPr/>
-          <p:nvPr/>
-        </p:nvSpPr>
-        <p:spPr>
-          <a:xfrm>
-            <a:off x="492518" y="1026367"/>
-            <a:ext cx="1935463" cy="700217"/>
-          </a:xfrm>
-          <a:prstGeom prst="roundRect">
-            <a:avLst/>
-          </a:prstGeom>
-          <a:solidFill>
-            <a:schemeClr val="tx2">
-              <a:lumMod val="20000"/>
-              <a:lumOff val="80000"/>
-            </a:schemeClr>
-          </a:solidFill>
-          <a:ln>
-            <a:solidFill>
-              <a:schemeClr val="bg1"/>
-            </a:solidFill>
-          </a:ln>
-        </p:spPr>
-        <p:style>
-          <a:lnRef idx="2">
-            <a:schemeClr val="accent1">
-              <a:shade val="50000"/>
-            </a:schemeClr>
-          </a:lnRef>
-          <a:fillRef idx="1">
-            <a:schemeClr val="accent1"/>
-          </a:fillRef>
-          <a:effectRef idx="0">
-            <a:schemeClr val="accent1"/>
-          </a:effectRef>
-          <a:fontRef idx="minor">
-            <a:schemeClr val="lt1"/>
-          </a:fontRef>
-        </p:style>
-        <p:txBody>
-          <a:bodyPr rtlCol="0" anchor="ctr"/>
-          <a:lstStyle/>
-          <a:p>
-            <a:pPr algn="ctr"/>
-            <a:r>
-              <a:rPr lang="en-US" altLang="ko-KR" dirty="0"/>
-              <a:t>Perceptron, </a:t>
-            </a:r>
-            <a:br>
-              <a:rPr lang="en-US" altLang="ko-KR" dirty="0"/>
-            </a:br>
-            <a:r>
-              <a:rPr lang="en-US" altLang="ko-KR" dirty="0"/>
-              <a:t>Neural Network</a:t>
-            </a:r>
-          </a:p>
-        </p:txBody>
-      </p:sp>
-      <p:sp>
-        <p:nvSpPr>
-          <p:cNvPr id="21" name="사각형: 둥근 모서리 20">
-            <a:extLst>
-              <a:ext uri="{FF2B5EF4-FFF2-40B4-BE49-F238E27FC236}">
-                <a16:creationId xmlns:a16="http://schemas.microsoft.com/office/drawing/2014/main" id="{264AA7FB-5D08-4C67-9616-5023DB0397F3}"/>
-              </a:ext>
-            </a:extLst>
-          </p:cNvPr>
-          <p:cNvSpPr/>
-          <p:nvPr/>
-        </p:nvSpPr>
-        <p:spPr>
-          <a:xfrm>
-            <a:off x="492515" y="4869376"/>
-            <a:ext cx="1935465" cy="700217"/>
-          </a:xfrm>
-          <a:prstGeom prst="roundRect">
-            <a:avLst/>
-          </a:prstGeom>
-          <a:solidFill>
-            <a:schemeClr val="tx2">
-              <a:lumMod val="60000"/>
-              <a:lumOff val="40000"/>
-            </a:schemeClr>
-          </a:solidFill>
-          <a:ln>
-            <a:solidFill>
-              <a:schemeClr val="bg1"/>
-            </a:solidFill>
-          </a:ln>
-        </p:spPr>
-        <p:style>
-          <a:lnRef idx="2">
-            <a:schemeClr val="accent1">
-              <a:shade val="50000"/>
-            </a:schemeClr>
-          </a:lnRef>
-          <a:fillRef idx="1">
-            <a:schemeClr val="accent1"/>
-          </a:fillRef>
-          <a:effectRef idx="0">
-            <a:schemeClr val="accent1"/>
-          </a:effectRef>
-          <a:fontRef idx="minor">
-            <a:schemeClr val="lt1"/>
-          </a:fontRef>
-        </p:style>
-        <p:txBody>
-          <a:bodyPr rtlCol="0" anchor="ctr"/>
-          <a:lstStyle/>
-          <a:p>
-            <a:pPr algn="ctr"/>
-            <a:r>
-              <a:rPr lang="en-US" altLang="ko-KR" dirty="0"/>
-              <a:t>GAN</a:t>
-            </a:r>
-          </a:p>
-        </p:txBody>
-      </p:sp>
     </p:spTree>
     <p:extLst>
       <p:ext uri="{BB962C8B-B14F-4D97-AF65-F5344CB8AC3E}">
-        <p14:creationId xmlns:p14="http://schemas.microsoft.com/office/powerpoint/2010/main" val="1407840677"/>
+        <p14:creationId xmlns:p14="http://schemas.microsoft.com/office/powerpoint/2010/main" val="1971442717"/>
       </p:ext>
     </p:extLst>
   </p:cSld>
@@ -17232,149 +17186,106 @@
           <a:chExt cx="0" cy="0"/>
         </a:xfrm>
       </p:grpSpPr>
-      <p:sp>
-        <p:nvSpPr>
-          <p:cNvPr id="22" name="TextBox 21">
-            <a:extLst>
-              <a:ext uri="{FF2B5EF4-FFF2-40B4-BE49-F238E27FC236}">
-                <a16:creationId xmlns:a16="http://schemas.microsoft.com/office/drawing/2014/main" id="{2D3920C8-A755-499F-8B11-02B5DF673570}"/>
-              </a:ext>
-            </a:extLst>
-          </p:cNvPr>
-          <p:cNvSpPr txBox="1"/>
-          <p:nvPr/>
-        </p:nvSpPr>
-        <p:spPr>
-          <a:xfrm>
-            <a:off x="3471512" y="4448769"/>
-            <a:ext cx="2117311" cy="646331"/>
+      <p:pic>
+        <p:nvPicPr>
+          <p:cNvPr id="2050" name="Picture 2" descr="GAN(Generative Adversarial Network)">
+            <a:extLst>
+              <a:ext uri="{FF2B5EF4-FFF2-40B4-BE49-F238E27FC236}">
+                <a16:creationId xmlns:a16="http://schemas.microsoft.com/office/drawing/2014/main" id="{BE27CF84-D525-465B-924F-06645CB75ACE}"/>
+              </a:ext>
+            </a:extLst>
+          </p:cNvPr>
+          <p:cNvPicPr>
+            <a:picLocks noChangeAspect="1" noChangeArrowheads="1"/>
+          </p:cNvPicPr>
+          <p:nvPr/>
+        </p:nvPicPr>
+        <p:blipFill>
+          <a:blip r:embed="rId2">
+            <a:extLst>
+              <a:ext uri="{28A0092B-C50C-407E-A947-70E740481C1C}">
+                <a14:useLocalDpi xmlns:a14="http://schemas.microsoft.com/office/drawing/2010/main" val="0"/>
+              </a:ext>
+            </a:extLst>
+          </a:blip>
+          <a:srcRect/>
+          <a:stretch>
+            <a:fillRect/>
+          </a:stretch>
+        </p:blipFill>
+        <p:spPr bwMode="auto">
+          <a:xfrm>
+            <a:off x="3990677" y="182661"/>
+            <a:ext cx="6545133" cy="2854390"/>
           </a:xfrm>
           <a:prstGeom prst="rect">
             <a:avLst/>
           </a:prstGeom>
           <a:noFill/>
-        </p:spPr>
-        <p:txBody>
-          <a:bodyPr wrap="square" rtlCol="0">
-            <a:spAutoFit/>
-          </a:bodyPr>
-          <a:lstStyle/>
-          <a:p>
-            <a:pPr algn="ctr"/>
-            <a:r>
-              <a:rPr lang="en-US" altLang="ko-KR" dirty="0">
+          <a:extLst>
+            <a:ext uri="{909E8E84-426E-40DD-AFC4-6F175D3DCCD1}">
+              <a14:hiddenFill xmlns:a14="http://schemas.microsoft.com/office/drawing/2010/main">
                 <a:solidFill>
-                  <a:schemeClr val="tx2">
-                    <a:lumMod val="75000"/>
-                  </a:schemeClr>
+                  <a:srgbClr val="FFFFFF"/>
                 </a:solidFill>
-              </a:rPr>
-              <a:t>2W</a:t>
-            </a:r>
-            <a:br>
-              <a:rPr lang="en-US" altLang="ko-KR" dirty="0">
+              </a14:hiddenFill>
+            </a:ext>
+          </a:extLst>
+        </p:spPr>
+      </p:pic>
+      <p:pic>
+        <p:nvPicPr>
+          <p:cNvPr id="2052" name="Picture 4" descr="GAN 모델의 이해와 구현">
+            <a:extLst>
+              <a:ext uri="{FF2B5EF4-FFF2-40B4-BE49-F238E27FC236}">
+                <a16:creationId xmlns:a16="http://schemas.microsoft.com/office/drawing/2014/main" id="{B414B632-2748-4EEA-B888-F8AB7AE70E4F}"/>
+              </a:ext>
+            </a:extLst>
+          </p:cNvPr>
+          <p:cNvPicPr>
+            <a:picLocks noChangeAspect="1" noChangeArrowheads="1"/>
+          </p:cNvPicPr>
+          <p:nvPr/>
+        </p:nvPicPr>
+        <p:blipFill>
+          <a:blip r:embed="rId3">
+            <a:extLst>
+              <a:ext uri="{28A0092B-C50C-407E-A947-70E740481C1C}">
+                <a14:useLocalDpi xmlns:a14="http://schemas.microsoft.com/office/drawing/2010/main" val="0"/>
+              </a:ext>
+            </a:extLst>
+          </a:blip>
+          <a:srcRect/>
+          <a:stretch>
+            <a:fillRect/>
+          </a:stretch>
+        </p:blipFill>
+        <p:spPr bwMode="auto">
+          <a:xfrm>
+            <a:off x="4514600" y="3529208"/>
+            <a:ext cx="5497286" cy="2756278"/>
+          </a:xfrm>
+          <a:prstGeom prst="rect">
+            <a:avLst/>
+          </a:prstGeom>
+          <a:noFill/>
+          <a:extLst>
+            <a:ext uri="{909E8E84-426E-40DD-AFC4-6F175D3DCCD1}">
+              <a14:hiddenFill xmlns:a14="http://schemas.microsoft.com/office/drawing/2010/main">
                 <a:solidFill>
-                  <a:schemeClr val="tx2">
-                    <a:lumMod val="75000"/>
-                  </a:schemeClr>
+                  <a:srgbClr val="FFFFFF"/>
                 </a:solidFill>
-              </a:rPr>
-            </a:br>
-            <a:r>
-              <a:rPr lang="en-US" altLang="ko-KR" dirty="0">
-                <a:solidFill>
-                  <a:schemeClr val="tx2">
-                    <a:lumMod val="75000"/>
-                  </a:schemeClr>
-                </a:solidFill>
-              </a:rPr>
-              <a:t>1</a:t>
-            </a:r>
-            <a:r>
-              <a:rPr lang="ko-KR" altLang="en-US" dirty="0">
-                <a:solidFill>
-                  <a:schemeClr val="tx2">
-                    <a:lumMod val="75000"/>
-                  </a:schemeClr>
-                </a:solidFill>
-              </a:rPr>
-              <a:t>분기 내용 </a:t>
-            </a:r>
-            <a:r>
-              <a:rPr lang="en-US" altLang="ko-KR" dirty="0">
-                <a:solidFill>
-                  <a:schemeClr val="tx2">
-                    <a:lumMod val="75000"/>
-                  </a:schemeClr>
-                </a:solidFill>
-              </a:rPr>
-              <a:t>Review</a:t>
-            </a:r>
-            <a:endParaRPr lang="ko-KR" altLang="en-US" dirty="0">
-              <a:solidFill>
-                <a:schemeClr val="tx2">
-                  <a:lumMod val="75000"/>
-                </a:schemeClr>
-              </a:solidFill>
-            </a:endParaRPr>
-          </a:p>
-        </p:txBody>
-      </p:sp>
-      <p:cxnSp>
-        <p:nvCxnSpPr>
-          <p:cNvPr id="3" name="직선 화살표 연결선 2">
-            <a:extLst>
-              <a:ext uri="{FF2B5EF4-FFF2-40B4-BE49-F238E27FC236}">
-                <a16:creationId xmlns:a16="http://schemas.microsoft.com/office/drawing/2014/main" id="{69DD1F64-B3CC-4600-93F7-77077FC11918}"/>
-              </a:ext>
-            </a:extLst>
-          </p:cNvPr>
-          <p:cNvCxnSpPr>
-            <a:cxnSpLocks/>
-            <a:stCxn id="10" idx="3"/>
-            <a:endCxn id="22" idx="1"/>
-          </p:cNvCxnSpPr>
-          <p:nvPr/>
-        </p:nvCxnSpPr>
-        <p:spPr>
-          <a:xfrm flipV="1">
-            <a:off x="2342875" y="4771935"/>
-            <a:ext cx="1128637" cy="8070"/>
-          </a:xfrm>
-          <a:prstGeom prst="straightConnector1">
-            <a:avLst/>
-          </a:prstGeom>
-          <a:ln>
-            <a:solidFill>
-              <a:schemeClr val="tx2">
-                <a:lumMod val="60000"/>
-                <a:lumOff val="40000"/>
-              </a:schemeClr>
-            </a:solidFill>
-            <a:tailEnd type="triangle"/>
-          </a:ln>
-        </p:spPr>
-        <p:style>
-          <a:lnRef idx="1">
-            <a:schemeClr val="accent1"/>
-          </a:lnRef>
-          <a:fillRef idx="0">
-            <a:schemeClr val="accent1"/>
-          </a:fillRef>
-          <a:effectRef idx="0">
-            <a:schemeClr val="accent1"/>
-          </a:effectRef>
-          <a:fontRef idx="minor">
-            <a:schemeClr val="tx1"/>
-          </a:fontRef>
-        </p:style>
-      </p:cxnSp>
-      <p:sp>
-        <p:nvSpPr>
-          <p:cNvPr id="8" name="사각형: 둥근 모서리 7">
-            <a:extLst>
-              <a:ext uri="{FF2B5EF4-FFF2-40B4-BE49-F238E27FC236}">
-                <a16:creationId xmlns:a16="http://schemas.microsoft.com/office/drawing/2014/main" id="{0BE06180-AF4C-4821-963E-E7851F2A82C7}"/>
+              </a14:hiddenFill>
+            </a:ext>
+          </a:extLst>
+        </p:spPr>
+      </p:pic>
+      <p:sp>
+        <p:nvSpPr>
+          <p:cNvPr id="18" name="사각형: 둥근 모서리 17">
+            <a:extLst>
+              <a:ext uri="{FF2B5EF4-FFF2-40B4-BE49-F238E27FC236}">
+                <a16:creationId xmlns:a16="http://schemas.microsoft.com/office/drawing/2014/main" id="{99633B40-0D11-45CE-B2D4-E0A6FA3D1705}"/>
               </a:ext>
             </a:extLst>
           </p:cNvPr>
@@ -17383,8 +17294,8 @@
         </p:nvSpPr>
         <p:spPr>
           <a:xfrm>
-            <a:off x="563501" y="1629029"/>
-            <a:ext cx="1779374" cy="700217"/>
+            <a:off x="492516" y="3588373"/>
+            <a:ext cx="1935465" cy="700217"/>
           </a:xfrm>
           <a:prstGeom prst="roundRect">
             <a:avLst/>
@@ -17424,17 +17335,24 @@
             <a:pPr algn="ctr"/>
             <a:r>
               <a:rPr lang="en-US" altLang="ko-KR" dirty="0"/>
-              <a:t>Data Science</a:t>
-            </a:r>
-          </a:p>
-        </p:txBody>
-      </p:sp>
-      <p:sp>
-        <p:nvSpPr>
-          <p:cNvPr id="9" name="사각형: 둥근 모서리 8">
-            <a:extLst>
-              <a:ext uri="{FF2B5EF4-FFF2-40B4-BE49-F238E27FC236}">
-                <a16:creationId xmlns:a16="http://schemas.microsoft.com/office/drawing/2014/main" id="{6A598BA7-FE55-48A9-B333-9427B85F5596}"/>
+              <a:t>Convolutional</a:t>
+            </a:r>
+            <a:br>
+              <a:rPr lang="en-US" altLang="ko-KR" dirty="0"/>
+            </a:br>
+            <a:r>
+              <a:rPr lang="en-US" altLang="ko-KR" dirty="0"/>
+              <a:t>neural network</a:t>
+            </a:r>
+          </a:p>
+        </p:txBody>
+      </p:sp>
+      <p:sp>
+        <p:nvSpPr>
+          <p:cNvPr id="19" name="사각형: 둥근 모서리 18">
+            <a:extLst>
+              <a:ext uri="{FF2B5EF4-FFF2-40B4-BE49-F238E27FC236}">
+                <a16:creationId xmlns:a16="http://schemas.microsoft.com/office/drawing/2014/main" id="{AB95BC15-E49B-41B0-ACE6-726E279C53AB}"/>
               </a:ext>
             </a:extLst>
           </p:cNvPr>
@@ -17443,8 +17361,8 @@
         </p:nvSpPr>
         <p:spPr>
           <a:xfrm>
-            <a:off x="563501" y="3029462"/>
-            <a:ext cx="1779374" cy="700217"/>
+            <a:off x="492517" y="2307370"/>
+            <a:ext cx="1935464" cy="700217"/>
           </a:xfrm>
           <a:prstGeom prst="roundRect">
             <a:avLst/>
@@ -17484,17 +17402,24 @@
             <a:pPr algn="ctr"/>
             <a:r>
               <a:rPr lang="en-US" altLang="ko-KR" dirty="0"/>
-              <a:t>ML Basic</a:t>
-            </a:r>
-          </a:p>
-        </p:txBody>
-      </p:sp>
-      <p:sp>
-        <p:nvSpPr>
-          <p:cNvPr id="10" name="사각형: 둥근 모서리 9">
-            <a:extLst>
-              <a:ext uri="{FF2B5EF4-FFF2-40B4-BE49-F238E27FC236}">
-                <a16:creationId xmlns:a16="http://schemas.microsoft.com/office/drawing/2014/main" id="{4901D261-30D8-46B0-9850-2E868BAFD3EC}"/>
+              <a:t>Overfitting</a:t>
+            </a:r>
+          </a:p>
+          <a:p>
+            <a:pPr algn="ctr"/>
+            <a:r>
+              <a:rPr lang="en-US" altLang="ko-KR" dirty="0"/>
+              <a:t>Dropout</a:t>
+            </a:r>
+          </a:p>
+        </p:txBody>
+      </p:sp>
+      <p:sp>
+        <p:nvSpPr>
+          <p:cNvPr id="20" name="사각형: 둥근 모서리 19">
+            <a:extLst>
+              <a:ext uri="{FF2B5EF4-FFF2-40B4-BE49-F238E27FC236}">
+                <a16:creationId xmlns:a16="http://schemas.microsoft.com/office/drawing/2014/main" id="{07A219B6-D33F-45D7-BDFC-E7C2CB36916E}"/>
               </a:ext>
             </a:extLst>
           </p:cNvPr>
@@ -17503,16 +17428,16 @@
         </p:nvSpPr>
         <p:spPr>
           <a:xfrm>
-            <a:off x="563501" y="4429896"/>
-            <a:ext cx="1779374" cy="700217"/>
+            <a:off x="492518" y="1026367"/>
+            <a:ext cx="1935463" cy="700217"/>
           </a:xfrm>
           <a:prstGeom prst="roundRect">
             <a:avLst/>
           </a:prstGeom>
           <a:solidFill>
             <a:schemeClr val="tx2">
-              <a:lumMod val="60000"/>
-              <a:lumOff val="40000"/>
+              <a:lumMod val="20000"/>
+              <a:lumOff val="80000"/>
             </a:schemeClr>
           </a:solidFill>
           <a:ln>
@@ -17544,17 +17469,24 @@
             <a:pPr algn="ctr"/>
             <a:r>
               <a:rPr lang="en-US" altLang="ko-KR" dirty="0"/>
-              <a:t>Review</a:t>
-            </a:r>
-          </a:p>
-        </p:txBody>
-      </p:sp>
-      <p:sp>
-        <p:nvSpPr>
-          <p:cNvPr id="11" name="사각형: 둥근 모서리 10">
-            <a:extLst>
-              <a:ext uri="{FF2B5EF4-FFF2-40B4-BE49-F238E27FC236}">
-                <a16:creationId xmlns:a16="http://schemas.microsoft.com/office/drawing/2014/main" id="{383B244C-454E-424C-B506-8F44396AE309}"/>
+              <a:t>Perceptron, </a:t>
+            </a:r>
+            <a:br>
+              <a:rPr lang="en-US" altLang="ko-KR" dirty="0"/>
+            </a:br>
+            <a:r>
+              <a:rPr lang="en-US" altLang="ko-KR" dirty="0"/>
+              <a:t>Neural Network</a:t>
+            </a:r>
+          </a:p>
+        </p:txBody>
+      </p:sp>
+      <p:sp>
+        <p:nvSpPr>
+          <p:cNvPr id="21" name="사각형: 둥근 모서리 20">
+            <a:extLst>
+              <a:ext uri="{FF2B5EF4-FFF2-40B4-BE49-F238E27FC236}">
+                <a16:creationId xmlns:a16="http://schemas.microsoft.com/office/drawing/2014/main" id="{264AA7FB-5D08-4C67-9616-5023DB0397F3}"/>
               </a:ext>
             </a:extLst>
           </p:cNvPr>
@@ -17563,16 +17495,16 @@
         </p:nvSpPr>
         <p:spPr>
           <a:xfrm>
-            <a:off x="563501" y="5830330"/>
-            <a:ext cx="1779374" cy="700217"/>
+            <a:off x="492515" y="4869376"/>
+            <a:ext cx="1935465" cy="700217"/>
           </a:xfrm>
           <a:prstGeom prst="roundRect">
             <a:avLst/>
           </a:prstGeom>
           <a:solidFill>
             <a:schemeClr val="tx2">
-              <a:lumMod val="20000"/>
-              <a:lumOff val="80000"/>
+              <a:lumMod val="60000"/>
+              <a:lumOff val="40000"/>
             </a:schemeClr>
           </a:solidFill>
           <a:ln>
@@ -17604,67 +17536,7 @@
             <a:pPr algn="ctr"/>
             <a:r>
               <a:rPr lang="en-US" altLang="ko-KR" dirty="0"/>
-              <a:t>ml-agents</a:t>
-            </a:r>
-          </a:p>
-        </p:txBody>
-      </p:sp>
-      <p:sp>
-        <p:nvSpPr>
-          <p:cNvPr id="12" name="사각형: 둥근 모서리 11">
-            <a:extLst>
-              <a:ext uri="{FF2B5EF4-FFF2-40B4-BE49-F238E27FC236}">
-                <a16:creationId xmlns:a16="http://schemas.microsoft.com/office/drawing/2014/main" id="{A4559C95-006F-4840-ACC7-235B2645ADD0}"/>
-              </a:ext>
-            </a:extLst>
-          </p:cNvPr>
-          <p:cNvSpPr/>
-          <p:nvPr/>
-        </p:nvSpPr>
-        <p:spPr>
-          <a:xfrm>
-            <a:off x="563501" y="228595"/>
-            <a:ext cx="1779374" cy="700217"/>
-          </a:xfrm>
-          <a:prstGeom prst="roundRect">
-            <a:avLst/>
-          </a:prstGeom>
-          <a:solidFill>
-            <a:schemeClr val="tx2">
-              <a:lumMod val="20000"/>
-              <a:lumOff val="80000"/>
-            </a:schemeClr>
-          </a:solidFill>
-          <a:ln>
-            <a:solidFill>
-              <a:schemeClr val="bg1"/>
-            </a:solidFill>
-          </a:ln>
-        </p:spPr>
-        <p:style>
-          <a:lnRef idx="2">
-            <a:schemeClr val="accent1">
-              <a:shade val="50000"/>
-            </a:schemeClr>
-          </a:lnRef>
-          <a:fillRef idx="1">
-            <a:schemeClr val="accent1"/>
-          </a:fillRef>
-          <a:effectRef idx="0">
-            <a:schemeClr val="accent1"/>
-          </a:effectRef>
-          <a:fontRef idx="minor">
-            <a:schemeClr val="lt1"/>
-          </a:fontRef>
-        </p:style>
-        <p:txBody>
-          <a:bodyPr rtlCol="0" anchor="ctr"/>
-          <a:lstStyle/>
-          <a:p>
-            <a:pPr algn="ctr"/>
-            <a:r>
-              <a:rPr lang="en-US" altLang="ko-KR" dirty="0"/>
-              <a:t>Overview</a:t>
+              <a:t>GAN</a:t>
             </a:r>
           </a:p>
         </p:txBody>
@@ -17672,7 +17544,7 @@
     </p:spTree>
     <p:extLst>
       <p:ext uri="{BB962C8B-B14F-4D97-AF65-F5344CB8AC3E}">
-        <p14:creationId xmlns:p14="http://schemas.microsoft.com/office/powerpoint/2010/main" val="82571715"/>
+        <p14:creationId xmlns:p14="http://schemas.microsoft.com/office/powerpoint/2010/main" val="1407840677"/>
       </p:ext>
     </p:extLst>
   </p:cSld>
@@ -18888,6 +18760,473 @@
 </file>
 
 <file path=ppt/slides/slide30.xml><?xml version="1.0" encoding="utf-8"?>
+<p:sld xmlns:a="http://schemas.openxmlformats.org/drawingml/2006/main" xmlns:r="http://schemas.openxmlformats.org/officeDocument/2006/relationships" xmlns:p="http://schemas.openxmlformats.org/presentationml/2006/main">
+  <p:cSld>
+    <p:spTree>
+      <p:nvGrpSpPr>
+        <p:cNvPr id="1" name=""/>
+        <p:cNvGrpSpPr/>
+        <p:nvPr/>
+      </p:nvGrpSpPr>
+      <p:grpSpPr>
+        <a:xfrm>
+          <a:off x="0" y="0"/>
+          <a:ext cx="0" cy="0"/>
+          <a:chOff x="0" y="0"/>
+          <a:chExt cx="0" cy="0"/>
+        </a:xfrm>
+      </p:grpSpPr>
+      <p:sp>
+        <p:nvSpPr>
+          <p:cNvPr id="22" name="TextBox 21">
+            <a:extLst>
+              <a:ext uri="{FF2B5EF4-FFF2-40B4-BE49-F238E27FC236}">
+                <a16:creationId xmlns:a16="http://schemas.microsoft.com/office/drawing/2014/main" id="{2D3920C8-A755-499F-8B11-02B5DF673570}"/>
+              </a:ext>
+            </a:extLst>
+          </p:cNvPr>
+          <p:cNvSpPr txBox="1"/>
+          <p:nvPr/>
+        </p:nvSpPr>
+        <p:spPr>
+          <a:xfrm>
+            <a:off x="3471512" y="4448769"/>
+            <a:ext cx="2117311" cy="646331"/>
+          </a:xfrm>
+          <a:prstGeom prst="rect">
+            <a:avLst/>
+          </a:prstGeom>
+          <a:noFill/>
+        </p:spPr>
+        <p:txBody>
+          <a:bodyPr wrap="square" rtlCol="0">
+            <a:spAutoFit/>
+          </a:bodyPr>
+          <a:lstStyle/>
+          <a:p>
+            <a:pPr algn="ctr"/>
+            <a:r>
+              <a:rPr lang="en-US" altLang="ko-KR" dirty="0">
+                <a:solidFill>
+                  <a:schemeClr val="tx2">
+                    <a:lumMod val="75000"/>
+                  </a:schemeClr>
+                </a:solidFill>
+              </a:rPr>
+              <a:t>2W</a:t>
+            </a:r>
+            <a:br>
+              <a:rPr lang="en-US" altLang="ko-KR" dirty="0">
+                <a:solidFill>
+                  <a:schemeClr val="tx2">
+                    <a:lumMod val="75000"/>
+                  </a:schemeClr>
+                </a:solidFill>
+              </a:rPr>
+            </a:br>
+            <a:r>
+              <a:rPr lang="en-US" altLang="ko-KR" dirty="0">
+                <a:solidFill>
+                  <a:schemeClr val="tx2">
+                    <a:lumMod val="75000"/>
+                  </a:schemeClr>
+                </a:solidFill>
+              </a:rPr>
+              <a:t>1</a:t>
+            </a:r>
+            <a:r>
+              <a:rPr lang="ko-KR" altLang="en-US" dirty="0">
+                <a:solidFill>
+                  <a:schemeClr val="tx2">
+                    <a:lumMod val="75000"/>
+                  </a:schemeClr>
+                </a:solidFill>
+              </a:rPr>
+              <a:t>분기 내용 </a:t>
+            </a:r>
+            <a:r>
+              <a:rPr lang="en-US" altLang="ko-KR" dirty="0">
+                <a:solidFill>
+                  <a:schemeClr val="tx2">
+                    <a:lumMod val="75000"/>
+                  </a:schemeClr>
+                </a:solidFill>
+              </a:rPr>
+              <a:t>Review</a:t>
+            </a:r>
+            <a:endParaRPr lang="ko-KR" altLang="en-US" dirty="0">
+              <a:solidFill>
+                <a:schemeClr val="tx2">
+                  <a:lumMod val="75000"/>
+                </a:schemeClr>
+              </a:solidFill>
+            </a:endParaRPr>
+          </a:p>
+        </p:txBody>
+      </p:sp>
+      <p:cxnSp>
+        <p:nvCxnSpPr>
+          <p:cNvPr id="3" name="직선 화살표 연결선 2">
+            <a:extLst>
+              <a:ext uri="{FF2B5EF4-FFF2-40B4-BE49-F238E27FC236}">
+                <a16:creationId xmlns:a16="http://schemas.microsoft.com/office/drawing/2014/main" id="{69DD1F64-B3CC-4600-93F7-77077FC11918}"/>
+              </a:ext>
+            </a:extLst>
+          </p:cNvPr>
+          <p:cNvCxnSpPr>
+            <a:cxnSpLocks/>
+            <a:stCxn id="10" idx="3"/>
+            <a:endCxn id="22" idx="1"/>
+          </p:cNvCxnSpPr>
+          <p:nvPr/>
+        </p:nvCxnSpPr>
+        <p:spPr>
+          <a:xfrm flipV="1">
+            <a:off x="2342875" y="4771935"/>
+            <a:ext cx="1128637" cy="8070"/>
+          </a:xfrm>
+          <a:prstGeom prst="straightConnector1">
+            <a:avLst/>
+          </a:prstGeom>
+          <a:ln>
+            <a:solidFill>
+              <a:schemeClr val="tx2">
+                <a:lumMod val="60000"/>
+                <a:lumOff val="40000"/>
+              </a:schemeClr>
+            </a:solidFill>
+            <a:tailEnd type="triangle"/>
+          </a:ln>
+        </p:spPr>
+        <p:style>
+          <a:lnRef idx="1">
+            <a:schemeClr val="accent1"/>
+          </a:lnRef>
+          <a:fillRef idx="0">
+            <a:schemeClr val="accent1"/>
+          </a:fillRef>
+          <a:effectRef idx="0">
+            <a:schemeClr val="accent1"/>
+          </a:effectRef>
+          <a:fontRef idx="minor">
+            <a:schemeClr val="tx1"/>
+          </a:fontRef>
+        </p:style>
+      </p:cxnSp>
+      <p:sp>
+        <p:nvSpPr>
+          <p:cNvPr id="8" name="사각형: 둥근 모서리 7">
+            <a:extLst>
+              <a:ext uri="{FF2B5EF4-FFF2-40B4-BE49-F238E27FC236}">
+                <a16:creationId xmlns:a16="http://schemas.microsoft.com/office/drawing/2014/main" id="{0BE06180-AF4C-4821-963E-E7851F2A82C7}"/>
+              </a:ext>
+            </a:extLst>
+          </p:cNvPr>
+          <p:cNvSpPr/>
+          <p:nvPr/>
+        </p:nvSpPr>
+        <p:spPr>
+          <a:xfrm>
+            <a:off x="563501" y="1629029"/>
+            <a:ext cx="1779374" cy="700217"/>
+          </a:xfrm>
+          <a:prstGeom prst="roundRect">
+            <a:avLst/>
+          </a:prstGeom>
+          <a:solidFill>
+            <a:schemeClr val="tx2">
+              <a:lumMod val="20000"/>
+              <a:lumOff val="80000"/>
+            </a:schemeClr>
+          </a:solidFill>
+          <a:ln>
+            <a:solidFill>
+              <a:schemeClr val="bg1"/>
+            </a:solidFill>
+          </a:ln>
+        </p:spPr>
+        <p:style>
+          <a:lnRef idx="2">
+            <a:schemeClr val="accent1">
+              <a:shade val="50000"/>
+            </a:schemeClr>
+          </a:lnRef>
+          <a:fillRef idx="1">
+            <a:schemeClr val="accent1"/>
+          </a:fillRef>
+          <a:effectRef idx="0">
+            <a:schemeClr val="accent1"/>
+          </a:effectRef>
+          <a:fontRef idx="minor">
+            <a:schemeClr val="lt1"/>
+          </a:fontRef>
+        </p:style>
+        <p:txBody>
+          <a:bodyPr rtlCol="0" anchor="ctr"/>
+          <a:lstStyle/>
+          <a:p>
+            <a:pPr algn="ctr"/>
+            <a:r>
+              <a:rPr lang="en-US" altLang="ko-KR" dirty="0"/>
+              <a:t>Data Science</a:t>
+            </a:r>
+          </a:p>
+        </p:txBody>
+      </p:sp>
+      <p:sp>
+        <p:nvSpPr>
+          <p:cNvPr id="9" name="사각형: 둥근 모서리 8">
+            <a:extLst>
+              <a:ext uri="{FF2B5EF4-FFF2-40B4-BE49-F238E27FC236}">
+                <a16:creationId xmlns:a16="http://schemas.microsoft.com/office/drawing/2014/main" id="{6A598BA7-FE55-48A9-B333-9427B85F5596}"/>
+              </a:ext>
+            </a:extLst>
+          </p:cNvPr>
+          <p:cNvSpPr/>
+          <p:nvPr/>
+        </p:nvSpPr>
+        <p:spPr>
+          <a:xfrm>
+            <a:off x="563501" y="3029462"/>
+            <a:ext cx="1779374" cy="700217"/>
+          </a:xfrm>
+          <a:prstGeom prst="roundRect">
+            <a:avLst/>
+          </a:prstGeom>
+          <a:solidFill>
+            <a:schemeClr val="tx2">
+              <a:lumMod val="20000"/>
+              <a:lumOff val="80000"/>
+            </a:schemeClr>
+          </a:solidFill>
+          <a:ln>
+            <a:solidFill>
+              <a:schemeClr val="bg1"/>
+            </a:solidFill>
+          </a:ln>
+        </p:spPr>
+        <p:style>
+          <a:lnRef idx="2">
+            <a:schemeClr val="accent1">
+              <a:shade val="50000"/>
+            </a:schemeClr>
+          </a:lnRef>
+          <a:fillRef idx="1">
+            <a:schemeClr val="accent1"/>
+          </a:fillRef>
+          <a:effectRef idx="0">
+            <a:schemeClr val="accent1"/>
+          </a:effectRef>
+          <a:fontRef idx="minor">
+            <a:schemeClr val="lt1"/>
+          </a:fontRef>
+        </p:style>
+        <p:txBody>
+          <a:bodyPr rtlCol="0" anchor="ctr"/>
+          <a:lstStyle/>
+          <a:p>
+            <a:pPr algn="ctr"/>
+            <a:r>
+              <a:rPr lang="en-US" altLang="ko-KR" dirty="0"/>
+              <a:t>ML Basic</a:t>
+            </a:r>
+          </a:p>
+        </p:txBody>
+      </p:sp>
+      <p:sp>
+        <p:nvSpPr>
+          <p:cNvPr id="10" name="사각형: 둥근 모서리 9">
+            <a:extLst>
+              <a:ext uri="{FF2B5EF4-FFF2-40B4-BE49-F238E27FC236}">
+                <a16:creationId xmlns:a16="http://schemas.microsoft.com/office/drawing/2014/main" id="{4901D261-30D8-46B0-9850-2E868BAFD3EC}"/>
+              </a:ext>
+            </a:extLst>
+          </p:cNvPr>
+          <p:cNvSpPr/>
+          <p:nvPr/>
+        </p:nvSpPr>
+        <p:spPr>
+          <a:xfrm>
+            <a:off x="563501" y="4429896"/>
+            <a:ext cx="1779374" cy="700217"/>
+          </a:xfrm>
+          <a:prstGeom prst="roundRect">
+            <a:avLst/>
+          </a:prstGeom>
+          <a:solidFill>
+            <a:schemeClr val="tx2">
+              <a:lumMod val="60000"/>
+              <a:lumOff val="40000"/>
+            </a:schemeClr>
+          </a:solidFill>
+          <a:ln>
+            <a:solidFill>
+              <a:schemeClr val="bg1"/>
+            </a:solidFill>
+          </a:ln>
+        </p:spPr>
+        <p:style>
+          <a:lnRef idx="2">
+            <a:schemeClr val="accent1">
+              <a:shade val="50000"/>
+            </a:schemeClr>
+          </a:lnRef>
+          <a:fillRef idx="1">
+            <a:schemeClr val="accent1"/>
+          </a:fillRef>
+          <a:effectRef idx="0">
+            <a:schemeClr val="accent1"/>
+          </a:effectRef>
+          <a:fontRef idx="minor">
+            <a:schemeClr val="lt1"/>
+          </a:fontRef>
+        </p:style>
+        <p:txBody>
+          <a:bodyPr rtlCol="0" anchor="ctr"/>
+          <a:lstStyle/>
+          <a:p>
+            <a:pPr algn="ctr"/>
+            <a:r>
+              <a:rPr lang="en-US" altLang="ko-KR" dirty="0"/>
+              <a:t>Review</a:t>
+            </a:r>
+          </a:p>
+        </p:txBody>
+      </p:sp>
+      <p:sp>
+        <p:nvSpPr>
+          <p:cNvPr id="11" name="사각형: 둥근 모서리 10">
+            <a:extLst>
+              <a:ext uri="{FF2B5EF4-FFF2-40B4-BE49-F238E27FC236}">
+                <a16:creationId xmlns:a16="http://schemas.microsoft.com/office/drawing/2014/main" id="{383B244C-454E-424C-B506-8F44396AE309}"/>
+              </a:ext>
+            </a:extLst>
+          </p:cNvPr>
+          <p:cNvSpPr/>
+          <p:nvPr/>
+        </p:nvSpPr>
+        <p:spPr>
+          <a:xfrm>
+            <a:off x="563501" y="5830330"/>
+            <a:ext cx="1779374" cy="700217"/>
+          </a:xfrm>
+          <a:prstGeom prst="roundRect">
+            <a:avLst/>
+          </a:prstGeom>
+          <a:solidFill>
+            <a:schemeClr val="tx2">
+              <a:lumMod val="20000"/>
+              <a:lumOff val="80000"/>
+            </a:schemeClr>
+          </a:solidFill>
+          <a:ln>
+            <a:solidFill>
+              <a:schemeClr val="bg1"/>
+            </a:solidFill>
+          </a:ln>
+        </p:spPr>
+        <p:style>
+          <a:lnRef idx="2">
+            <a:schemeClr val="accent1">
+              <a:shade val="50000"/>
+            </a:schemeClr>
+          </a:lnRef>
+          <a:fillRef idx="1">
+            <a:schemeClr val="accent1"/>
+          </a:fillRef>
+          <a:effectRef idx="0">
+            <a:schemeClr val="accent1"/>
+          </a:effectRef>
+          <a:fontRef idx="minor">
+            <a:schemeClr val="lt1"/>
+          </a:fontRef>
+        </p:style>
+        <p:txBody>
+          <a:bodyPr rtlCol="0" anchor="ctr"/>
+          <a:lstStyle/>
+          <a:p>
+            <a:pPr algn="ctr"/>
+            <a:r>
+              <a:rPr lang="en-US" altLang="ko-KR" dirty="0"/>
+              <a:t>ml-agents</a:t>
+            </a:r>
+          </a:p>
+        </p:txBody>
+      </p:sp>
+      <p:sp>
+        <p:nvSpPr>
+          <p:cNvPr id="12" name="사각형: 둥근 모서리 11">
+            <a:extLst>
+              <a:ext uri="{FF2B5EF4-FFF2-40B4-BE49-F238E27FC236}">
+                <a16:creationId xmlns:a16="http://schemas.microsoft.com/office/drawing/2014/main" id="{A4559C95-006F-4840-ACC7-235B2645ADD0}"/>
+              </a:ext>
+            </a:extLst>
+          </p:cNvPr>
+          <p:cNvSpPr/>
+          <p:nvPr/>
+        </p:nvSpPr>
+        <p:spPr>
+          <a:xfrm>
+            <a:off x="563501" y="228595"/>
+            <a:ext cx="1779374" cy="700217"/>
+          </a:xfrm>
+          <a:prstGeom prst="roundRect">
+            <a:avLst/>
+          </a:prstGeom>
+          <a:solidFill>
+            <a:schemeClr val="tx2">
+              <a:lumMod val="20000"/>
+              <a:lumOff val="80000"/>
+            </a:schemeClr>
+          </a:solidFill>
+          <a:ln>
+            <a:solidFill>
+              <a:schemeClr val="bg1"/>
+            </a:solidFill>
+          </a:ln>
+        </p:spPr>
+        <p:style>
+          <a:lnRef idx="2">
+            <a:schemeClr val="accent1">
+              <a:shade val="50000"/>
+            </a:schemeClr>
+          </a:lnRef>
+          <a:fillRef idx="1">
+            <a:schemeClr val="accent1"/>
+          </a:fillRef>
+          <a:effectRef idx="0">
+            <a:schemeClr val="accent1"/>
+          </a:effectRef>
+          <a:fontRef idx="minor">
+            <a:schemeClr val="lt1"/>
+          </a:fontRef>
+        </p:style>
+        <p:txBody>
+          <a:bodyPr rtlCol="0" anchor="ctr"/>
+          <a:lstStyle/>
+          <a:p>
+            <a:pPr algn="ctr"/>
+            <a:r>
+              <a:rPr lang="en-US" altLang="ko-KR" dirty="0"/>
+              <a:t>Overview</a:t>
+            </a:r>
+          </a:p>
+        </p:txBody>
+      </p:sp>
+    </p:spTree>
+    <p:extLst>
+      <p:ext uri="{BB962C8B-B14F-4D97-AF65-F5344CB8AC3E}">
+        <p14:creationId xmlns:p14="http://schemas.microsoft.com/office/powerpoint/2010/main" val="82571715"/>
+      </p:ext>
+    </p:extLst>
+  </p:cSld>
+  <p:clrMapOvr>
+    <a:masterClrMapping/>
+  </p:clrMapOvr>
+</p:sld>
+</file>
+
+<file path=ppt/slides/slide31.xml><?xml version="1.0" encoding="utf-8"?>
 <p:sld xmlns:a="http://schemas.openxmlformats.org/drawingml/2006/main" xmlns:r="http://schemas.openxmlformats.org/officeDocument/2006/relationships" xmlns:p="http://schemas.openxmlformats.org/presentationml/2006/main">
   <p:cSld>
     <p:spTree>

--- a/planning/AI seminar.pptx
+++ b/planning/AI seminar.pptx
@@ -4588,73 +4588,6 @@
           </a:p>
         </p:txBody>
       </p:sp>
-      <p:sp>
-        <p:nvSpPr>
-          <p:cNvPr id="19" name="사각형: 둥근 모서리 18">
-            <a:extLst>
-              <a:ext uri="{FF2B5EF4-FFF2-40B4-BE49-F238E27FC236}">
-                <a16:creationId xmlns:a16="http://schemas.microsoft.com/office/drawing/2014/main" id="{FD0F3B19-6C8C-4FB2-99D7-7C36D3B45637}"/>
-              </a:ext>
-            </a:extLst>
-          </p:cNvPr>
-          <p:cNvSpPr/>
-          <p:nvPr/>
-        </p:nvSpPr>
-        <p:spPr>
-          <a:xfrm>
-            <a:off x="492515" y="4869376"/>
-            <a:ext cx="1935465" cy="700217"/>
-          </a:xfrm>
-          <a:prstGeom prst="roundRect">
-            <a:avLst/>
-          </a:prstGeom>
-          <a:solidFill>
-            <a:schemeClr val="tx2">
-              <a:lumMod val="20000"/>
-              <a:lumOff val="80000"/>
-            </a:schemeClr>
-          </a:solidFill>
-          <a:ln>
-            <a:solidFill>
-              <a:schemeClr val="bg1"/>
-            </a:solidFill>
-          </a:ln>
-        </p:spPr>
-        <p:style>
-          <a:lnRef idx="2">
-            <a:schemeClr val="accent1">
-              <a:shade val="50000"/>
-            </a:schemeClr>
-          </a:lnRef>
-          <a:fillRef idx="1">
-            <a:schemeClr val="accent1"/>
-          </a:fillRef>
-          <a:effectRef idx="0">
-            <a:schemeClr val="accent1"/>
-          </a:effectRef>
-          <a:fontRef idx="minor">
-            <a:schemeClr val="lt1"/>
-          </a:fontRef>
-        </p:style>
-        <p:txBody>
-          <a:bodyPr rtlCol="0" anchor="ctr"/>
-          <a:lstStyle/>
-          <a:p>
-            <a:pPr algn="ctr"/>
-            <a:r>
-              <a:rPr lang="en-US" altLang="ko-KR" dirty="0"/>
-              <a:t>Multiple</a:t>
-            </a:r>
-          </a:p>
-          <a:p>
-            <a:pPr algn="ctr"/>
-            <a:r>
-              <a:rPr lang="en-US" altLang="ko-KR" dirty="0"/>
-              <a:t>Regression</a:t>
-            </a:r>
-          </a:p>
-        </p:txBody>
-      </p:sp>
       <p:pic>
         <p:nvPicPr>
           <p:cNvPr id="20" name="Picture 2" descr="https://i.stack.imgur.com/8Cue4.png">
@@ -4749,6 +4682,66 @@
           </a:extLst>
         </p:spPr>
       </p:pic>
+      <p:sp>
+        <p:nvSpPr>
+          <p:cNvPr id="8" name="사각형: 둥근 모서리 7">
+            <a:extLst>
+              <a:ext uri="{FF2B5EF4-FFF2-40B4-BE49-F238E27FC236}">
+                <a16:creationId xmlns:a16="http://schemas.microsoft.com/office/drawing/2014/main" id="{1C4BF5F5-B9D3-47C1-A333-E938BFB641CA}"/>
+              </a:ext>
+            </a:extLst>
+          </p:cNvPr>
+          <p:cNvSpPr/>
+          <p:nvPr/>
+        </p:nvSpPr>
+        <p:spPr>
+          <a:xfrm>
+            <a:off x="492515" y="4869376"/>
+            <a:ext cx="1935465" cy="849581"/>
+          </a:xfrm>
+          <a:prstGeom prst="roundRect">
+            <a:avLst/>
+          </a:prstGeom>
+          <a:solidFill>
+            <a:schemeClr val="tx2">
+              <a:lumMod val="20000"/>
+              <a:lumOff val="80000"/>
+            </a:schemeClr>
+          </a:solidFill>
+          <a:ln>
+            <a:solidFill>
+              <a:schemeClr val="bg1"/>
+            </a:solidFill>
+          </a:ln>
+        </p:spPr>
+        <p:style>
+          <a:lnRef idx="2">
+            <a:schemeClr val="accent1">
+              <a:shade val="50000"/>
+            </a:schemeClr>
+          </a:lnRef>
+          <a:fillRef idx="1">
+            <a:schemeClr val="accent1"/>
+          </a:fillRef>
+          <a:effectRef idx="0">
+            <a:schemeClr val="accent1"/>
+          </a:effectRef>
+          <a:fontRef idx="minor">
+            <a:schemeClr val="lt1"/>
+          </a:fontRef>
+        </p:style>
+        <p:txBody>
+          <a:bodyPr rtlCol="0" anchor="ctr"/>
+          <a:lstStyle/>
+          <a:p>
+            <a:pPr algn="ctr"/>
+            <a:r>
+              <a:rPr lang="en-US" altLang="ko-KR" dirty="0"/>
+              <a:t>Multiple Regression Perceptron</a:t>
+            </a:r>
+          </a:p>
+        </p:txBody>
+      </p:sp>
     </p:spTree>
     <p:extLst>
       <p:ext uri="{BB962C8B-B14F-4D97-AF65-F5344CB8AC3E}">
@@ -5136,10 +5129,10 @@
       </p:sp>
       <p:sp>
         <p:nvSpPr>
-          <p:cNvPr id="22" name="사각형: 둥근 모서리 21">
-            <a:extLst>
-              <a:ext uri="{FF2B5EF4-FFF2-40B4-BE49-F238E27FC236}">
-                <a16:creationId xmlns:a16="http://schemas.microsoft.com/office/drawing/2014/main" id="{D922F576-81FB-499B-B850-71A994F30713}"/>
+          <p:cNvPr id="10" name="사각형: 둥근 모서리 9">
+            <a:extLst>
+              <a:ext uri="{FF2B5EF4-FFF2-40B4-BE49-F238E27FC236}">
+                <a16:creationId xmlns:a16="http://schemas.microsoft.com/office/drawing/2014/main" id="{3C684BF3-39CB-4E81-B0D9-84985DBB5032}"/>
               </a:ext>
             </a:extLst>
           </p:cNvPr>
@@ -5149,7 +5142,7 @@
         <p:spPr>
           <a:xfrm>
             <a:off x="492515" y="4869376"/>
-            <a:ext cx="1935465" cy="700217"/>
+            <a:ext cx="1935465" cy="849581"/>
           </a:xfrm>
           <a:prstGeom prst="roundRect">
             <a:avLst/>
@@ -5189,14 +5182,7 @@
             <a:pPr algn="ctr"/>
             <a:r>
               <a:rPr lang="en-US" altLang="ko-KR" dirty="0"/>
-              <a:t>Multiple</a:t>
-            </a:r>
-          </a:p>
-          <a:p>
-            <a:pPr algn="ctr"/>
-            <a:r>
-              <a:rPr lang="en-US" altLang="ko-KR" dirty="0"/>
-              <a:t>Regression</a:t>
+              <a:t>Multiple Regression Perceptron</a:t>
             </a:r>
           </a:p>
         </p:txBody>
@@ -5602,10 +5588,10 @@
       </p:sp>
       <p:sp>
         <p:nvSpPr>
-          <p:cNvPr id="26" name="사각형: 둥근 모서리 25">
-            <a:extLst>
-              <a:ext uri="{FF2B5EF4-FFF2-40B4-BE49-F238E27FC236}">
-                <a16:creationId xmlns:a16="http://schemas.microsoft.com/office/drawing/2014/main" id="{55C0E6DF-44AE-470B-88A8-73A970FC76DF}"/>
+          <p:cNvPr id="10" name="사각형: 둥근 모서리 9">
+            <a:extLst>
+              <a:ext uri="{FF2B5EF4-FFF2-40B4-BE49-F238E27FC236}">
+                <a16:creationId xmlns:a16="http://schemas.microsoft.com/office/drawing/2014/main" id="{56C0AFB1-C2BF-46B6-A648-427B00B74CA8}"/>
               </a:ext>
             </a:extLst>
           </p:cNvPr>
@@ -5615,7 +5601,7 @@
         <p:spPr>
           <a:xfrm>
             <a:off x="492515" y="4869376"/>
-            <a:ext cx="1935465" cy="700217"/>
+            <a:ext cx="1935465" cy="849581"/>
           </a:xfrm>
           <a:prstGeom prst="roundRect">
             <a:avLst/>
@@ -5655,14 +5641,7 @@
             <a:pPr algn="ctr"/>
             <a:r>
               <a:rPr lang="en-US" altLang="ko-KR" dirty="0"/>
-              <a:t>Multiple</a:t>
-            </a:r>
-          </a:p>
-          <a:p>
-            <a:pPr algn="ctr"/>
-            <a:r>
-              <a:rPr lang="en-US" altLang="ko-KR" dirty="0"/>
-              <a:t>Regression</a:t>
+              <a:t>Multiple Regression Perceptron</a:t>
             </a:r>
           </a:p>
         </p:txBody>
@@ -6293,10 +6272,10 @@
       </p:sp>
       <p:sp>
         <p:nvSpPr>
-          <p:cNvPr id="28" name="사각형: 둥근 모서리 27">
-            <a:extLst>
-              <a:ext uri="{FF2B5EF4-FFF2-40B4-BE49-F238E27FC236}">
-                <a16:creationId xmlns:a16="http://schemas.microsoft.com/office/drawing/2014/main" id="{DD73DC06-19C9-4878-8365-AF80A3AF7F47}"/>
+          <p:cNvPr id="16" name="사각형: 둥근 모서리 15">
+            <a:extLst>
+              <a:ext uri="{FF2B5EF4-FFF2-40B4-BE49-F238E27FC236}">
+                <a16:creationId xmlns:a16="http://schemas.microsoft.com/office/drawing/2014/main" id="{B276CBDD-16CC-4FBA-A734-265787C6803D}"/>
               </a:ext>
             </a:extLst>
           </p:cNvPr>
@@ -6306,7 +6285,7 @@
         <p:spPr>
           <a:xfrm>
             <a:off x="492515" y="4869376"/>
-            <a:ext cx="1935465" cy="700217"/>
+            <a:ext cx="1935465" cy="849581"/>
           </a:xfrm>
           <a:prstGeom prst="roundRect">
             <a:avLst/>
@@ -6346,14 +6325,7 @@
             <a:pPr algn="ctr"/>
             <a:r>
               <a:rPr lang="en-US" altLang="ko-KR" dirty="0"/>
-              <a:t>Multiple</a:t>
-            </a:r>
-          </a:p>
-          <a:p>
-            <a:pPr algn="ctr"/>
-            <a:r>
-              <a:rPr lang="en-US" altLang="ko-KR" dirty="0"/>
-              <a:t>Regression</a:t>
+              <a:t>Multiple Regression Perceptron</a:t>
             </a:r>
           </a:p>
         </p:txBody>
@@ -6846,10 +6818,10 @@
       </p:sp>
       <p:sp>
         <p:nvSpPr>
-          <p:cNvPr id="26" name="사각형: 둥근 모서리 25">
-            <a:extLst>
-              <a:ext uri="{FF2B5EF4-FFF2-40B4-BE49-F238E27FC236}">
-                <a16:creationId xmlns:a16="http://schemas.microsoft.com/office/drawing/2014/main" id="{2B271290-13EC-4D30-B4B3-245DE0802462}"/>
+          <p:cNvPr id="13" name="사각형: 둥근 모서리 12">
+            <a:extLst>
+              <a:ext uri="{FF2B5EF4-FFF2-40B4-BE49-F238E27FC236}">
+                <a16:creationId xmlns:a16="http://schemas.microsoft.com/office/drawing/2014/main" id="{DEC2C9BE-2EE5-49B4-9F63-DB68CF782E37}"/>
               </a:ext>
             </a:extLst>
           </p:cNvPr>
@@ -6859,7 +6831,7 @@
         <p:spPr>
           <a:xfrm>
             <a:off x="492515" y="4869376"/>
-            <a:ext cx="1935465" cy="700217"/>
+            <a:ext cx="1935465" cy="849581"/>
           </a:xfrm>
           <a:prstGeom prst="roundRect">
             <a:avLst/>
@@ -6899,14 +6871,7 @@
             <a:pPr algn="ctr"/>
             <a:r>
               <a:rPr lang="en-US" altLang="ko-KR" dirty="0"/>
-              <a:t>Multiple</a:t>
-            </a:r>
-          </a:p>
-          <a:p>
-            <a:pPr algn="ctr"/>
-            <a:r>
-              <a:rPr lang="en-US" altLang="ko-KR" dirty="0"/>
-              <a:t>Regression</a:t>
+              <a:t>Multiple Regression Perceptron</a:t>
             </a:r>
           </a:p>
         </p:txBody>
@@ -7637,10 +7602,10 @@
       </p:sp>
       <p:sp>
         <p:nvSpPr>
-          <p:cNvPr id="28" name="사각형: 둥근 모서리 27">
-            <a:extLst>
-              <a:ext uri="{FF2B5EF4-FFF2-40B4-BE49-F238E27FC236}">
-                <a16:creationId xmlns:a16="http://schemas.microsoft.com/office/drawing/2014/main" id="{8021310C-8EA6-4276-9C16-0F47DC8D9F8F}"/>
+          <p:cNvPr id="17" name="사각형: 둥근 모서리 16">
+            <a:extLst>
+              <a:ext uri="{FF2B5EF4-FFF2-40B4-BE49-F238E27FC236}">
+                <a16:creationId xmlns:a16="http://schemas.microsoft.com/office/drawing/2014/main" id="{5522FFC5-F69C-48FA-874D-974031BB749C}"/>
               </a:ext>
             </a:extLst>
           </p:cNvPr>
@@ -7650,7 +7615,7 @@
         <p:spPr>
           <a:xfrm>
             <a:off x="492515" y="4869376"/>
-            <a:ext cx="1935465" cy="700217"/>
+            <a:ext cx="1935465" cy="849581"/>
           </a:xfrm>
           <a:prstGeom prst="roundRect">
             <a:avLst/>
@@ -7690,14 +7655,7 @@
             <a:pPr algn="ctr"/>
             <a:r>
               <a:rPr lang="en-US" altLang="ko-KR" dirty="0"/>
-              <a:t>Multiple</a:t>
-            </a:r>
-          </a:p>
-          <a:p>
-            <a:pPr algn="ctr"/>
-            <a:r>
-              <a:rPr lang="en-US" altLang="ko-KR" dirty="0"/>
-              <a:t>Regression</a:t>
+              <a:t>Multiple Regression Perceptron</a:t>
             </a:r>
           </a:p>
         </p:txBody>
@@ -8428,10 +8386,10 @@
       </p:sp>
       <p:sp>
         <p:nvSpPr>
-          <p:cNvPr id="32" name="사각형: 둥근 모서리 31">
-            <a:extLst>
-              <a:ext uri="{FF2B5EF4-FFF2-40B4-BE49-F238E27FC236}">
-                <a16:creationId xmlns:a16="http://schemas.microsoft.com/office/drawing/2014/main" id="{56FAA412-2655-4A2F-92FB-B8043FDF6B7D}"/>
+          <p:cNvPr id="18" name="사각형: 둥근 모서리 17">
+            <a:extLst>
+              <a:ext uri="{FF2B5EF4-FFF2-40B4-BE49-F238E27FC236}">
+                <a16:creationId xmlns:a16="http://schemas.microsoft.com/office/drawing/2014/main" id="{A641F7E8-BBC4-4D17-89DD-1515213B6688}"/>
               </a:ext>
             </a:extLst>
           </p:cNvPr>
@@ -8441,7 +8399,7 @@
         <p:spPr>
           <a:xfrm>
             <a:off x="492515" y="4869376"/>
-            <a:ext cx="1935465" cy="700217"/>
+            <a:ext cx="1935465" cy="849581"/>
           </a:xfrm>
           <a:prstGeom prst="roundRect">
             <a:avLst/>
@@ -8481,14 +8439,7 @@
             <a:pPr algn="ctr"/>
             <a:r>
               <a:rPr lang="en-US" altLang="ko-KR" dirty="0"/>
-              <a:t>Multiple</a:t>
-            </a:r>
-          </a:p>
-          <a:p>
-            <a:pPr algn="ctr"/>
-            <a:r>
-              <a:rPr lang="en-US" altLang="ko-KR" dirty="0"/>
-              <a:t>Regression</a:t>
+              <a:t>Multiple Regression Perceptron</a:t>
             </a:r>
           </a:p>
         </p:txBody>
@@ -9434,10 +9385,10 @@
       </p:sp>
       <p:sp>
         <p:nvSpPr>
-          <p:cNvPr id="38" name="사각형: 둥근 모서리 37">
-            <a:extLst>
-              <a:ext uri="{FF2B5EF4-FFF2-40B4-BE49-F238E27FC236}">
-                <a16:creationId xmlns:a16="http://schemas.microsoft.com/office/drawing/2014/main" id="{130C8938-A05C-4BF4-A7C8-EBDC5E5F27C6}"/>
+          <p:cNvPr id="19" name="사각형: 둥근 모서리 18">
+            <a:extLst>
+              <a:ext uri="{FF2B5EF4-FFF2-40B4-BE49-F238E27FC236}">
+                <a16:creationId xmlns:a16="http://schemas.microsoft.com/office/drawing/2014/main" id="{6B58F228-A4C6-4C02-9EFA-D2E17184863D}"/>
               </a:ext>
             </a:extLst>
           </p:cNvPr>
@@ -9447,7 +9398,7 @@
         <p:spPr>
           <a:xfrm>
             <a:off x="492515" y="4869376"/>
-            <a:ext cx="1935465" cy="700217"/>
+            <a:ext cx="1935465" cy="849581"/>
           </a:xfrm>
           <a:prstGeom prst="roundRect">
             <a:avLst/>
@@ -9487,14 +9438,7 @@
             <a:pPr algn="ctr"/>
             <a:r>
               <a:rPr lang="en-US" altLang="ko-KR" dirty="0"/>
-              <a:t>Multiple</a:t>
-            </a:r>
-          </a:p>
-          <a:p>
-            <a:pPr algn="ctr"/>
-            <a:r>
-              <a:rPr lang="en-US" altLang="ko-KR" dirty="0"/>
-              <a:t>Regression</a:t>
+              <a:t>Multiple Regression Perceptron</a:t>
             </a:r>
           </a:p>
         </p:txBody>
@@ -9756,73 +9700,6 @@
           </a:p>
         </p:txBody>
       </p:sp>
-      <p:sp>
-        <p:nvSpPr>
-          <p:cNvPr id="38" name="사각형: 둥근 모서리 37">
-            <a:extLst>
-              <a:ext uri="{FF2B5EF4-FFF2-40B4-BE49-F238E27FC236}">
-                <a16:creationId xmlns:a16="http://schemas.microsoft.com/office/drawing/2014/main" id="{130C8938-A05C-4BF4-A7C8-EBDC5E5F27C6}"/>
-              </a:ext>
-            </a:extLst>
-          </p:cNvPr>
-          <p:cNvSpPr/>
-          <p:nvPr/>
-        </p:nvSpPr>
-        <p:spPr>
-          <a:xfrm>
-            <a:off x="492515" y="4869376"/>
-            <a:ext cx="1935465" cy="700217"/>
-          </a:xfrm>
-          <a:prstGeom prst="roundRect">
-            <a:avLst/>
-          </a:prstGeom>
-          <a:solidFill>
-            <a:schemeClr val="tx2">
-              <a:lumMod val="60000"/>
-              <a:lumOff val="40000"/>
-            </a:schemeClr>
-          </a:solidFill>
-          <a:ln>
-            <a:solidFill>
-              <a:schemeClr val="bg1"/>
-            </a:solidFill>
-          </a:ln>
-        </p:spPr>
-        <p:style>
-          <a:lnRef idx="2">
-            <a:schemeClr val="accent1">
-              <a:shade val="50000"/>
-            </a:schemeClr>
-          </a:lnRef>
-          <a:fillRef idx="1">
-            <a:schemeClr val="accent1"/>
-          </a:fillRef>
-          <a:effectRef idx="0">
-            <a:schemeClr val="accent1"/>
-          </a:effectRef>
-          <a:fontRef idx="minor">
-            <a:schemeClr val="lt1"/>
-          </a:fontRef>
-        </p:style>
-        <p:txBody>
-          <a:bodyPr rtlCol="0" anchor="ctr"/>
-          <a:lstStyle/>
-          <a:p>
-            <a:pPr algn="ctr"/>
-            <a:r>
-              <a:rPr lang="en-US" altLang="ko-KR" dirty="0"/>
-              <a:t>Multiple</a:t>
-            </a:r>
-          </a:p>
-          <a:p>
-            <a:pPr algn="ctr"/>
-            <a:r>
-              <a:rPr lang="en-US" altLang="ko-KR" dirty="0"/>
-              <a:t>Regression</a:t>
-            </a:r>
-          </a:p>
-        </p:txBody>
-      </p:sp>
       <p:pic>
         <p:nvPicPr>
           <p:cNvPr id="19" name="그림 18">
@@ -10028,6 +9905,66 @@
           </a:fontRef>
         </p:style>
       </p:cxnSp>
+      <p:sp>
+        <p:nvSpPr>
+          <p:cNvPr id="12" name="사각형: 둥근 모서리 11">
+            <a:extLst>
+              <a:ext uri="{FF2B5EF4-FFF2-40B4-BE49-F238E27FC236}">
+                <a16:creationId xmlns:a16="http://schemas.microsoft.com/office/drawing/2014/main" id="{A0E4FD08-076C-4FD9-8A09-CE455455BE6D}"/>
+              </a:ext>
+            </a:extLst>
+          </p:cNvPr>
+          <p:cNvSpPr/>
+          <p:nvPr/>
+        </p:nvSpPr>
+        <p:spPr>
+          <a:xfrm>
+            <a:off x="492515" y="4869376"/>
+            <a:ext cx="1935465" cy="849581"/>
+          </a:xfrm>
+          <a:prstGeom prst="roundRect">
+            <a:avLst/>
+          </a:prstGeom>
+          <a:solidFill>
+            <a:schemeClr val="tx2">
+              <a:lumMod val="60000"/>
+              <a:lumOff val="40000"/>
+            </a:schemeClr>
+          </a:solidFill>
+          <a:ln>
+            <a:solidFill>
+              <a:schemeClr val="bg1"/>
+            </a:solidFill>
+          </a:ln>
+        </p:spPr>
+        <p:style>
+          <a:lnRef idx="2">
+            <a:schemeClr val="accent1">
+              <a:shade val="50000"/>
+            </a:schemeClr>
+          </a:lnRef>
+          <a:fillRef idx="1">
+            <a:schemeClr val="accent1"/>
+          </a:fillRef>
+          <a:effectRef idx="0">
+            <a:schemeClr val="accent1"/>
+          </a:effectRef>
+          <a:fontRef idx="minor">
+            <a:schemeClr val="lt1"/>
+          </a:fontRef>
+        </p:style>
+        <p:txBody>
+          <a:bodyPr rtlCol="0" anchor="ctr"/>
+          <a:lstStyle/>
+          <a:p>
+            <a:pPr algn="ctr"/>
+            <a:r>
+              <a:rPr lang="en-US" altLang="ko-KR" dirty="0"/>
+              <a:t>Multiple Regression Perceptron</a:t>
+            </a:r>
+          </a:p>
+        </p:txBody>
+      </p:sp>
     </p:spTree>
     <p:extLst>
       <p:ext uri="{BB962C8B-B14F-4D97-AF65-F5344CB8AC3E}">
@@ -10197,7 +10134,7 @@
         </p:nvSpPr>
         <p:spPr>
           <a:xfrm>
-            <a:off x="492516" y="3588373"/>
+            <a:off x="483184" y="2877635"/>
             <a:ext cx="1935465" cy="700217"/>
           </a:xfrm>
           <a:prstGeom prst="roundRect">
@@ -10252,10 +10189,10 @@
       </p:sp>
       <p:sp>
         <p:nvSpPr>
-          <p:cNvPr id="34" name="사각형: 둥근 모서리 33">
-            <a:extLst>
-              <a:ext uri="{FF2B5EF4-FFF2-40B4-BE49-F238E27FC236}">
-                <a16:creationId xmlns:a16="http://schemas.microsoft.com/office/drawing/2014/main" id="{ED426AA6-4022-445B-B91B-BB37BF571445}"/>
+          <p:cNvPr id="36" name="사각형: 둥근 모서리 35">
+            <a:extLst>
+              <a:ext uri="{FF2B5EF4-FFF2-40B4-BE49-F238E27FC236}">
+                <a16:creationId xmlns:a16="http://schemas.microsoft.com/office/drawing/2014/main" id="{B6AB6DE6-BEC0-4323-BFB3-65CB008E583D}"/>
               </a:ext>
             </a:extLst>
           </p:cNvPr>
@@ -10264,8 +10201,8 @@
         </p:nvSpPr>
         <p:spPr>
           <a:xfrm>
-            <a:off x="492517" y="2307370"/>
-            <a:ext cx="1935464" cy="700217"/>
+            <a:off x="483183" y="4158638"/>
+            <a:ext cx="1935465" cy="700217"/>
           </a:xfrm>
           <a:prstGeom prst="roundRect">
             <a:avLst/>
@@ -10305,24 +10242,17 @@
             <a:pPr algn="ctr"/>
             <a:r>
               <a:rPr lang="en-US" altLang="ko-KR" dirty="0"/>
-              <a:t>Overfitting</a:t>
-            </a:r>
-          </a:p>
-          <a:p>
-            <a:pPr algn="ctr"/>
-            <a:r>
-              <a:rPr lang="en-US" altLang="ko-KR" dirty="0"/>
-              <a:t>Dropout</a:t>
-            </a:r>
-          </a:p>
-        </p:txBody>
-      </p:sp>
-      <p:sp>
-        <p:nvSpPr>
-          <p:cNvPr id="35" name="사각형: 둥근 모서리 34">
-            <a:extLst>
-              <a:ext uri="{FF2B5EF4-FFF2-40B4-BE49-F238E27FC236}">
-                <a16:creationId xmlns:a16="http://schemas.microsoft.com/office/drawing/2014/main" id="{E37F3ECF-5D31-4108-AEB9-505689671AE1}"/>
+              <a:t>GAN</a:t>
+            </a:r>
+          </a:p>
+        </p:txBody>
+      </p:sp>
+      <p:sp>
+        <p:nvSpPr>
+          <p:cNvPr id="9" name="사각형: 둥근 모서리 8">
+            <a:extLst>
+              <a:ext uri="{FF2B5EF4-FFF2-40B4-BE49-F238E27FC236}">
+                <a16:creationId xmlns:a16="http://schemas.microsoft.com/office/drawing/2014/main" id="{44F9BB10-DEB2-485A-B855-F5F4F999E3D5}"/>
               </a:ext>
             </a:extLst>
           </p:cNvPr>
@@ -10331,8 +10261,8 @@
         </p:nvSpPr>
         <p:spPr>
           <a:xfrm>
-            <a:off x="492518" y="1026367"/>
-            <a:ext cx="1935463" cy="700217"/>
+            <a:off x="483186" y="1406589"/>
+            <a:ext cx="1935462" cy="890260"/>
           </a:xfrm>
           <a:prstGeom prst="roundRect">
             <a:avLst/>
@@ -10372,74 +10302,21 @@
             <a:pPr algn="ctr"/>
             <a:r>
               <a:rPr lang="en-US" altLang="ko-KR" dirty="0"/>
-              <a:t>Perceptron, </a:t>
-            </a:r>
-            <a:br>
-              <a:rPr lang="en-US" altLang="ko-KR" dirty="0"/>
-            </a:br>
-            <a:r>
-              <a:rPr lang="en-US" altLang="ko-KR" dirty="0"/>
               <a:t>Neural Network</a:t>
             </a:r>
           </a:p>
-        </p:txBody>
-      </p:sp>
-      <p:sp>
-        <p:nvSpPr>
-          <p:cNvPr id="36" name="사각형: 둥근 모서리 35">
-            <a:extLst>
-              <a:ext uri="{FF2B5EF4-FFF2-40B4-BE49-F238E27FC236}">
-                <a16:creationId xmlns:a16="http://schemas.microsoft.com/office/drawing/2014/main" id="{B6AB6DE6-BEC0-4323-BFB3-65CB008E583D}"/>
-              </a:ext>
-            </a:extLst>
-          </p:cNvPr>
-          <p:cNvSpPr/>
-          <p:nvPr/>
-        </p:nvSpPr>
-        <p:spPr>
-          <a:xfrm>
-            <a:off x="492515" y="4869376"/>
-            <a:ext cx="1935465" cy="700217"/>
-          </a:xfrm>
-          <a:prstGeom prst="roundRect">
-            <a:avLst/>
-          </a:prstGeom>
-          <a:solidFill>
-            <a:schemeClr val="tx2">
-              <a:lumMod val="20000"/>
-              <a:lumOff val="80000"/>
-            </a:schemeClr>
-          </a:solidFill>
-          <a:ln>
-            <a:solidFill>
-              <a:schemeClr val="bg1"/>
-            </a:solidFill>
-          </a:ln>
-        </p:spPr>
-        <p:style>
-          <a:lnRef idx="2">
-            <a:schemeClr val="accent1">
-              <a:shade val="50000"/>
-            </a:schemeClr>
-          </a:lnRef>
-          <a:fillRef idx="1">
-            <a:schemeClr val="accent1"/>
-          </a:fillRef>
-          <a:effectRef idx="0">
-            <a:schemeClr val="accent1"/>
-          </a:effectRef>
-          <a:fontRef idx="minor">
-            <a:schemeClr val="lt1"/>
-          </a:fontRef>
-        </p:style>
-        <p:txBody>
-          <a:bodyPr rtlCol="0" anchor="ctr"/>
-          <a:lstStyle/>
           <a:p>
             <a:pPr algn="ctr"/>
             <a:r>
               <a:rPr lang="en-US" altLang="ko-KR" dirty="0"/>
-              <a:t>GAN</a:t>
+              <a:t>Overfitting</a:t>
+            </a:r>
+          </a:p>
+          <a:p>
+            <a:pPr algn="ctr"/>
+            <a:r>
+              <a:rPr lang="en-US" altLang="ko-KR" dirty="0"/>
+              <a:t>Dropout</a:t>
             </a:r>
           </a:p>
         </p:txBody>
@@ -10807,7 +10684,8 @@
               <a:rPr lang="ko-KR" altLang="en-US" dirty="0">
                 <a:solidFill>
                   <a:schemeClr val="tx2">
-                    <a:lumMod val="75000"/>
+                    <a:lumMod val="60000"/>
+                    <a:lumOff val="40000"/>
                   </a:schemeClr>
                 </a:solidFill>
               </a:rPr>
@@ -10817,7 +10695,8 @@
               <a:rPr lang="en-US" altLang="ko-KR" dirty="0">
                 <a:solidFill>
                   <a:schemeClr val="tx2">
-                    <a:lumMod val="75000"/>
+                    <a:lumMod val="60000"/>
+                    <a:lumOff val="40000"/>
                   </a:schemeClr>
                 </a:solidFill>
               </a:rPr>
@@ -10826,7 +10705,8 @@
               <a:rPr lang="en-US" altLang="ko-KR" dirty="0">
                 <a:solidFill>
                   <a:schemeClr val="tx2">
-                    <a:lumMod val="75000"/>
+                    <a:lumMod val="60000"/>
+                    <a:lumOff val="40000"/>
                   </a:schemeClr>
                 </a:solidFill>
               </a:rPr>
@@ -10836,7 +10716,8 @@
               <a:rPr lang="ko-KR" altLang="en-US" dirty="0">
                 <a:solidFill>
                   <a:schemeClr val="tx2">
-                    <a:lumMod val="75000"/>
+                    <a:lumMod val="60000"/>
+                    <a:lumOff val="40000"/>
                   </a:schemeClr>
                 </a:solidFill>
               </a:rPr>
@@ -10846,7 +10727,8 @@
               <a:rPr lang="en-US" altLang="ko-KR" dirty="0">
                 <a:solidFill>
                   <a:schemeClr val="tx2">
-                    <a:lumMod val="75000"/>
+                    <a:lumMod val="60000"/>
+                    <a:lumOff val="40000"/>
                   </a:schemeClr>
                 </a:solidFill>
               </a:rPr>
@@ -10856,7 +10738,8 @@
               <a:rPr lang="ko-KR" altLang="en-US" dirty="0">
                 <a:solidFill>
                   <a:schemeClr val="tx2">
-                    <a:lumMod val="75000"/>
+                    <a:lumMod val="60000"/>
+                    <a:lumOff val="40000"/>
                   </a:schemeClr>
                 </a:solidFill>
               </a:rPr>
@@ -10866,7 +10749,8 @@
               <a:rPr lang="en-US" altLang="ko-KR" dirty="0">
                 <a:solidFill>
                   <a:schemeClr val="tx2">
-                    <a:lumMod val="75000"/>
+                    <a:lumMod val="60000"/>
+                    <a:lumOff val="40000"/>
                   </a:schemeClr>
                 </a:solidFill>
               </a:rPr>
@@ -10876,7 +10760,8 @@
               <a:rPr lang="ko-KR" altLang="en-US" dirty="0" err="1">
                 <a:solidFill>
                   <a:schemeClr val="tx2">
-                    <a:lumMod val="75000"/>
+                    <a:lumMod val="60000"/>
+                    <a:lumOff val="40000"/>
                   </a:schemeClr>
                 </a:solidFill>
               </a:rPr>
@@ -10886,7 +10771,8 @@
               <a:rPr lang="en-US" altLang="ko-KR" dirty="0">
                 <a:solidFill>
                   <a:schemeClr val="tx2">
-                    <a:lumMod val="75000"/>
+                    <a:lumMod val="60000"/>
+                    <a:lumOff val="40000"/>
                   </a:schemeClr>
                 </a:solidFill>
               </a:rPr>
@@ -10896,7 +10782,8 @@
               <a:rPr lang="ko-KR" altLang="en-US" dirty="0">
                 <a:solidFill>
                   <a:schemeClr val="tx2">
-                    <a:lumMod val="75000"/>
+                    <a:lumMod val="60000"/>
+                    <a:lumOff val="40000"/>
                   </a:schemeClr>
                 </a:solidFill>
               </a:rPr>
@@ -11018,10 +10905,10 @@
       </p:pic>
       <p:sp>
         <p:nvSpPr>
-          <p:cNvPr id="34" name="사각형: 둥근 모서리 33">
-            <a:extLst>
-              <a:ext uri="{FF2B5EF4-FFF2-40B4-BE49-F238E27FC236}">
-                <a16:creationId xmlns:a16="http://schemas.microsoft.com/office/drawing/2014/main" id="{E116F099-21FD-46B4-838B-042B1CB9C32A}"/>
+          <p:cNvPr id="7" name="사각형: 둥근 모서리 6">
+            <a:extLst>
+              <a:ext uri="{FF2B5EF4-FFF2-40B4-BE49-F238E27FC236}">
+                <a16:creationId xmlns:a16="http://schemas.microsoft.com/office/drawing/2014/main" id="{CE89E615-244D-4470-8C05-F3303904D08C}"/>
               </a:ext>
             </a:extLst>
           </p:cNvPr>
@@ -11030,7 +10917,7 @@
         </p:nvSpPr>
         <p:spPr>
           <a:xfrm>
-            <a:off x="492516" y="3588373"/>
+            <a:off x="483184" y="2877635"/>
             <a:ext cx="1935465" cy="700217"/>
           </a:xfrm>
           <a:prstGeom prst="roundRect">
@@ -11085,10 +10972,10 @@
       </p:sp>
       <p:sp>
         <p:nvSpPr>
-          <p:cNvPr id="35" name="사각형: 둥근 모서리 34">
-            <a:extLst>
-              <a:ext uri="{FF2B5EF4-FFF2-40B4-BE49-F238E27FC236}">
-                <a16:creationId xmlns:a16="http://schemas.microsoft.com/office/drawing/2014/main" id="{D6B785B2-D978-4B3D-9358-2A714E24ED3D}"/>
+          <p:cNvPr id="8" name="사각형: 둥근 모서리 7">
+            <a:extLst>
+              <a:ext uri="{FF2B5EF4-FFF2-40B4-BE49-F238E27FC236}">
+                <a16:creationId xmlns:a16="http://schemas.microsoft.com/office/drawing/2014/main" id="{D0B6D1A0-69B5-450D-92E7-D36CF048ECA2}"/>
               </a:ext>
             </a:extLst>
           </p:cNvPr>
@@ -11097,8 +10984,8 @@
         </p:nvSpPr>
         <p:spPr>
           <a:xfrm>
-            <a:off x="492517" y="2307370"/>
-            <a:ext cx="1935464" cy="700217"/>
+            <a:off x="483183" y="4158638"/>
+            <a:ext cx="1935465" cy="700217"/>
           </a:xfrm>
           <a:prstGeom prst="roundRect">
             <a:avLst/>
@@ -11138,24 +11025,17 @@
             <a:pPr algn="ctr"/>
             <a:r>
               <a:rPr lang="en-US" altLang="ko-KR" dirty="0"/>
-              <a:t>Overfitting</a:t>
-            </a:r>
-          </a:p>
-          <a:p>
-            <a:pPr algn="ctr"/>
-            <a:r>
-              <a:rPr lang="en-US" altLang="ko-KR" dirty="0"/>
-              <a:t>Dropout</a:t>
-            </a:r>
-          </a:p>
-        </p:txBody>
-      </p:sp>
-      <p:sp>
-        <p:nvSpPr>
-          <p:cNvPr id="36" name="사각형: 둥근 모서리 35">
-            <a:extLst>
-              <a:ext uri="{FF2B5EF4-FFF2-40B4-BE49-F238E27FC236}">
-                <a16:creationId xmlns:a16="http://schemas.microsoft.com/office/drawing/2014/main" id="{6C0AD7AF-AB05-483E-A994-CF16B93FA0C0}"/>
+              <a:t>GAN</a:t>
+            </a:r>
+          </a:p>
+        </p:txBody>
+      </p:sp>
+      <p:sp>
+        <p:nvSpPr>
+          <p:cNvPr id="9" name="사각형: 둥근 모서리 8">
+            <a:extLst>
+              <a:ext uri="{FF2B5EF4-FFF2-40B4-BE49-F238E27FC236}">
+                <a16:creationId xmlns:a16="http://schemas.microsoft.com/office/drawing/2014/main" id="{F98E70FB-9882-4164-85D8-A9893F0E28A1}"/>
               </a:ext>
             </a:extLst>
           </p:cNvPr>
@@ -11164,8 +11044,8 @@
         </p:nvSpPr>
         <p:spPr>
           <a:xfrm>
-            <a:off x="492518" y="1026367"/>
-            <a:ext cx="1935463" cy="700217"/>
+            <a:off x="483186" y="1406589"/>
+            <a:ext cx="1935462" cy="890260"/>
           </a:xfrm>
           <a:prstGeom prst="roundRect">
             <a:avLst/>
@@ -11205,74 +11085,21 @@
             <a:pPr algn="ctr"/>
             <a:r>
               <a:rPr lang="en-US" altLang="ko-KR" dirty="0"/>
-              <a:t>Perceptron, </a:t>
-            </a:r>
-            <a:br>
-              <a:rPr lang="en-US" altLang="ko-KR" dirty="0"/>
-            </a:br>
-            <a:r>
-              <a:rPr lang="en-US" altLang="ko-KR" dirty="0"/>
               <a:t>Neural Network</a:t>
             </a:r>
           </a:p>
-        </p:txBody>
-      </p:sp>
-      <p:sp>
-        <p:nvSpPr>
-          <p:cNvPr id="37" name="사각형: 둥근 모서리 36">
-            <a:extLst>
-              <a:ext uri="{FF2B5EF4-FFF2-40B4-BE49-F238E27FC236}">
-                <a16:creationId xmlns:a16="http://schemas.microsoft.com/office/drawing/2014/main" id="{7E282DD7-FE54-4C35-A247-38E03D3F42D3}"/>
-              </a:ext>
-            </a:extLst>
-          </p:cNvPr>
-          <p:cNvSpPr/>
-          <p:nvPr/>
-        </p:nvSpPr>
-        <p:spPr>
-          <a:xfrm>
-            <a:off x="492515" y="4869376"/>
-            <a:ext cx="1935465" cy="700217"/>
-          </a:xfrm>
-          <a:prstGeom prst="roundRect">
-            <a:avLst/>
-          </a:prstGeom>
-          <a:solidFill>
-            <a:schemeClr val="tx2">
-              <a:lumMod val="20000"/>
-              <a:lumOff val="80000"/>
-            </a:schemeClr>
-          </a:solidFill>
-          <a:ln>
-            <a:solidFill>
-              <a:schemeClr val="bg1"/>
-            </a:solidFill>
-          </a:ln>
-        </p:spPr>
-        <p:style>
-          <a:lnRef idx="2">
-            <a:schemeClr val="accent1">
-              <a:shade val="50000"/>
-            </a:schemeClr>
-          </a:lnRef>
-          <a:fillRef idx="1">
-            <a:schemeClr val="accent1"/>
-          </a:fillRef>
-          <a:effectRef idx="0">
-            <a:schemeClr val="accent1"/>
-          </a:effectRef>
-          <a:fontRef idx="minor">
-            <a:schemeClr val="lt1"/>
-          </a:fontRef>
-        </p:style>
-        <p:txBody>
-          <a:bodyPr rtlCol="0" anchor="ctr"/>
-          <a:lstStyle/>
           <a:p>
             <a:pPr algn="ctr"/>
             <a:r>
               <a:rPr lang="en-US" altLang="ko-KR" dirty="0"/>
-              <a:t>GAN</a:t>
+              <a:t>Overfitting</a:t>
+            </a:r>
+          </a:p>
+          <a:p>
+            <a:pPr algn="ctr"/>
+            <a:r>
+              <a:rPr lang="en-US" altLang="ko-KR" dirty="0"/>
+              <a:t>Dropout</a:t>
             </a:r>
           </a:p>
         </p:txBody>
@@ -11401,267 +11228,6 @@
           </a:extLst>
         </p:spPr>
       </p:pic>
-      <p:sp>
-        <p:nvSpPr>
-          <p:cNvPr id="40" name="사각형: 둥근 모서리 39">
-            <a:extLst>
-              <a:ext uri="{FF2B5EF4-FFF2-40B4-BE49-F238E27FC236}">
-                <a16:creationId xmlns:a16="http://schemas.microsoft.com/office/drawing/2014/main" id="{1B6779C2-6A9B-4DE7-A41B-1B0AFC8937F4}"/>
-              </a:ext>
-            </a:extLst>
-          </p:cNvPr>
-          <p:cNvSpPr/>
-          <p:nvPr/>
-        </p:nvSpPr>
-        <p:spPr>
-          <a:xfrm>
-            <a:off x="492516" y="3588373"/>
-            <a:ext cx="1935465" cy="700217"/>
-          </a:xfrm>
-          <a:prstGeom prst="roundRect">
-            <a:avLst/>
-          </a:prstGeom>
-          <a:solidFill>
-            <a:schemeClr val="tx2">
-              <a:lumMod val="20000"/>
-              <a:lumOff val="80000"/>
-            </a:schemeClr>
-          </a:solidFill>
-          <a:ln>
-            <a:solidFill>
-              <a:schemeClr val="bg1"/>
-            </a:solidFill>
-          </a:ln>
-        </p:spPr>
-        <p:style>
-          <a:lnRef idx="2">
-            <a:schemeClr val="accent1">
-              <a:shade val="50000"/>
-            </a:schemeClr>
-          </a:lnRef>
-          <a:fillRef idx="1">
-            <a:schemeClr val="accent1"/>
-          </a:fillRef>
-          <a:effectRef idx="0">
-            <a:schemeClr val="accent1"/>
-          </a:effectRef>
-          <a:fontRef idx="minor">
-            <a:schemeClr val="lt1"/>
-          </a:fontRef>
-        </p:style>
-        <p:txBody>
-          <a:bodyPr rtlCol="0" anchor="ctr"/>
-          <a:lstStyle/>
-          <a:p>
-            <a:pPr algn="ctr"/>
-            <a:r>
-              <a:rPr lang="en-US" altLang="ko-KR" dirty="0"/>
-              <a:t>Convolutional</a:t>
-            </a:r>
-            <a:br>
-              <a:rPr lang="en-US" altLang="ko-KR" dirty="0"/>
-            </a:br>
-            <a:r>
-              <a:rPr lang="en-US" altLang="ko-KR" dirty="0"/>
-              <a:t>neural network</a:t>
-            </a:r>
-          </a:p>
-        </p:txBody>
-      </p:sp>
-      <p:sp>
-        <p:nvSpPr>
-          <p:cNvPr id="41" name="사각형: 둥근 모서리 40">
-            <a:extLst>
-              <a:ext uri="{FF2B5EF4-FFF2-40B4-BE49-F238E27FC236}">
-                <a16:creationId xmlns:a16="http://schemas.microsoft.com/office/drawing/2014/main" id="{6C4E28D0-1FFA-4517-A6A4-8771A8EF0F3E}"/>
-              </a:ext>
-            </a:extLst>
-          </p:cNvPr>
-          <p:cNvSpPr/>
-          <p:nvPr/>
-        </p:nvSpPr>
-        <p:spPr>
-          <a:xfrm>
-            <a:off x="492517" y="2307370"/>
-            <a:ext cx="1935464" cy="700217"/>
-          </a:xfrm>
-          <a:prstGeom prst="roundRect">
-            <a:avLst/>
-          </a:prstGeom>
-          <a:solidFill>
-            <a:schemeClr val="tx2">
-              <a:lumMod val="20000"/>
-              <a:lumOff val="80000"/>
-            </a:schemeClr>
-          </a:solidFill>
-          <a:ln>
-            <a:solidFill>
-              <a:schemeClr val="bg1"/>
-            </a:solidFill>
-          </a:ln>
-        </p:spPr>
-        <p:style>
-          <a:lnRef idx="2">
-            <a:schemeClr val="accent1">
-              <a:shade val="50000"/>
-            </a:schemeClr>
-          </a:lnRef>
-          <a:fillRef idx="1">
-            <a:schemeClr val="accent1"/>
-          </a:fillRef>
-          <a:effectRef idx="0">
-            <a:schemeClr val="accent1"/>
-          </a:effectRef>
-          <a:fontRef idx="minor">
-            <a:schemeClr val="lt1"/>
-          </a:fontRef>
-        </p:style>
-        <p:txBody>
-          <a:bodyPr rtlCol="0" anchor="ctr"/>
-          <a:lstStyle/>
-          <a:p>
-            <a:pPr algn="ctr"/>
-            <a:r>
-              <a:rPr lang="en-US" altLang="ko-KR" dirty="0"/>
-              <a:t>Overfitting</a:t>
-            </a:r>
-          </a:p>
-          <a:p>
-            <a:pPr algn="ctr"/>
-            <a:r>
-              <a:rPr lang="en-US" altLang="ko-KR" dirty="0"/>
-              <a:t>Dropout</a:t>
-            </a:r>
-          </a:p>
-        </p:txBody>
-      </p:sp>
-      <p:sp>
-        <p:nvSpPr>
-          <p:cNvPr id="42" name="사각형: 둥근 모서리 41">
-            <a:extLst>
-              <a:ext uri="{FF2B5EF4-FFF2-40B4-BE49-F238E27FC236}">
-                <a16:creationId xmlns:a16="http://schemas.microsoft.com/office/drawing/2014/main" id="{51825E1E-0014-484F-83AF-CD9774C2A7EC}"/>
-              </a:ext>
-            </a:extLst>
-          </p:cNvPr>
-          <p:cNvSpPr/>
-          <p:nvPr/>
-        </p:nvSpPr>
-        <p:spPr>
-          <a:xfrm>
-            <a:off x="492518" y="1026367"/>
-            <a:ext cx="1935463" cy="700217"/>
-          </a:xfrm>
-          <a:prstGeom prst="roundRect">
-            <a:avLst/>
-          </a:prstGeom>
-          <a:solidFill>
-            <a:schemeClr val="tx2">
-              <a:lumMod val="60000"/>
-              <a:lumOff val="40000"/>
-            </a:schemeClr>
-          </a:solidFill>
-          <a:ln>
-            <a:solidFill>
-              <a:schemeClr val="bg1"/>
-            </a:solidFill>
-          </a:ln>
-        </p:spPr>
-        <p:style>
-          <a:lnRef idx="2">
-            <a:schemeClr val="accent1">
-              <a:shade val="50000"/>
-            </a:schemeClr>
-          </a:lnRef>
-          <a:fillRef idx="1">
-            <a:schemeClr val="accent1"/>
-          </a:fillRef>
-          <a:effectRef idx="0">
-            <a:schemeClr val="accent1"/>
-          </a:effectRef>
-          <a:fontRef idx="minor">
-            <a:schemeClr val="lt1"/>
-          </a:fontRef>
-        </p:style>
-        <p:txBody>
-          <a:bodyPr rtlCol="0" anchor="ctr"/>
-          <a:lstStyle/>
-          <a:p>
-            <a:pPr algn="ctr"/>
-            <a:r>
-              <a:rPr lang="en-US" altLang="ko-KR" dirty="0"/>
-              <a:t>Perceptron, </a:t>
-            </a:r>
-            <a:br>
-              <a:rPr lang="en-US" altLang="ko-KR" dirty="0"/>
-            </a:br>
-            <a:r>
-              <a:rPr lang="en-US" altLang="ko-KR" dirty="0"/>
-              <a:t>Neural Network</a:t>
-            </a:r>
-          </a:p>
-        </p:txBody>
-      </p:sp>
-      <p:sp>
-        <p:nvSpPr>
-          <p:cNvPr id="43" name="사각형: 둥근 모서리 42">
-            <a:extLst>
-              <a:ext uri="{FF2B5EF4-FFF2-40B4-BE49-F238E27FC236}">
-                <a16:creationId xmlns:a16="http://schemas.microsoft.com/office/drawing/2014/main" id="{5FCAD110-DFB5-495C-A12B-79239EA6ED22}"/>
-              </a:ext>
-            </a:extLst>
-          </p:cNvPr>
-          <p:cNvSpPr/>
-          <p:nvPr/>
-        </p:nvSpPr>
-        <p:spPr>
-          <a:xfrm>
-            <a:off x="492515" y="4869376"/>
-            <a:ext cx="1935465" cy="700217"/>
-          </a:xfrm>
-          <a:prstGeom prst="roundRect">
-            <a:avLst/>
-          </a:prstGeom>
-          <a:solidFill>
-            <a:schemeClr val="tx2">
-              <a:lumMod val="20000"/>
-              <a:lumOff val="80000"/>
-            </a:schemeClr>
-          </a:solidFill>
-          <a:ln>
-            <a:solidFill>
-              <a:schemeClr val="bg1"/>
-            </a:solidFill>
-          </a:ln>
-        </p:spPr>
-        <p:style>
-          <a:lnRef idx="2">
-            <a:schemeClr val="accent1">
-              <a:shade val="50000"/>
-            </a:schemeClr>
-          </a:lnRef>
-          <a:fillRef idx="1">
-            <a:schemeClr val="accent1"/>
-          </a:fillRef>
-          <a:effectRef idx="0">
-            <a:schemeClr val="accent1"/>
-          </a:effectRef>
-          <a:fontRef idx="minor">
-            <a:schemeClr val="lt1"/>
-          </a:fontRef>
-        </p:style>
-        <p:txBody>
-          <a:bodyPr rtlCol="0" anchor="ctr"/>
-          <a:lstStyle/>
-          <a:p>
-            <a:pPr algn="ctr"/>
-            <a:r>
-              <a:rPr lang="en-US" altLang="ko-KR" dirty="0"/>
-              <a:t>GAN</a:t>
-            </a:r>
-          </a:p>
-        </p:txBody>
-      </p:sp>
       <p:pic>
         <p:nvPicPr>
           <p:cNvPr id="24" name="Picture 6" descr="샤워 후 습진에 걸린 강아지, 어떻게 관리해야 하나요? | 전성기">
@@ -12490,6 +12056,207 @@
             <a:r>
               <a:rPr lang="ko-KR" altLang="en-US" b="1" dirty="0"/>
               <a:t>호랑이인지 개인지 판단하는 모델</a:t>
+            </a:r>
+          </a:p>
+        </p:txBody>
+      </p:sp>
+      <p:sp>
+        <p:nvSpPr>
+          <p:cNvPr id="47" name="사각형: 둥근 모서리 46">
+            <a:extLst>
+              <a:ext uri="{FF2B5EF4-FFF2-40B4-BE49-F238E27FC236}">
+                <a16:creationId xmlns:a16="http://schemas.microsoft.com/office/drawing/2014/main" id="{E39BF073-7B59-40E8-B534-D2F806BB042F}"/>
+              </a:ext>
+            </a:extLst>
+          </p:cNvPr>
+          <p:cNvSpPr/>
+          <p:nvPr/>
+        </p:nvSpPr>
+        <p:spPr>
+          <a:xfrm>
+            <a:off x="483184" y="2877635"/>
+            <a:ext cx="1935465" cy="700217"/>
+          </a:xfrm>
+          <a:prstGeom prst="roundRect">
+            <a:avLst/>
+          </a:prstGeom>
+          <a:solidFill>
+            <a:schemeClr val="tx2">
+              <a:lumMod val="20000"/>
+              <a:lumOff val="80000"/>
+            </a:schemeClr>
+          </a:solidFill>
+          <a:ln>
+            <a:solidFill>
+              <a:schemeClr val="bg1"/>
+            </a:solidFill>
+          </a:ln>
+        </p:spPr>
+        <p:style>
+          <a:lnRef idx="2">
+            <a:schemeClr val="accent1">
+              <a:shade val="50000"/>
+            </a:schemeClr>
+          </a:lnRef>
+          <a:fillRef idx="1">
+            <a:schemeClr val="accent1"/>
+          </a:fillRef>
+          <a:effectRef idx="0">
+            <a:schemeClr val="accent1"/>
+          </a:effectRef>
+          <a:fontRef idx="minor">
+            <a:schemeClr val="lt1"/>
+          </a:fontRef>
+        </p:style>
+        <p:txBody>
+          <a:bodyPr rtlCol="0" anchor="ctr"/>
+          <a:lstStyle/>
+          <a:p>
+            <a:pPr algn="ctr"/>
+            <a:r>
+              <a:rPr lang="en-US" altLang="ko-KR" dirty="0"/>
+              <a:t>Convolutional</a:t>
+            </a:r>
+            <a:br>
+              <a:rPr lang="en-US" altLang="ko-KR" dirty="0"/>
+            </a:br>
+            <a:r>
+              <a:rPr lang="en-US" altLang="ko-KR" dirty="0"/>
+              <a:t>neural network</a:t>
+            </a:r>
+          </a:p>
+        </p:txBody>
+      </p:sp>
+      <p:sp>
+        <p:nvSpPr>
+          <p:cNvPr id="49" name="사각형: 둥근 모서리 48">
+            <a:extLst>
+              <a:ext uri="{FF2B5EF4-FFF2-40B4-BE49-F238E27FC236}">
+                <a16:creationId xmlns:a16="http://schemas.microsoft.com/office/drawing/2014/main" id="{32813A70-917E-43A9-A668-9513BFD6C8D3}"/>
+              </a:ext>
+            </a:extLst>
+          </p:cNvPr>
+          <p:cNvSpPr/>
+          <p:nvPr/>
+        </p:nvSpPr>
+        <p:spPr>
+          <a:xfrm>
+            <a:off x="483183" y="4158638"/>
+            <a:ext cx="1935465" cy="700217"/>
+          </a:xfrm>
+          <a:prstGeom prst="roundRect">
+            <a:avLst/>
+          </a:prstGeom>
+          <a:solidFill>
+            <a:schemeClr val="tx2">
+              <a:lumMod val="20000"/>
+              <a:lumOff val="80000"/>
+            </a:schemeClr>
+          </a:solidFill>
+          <a:ln>
+            <a:solidFill>
+              <a:schemeClr val="bg1"/>
+            </a:solidFill>
+          </a:ln>
+        </p:spPr>
+        <p:style>
+          <a:lnRef idx="2">
+            <a:schemeClr val="accent1">
+              <a:shade val="50000"/>
+            </a:schemeClr>
+          </a:lnRef>
+          <a:fillRef idx="1">
+            <a:schemeClr val="accent1"/>
+          </a:fillRef>
+          <a:effectRef idx="0">
+            <a:schemeClr val="accent1"/>
+          </a:effectRef>
+          <a:fontRef idx="minor">
+            <a:schemeClr val="lt1"/>
+          </a:fontRef>
+        </p:style>
+        <p:txBody>
+          <a:bodyPr rtlCol="0" anchor="ctr"/>
+          <a:lstStyle/>
+          <a:p>
+            <a:pPr algn="ctr"/>
+            <a:r>
+              <a:rPr lang="en-US" altLang="ko-KR" dirty="0"/>
+              <a:t>GAN</a:t>
+            </a:r>
+          </a:p>
+        </p:txBody>
+      </p:sp>
+      <p:sp>
+        <p:nvSpPr>
+          <p:cNvPr id="50" name="사각형: 둥근 모서리 49">
+            <a:extLst>
+              <a:ext uri="{FF2B5EF4-FFF2-40B4-BE49-F238E27FC236}">
+                <a16:creationId xmlns:a16="http://schemas.microsoft.com/office/drawing/2014/main" id="{302EFED1-A987-4CEE-87BA-9C7C28ED3341}"/>
+              </a:ext>
+            </a:extLst>
+          </p:cNvPr>
+          <p:cNvSpPr/>
+          <p:nvPr/>
+        </p:nvSpPr>
+        <p:spPr>
+          <a:xfrm>
+            <a:off x="483186" y="1406589"/>
+            <a:ext cx="1935462" cy="890260"/>
+          </a:xfrm>
+          <a:prstGeom prst="roundRect">
+            <a:avLst/>
+          </a:prstGeom>
+          <a:solidFill>
+            <a:schemeClr val="tx2">
+              <a:lumMod val="60000"/>
+              <a:lumOff val="40000"/>
+            </a:schemeClr>
+          </a:solidFill>
+          <a:ln>
+            <a:solidFill>
+              <a:schemeClr val="bg1"/>
+            </a:solidFill>
+          </a:ln>
+        </p:spPr>
+        <p:style>
+          <a:lnRef idx="2">
+            <a:schemeClr val="accent1">
+              <a:shade val="50000"/>
+            </a:schemeClr>
+          </a:lnRef>
+          <a:fillRef idx="1">
+            <a:schemeClr val="accent1"/>
+          </a:fillRef>
+          <a:effectRef idx="0">
+            <a:schemeClr val="accent1"/>
+          </a:effectRef>
+          <a:fontRef idx="minor">
+            <a:schemeClr val="lt1"/>
+          </a:fontRef>
+        </p:style>
+        <p:txBody>
+          <a:bodyPr rtlCol="0" anchor="ctr"/>
+          <a:lstStyle/>
+          <a:p>
+            <a:pPr algn="ctr"/>
+            <a:r>
+              <a:rPr lang="en-US" altLang="ko-KR" dirty="0"/>
+              <a:t>Neural Network</a:t>
+            </a:r>
+          </a:p>
+          <a:p>
+            <a:pPr algn="ctr"/>
+            <a:r>
+              <a:rPr lang="en-US" altLang="ko-KR" dirty="0"/>
+              <a:t>Overfitting</a:t>
+            </a:r>
+          </a:p>
+          <a:p>
+            <a:pPr algn="ctr"/>
+            <a:r>
+              <a:rPr lang="en-US" altLang="ko-KR" dirty="0"/>
+              <a:t>Dropout</a:t>
             </a:r>
           </a:p>
         </p:txBody>
@@ -12571,267 +12338,6 @@
           </a:extLst>
         </p:spPr>
       </p:pic>
-      <p:sp>
-        <p:nvSpPr>
-          <p:cNvPr id="40" name="사각형: 둥근 모서리 39">
-            <a:extLst>
-              <a:ext uri="{FF2B5EF4-FFF2-40B4-BE49-F238E27FC236}">
-                <a16:creationId xmlns:a16="http://schemas.microsoft.com/office/drawing/2014/main" id="{1B6779C2-6A9B-4DE7-A41B-1B0AFC8937F4}"/>
-              </a:ext>
-            </a:extLst>
-          </p:cNvPr>
-          <p:cNvSpPr/>
-          <p:nvPr/>
-        </p:nvSpPr>
-        <p:spPr>
-          <a:xfrm>
-            <a:off x="492516" y="3588373"/>
-            <a:ext cx="1935465" cy="700217"/>
-          </a:xfrm>
-          <a:prstGeom prst="roundRect">
-            <a:avLst/>
-          </a:prstGeom>
-          <a:solidFill>
-            <a:schemeClr val="tx2">
-              <a:lumMod val="20000"/>
-              <a:lumOff val="80000"/>
-            </a:schemeClr>
-          </a:solidFill>
-          <a:ln>
-            <a:solidFill>
-              <a:schemeClr val="bg1"/>
-            </a:solidFill>
-          </a:ln>
-        </p:spPr>
-        <p:style>
-          <a:lnRef idx="2">
-            <a:schemeClr val="accent1">
-              <a:shade val="50000"/>
-            </a:schemeClr>
-          </a:lnRef>
-          <a:fillRef idx="1">
-            <a:schemeClr val="accent1"/>
-          </a:fillRef>
-          <a:effectRef idx="0">
-            <a:schemeClr val="accent1"/>
-          </a:effectRef>
-          <a:fontRef idx="minor">
-            <a:schemeClr val="lt1"/>
-          </a:fontRef>
-        </p:style>
-        <p:txBody>
-          <a:bodyPr rtlCol="0" anchor="ctr"/>
-          <a:lstStyle/>
-          <a:p>
-            <a:pPr algn="ctr"/>
-            <a:r>
-              <a:rPr lang="en-US" altLang="ko-KR" dirty="0"/>
-              <a:t>Convolutional</a:t>
-            </a:r>
-            <a:br>
-              <a:rPr lang="en-US" altLang="ko-KR" dirty="0"/>
-            </a:br>
-            <a:r>
-              <a:rPr lang="en-US" altLang="ko-KR" dirty="0"/>
-              <a:t>neural network</a:t>
-            </a:r>
-          </a:p>
-        </p:txBody>
-      </p:sp>
-      <p:sp>
-        <p:nvSpPr>
-          <p:cNvPr id="41" name="사각형: 둥근 모서리 40">
-            <a:extLst>
-              <a:ext uri="{FF2B5EF4-FFF2-40B4-BE49-F238E27FC236}">
-                <a16:creationId xmlns:a16="http://schemas.microsoft.com/office/drawing/2014/main" id="{6C4E28D0-1FFA-4517-A6A4-8771A8EF0F3E}"/>
-              </a:ext>
-            </a:extLst>
-          </p:cNvPr>
-          <p:cNvSpPr/>
-          <p:nvPr/>
-        </p:nvSpPr>
-        <p:spPr>
-          <a:xfrm>
-            <a:off x="492517" y="2307370"/>
-            <a:ext cx="1935464" cy="700217"/>
-          </a:xfrm>
-          <a:prstGeom prst="roundRect">
-            <a:avLst/>
-          </a:prstGeom>
-          <a:solidFill>
-            <a:schemeClr val="tx2">
-              <a:lumMod val="60000"/>
-              <a:lumOff val="40000"/>
-            </a:schemeClr>
-          </a:solidFill>
-          <a:ln>
-            <a:solidFill>
-              <a:schemeClr val="bg1"/>
-            </a:solidFill>
-          </a:ln>
-        </p:spPr>
-        <p:style>
-          <a:lnRef idx="2">
-            <a:schemeClr val="accent1">
-              <a:shade val="50000"/>
-            </a:schemeClr>
-          </a:lnRef>
-          <a:fillRef idx="1">
-            <a:schemeClr val="accent1"/>
-          </a:fillRef>
-          <a:effectRef idx="0">
-            <a:schemeClr val="accent1"/>
-          </a:effectRef>
-          <a:fontRef idx="minor">
-            <a:schemeClr val="lt1"/>
-          </a:fontRef>
-        </p:style>
-        <p:txBody>
-          <a:bodyPr rtlCol="0" anchor="ctr"/>
-          <a:lstStyle/>
-          <a:p>
-            <a:pPr algn="ctr"/>
-            <a:r>
-              <a:rPr lang="en-US" altLang="ko-KR" dirty="0"/>
-              <a:t>Overfitting</a:t>
-            </a:r>
-          </a:p>
-          <a:p>
-            <a:pPr algn="ctr"/>
-            <a:r>
-              <a:rPr lang="en-US" altLang="ko-KR" dirty="0"/>
-              <a:t>Dropout</a:t>
-            </a:r>
-          </a:p>
-        </p:txBody>
-      </p:sp>
-      <p:sp>
-        <p:nvSpPr>
-          <p:cNvPr id="42" name="사각형: 둥근 모서리 41">
-            <a:extLst>
-              <a:ext uri="{FF2B5EF4-FFF2-40B4-BE49-F238E27FC236}">
-                <a16:creationId xmlns:a16="http://schemas.microsoft.com/office/drawing/2014/main" id="{51825E1E-0014-484F-83AF-CD9774C2A7EC}"/>
-              </a:ext>
-            </a:extLst>
-          </p:cNvPr>
-          <p:cNvSpPr/>
-          <p:nvPr/>
-        </p:nvSpPr>
-        <p:spPr>
-          <a:xfrm>
-            <a:off x="492518" y="1026367"/>
-            <a:ext cx="1935463" cy="700217"/>
-          </a:xfrm>
-          <a:prstGeom prst="roundRect">
-            <a:avLst/>
-          </a:prstGeom>
-          <a:solidFill>
-            <a:schemeClr val="tx2">
-              <a:lumMod val="20000"/>
-              <a:lumOff val="80000"/>
-            </a:schemeClr>
-          </a:solidFill>
-          <a:ln>
-            <a:solidFill>
-              <a:schemeClr val="bg1"/>
-            </a:solidFill>
-          </a:ln>
-        </p:spPr>
-        <p:style>
-          <a:lnRef idx="2">
-            <a:schemeClr val="accent1">
-              <a:shade val="50000"/>
-            </a:schemeClr>
-          </a:lnRef>
-          <a:fillRef idx="1">
-            <a:schemeClr val="accent1"/>
-          </a:fillRef>
-          <a:effectRef idx="0">
-            <a:schemeClr val="accent1"/>
-          </a:effectRef>
-          <a:fontRef idx="minor">
-            <a:schemeClr val="lt1"/>
-          </a:fontRef>
-        </p:style>
-        <p:txBody>
-          <a:bodyPr rtlCol="0" anchor="ctr"/>
-          <a:lstStyle/>
-          <a:p>
-            <a:pPr algn="ctr"/>
-            <a:r>
-              <a:rPr lang="en-US" altLang="ko-KR" dirty="0"/>
-              <a:t>Perceptron, </a:t>
-            </a:r>
-            <a:br>
-              <a:rPr lang="en-US" altLang="ko-KR" dirty="0"/>
-            </a:br>
-            <a:r>
-              <a:rPr lang="en-US" altLang="ko-KR" dirty="0"/>
-              <a:t>Neural Network</a:t>
-            </a:r>
-          </a:p>
-        </p:txBody>
-      </p:sp>
-      <p:sp>
-        <p:nvSpPr>
-          <p:cNvPr id="43" name="사각형: 둥근 모서리 42">
-            <a:extLst>
-              <a:ext uri="{FF2B5EF4-FFF2-40B4-BE49-F238E27FC236}">
-                <a16:creationId xmlns:a16="http://schemas.microsoft.com/office/drawing/2014/main" id="{5FCAD110-DFB5-495C-A12B-79239EA6ED22}"/>
-              </a:ext>
-            </a:extLst>
-          </p:cNvPr>
-          <p:cNvSpPr/>
-          <p:nvPr/>
-        </p:nvSpPr>
-        <p:spPr>
-          <a:xfrm>
-            <a:off x="492515" y="4869376"/>
-            <a:ext cx="1935465" cy="700217"/>
-          </a:xfrm>
-          <a:prstGeom prst="roundRect">
-            <a:avLst/>
-          </a:prstGeom>
-          <a:solidFill>
-            <a:schemeClr val="tx2">
-              <a:lumMod val="20000"/>
-              <a:lumOff val="80000"/>
-            </a:schemeClr>
-          </a:solidFill>
-          <a:ln>
-            <a:solidFill>
-              <a:schemeClr val="bg1"/>
-            </a:solidFill>
-          </a:ln>
-        </p:spPr>
-        <p:style>
-          <a:lnRef idx="2">
-            <a:schemeClr val="accent1">
-              <a:shade val="50000"/>
-            </a:schemeClr>
-          </a:lnRef>
-          <a:fillRef idx="1">
-            <a:schemeClr val="accent1"/>
-          </a:fillRef>
-          <a:effectRef idx="0">
-            <a:schemeClr val="accent1"/>
-          </a:effectRef>
-          <a:fontRef idx="minor">
-            <a:schemeClr val="lt1"/>
-          </a:fontRef>
-        </p:style>
-        <p:txBody>
-          <a:bodyPr rtlCol="0" anchor="ctr"/>
-          <a:lstStyle/>
-          <a:p>
-            <a:pPr algn="ctr"/>
-            <a:r>
-              <a:rPr lang="en-US" altLang="ko-KR" dirty="0"/>
-              <a:t>GAN</a:t>
-            </a:r>
-          </a:p>
-        </p:txBody>
-      </p:sp>
       <p:pic>
         <p:nvPicPr>
           <p:cNvPr id="21" name="Picture 4" descr="Image for post">
@@ -13165,6 +12671,207 @@
               <a:t>?</a:t>
             </a:r>
             <a:endParaRPr lang="ko-KR" altLang="en-US" dirty="0"/>
+          </a:p>
+        </p:txBody>
+      </p:sp>
+      <p:sp>
+        <p:nvSpPr>
+          <p:cNvPr id="14" name="사각형: 둥근 모서리 13">
+            <a:extLst>
+              <a:ext uri="{FF2B5EF4-FFF2-40B4-BE49-F238E27FC236}">
+                <a16:creationId xmlns:a16="http://schemas.microsoft.com/office/drawing/2014/main" id="{47134ACF-F5DA-4130-9E3D-5EE61D23AC96}"/>
+              </a:ext>
+            </a:extLst>
+          </p:cNvPr>
+          <p:cNvSpPr/>
+          <p:nvPr/>
+        </p:nvSpPr>
+        <p:spPr>
+          <a:xfrm>
+            <a:off x="483184" y="2877635"/>
+            <a:ext cx="1935465" cy="700217"/>
+          </a:xfrm>
+          <a:prstGeom prst="roundRect">
+            <a:avLst/>
+          </a:prstGeom>
+          <a:solidFill>
+            <a:schemeClr val="tx2">
+              <a:lumMod val="20000"/>
+              <a:lumOff val="80000"/>
+            </a:schemeClr>
+          </a:solidFill>
+          <a:ln>
+            <a:solidFill>
+              <a:schemeClr val="bg1"/>
+            </a:solidFill>
+          </a:ln>
+        </p:spPr>
+        <p:style>
+          <a:lnRef idx="2">
+            <a:schemeClr val="accent1">
+              <a:shade val="50000"/>
+            </a:schemeClr>
+          </a:lnRef>
+          <a:fillRef idx="1">
+            <a:schemeClr val="accent1"/>
+          </a:fillRef>
+          <a:effectRef idx="0">
+            <a:schemeClr val="accent1"/>
+          </a:effectRef>
+          <a:fontRef idx="minor">
+            <a:schemeClr val="lt1"/>
+          </a:fontRef>
+        </p:style>
+        <p:txBody>
+          <a:bodyPr rtlCol="0" anchor="ctr"/>
+          <a:lstStyle/>
+          <a:p>
+            <a:pPr algn="ctr"/>
+            <a:r>
+              <a:rPr lang="en-US" altLang="ko-KR" dirty="0"/>
+              <a:t>Convolutional</a:t>
+            </a:r>
+            <a:br>
+              <a:rPr lang="en-US" altLang="ko-KR" dirty="0"/>
+            </a:br>
+            <a:r>
+              <a:rPr lang="en-US" altLang="ko-KR" dirty="0"/>
+              <a:t>neural network</a:t>
+            </a:r>
+          </a:p>
+        </p:txBody>
+      </p:sp>
+      <p:sp>
+        <p:nvSpPr>
+          <p:cNvPr id="15" name="사각형: 둥근 모서리 14">
+            <a:extLst>
+              <a:ext uri="{FF2B5EF4-FFF2-40B4-BE49-F238E27FC236}">
+                <a16:creationId xmlns:a16="http://schemas.microsoft.com/office/drawing/2014/main" id="{62B99F69-D2E5-4E63-BDB8-9331CACA1973}"/>
+              </a:ext>
+            </a:extLst>
+          </p:cNvPr>
+          <p:cNvSpPr/>
+          <p:nvPr/>
+        </p:nvSpPr>
+        <p:spPr>
+          <a:xfrm>
+            <a:off x="483183" y="4158638"/>
+            <a:ext cx="1935465" cy="700217"/>
+          </a:xfrm>
+          <a:prstGeom prst="roundRect">
+            <a:avLst/>
+          </a:prstGeom>
+          <a:solidFill>
+            <a:schemeClr val="tx2">
+              <a:lumMod val="20000"/>
+              <a:lumOff val="80000"/>
+            </a:schemeClr>
+          </a:solidFill>
+          <a:ln>
+            <a:solidFill>
+              <a:schemeClr val="bg1"/>
+            </a:solidFill>
+          </a:ln>
+        </p:spPr>
+        <p:style>
+          <a:lnRef idx="2">
+            <a:schemeClr val="accent1">
+              <a:shade val="50000"/>
+            </a:schemeClr>
+          </a:lnRef>
+          <a:fillRef idx="1">
+            <a:schemeClr val="accent1"/>
+          </a:fillRef>
+          <a:effectRef idx="0">
+            <a:schemeClr val="accent1"/>
+          </a:effectRef>
+          <a:fontRef idx="minor">
+            <a:schemeClr val="lt1"/>
+          </a:fontRef>
+        </p:style>
+        <p:txBody>
+          <a:bodyPr rtlCol="0" anchor="ctr"/>
+          <a:lstStyle/>
+          <a:p>
+            <a:pPr algn="ctr"/>
+            <a:r>
+              <a:rPr lang="en-US" altLang="ko-KR" dirty="0"/>
+              <a:t>GAN</a:t>
+            </a:r>
+          </a:p>
+        </p:txBody>
+      </p:sp>
+      <p:sp>
+        <p:nvSpPr>
+          <p:cNvPr id="16" name="사각형: 둥근 모서리 15">
+            <a:extLst>
+              <a:ext uri="{FF2B5EF4-FFF2-40B4-BE49-F238E27FC236}">
+                <a16:creationId xmlns:a16="http://schemas.microsoft.com/office/drawing/2014/main" id="{D7EB952A-4828-4860-B050-EC0C4C1F71D6}"/>
+              </a:ext>
+            </a:extLst>
+          </p:cNvPr>
+          <p:cNvSpPr/>
+          <p:nvPr/>
+        </p:nvSpPr>
+        <p:spPr>
+          <a:xfrm>
+            <a:off x="483186" y="1406589"/>
+            <a:ext cx="1935462" cy="890260"/>
+          </a:xfrm>
+          <a:prstGeom prst="roundRect">
+            <a:avLst/>
+          </a:prstGeom>
+          <a:solidFill>
+            <a:schemeClr val="tx2">
+              <a:lumMod val="60000"/>
+              <a:lumOff val="40000"/>
+            </a:schemeClr>
+          </a:solidFill>
+          <a:ln>
+            <a:solidFill>
+              <a:schemeClr val="bg1"/>
+            </a:solidFill>
+          </a:ln>
+        </p:spPr>
+        <p:style>
+          <a:lnRef idx="2">
+            <a:schemeClr val="accent1">
+              <a:shade val="50000"/>
+            </a:schemeClr>
+          </a:lnRef>
+          <a:fillRef idx="1">
+            <a:schemeClr val="accent1"/>
+          </a:fillRef>
+          <a:effectRef idx="0">
+            <a:schemeClr val="accent1"/>
+          </a:effectRef>
+          <a:fontRef idx="minor">
+            <a:schemeClr val="lt1"/>
+          </a:fontRef>
+        </p:style>
+        <p:txBody>
+          <a:bodyPr rtlCol="0" anchor="ctr"/>
+          <a:lstStyle/>
+          <a:p>
+            <a:pPr algn="ctr"/>
+            <a:r>
+              <a:rPr lang="en-US" altLang="ko-KR" dirty="0"/>
+              <a:t>Neural Network</a:t>
+            </a:r>
+          </a:p>
+          <a:p>
+            <a:pPr algn="ctr"/>
+            <a:r>
+              <a:rPr lang="en-US" altLang="ko-KR" dirty="0"/>
+              <a:t>Overfitting</a:t>
+            </a:r>
+          </a:p>
+          <a:p>
+            <a:pPr algn="ctr"/>
+            <a:r>
+              <a:rPr lang="en-US" altLang="ko-KR" dirty="0"/>
+              <a:t>Dropout</a:t>
+            </a:r>
           </a:p>
         </p:txBody>
       </p:sp>
@@ -13198,267 +12905,6 @@
           <a:chExt cx="0" cy="0"/>
         </a:xfrm>
       </p:grpSpPr>
-      <p:sp>
-        <p:nvSpPr>
-          <p:cNvPr id="40" name="사각형: 둥근 모서리 39">
-            <a:extLst>
-              <a:ext uri="{FF2B5EF4-FFF2-40B4-BE49-F238E27FC236}">
-                <a16:creationId xmlns:a16="http://schemas.microsoft.com/office/drawing/2014/main" id="{1B6779C2-6A9B-4DE7-A41B-1B0AFC8937F4}"/>
-              </a:ext>
-            </a:extLst>
-          </p:cNvPr>
-          <p:cNvSpPr/>
-          <p:nvPr/>
-        </p:nvSpPr>
-        <p:spPr>
-          <a:xfrm>
-            <a:off x="492516" y="3588373"/>
-            <a:ext cx="1935465" cy="700217"/>
-          </a:xfrm>
-          <a:prstGeom prst="roundRect">
-            <a:avLst/>
-          </a:prstGeom>
-          <a:solidFill>
-            <a:schemeClr val="tx2">
-              <a:lumMod val="20000"/>
-              <a:lumOff val="80000"/>
-            </a:schemeClr>
-          </a:solidFill>
-          <a:ln>
-            <a:solidFill>
-              <a:schemeClr val="bg1"/>
-            </a:solidFill>
-          </a:ln>
-        </p:spPr>
-        <p:style>
-          <a:lnRef idx="2">
-            <a:schemeClr val="accent1">
-              <a:shade val="50000"/>
-            </a:schemeClr>
-          </a:lnRef>
-          <a:fillRef idx="1">
-            <a:schemeClr val="accent1"/>
-          </a:fillRef>
-          <a:effectRef idx="0">
-            <a:schemeClr val="accent1"/>
-          </a:effectRef>
-          <a:fontRef idx="minor">
-            <a:schemeClr val="lt1"/>
-          </a:fontRef>
-        </p:style>
-        <p:txBody>
-          <a:bodyPr rtlCol="0" anchor="ctr"/>
-          <a:lstStyle/>
-          <a:p>
-            <a:pPr algn="ctr"/>
-            <a:r>
-              <a:rPr lang="en-US" altLang="ko-KR" dirty="0"/>
-              <a:t>Convolutional</a:t>
-            </a:r>
-            <a:br>
-              <a:rPr lang="en-US" altLang="ko-KR" dirty="0"/>
-            </a:br>
-            <a:r>
-              <a:rPr lang="en-US" altLang="ko-KR" dirty="0"/>
-              <a:t>neural network</a:t>
-            </a:r>
-          </a:p>
-        </p:txBody>
-      </p:sp>
-      <p:sp>
-        <p:nvSpPr>
-          <p:cNvPr id="41" name="사각형: 둥근 모서리 40">
-            <a:extLst>
-              <a:ext uri="{FF2B5EF4-FFF2-40B4-BE49-F238E27FC236}">
-                <a16:creationId xmlns:a16="http://schemas.microsoft.com/office/drawing/2014/main" id="{6C4E28D0-1FFA-4517-A6A4-8771A8EF0F3E}"/>
-              </a:ext>
-            </a:extLst>
-          </p:cNvPr>
-          <p:cNvSpPr/>
-          <p:nvPr/>
-        </p:nvSpPr>
-        <p:spPr>
-          <a:xfrm>
-            <a:off x="492517" y="2307370"/>
-            <a:ext cx="1935464" cy="700217"/>
-          </a:xfrm>
-          <a:prstGeom prst="roundRect">
-            <a:avLst/>
-          </a:prstGeom>
-          <a:solidFill>
-            <a:schemeClr val="tx2">
-              <a:lumMod val="60000"/>
-              <a:lumOff val="40000"/>
-            </a:schemeClr>
-          </a:solidFill>
-          <a:ln>
-            <a:solidFill>
-              <a:schemeClr val="bg1"/>
-            </a:solidFill>
-          </a:ln>
-        </p:spPr>
-        <p:style>
-          <a:lnRef idx="2">
-            <a:schemeClr val="accent1">
-              <a:shade val="50000"/>
-            </a:schemeClr>
-          </a:lnRef>
-          <a:fillRef idx="1">
-            <a:schemeClr val="accent1"/>
-          </a:fillRef>
-          <a:effectRef idx="0">
-            <a:schemeClr val="accent1"/>
-          </a:effectRef>
-          <a:fontRef idx="minor">
-            <a:schemeClr val="lt1"/>
-          </a:fontRef>
-        </p:style>
-        <p:txBody>
-          <a:bodyPr rtlCol="0" anchor="ctr"/>
-          <a:lstStyle/>
-          <a:p>
-            <a:pPr algn="ctr"/>
-            <a:r>
-              <a:rPr lang="en-US" altLang="ko-KR" dirty="0"/>
-              <a:t>Overfitting</a:t>
-            </a:r>
-          </a:p>
-          <a:p>
-            <a:pPr algn="ctr"/>
-            <a:r>
-              <a:rPr lang="en-US" altLang="ko-KR" dirty="0"/>
-              <a:t>Dropout</a:t>
-            </a:r>
-          </a:p>
-        </p:txBody>
-      </p:sp>
-      <p:sp>
-        <p:nvSpPr>
-          <p:cNvPr id="42" name="사각형: 둥근 모서리 41">
-            <a:extLst>
-              <a:ext uri="{FF2B5EF4-FFF2-40B4-BE49-F238E27FC236}">
-                <a16:creationId xmlns:a16="http://schemas.microsoft.com/office/drawing/2014/main" id="{51825E1E-0014-484F-83AF-CD9774C2A7EC}"/>
-              </a:ext>
-            </a:extLst>
-          </p:cNvPr>
-          <p:cNvSpPr/>
-          <p:nvPr/>
-        </p:nvSpPr>
-        <p:spPr>
-          <a:xfrm>
-            <a:off x="492518" y="1026367"/>
-            <a:ext cx="1935463" cy="700217"/>
-          </a:xfrm>
-          <a:prstGeom prst="roundRect">
-            <a:avLst/>
-          </a:prstGeom>
-          <a:solidFill>
-            <a:schemeClr val="tx2">
-              <a:lumMod val="20000"/>
-              <a:lumOff val="80000"/>
-            </a:schemeClr>
-          </a:solidFill>
-          <a:ln>
-            <a:solidFill>
-              <a:schemeClr val="bg1"/>
-            </a:solidFill>
-          </a:ln>
-        </p:spPr>
-        <p:style>
-          <a:lnRef idx="2">
-            <a:schemeClr val="accent1">
-              <a:shade val="50000"/>
-            </a:schemeClr>
-          </a:lnRef>
-          <a:fillRef idx="1">
-            <a:schemeClr val="accent1"/>
-          </a:fillRef>
-          <a:effectRef idx="0">
-            <a:schemeClr val="accent1"/>
-          </a:effectRef>
-          <a:fontRef idx="minor">
-            <a:schemeClr val="lt1"/>
-          </a:fontRef>
-        </p:style>
-        <p:txBody>
-          <a:bodyPr rtlCol="0" anchor="ctr"/>
-          <a:lstStyle/>
-          <a:p>
-            <a:pPr algn="ctr"/>
-            <a:r>
-              <a:rPr lang="en-US" altLang="ko-KR" dirty="0"/>
-              <a:t>Perceptron, </a:t>
-            </a:r>
-            <a:br>
-              <a:rPr lang="en-US" altLang="ko-KR" dirty="0"/>
-            </a:br>
-            <a:r>
-              <a:rPr lang="en-US" altLang="ko-KR" dirty="0"/>
-              <a:t>Neural Network</a:t>
-            </a:r>
-          </a:p>
-        </p:txBody>
-      </p:sp>
-      <p:sp>
-        <p:nvSpPr>
-          <p:cNvPr id="43" name="사각형: 둥근 모서리 42">
-            <a:extLst>
-              <a:ext uri="{FF2B5EF4-FFF2-40B4-BE49-F238E27FC236}">
-                <a16:creationId xmlns:a16="http://schemas.microsoft.com/office/drawing/2014/main" id="{5FCAD110-DFB5-495C-A12B-79239EA6ED22}"/>
-              </a:ext>
-            </a:extLst>
-          </p:cNvPr>
-          <p:cNvSpPr/>
-          <p:nvPr/>
-        </p:nvSpPr>
-        <p:spPr>
-          <a:xfrm>
-            <a:off x="492515" y="4869376"/>
-            <a:ext cx="1935465" cy="700217"/>
-          </a:xfrm>
-          <a:prstGeom prst="roundRect">
-            <a:avLst/>
-          </a:prstGeom>
-          <a:solidFill>
-            <a:schemeClr val="tx2">
-              <a:lumMod val="20000"/>
-              <a:lumOff val="80000"/>
-            </a:schemeClr>
-          </a:solidFill>
-          <a:ln>
-            <a:solidFill>
-              <a:schemeClr val="bg1"/>
-            </a:solidFill>
-          </a:ln>
-        </p:spPr>
-        <p:style>
-          <a:lnRef idx="2">
-            <a:schemeClr val="accent1">
-              <a:shade val="50000"/>
-            </a:schemeClr>
-          </a:lnRef>
-          <a:fillRef idx="1">
-            <a:schemeClr val="accent1"/>
-          </a:fillRef>
-          <a:effectRef idx="0">
-            <a:schemeClr val="accent1"/>
-          </a:effectRef>
-          <a:fontRef idx="minor">
-            <a:schemeClr val="lt1"/>
-          </a:fontRef>
-        </p:style>
-        <p:txBody>
-          <a:bodyPr rtlCol="0" anchor="ctr"/>
-          <a:lstStyle/>
-          <a:p>
-            <a:pPr algn="ctr"/>
-            <a:r>
-              <a:rPr lang="en-US" altLang="ko-KR" dirty="0"/>
-              <a:t>GAN</a:t>
-            </a:r>
-          </a:p>
-        </p:txBody>
-      </p:sp>
       <p:pic>
         <p:nvPicPr>
           <p:cNvPr id="1032" name="Picture 8" descr="강아지종류]101마리 달마시안의 점박이 강아지 달마시안! : 네이버 블로그">
@@ -14056,6 +13502,207 @@
             <a:r>
               <a:rPr lang="ko-KR" altLang="en-US" b="1" dirty="0"/>
               <a:t>호랑이인지 개인지 판단하는 모델</a:t>
+            </a:r>
+          </a:p>
+        </p:txBody>
+      </p:sp>
+      <p:sp>
+        <p:nvSpPr>
+          <p:cNvPr id="20" name="사각형: 둥근 모서리 19">
+            <a:extLst>
+              <a:ext uri="{FF2B5EF4-FFF2-40B4-BE49-F238E27FC236}">
+                <a16:creationId xmlns:a16="http://schemas.microsoft.com/office/drawing/2014/main" id="{339F8E5A-3904-4EE8-805E-77CF31727456}"/>
+              </a:ext>
+            </a:extLst>
+          </p:cNvPr>
+          <p:cNvSpPr/>
+          <p:nvPr/>
+        </p:nvSpPr>
+        <p:spPr>
+          <a:xfrm>
+            <a:off x="483184" y="2877635"/>
+            <a:ext cx="1935465" cy="700217"/>
+          </a:xfrm>
+          <a:prstGeom prst="roundRect">
+            <a:avLst/>
+          </a:prstGeom>
+          <a:solidFill>
+            <a:schemeClr val="tx2">
+              <a:lumMod val="20000"/>
+              <a:lumOff val="80000"/>
+            </a:schemeClr>
+          </a:solidFill>
+          <a:ln>
+            <a:solidFill>
+              <a:schemeClr val="bg1"/>
+            </a:solidFill>
+          </a:ln>
+        </p:spPr>
+        <p:style>
+          <a:lnRef idx="2">
+            <a:schemeClr val="accent1">
+              <a:shade val="50000"/>
+            </a:schemeClr>
+          </a:lnRef>
+          <a:fillRef idx="1">
+            <a:schemeClr val="accent1"/>
+          </a:fillRef>
+          <a:effectRef idx="0">
+            <a:schemeClr val="accent1"/>
+          </a:effectRef>
+          <a:fontRef idx="minor">
+            <a:schemeClr val="lt1"/>
+          </a:fontRef>
+        </p:style>
+        <p:txBody>
+          <a:bodyPr rtlCol="0" anchor="ctr"/>
+          <a:lstStyle/>
+          <a:p>
+            <a:pPr algn="ctr"/>
+            <a:r>
+              <a:rPr lang="en-US" altLang="ko-KR" dirty="0"/>
+              <a:t>Convolutional</a:t>
+            </a:r>
+            <a:br>
+              <a:rPr lang="en-US" altLang="ko-KR" dirty="0"/>
+            </a:br>
+            <a:r>
+              <a:rPr lang="en-US" altLang="ko-KR" dirty="0"/>
+              <a:t>neural network</a:t>
+            </a:r>
+          </a:p>
+        </p:txBody>
+      </p:sp>
+      <p:sp>
+        <p:nvSpPr>
+          <p:cNvPr id="21" name="사각형: 둥근 모서리 20">
+            <a:extLst>
+              <a:ext uri="{FF2B5EF4-FFF2-40B4-BE49-F238E27FC236}">
+                <a16:creationId xmlns:a16="http://schemas.microsoft.com/office/drawing/2014/main" id="{E918B7F5-57C4-4CC8-BCA3-8ADE52878E4C}"/>
+              </a:ext>
+            </a:extLst>
+          </p:cNvPr>
+          <p:cNvSpPr/>
+          <p:nvPr/>
+        </p:nvSpPr>
+        <p:spPr>
+          <a:xfrm>
+            <a:off x="483183" y="4158638"/>
+            <a:ext cx="1935465" cy="700217"/>
+          </a:xfrm>
+          <a:prstGeom prst="roundRect">
+            <a:avLst/>
+          </a:prstGeom>
+          <a:solidFill>
+            <a:schemeClr val="tx2">
+              <a:lumMod val="20000"/>
+              <a:lumOff val="80000"/>
+            </a:schemeClr>
+          </a:solidFill>
+          <a:ln>
+            <a:solidFill>
+              <a:schemeClr val="bg1"/>
+            </a:solidFill>
+          </a:ln>
+        </p:spPr>
+        <p:style>
+          <a:lnRef idx="2">
+            <a:schemeClr val="accent1">
+              <a:shade val="50000"/>
+            </a:schemeClr>
+          </a:lnRef>
+          <a:fillRef idx="1">
+            <a:schemeClr val="accent1"/>
+          </a:fillRef>
+          <a:effectRef idx="0">
+            <a:schemeClr val="accent1"/>
+          </a:effectRef>
+          <a:fontRef idx="minor">
+            <a:schemeClr val="lt1"/>
+          </a:fontRef>
+        </p:style>
+        <p:txBody>
+          <a:bodyPr rtlCol="0" anchor="ctr"/>
+          <a:lstStyle/>
+          <a:p>
+            <a:pPr algn="ctr"/>
+            <a:r>
+              <a:rPr lang="en-US" altLang="ko-KR" dirty="0"/>
+              <a:t>GAN</a:t>
+            </a:r>
+          </a:p>
+        </p:txBody>
+      </p:sp>
+      <p:sp>
+        <p:nvSpPr>
+          <p:cNvPr id="22" name="사각형: 둥근 모서리 21">
+            <a:extLst>
+              <a:ext uri="{FF2B5EF4-FFF2-40B4-BE49-F238E27FC236}">
+                <a16:creationId xmlns:a16="http://schemas.microsoft.com/office/drawing/2014/main" id="{A4203F12-805A-48D4-9A1E-D02EC129EC9E}"/>
+              </a:ext>
+            </a:extLst>
+          </p:cNvPr>
+          <p:cNvSpPr/>
+          <p:nvPr/>
+        </p:nvSpPr>
+        <p:spPr>
+          <a:xfrm>
+            <a:off x="483186" y="1406589"/>
+            <a:ext cx="1935462" cy="890260"/>
+          </a:xfrm>
+          <a:prstGeom prst="roundRect">
+            <a:avLst/>
+          </a:prstGeom>
+          <a:solidFill>
+            <a:schemeClr val="tx2">
+              <a:lumMod val="60000"/>
+              <a:lumOff val="40000"/>
+            </a:schemeClr>
+          </a:solidFill>
+          <a:ln>
+            <a:solidFill>
+              <a:schemeClr val="bg1"/>
+            </a:solidFill>
+          </a:ln>
+        </p:spPr>
+        <p:style>
+          <a:lnRef idx="2">
+            <a:schemeClr val="accent1">
+              <a:shade val="50000"/>
+            </a:schemeClr>
+          </a:lnRef>
+          <a:fillRef idx="1">
+            <a:schemeClr val="accent1"/>
+          </a:fillRef>
+          <a:effectRef idx="0">
+            <a:schemeClr val="accent1"/>
+          </a:effectRef>
+          <a:fontRef idx="minor">
+            <a:schemeClr val="lt1"/>
+          </a:fontRef>
+        </p:style>
+        <p:txBody>
+          <a:bodyPr rtlCol="0" anchor="ctr"/>
+          <a:lstStyle/>
+          <a:p>
+            <a:pPr algn="ctr"/>
+            <a:r>
+              <a:rPr lang="en-US" altLang="ko-KR" dirty="0"/>
+              <a:t>Neural Network</a:t>
+            </a:r>
+          </a:p>
+          <a:p>
+            <a:pPr algn="ctr"/>
+            <a:r>
+              <a:rPr lang="en-US" altLang="ko-KR" dirty="0"/>
+              <a:t>Overfitting</a:t>
+            </a:r>
+          </a:p>
+          <a:p>
+            <a:pPr algn="ctr"/>
+            <a:r>
+              <a:rPr lang="en-US" altLang="ko-KR" dirty="0"/>
+              <a:t>Dropout</a:t>
             </a:r>
           </a:p>
         </p:txBody>
@@ -14090,267 +13737,6 @@
           <a:chExt cx="0" cy="0"/>
         </a:xfrm>
       </p:grpSpPr>
-      <p:sp>
-        <p:nvSpPr>
-          <p:cNvPr id="40" name="사각형: 둥근 모서리 39">
-            <a:extLst>
-              <a:ext uri="{FF2B5EF4-FFF2-40B4-BE49-F238E27FC236}">
-                <a16:creationId xmlns:a16="http://schemas.microsoft.com/office/drawing/2014/main" id="{1B6779C2-6A9B-4DE7-A41B-1B0AFC8937F4}"/>
-              </a:ext>
-            </a:extLst>
-          </p:cNvPr>
-          <p:cNvSpPr/>
-          <p:nvPr/>
-        </p:nvSpPr>
-        <p:spPr>
-          <a:xfrm>
-            <a:off x="492516" y="3588373"/>
-            <a:ext cx="1935465" cy="700217"/>
-          </a:xfrm>
-          <a:prstGeom prst="roundRect">
-            <a:avLst/>
-          </a:prstGeom>
-          <a:solidFill>
-            <a:schemeClr val="tx2">
-              <a:lumMod val="20000"/>
-              <a:lumOff val="80000"/>
-            </a:schemeClr>
-          </a:solidFill>
-          <a:ln>
-            <a:solidFill>
-              <a:schemeClr val="bg1"/>
-            </a:solidFill>
-          </a:ln>
-        </p:spPr>
-        <p:style>
-          <a:lnRef idx="2">
-            <a:schemeClr val="accent1">
-              <a:shade val="50000"/>
-            </a:schemeClr>
-          </a:lnRef>
-          <a:fillRef idx="1">
-            <a:schemeClr val="accent1"/>
-          </a:fillRef>
-          <a:effectRef idx="0">
-            <a:schemeClr val="accent1"/>
-          </a:effectRef>
-          <a:fontRef idx="minor">
-            <a:schemeClr val="lt1"/>
-          </a:fontRef>
-        </p:style>
-        <p:txBody>
-          <a:bodyPr rtlCol="0" anchor="ctr"/>
-          <a:lstStyle/>
-          <a:p>
-            <a:pPr algn="ctr"/>
-            <a:r>
-              <a:rPr lang="en-US" altLang="ko-KR" dirty="0"/>
-              <a:t>Convolutional</a:t>
-            </a:r>
-            <a:br>
-              <a:rPr lang="en-US" altLang="ko-KR" dirty="0"/>
-            </a:br>
-            <a:r>
-              <a:rPr lang="en-US" altLang="ko-KR" dirty="0"/>
-              <a:t>neural network</a:t>
-            </a:r>
-          </a:p>
-        </p:txBody>
-      </p:sp>
-      <p:sp>
-        <p:nvSpPr>
-          <p:cNvPr id="41" name="사각형: 둥근 모서리 40">
-            <a:extLst>
-              <a:ext uri="{FF2B5EF4-FFF2-40B4-BE49-F238E27FC236}">
-                <a16:creationId xmlns:a16="http://schemas.microsoft.com/office/drawing/2014/main" id="{6C4E28D0-1FFA-4517-A6A4-8771A8EF0F3E}"/>
-              </a:ext>
-            </a:extLst>
-          </p:cNvPr>
-          <p:cNvSpPr/>
-          <p:nvPr/>
-        </p:nvSpPr>
-        <p:spPr>
-          <a:xfrm>
-            <a:off x="492517" y="2307370"/>
-            <a:ext cx="1935464" cy="700217"/>
-          </a:xfrm>
-          <a:prstGeom prst="roundRect">
-            <a:avLst/>
-          </a:prstGeom>
-          <a:solidFill>
-            <a:schemeClr val="tx2">
-              <a:lumMod val="60000"/>
-              <a:lumOff val="40000"/>
-            </a:schemeClr>
-          </a:solidFill>
-          <a:ln>
-            <a:solidFill>
-              <a:schemeClr val="bg1"/>
-            </a:solidFill>
-          </a:ln>
-        </p:spPr>
-        <p:style>
-          <a:lnRef idx="2">
-            <a:schemeClr val="accent1">
-              <a:shade val="50000"/>
-            </a:schemeClr>
-          </a:lnRef>
-          <a:fillRef idx="1">
-            <a:schemeClr val="accent1"/>
-          </a:fillRef>
-          <a:effectRef idx="0">
-            <a:schemeClr val="accent1"/>
-          </a:effectRef>
-          <a:fontRef idx="minor">
-            <a:schemeClr val="lt1"/>
-          </a:fontRef>
-        </p:style>
-        <p:txBody>
-          <a:bodyPr rtlCol="0" anchor="ctr"/>
-          <a:lstStyle/>
-          <a:p>
-            <a:pPr algn="ctr"/>
-            <a:r>
-              <a:rPr lang="en-US" altLang="ko-KR" dirty="0"/>
-              <a:t>Overfitting</a:t>
-            </a:r>
-          </a:p>
-          <a:p>
-            <a:pPr algn="ctr"/>
-            <a:r>
-              <a:rPr lang="en-US" altLang="ko-KR" dirty="0"/>
-              <a:t>Dropout</a:t>
-            </a:r>
-          </a:p>
-        </p:txBody>
-      </p:sp>
-      <p:sp>
-        <p:nvSpPr>
-          <p:cNvPr id="42" name="사각형: 둥근 모서리 41">
-            <a:extLst>
-              <a:ext uri="{FF2B5EF4-FFF2-40B4-BE49-F238E27FC236}">
-                <a16:creationId xmlns:a16="http://schemas.microsoft.com/office/drawing/2014/main" id="{51825E1E-0014-484F-83AF-CD9774C2A7EC}"/>
-              </a:ext>
-            </a:extLst>
-          </p:cNvPr>
-          <p:cNvSpPr/>
-          <p:nvPr/>
-        </p:nvSpPr>
-        <p:spPr>
-          <a:xfrm>
-            <a:off x="492518" y="1026367"/>
-            <a:ext cx="1935463" cy="700217"/>
-          </a:xfrm>
-          <a:prstGeom prst="roundRect">
-            <a:avLst/>
-          </a:prstGeom>
-          <a:solidFill>
-            <a:schemeClr val="tx2">
-              <a:lumMod val="20000"/>
-              <a:lumOff val="80000"/>
-            </a:schemeClr>
-          </a:solidFill>
-          <a:ln>
-            <a:solidFill>
-              <a:schemeClr val="bg1"/>
-            </a:solidFill>
-          </a:ln>
-        </p:spPr>
-        <p:style>
-          <a:lnRef idx="2">
-            <a:schemeClr val="accent1">
-              <a:shade val="50000"/>
-            </a:schemeClr>
-          </a:lnRef>
-          <a:fillRef idx="1">
-            <a:schemeClr val="accent1"/>
-          </a:fillRef>
-          <a:effectRef idx="0">
-            <a:schemeClr val="accent1"/>
-          </a:effectRef>
-          <a:fontRef idx="minor">
-            <a:schemeClr val="lt1"/>
-          </a:fontRef>
-        </p:style>
-        <p:txBody>
-          <a:bodyPr rtlCol="0" anchor="ctr"/>
-          <a:lstStyle/>
-          <a:p>
-            <a:pPr algn="ctr"/>
-            <a:r>
-              <a:rPr lang="en-US" altLang="ko-KR" dirty="0"/>
-              <a:t>Perceptron, </a:t>
-            </a:r>
-            <a:br>
-              <a:rPr lang="en-US" altLang="ko-KR" dirty="0"/>
-            </a:br>
-            <a:r>
-              <a:rPr lang="en-US" altLang="ko-KR" dirty="0"/>
-              <a:t>Neural Network</a:t>
-            </a:r>
-          </a:p>
-        </p:txBody>
-      </p:sp>
-      <p:sp>
-        <p:nvSpPr>
-          <p:cNvPr id="43" name="사각형: 둥근 모서리 42">
-            <a:extLst>
-              <a:ext uri="{FF2B5EF4-FFF2-40B4-BE49-F238E27FC236}">
-                <a16:creationId xmlns:a16="http://schemas.microsoft.com/office/drawing/2014/main" id="{5FCAD110-DFB5-495C-A12B-79239EA6ED22}"/>
-              </a:ext>
-            </a:extLst>
-          </p:cNvPr>
-          <p:cNvSpPr/>
-          <p:nvPr/>
-        </p:nvSpPr>
-        <p:spPr>
-          <a:xfrm>
-            <a:off x="492515" y="4869376"/>
-            <a:ext cx="1935465" cy="700217"/>
-          </a:xfrm>
-          <a:prstGeom prst="roundRect">
-            <a:avLst/>
-          </a:prstGeom>
-          <a:solidFill>
-            <a:schemeClr val="tx2">
-              <a:lumMod val="20000"/>
-              <a:lumOff val="80000"/>
-            </a:schemeClr>
-          </a:solidFill>
-          <a:ln>
-            <a:solidFill>
-              <a:schemeClr val="bg1"/>
-            </a:solidFill>
-          </a:ln>
-        </p:spPr>
-        <p:style>
-          <a:lnRef idx="2">
-            <a:schemeClr val="accent1">
-              <a:shade val="50000"/>
-            </a:schemeClr>
-          </a:lnRef>
-          <a:fillRef idx="1">
-            <a:schemeClr val="accent1"/>
-          </a:fillRef>
-          <a:effectRef idx="0">
-            <a:schemeClr val="accent1"/>
-          </a:effectRef>
-          <a:fontRef idx="minor">
-            <a:schemeClr val="lt1"/>
-          </a:fontRef>
-        </p:style>
-        <p:txBody>
-          <a:bodyPr rtlCol="0" anchor="ctr"/>
-          <a:lstStyle/>
-          <a:p>
-            <a:pPr algn="ctr"/>
-            <a:r>
-              <a:rPr lang="en-US" altLang="ko-KR" dirty="0"/>
-              <a:t>GAN</a:t>
-            </a:r>
-          </a:p>
-        </p:txBody>
-      </p:sp>
       <p:pic>
         <p:nvPicPr>
           <p:cNvPr id="25" name="Picture 4" descr="Image for post">
@@ -14961,6 +14347,207 @@
             <a:r>
               <a:rPr lang="ko-KR" altLang="en-US" b="1" dirty="0"/>
               <a:t>호랑이인지 개인지 판단하는 모델</a:t>
+            </a:r>
+          </a:p>
+        </p:txBody>
+      </p:sp>
+      <p:sp>
+        <p:nvSpPr>
+          <p:cNvPr id="20" name="사각형: 둥근 모서리 19">
+            <a:extLst>
+              <a:ext uri="{FF2B5EF4-FFF2-40B4-BE49-F238E27FC236}">
+                <a16:creationId xmlns:a16="http://schemas.microsoft.com/office/drawing/2014/main" id="{DCB3FA11-349D-407F-92BE-5395845BE40C}"/>
+              </a:ext>
+            </a:extLst>
+          </p:cNvPr>
+          <p:cNvSpPr/>
+          <p:nvPr/>
+        </p:nvSpPr>
+        <p:spPr>
+          <a:xfrm>
+            <a:off x="483184" y="2877635"/>
+            <a:ext cx="1935465" cy="700217"/>
+          </a:xfrm>
+          <a:prstGeom prst="roundRect">
+            <a:avLst/>
+          </a:prstGeom>
+          <a:solidFill>
+            <a:schemeClr val="tx2">
+              <a:lumMod val="20000"/>
+              <a:lumOff val="80000"/>
+            </a:schemeClr>
+          </a:solidFill>
+          <a:ln>
+            <a:solidFill>
+              <a:schemeClr val="bg1"/>
+            </a:solidFill>
+          </a:ln>
+        </p:spPr>
+        <p:style>
+          <a:lnRef idx="2">
+            <a:schemeClr val="accent1">
+              <a:shade val="50000"/>
+            </a:schemeClr>
+          </a:lnRef>
+          <a:fillRef idx="1">
+            <a:schemeClr val="accent1"/>
+          </a:fillRef>
+          <a:effectRef idx="0">
+            <a:schemeClr val="accent1"/>
+          </a:effectRef>
+          <a:fontRef idx="minor">
+            <a:schemeClr val="lt1"/>
+          </a:fontRef>
+        </p:style>
+        <p:txBody>
+          <a:bodyPr rtlCol="0" anchor="ctr"/>
+          <a:lstStyle/>
+          <a:p>
+            <a:pPr algn="ctr"/>
+            <a:r>
+              <a:rPr lang="en-US" altLang="ko-KR" dirty="0"/>
+              <a:t>Convolutional</a:t>
+            </a:r>
+            <a:br>
+              <a:rPr lang="en-US" altLang="ko-KR" dirty="0"/>
+            </a:br>
+            <a:r>
+              <a:rPr lang="en-US" altLang="ko-KR" dirty="0"/>
+              <a:t>neural network</a:t>
+            </a:r>
+          </a:p>
+        </p:txBody>
+      </p:sp>
+      <p:sp>
+        <p:nvSpPr>
+          <p:cNvPr id="21" name="사각형: 둥근 모서리 20">
+            <a:extLst>
+              <a:ext uri="{FF2B5EF4-FFF2-40B4-BE49-F238E27FC236}">
+                <a16:creationId xmlns:a16="http://schemas.microsoft.com/office/drawing/2014/main" id="{46739667-8EE6-479B-A9BC-CA2FC548B99E}"/>
+              </a:ext>
+            </a:extLst>
+          </p:cNvPr>
+          <p:cNvSpPr/>
+          <p:nvPr/>
+        </p:nvSpPr>
+        <p:spPr>
+          <a:xfrm>
+            <a:off x="483183" y="4158638"/>
+            <a:ext cx="1935465" cy="700217"/>
+          </a:xfrm>
+          <a:prstGeom prst="roundRect">
+            <a:avLst/>
+          </a:prstGeom>
+          <a:solidFill>
+            <a:schemeClr val="tx2">
+              <a:lumMod val="20000"/>
+              <a:lumOff val="80000"/>
+            </a:schemeClr>
+          </a:solidFill>
+          <a:ln>
+            <a:solidFill>
+              <a:schemeClr val="bg1"/>
+            </a:solidFill>
+          </a:ln>
+        </p:spPr>
+        <p:style>
+          <a:lnRef idx="2">
+            <a:schemeClr val="accent1">
+              <a:shade val="50000"/>
+            </a:schemeClr>
+          </a:lnRef>
+          <a:fillRef idx="1">
+            <a:schemeClr val="accent1"/>
+          </a:fillRef>
+          <a:effectRef idx="0">
+            <a:schemeClr val="accent1"/>
+          </a:effectRef>
+          <a:fontRef idx="minor">
+            <a:schemeClr val="lt1"/>
+          </a:fontRef>
+        </p:style>
+        <p:txBody>
+          <a:bodyPr rtlCol="0" anchor="ctr"/>
+          <a:lstStyle/>
+          <a:p>
+            <a:pPr algn="ctr"/>
+            <a:r>
+              <a:rPr lang="en-US" altLang="ko-KR" dirty="0"/>
+              <a:t>GAN</a:t>
+            </a:r>
+          </a:p>
+        </p:txBody>
+      </p:sp>
+      <p:sp>
+        <p:nvSpPr>
+          <p:cNvPr id="22" name="사각형: 둥근 모서리 21">
+            <a:extLst>
+              <a:ext uri="{FF2B5EF4-FFF2-40B4-BE49-F238E27FC236}">
+                <a16:creationId xmlns:a16="http://schemas.microsoft.com/office/drawing/2014/main" id="{14A4F426-02B4-44DD-BB27-999CB31326EF}"/>
+              </a:ext>
+            </a:extLst>
+          </p:cNvPr>
+          <p:cNvSpPr/>
+          <p:nvPr/>
+        </p:nvSpPr>
+        <p:spPr>
+          <a:xfrm>
+            <a:off x="483186" y="1406589"/>
+            <a:ext cx="1935462" cy="890260"/>
+          </a:xfrm>
+          <a:prstGeom prst="roundRect">
+            <a:avLst/>
+          </a:prstGeom>
+          <a:solidFill>
+            <a:schemeClr val="tx2">
+              <a:lumMod val="60000"/>
+              <a:lumOff val="40000"/>
+            </a:schemeClr>
+          </a:solidFill>
+          <a:ln>
+            <a:solidFill>
+              <a:schemeClr val="bg1"/>
+            </a:solidFill>
+          </a:ln>
+        </p:spPr>
+        <p:style>
+          <a:lnRef idx="2">
+            <a:schemeClr val="accent1">
+              <a:shade val="50000"/>
+            </a:schemeClr>
+          </a:lnRef>
+          <a:fillRef idx="1">
+            <a:schemeClr val="accent1"/>
+          </a:fillRef>
+          <a:effectRef idx="0">
+            <a:schemeClr val="accent1"/>
+          </a:effectRef>
+          <a:fontRef idx="minor">
+            <a:schemeClr val="lt1"/>
+          </a:fontRef>
+        </p:style>
+        <p:txBody>
+          <a:bodyPr rtlCol="0" anchor="ctr"/>
+          <a:lstStyle/>
+          <a:p>
+            <a:pPr algn="ctr"/>
+            <a:r>
+              <a:rPr lang="en-US" altLang="ko-KR" dirty="0"/>
+              <a:t>Neural Network</a:t>
+            </a:r>
+          </a:p>
+          <a:p>
+            <a:pPr algn="ctr"/>
+            <a:r>
+              <a:rPr lang="en-US" altLang="ko-KR" dirty="0"/>
+              <a:t>Overfitting</a:t>
+            </a:r>
+          </a:p>
+          <a:p>
+            <a:pPr algn="ctr"/>
+            <a:r>
+              <a:rPr lang="en-US" altLang="ko-KR" dirty="0"/>
+              <a:t>Dropout</a:t>
             </a:r>
           </a:p>
         </p:txBody>
@@ -14995,267 +14582,6 @@
           <a:chExt cx="0" cy="0"/>
         </a:xfrm>
       </p:grpSpPr>
-      <p:sp>
-        <p:nvSpPr>
-          <p:cNvPr id="40" name="사각형: 둥근 모서리 39">
-            <a:extLst>
-              <a:ext uri="{FF2B5EF4-FFF2-40B4-BE49-F238E27FC236}">
-                <a16:creationId xmlns:a16="http://schemas.microsoft.com/office/drawing/2014/main" id="{1B6779C2-6A9B-4DE7-A41B-1B0AFC8937F4}"/>
-              </a:ext>
-            </a:extLst>
-          </p:cNvPr>
-          <p:cNvSpPr/>
-          <p:nvPr/>
-        </p:nvSpPr>
-        <p:spPr>
-          <a:xfrm>
-            <a:off x="492516" y="3588373"/>
-            <a:ext cx="1935465" cy="700217"/>
-          </a:xfrm>
-          <a:prstGeom prst="roundRect">
-            <a:avLst/>
-          </a:prstGeom>
-          <a:solidFill>
-            <a:schemeClr val="tx2">
-              <a:lumMod val="20000"/>
-              <a:lumOff val="80000"/>
-            </a:schemeClr>
-          </a:solidFill>
-          <a:ln>
-            <a:solidFill>
-              <a:schemeClr val="bg1"/>
-            </a:solidFill>
-          </a:ln>
-        </p:spPr>
-        <p:style>
-          <a:lnRef idx="2">
-            <a:schemeClr val="accent1">
-              <a:shade val="50000"/>
-            </a:schemeClr>
-          </a:lnRef>
-          <a:fillRef idx="1">
-            <a:schemeClr val="accent1"/>
-          </a:fillRef>
-          <a:effectRef idx="0">
-            <a:schemeClr val="accent1"/>
-          </a:effectRef>
-          <a:fontRef idx="minor">
-            <a:schemeClr val="lt1"/>
-          </a:fontRef>
-        </p:style>
-        <p:txBody>
-          <a:bodyPr rtlCol="0" anchor="ctr"/>
-          <a:lstStyle/>
-          <a:p>
-            <a:pPr algn="ctr"/>
-            <a:r>
-              <a:rPr lang="en-US" altLang="ko-KR" dirty="0"/>
-              <a:t>Convolutional</a:t>
-            </a:r>
-            <a:br>
-              <a:rPr lang="en-US" altLang="ko-KR" dirty="0"/>
-            </a:br>
-            <a:r>
-              <a:rPr lang="en-US" altLang="ko-KR" dirty="0"/>
-              <a:t>neural network</a:t>
-            </a:r>
-          </a:p>
-        </p:txBody>
-      </p:sp>
-      <p:sp>
-        <p:nvSpPr>
-          <p:cNvPr id="41" name="사각형: 둥근 모서리 40">
-            <a:extLst>
-              <a:ext uri="{FF2B5EF4-FFF2-40B4-BE49-F238E27FC236}">
-                <a16:creationId xmlns:a16="http://schemas.microsoft.com/office/drawing/2014/main" id="{6C4E28D0-1FFA-4517-A6A4-8771A8EF0F3E}"/>
-              </a:ext>
-            </a:extLst>
-          </p:cNvPr>
-          <p:cNvSpPr/>
-          <p:nvPr/>
-        </p:nvSpPr>
-        <p:spPr>
-          <a:xfrm>
-            <a:off x="492517" y="2307370"/>
-            <a:ext cx="1935464" cy="700217"/>
-          </a:xfrm>
-          <a:prstGeom prst="roundRect">
-            <a:avLst/>
-          </a:prstGeom>
-          <a:solidFill>
-            <a:schemeClr val="tx2">
-              <a:lumMod val="60000"/>
-              <a:lumOff val="40000"/>
-            </a:schemeClr>
-          </a:solidFill>
-          <a:ln>
-            <a:solidFill>
-              <a:schemeClr val="bg1"/>
-            </a:solidFill>
-          </a:ln>
-        </p:spPr>
-        <p:style>
-          <a:lnRef idx="2">
-            <a:schemeClr val="accent1">
-              <a:shade val="50000"/>
-            </a:schemeClr>
-          </a:lnRef>
-          <a:fillRef idx="1">
-            <a:schemeClr val="accent1"/>
-          </a:fillRef>
-          <a:effectRef idx="0">
-            <a:schemeClr val="accent1"/>
-          </a:effectRef>
-          <a:fontRef idx="minor">
-            <a:schemeClr val="lt1"/>
-          </a:fontRef>
-        </p:style>
-        <p:txBody>
-          <a:bodyPr rtlCol="0" anchor="ctr"/>
-          <a:lstStyle/>
-          <a:p>
-            <a:pPr algn="ctr"/>
-            <a:r>
-              <a:rPr lang="en-US" altLang="ko-KR" dirty="0"/>
-              <a:t>Overfitting</a:t>
-            </a:r>
-          </a:p>
-          <a:p>
-            <a:pPr algn="ctr"/>
-            <a:r>
-              <a:rPr lang="en-US" altLang="ko-KR" dirty="0"/>
-              <a:t>Dropout</a:t>
-            </a:r>
-          </a:p>
-        </p:txBody>
-      </p:sp>
-      <p:sp>
-        <p:nvSpPr>
-          <p:cNvPr id="42" name="사각형: 둥근 모서리 41">
-            <a:extLst>
-              <a:ext uri="{FF2B5EF4-FFF2-40B4-BE49-F238E27FC236}">
-                <a16:creationId xmlns:a16="http://schemas.microsoft.com/office/drawing/2014/main" id="{51825E1E-0014-484F-83AF-CD9774C2A7EC}"/>
-              </a:ext>
-            </a:extLst>
-          </p:cNvPr>
-          <p:cNvSpPr/>
-          <p:nvPr/>
-        </p:nvSpPr>
-        <p:spPr>
-          <a:xfrm>
-            <a:off x="492518" y="1026367"/>
-            <a:ext cx="1935463" cy="700217"/>
-          </a:xfrm>
-          <a:prstGeom prst="roundRect">
-            <a:avLst/>
-          </a:prstGeom>
-          <a:solidFill>
-            <a:schemeClr val="tx2">
-              <a:lumMod val="20000"/>
-              <a:lumOff val="80000"/>
-            </a:schemeClr>
-          </a:solidFill>
-          <a:ln>
-            <a:solidFill>
-              <a:schemeClr val="bg1"/>
-            </a:solidFill>
-          </a:ln>
-        </p:spPr>
-        <p:style>
-          <a:lnRef idx="2">
-            <a:schemeClr val="accent1">
-              <a:shade val="50000"/>
-            </a:schemeClr>
-          </a:lnRef>
-          <a:fillRef idx="1">
-            <a:schemeClr val="accent1"/>
-          </a:fillRef>
-          <a:effectRef idx="0">
-            <a:schemeClr val="accent1"/>
-          </a:effectRef>
-          <a:fontRef idx="minor">
-            <a:schemeClr val="lt1"/>
-          </a:fontRef>
-        </p:style>
-        <p:txBody>
-          <a:bodyPr rtlCol="0" anchor="ctr"/>
-          <a:lstStyle/>
-          <a:p>
-            <a:pPr algn="ctr"/>
-            <a:r>
-              <a:rPr lang="en-US" altLang="ko-KR" dirty="0"/>
-              <a:t>Perceptron, </a:t>
-            </a:r>
-            <a:br>
-              <a:rPr lang="en-US" altLang="ko-KR" dirty="0"/>
-            </a:br>
-            <a:r>
-              <a:rPr lang="en-US" altLang="ko-KR" dirty="0"/>
-              <a:t>Neural Network</a:t>
-            </a:r>
-          </a:p>
-        </p:txBody>
-      </p:sp>
-      <p:sp>
-        <p:nvSpPr>
-          <p:cNvPr id="43" name="사각형: 둥근 모서리 42">
-            <a:extLst>
-              <a:ext uri="{FF2B5EF4-FFF2-40B4-BE49-F238E27FC236}">
-                <a16:creationId xmlns:a16="http://schemas.microsoft.com/office/drawing/2014/main" id="{5FCAD110-DFB5-495C-A12B-79239EA6ED22}"/>
-              </a:ext>
-            </a:extLst>
-          </p:cNvPr>
-          <p:cNvSpPr/>
-          <p:nvPr/>
-        </p:nvSpPr>
-        <p:spPr>
-          <a:xfrm>
-            <a:off x="492515" y="4869376"/>
-            <a:ext cx="1935465" cy="700217"/>
-          </a:xfrm>
-          <a:prstGeom prst="roundRect">
-            <a:avLst/>
-          </a:prstGeom>
-          <a:solidFill>
-            <a:schemeClr val="tx2">
-              <a:lumMod val="20000"/>
-              <a:lumOff val="80000"/>
-            </a:schemeClr>
-          </a:solidFill>
-          <a:ln>
-            <a:solidFill>
-              <a:schemeClr val="bg1"/>
-            </a:solidFill>
-          </a:ln>
-        </p:spPr>
-        <p:style>
-          <a:lnRef idx="2">
-            <a:schemeClr val="accent1">
-              <a:shade val="50000"/>
-            </a:schemeClr>
-          </a:lnRef>
-          <a:fillRef idx="1">
-            <a:schemeClr val="accent1"/>
-          </a:fillRef>
-          <a:effectRef idx="0">
-            <a:schemeClr val="accent1"/>
-          </a:effectRef>
-          <a:fontRef idx="minor">
-            <a:schemeClr val="lt1"/>
-          </a:fontRef>
-        </p:style>
-        <p:txBody>
-          <a:bodyPr rtlCol="0" anchor="ctr"/>
-          <a:lstStyle/>
-          <a:p>
-            <a:pPr algn="ctr"/>
-            <a:r>
-              <a:rPr lang="en-US" altLang="ko-KR" dirty="0"/>
-              <a:t>GAN</a:t>
-            </a:r>
-          </a:p>
-        </p:txBody>
-      </p:sp>
       <p:pic>
         <p:nvPicPr>
           <p:cNvPr id="25" name="Picture 4" descr="Image for post">
@@ -16078,6 +15404,207 @@
             <a:r>
               <a:rPr lang="ko-KR" altLang="en-US" b="1" dirty="0"/>
               <a:t>호랑이인지 개인지 판단하는 모델</a:t>
+            </a:r>
+          </a:p>
+        </p:txBody>
+      </p:sp>
+      <p:sp>
+        <p:nvSpPr>
+          <p:cNvPr id="27" name="사각형: 둥근 모서리 26">
+            <a:extLst>
+              <a:ext uri="{FF2B5EF4-FFF2-40B4-BE49-F238E27FC236}">
+                <a16:creationId xmlns:a16="http://schemas.microsoft.com/office/drawing/2014/main" id="{F641749B-55E9-4778-AA92-4532BE058E0E}"/>
+              </a:ext>
+            </a:extLst>
+          </p:cNvPr>
+          <p:cNvSpPr/>
+          <p:nvPr/>
+        </p:nvSpPr>
+        <p:spPr>
+          <a:xfrm>
+            <a:off x="483184" y="2877635"/>
+            <a:ext cx="1935465" cy="700217"/>
+          </a:xfrm>
+          <a:prstGeom prst="roundRect">
+            <a:avLst/>
+          </a:prstGeom>
+          <a:solidFill>
+            <a:schemeClr val="tx2">
+              <a:lumMod val="20000"/>
+              <a:lumOff val="80000"/>
+            </a:schemeClr>
+          </a:solidFill>
+          <a:ln>
+            <a:solidFill>
+              <a:schemeClr val="bg1"/>
+            </a:solidFill>
+          </a:ln>
+        </p:spPr>
+        <p:style>
+          <a:lnRef idx="2">
+            <a:schemeClr val="accent1">
+              <a:shade val="50000"/>
+            </a:schemeClr>
+          </a:lnRef>
+          <a:fillRef idx="1">
+            <a:schemeClr val="accent1"/>
+          </a:fillRef>
+          <a:effectRef idx="0">
+            <a:schemeClr val="accent1"/>
+          </a:effectRef>
+          <a:fontRef idx="minor">
+            <a:schemeClr val="lt1"/>
+          </a:fontRef>
+        </p:style>
+        <p:txBody>
+          <a:bodyPr rtlCol="0" anchor="ctr"/>
+          <a:lstStyle/>
+          <a:p>
+            <a:pPr algn="ctr"/>
+            <a:r>
+              <a:rPr lang="en-US" altLang="ko-KR" dirty="0"/>
+              <a:t>Convolutional</a:t>
+            </a:r>
+            <a:br>
+              <a:rPr lang="en-US" altLang="ko-KR" dirty="0"/>
+            </a:br>
+            <a:r>
+              <a:rPr lang="en-US" altLang="ko-KR" dirty="0"/>
+              <a:t>neural network</a:t>
+            </a:r>
+          </a:p>
+        </p:txBody>
+      </p:sp>
+      <p:sp>
+        <p:nvSpPr>
+          <p:cNvPr id="28" name="사각형: 둥근 모서리 27">
+            <a:extLst>
+              <a:ext uri="{FF2B5EF4-FFF2-40B4-BE49-F238E27FC236}">
+                <a16:creationId xmlns:a16="http://schemas.microsoft.com/office/drawing/2014/main" id="{566F8FFF-5011-4BD0-9013-9963192A5271}"/>
+              </a:ext>
+            </a:extLst>
+          </p:cNvPr>
+          <p:cNvSpPr/>
+          <p:nvPr/>
+        </p:nvSpPr>
+        <p:spPr>
+          <a:xfrm>
+            <a:off x="483183" y="4158638"/>
+            <a:ext cx="1935465" cy="700217"/>
+          </a:xfrm>
+          <a:prstGeom prst="roundRect">
+            <a:avLst/>
+          </a:prstGeom>
+          <a:solidFill>
+            <a:schemeClr val="tx2">
+              <a:lumMod val="20000"/>
+              <a:lumOff val="80000"/>
+            </a:schemeClr>
+          </a:solidFill>
+          <a:ln>
+            <a:solidFill>
+              <a:schemeClr val="bg1"/>
+            </a:solidFill>
+          </a:ln>
+        </p:spPr>
+        <p:style>
+          <a:lnRef idx="2">
+            <a:schemeClr val="accent1">
+              <a:shade val="50000"/>
+            </a:schemeClr>
+          </a:lnRef>
+          <a:fillRef idx="1">
+            <a:schemeClr val="accent1"/>
+          </a:fillRef>
+          <a:effectRef idx="0">
+            <a:schemeClr val="accent1"/>
+          </a:effectRef>
+          <a:fontRef idx="minor">
+            <a:schemeClr val="lt1"/>
+          </a:fontRef>
+        </p:style>
+        <p:txBody>
+          <a:bodyPr rtlCol="0" anchor="ctr"/>
+          <a:lstStyle/>
+          <a:p>
+            <a:pPr algn="ctr"/>
+            <a:r>
+              <a:rPr lang="en-US" altLang="ko-KR" dirty="0"/>
+              <a:t>GAN</a:t>
+            </a:r>
+          </a:p>
+        </p:txBody>
+      </p:sp>
+      <p:sp>
+        <p:nvSpPr>
+          <p:cNvPr id="29" name="사각형: 둥근 모서리 28">
+            <a:extLst>
+              <a:ext uri="{FF2B5EF4-FFF2-40B4-BE49-F238E27FC236}">
+                <a16:creationId xmlns:a16="http://schemas.microsoft.com/office/drawing/2014/main" id="{11127584-8BC4-42DD-B2EA-BCD935A36309}"/>
+              </a:ext>
+            </a:extLst>
+          </p:cNvPr>
+          <p:cNvSpPr/>
+          <p:nvPr/>
+        </p:nvSpPr>
+        <p:spPr>
+          <a:xfrm>
+            <a:off x="483186" y="1406589"/>
+            <a:ext cx="1935462" cy="890260"/>
+          </a:xfrm>
+          <a:prstGeom prst="roundRect">
+            <a:avLst/>
+          </a:prstGeom>
+          <a:solidFill>
+            <a:schemeClr val="tx2">
+              <a:lumMod val="60000"/>
+              <a:lumOff val="40000"/>
+            </a:schemeClr>
+          </a:solidFill>
+          <a:ln>
+            <a:solidFill>
+              <a:schemeClr val="bg1"/>
+            </a:solidFill>
+          </a:ln>
+        </p:spPr>
+        <p:style>
+          <a:lnRef idx="2">
+            <a:schemeClr val="accent1">
+              <a:shade val="50000"/>
+            </a:schemeClr>
+          </a:lnRef>
+          <a:fillRef idx="1">
+            <a:schemeClr val="accent1"/>
+          </a:fillRef>
+          <a:effectRef idx="0">
+            <a:schemeClr val="accent1"/>
+          </a:effectRef>
+          <a:fontRef idx="minor">
+            <a:schemeClr val="lt1"/>
+          </a:fontRef>
+        </p:style>
+        <p:txBody>
+          <a:bodyPr rtlCol="0" anchor="ctr"/>
+          <a:lstStyle/>
+          <a:p>
+            <a:pPr algn="ctr"/>
+            <a:r>
+              <a:rPr lang="en-US" altLang="ko-KR" dirty="0"/>
+              <a:t>Neural Network</a:t>
+            </a:r>
+          </a:p>
+          <a:p>
+            <a:pPr algn="ctr"/>
+            <a:r>
+              <a:rPr lang="en-US" altLang="ko-KR" dirty="0"/>
+              <a:t>Overfitting</a:t>
+            </a:r>
+          </a:p>
+          <a:p>
+            <a:pPr algn="ctr"/>
+            <a:r>
+              <a:rPr lang="en-US" altLang="ko-KR" dirty="0"/>
+              <a:t>Dropout</a:t>
             </a:r>
           </a:p>
         </p:txBody>
@@ -16208,10 +15735,10 @@
       </p:pic>
       <p:sp>
         <p:nvSpPr>
-          <p:cNvPr id="19" name="사각형: 둥근 모서리 18">
-            <a:extLst>
-              <a:ext uri="{FF2B5EF4-FFF2-40B4-BE49-F238E27FC236}">
-                <a16:creationId xmlns:a16="http://schemas.microsoft.com/office/drawing/2014/main" id="{0C1714FE-6B61-4B06-81E5-4194F6BBA23F}"/>
+          <p:cNvPr id="9" name="사각형: 둥근 모서리 8">
+            <a:extLst>
+              <a:ext uri="{FF2B5EF4-FFF2-40B4-BE49-F238E27FC236}">
+                <a16:creationId xmlns:a16="http://schemas.microsoft.com/office/drawing/2014/main" id="{F1024491-8E78-4A43-9B00-BE93D08BCC14}"/>
               </a:ext>
             </a:extLst>
           </p:cNvPr>
@@ -16220,7 +15747,7 @@
         </p:nvSpPr>
         <p:spPr>
           <a:xfrm>
-            <a:off x="492516" y="3588373"/>
+            <a:off x="483184" y="2877635"/>
             <a:ext cx="1935465" cy="700217"/>
           </a:xfrm>
           <a:prstGeom prst="roundRect">
@@ -16275,10 +15802,10 @@
       </p:sp>
       <p:sp>
         <p:nvSpPr>
-          <p:cNvPr id="20" name="사각형: 둥근 모서리 19">
-            <a:extLst>
-              <a:ext uri="{FF2B5EF4-FFF2-40B4-BE49-F238E27FC236}">
-                <a16:creationId xmlns:a16="http://schemas.microsoft.com/office/drawing/2014/main" id="{945C16C9-3C0A-46D4-8FDB-DED3B1DB07DF}"/>
+          <p:cNvPr id="10" name="사각형: 둥근 모서리 9">
+            <a:extLst>
+              <a:ext uri="{FF2B5EF4-FFF2-40B4-BE49-F238E27FC236}">
+                <a16:creationId xmlns:a16="http://schemas.microsoft.com/office/drawing/2014/main" id="{2E6A2C22-D6CA-4D54-AB36-AEA5BA4D56B7}"/>
               </a:ext>
             </a:extLst>
           </p:cNvPr>
@@ -16287,8 +15814,8 @@
         </p:nvSpPr>
         <p:spPr>
           <a:xfrm>
-            <a:off x="492517" y="2307370"/>
-            <a:ext cx="1935464" cy="700217"/>
+            <a:off x="483183" y="4158638"/>
+            <a:ext cx="1935465" cy="700217"/>
           </a:xfrm>
           <a:prstGeom prst="roundRect">
             <a:avLst/>
@@ -16328,24 +15855,17 @@
             <a:pPr algn="ctr"/>
             <a:r>
               <a:rPr lang="en-US" altLang="ko-KR" dirty="0"/>
-              <a:t>Overfitting</a:t>
-            </a:r>
-          </a:p>
-          <a:p>
-            <a:pPr algn="ctr"/>
-            <a:r>
-              <a:rPr lang="en-US" altLang="ko-KR" dirty="0"/>
-              <a:t>Dropout</a:t>
-            </a:r>
-          </a:p>
-        </p:txBody>
-      </p:sp>
-      <p:sp>
-        <p:nvSpPr>
-          <p:cNvPr id="21" name="사각형: 둥근 모서리 20">
-            <a:extLst>
-              <a:ext uri="{FF2B5EF4-FFF2-40B4-BE49-F238E27FC236}">
-                <a16:creationId xmlns:a16="http://schemas.microsoft.com/office/drawing/2014/main" id="{97772BAE-C7F7-4FA9-A6D4-3139AB286A81}"/>
+              <a:t>GAN</a:t>
+            </a:r>
+          </a:p>
+        </p:txBody>
+      </p:sp>
+      <p:sp>
+        <p:nvSpPr>
+          <p:cNvPr id="11" name="사각형: 둥근 모서리 10">
+            <a:extLst>
+              <a:ext uri="{FF2B5EF4-FFF2-40B4-BE49-F238E27FC236}">
+                <a16:creationId xmlns:a16="http://schemas.microsoft.com/office/drawing/2014/main" id="{914F4A5F-2946-4845-B2E4-8947C2BAABB8}"/>
               </a:ext>
             </a:extLst>
           </p:cNvPr>
@@ -16354,8 +15874,8 @@
         </p:nvSpPr>
         <p:spPr>
           <a:xfrm>
-            <a:off x="492518" y="1026367"/>
-            <a:ext cx="1935463" cy="700217"/>
+            <a:off x="483186" y="1406589"/>
+            <a:ext cx="1935462" cy="890260"/>
           </a:xfrm>
           <a:prstGeom prst="roundRect">
             <a:avLst/>
@@ -16395,74 +15915,21 @@
             <a:pPr algn="ctr"/>
             <a:r>
               <a:rPr lang="en-US" altLang="ko-KR" dirty="0"/>
-              <a:t>Perceptron, </a:t>
-            </a:r>
-            <a:br>
-              <a:rPr lang="en-US" altLang="ko-KR" dirty="0"/>
-            </a:br>
-            <a:r>
-              <a:rPr lang="en-US" altLang="ko-KR" dirty="0"/>
               <a:t>Neural Network</a:t>
             </a:r>
           </a:p>
-        </p:txBody>
-      </p:sp>
-      <p:sp>
-        <p:nvSpPr>
-          <p:cNvPr id="22" name="사각형: 둥근 모서리 21">
-            <a:extLst>
-              <a:ext uri="{FF2B5EF4-FFF2-40B4-BE49-F238E27FC236}">
-                <a16:creationId xmlns:a16="http://schemas.microsoft.com/office/drawing/2014/main" id="{B613D72A-D33C-4CDD-93AC-DEE6085F4803}"/>
-              </a:ext>
-            </a:extLst>
-          </p:cNvPr>
-          <p:cNvSpPr/>
-          <p:nvPr/>
-        </p:nvSpPr>
-        <p:spPr>
-          <a:xfrm>
-            <a:off x="492515" y="4869376"/>
-            <a:ext cx="1935465" cy="700217"/>
-          </a:xfrm>
-          <a:prstGeom prst="roundRect">
-            <a:avLst/>
-          </a:prstGeom>
-          <a:solidFill>
-            <a:schemeClr val="tx2">
-              <a:lumMod val="20000"/>
-              <a:lumOff val="80000"/>
-            </a:schemeClr>
-          </a:solidFill>
-          <a:ln>
-            <a:solidFill>
-              <a:schemeClr val="bg1"/>
-            </a:solidFill>
-          </a:ln>
-        </p:spPr>
-        <p:style>
-          <a:lnRef idx="2">
-            <a:schemeClr val="accent1">
-              <a:shade val="50000"/>
-            </a:schemeClr>
-          </a:lnRef>
-          <a:fillRef idx="1">
-            <a:schemeClr val="accent1"/>
-          </a:fillRef>
-          <a:effectRef idx="0">
-            <a:schemeClr val="accent1"/>
-          </a:effectRef>
-          <a:fontRef idx="minor">
-            <a:schemeClr val="lt1"/>
-          </a:fontRef>
-        </p:style>
-        <p:txBody>
-          <a:bodyPr rtlCol="0" anchor="ctr"/>
-          <a:lstStyle/>
           <a:p>
             <a:pPr algn="ctr"/>
             <a:r>
               <a:rPr lang="en-US" altLang="ko-KR" dirty="0"/>
-              <a:t>GAN</a:t>
+              <a:t>Overfitting</a:t>
+            </a:r>
+          </a:p>
+          <a:p>
+            <a:pPr algn="ctr"/>
+            <a:r>
+              <a:rPr lang="en-US" altLang="ko-KR" dirty="0"/>
+              <a:t>Dropout</a:t>
             </a:r>
           </a:p>
         </p:txBody>
@@ -16497,267 +15964,6 @@
           <a:chExt cx="0" cy="0"/>
         </a:xfrm>
       </p:grpSpPr>
-      <p:sp>
-        <p:nvSpPr>
-          <p:cNvPr id="19" name="사각형: 둥근 모서리 18">
-            <a:extLst>
-              <a:ext uri="{FF2B5EF4-FFF2-40B4-BE49-F238E27FC236}">
-                <a16:creationId xmlns:a16="http://schemas.microsoft.com/office/drawing/2014/main" id="{0C1714FE-6B61-4B06-81E5-4194F6BBA23F}"/>
-              </a:ext>
-            </a:extLst>
-          </p:cNvPr>
-          <p:cNvSpPr/>
-          <p:nvPr/>
-        </p:nvSpPr>
-        <p:spPr>
-          <a:xfrm>
-            <a:off x="492516" y="3588373"/>
-            <a:ext cx="1935465" cy="700217"/>
-          </a:xfrm>
-          <a:prstGeom prst="roundRect">
-            <a:avLst/>
-          </a:prstGeom>
-          <a:solidFill>
-            <a:schemeClr val="tx2">
-              <a:lumMod val="60000"/>
-              <a:lumOff val="40000"/>
-            </a:schemeClr>
-          </a:solidFill>
-          <a:ln>
-            <a:solidFill>
-              <a:schemeClr val="bg1"/>
-            </a:solidFill>
-          </a:ln>
-        </p:spPr>
-        <p:style>
-          <a:lnRef idx="2">
-            <a:schemeClr val="accent1">
-              <a:shade val="50000"/>
-            </a:schemeClr>
-          </a:lnRef>
-          <a:fillRef idx="1">
-            <a:schemeClr val="accent1"/>
-          </a:fillRef>
-          <a:effectRef idx="0">
-            <a:schemeClr val="accent1"/>
-          </a:effectRef>
-          <a:fontRef idx="minor">
-            <a:schemeClr val="lt1"/>
-          </a:fontRef>
-        </p:style>
-        <p:txBody>
-          <a:bodyPr rtlCol="0" anchor="ctr"/>
-          <a:lstStyle/>
-          <a:p>
-            <a:pPr algn="ctr"/>
-            <a:r>
-              <a:rPr lang="en-US" altLang="ko-KR" dirty="0"/>
-              <a:t>Convolutional</a:t>
-            </a:r>
-            <a:br>
-              <a:rPr lang="en-US" altLang="ko-KR" dirty="0"/>
-            </a:br>
-            <a:r>
-              <a:rPr lang="en-US" altLang="ko-KR" dirty="0"/>
-              <a:t>neural network</a:t>
-            </a:r>
-          </a:p>
-        </p:txBody>
-      </p:sp>
-      <p:sp>
-        <p:nvSpPr>
-          <p:cNvPr id="20" name="사각형: 둥근 모서리 19">
-            <a:extLst>
-              <a:ext uri="{FF2B5EF4-FFF2-40B4-BE49-F238E27FC236}">
-                <a16:creationId xmlns:a16="http://schemas.microsoft.com/office/drawing/2014/main" id="{945C16C9-3C0A-46D4-8FDB-DED3B1DB07DF}"/>
-              </a:ext>
-            </a:extLst>
-          </p:cNvPr>
-          <p:cNvSpPr/>
-          <p:nvPr/>
-        </p:nvSpPr>
-        <p:spPr>
-          <a:xfrm>
-            <a:off x="492517" y="2307370"/>
-            <a:ext cx="1935464" cy="700217"/>
-          </a:xfrm>
-          <a:prstGeom prst="roundRect">
-            <a:avLst/>
-          </a:prstGeom>
-          <a:solidFill>
-            <a:schemeClr val="tx2">
-              <a:lumMod val="20000"/>
-              <a:lumOff val="80000"/>
-            </a:schemeClr>
-          </a:solidFill>
-          <a:ln>
-            <a:solidFill>
-              <a:schemeClr val="bg1"/>
-            </a:solidFill>
-          </a:ln>
-        </p:spPr>
-        <p:style>
-          <a:lnRef idx="2">
-            <a:schemeClr val="accent1">
-              <a:shade val="50000"/>
-            </a:schemeClr>
-          </a:lnRef>
-          <a:fillRef idx="1">
-            <a:schemeClr val="accent1"/>
-          </a:fillRef>
-          <a:effectRef idx="0">
-            <a:schemeClr val="accent1"/>
-          </a:effectRef>
-          <a:fontRef idx="minor">
-            <a:schemeClr val="lt1"/>
-          </a:fontRef>
-        </p:style>
-        <p:txBody>
-          <a:bodyPr rtlCol="0" anchor="ctr"/>
-          <a:lstStyle/>
-          <a:p>
-            <a:pPr algn="ctr"/>
-            <a:r>
-              <a:rPr lang="en-US" altLang="ko-KR" dirty="0"/>
-              <a:t>Overfitting</a:t>
-            </a:r>
-          </a:p>
-          <a:p>
-            <a:pPr algn="ctr"/>
-            <a:r>
-              <a:rPr lang="en-US" altLang="ko-KR" dirty="0"/>
-              <a:t>Dropout</a:t>
-            </a:r>
-          </a:p>
-        </p:txBody>
-      </p:sp>
-      <p:sp>
-        <p:nvSpPr>
-          <p:cNvPr id="21" name="사각형: 둥근 모서리 20">
-            <a:extLst>
-              <a:ext uri="{FF2B5EF4-FFF2-40B4-BE49-F238E27FC236}">
-                <a16:creationId xmlns:a16="http://schemas.microsoft.com/office/drawing/2014/main" id="{97772BAE-C7F7-4FA9-A6D4-3139AB286A81}"/>
-              </a:ext>
-            </a:extLst>
-          </p:cNvPr>
-          <p:cNvSpPr/>
-          <p:nvPr/>
-        </p:nvSpPr>
-        <p:spPr>
-          <a:xfrm>
-            <a:off x="492518" y="1026367"/>
-            <a:ext cx="1935463" cy="700217"/>
-          </a:xfrm>
-          <a:prstGeom prst="roundRect">
-            <a:avLst/>
-          </a:prstGeom>
-          <a:solidFill>
-            <a:schemeClr val="tx2">
-              <a:lumMod val="20000"/>
-              <a:lumOff val="80000"/>
-            </a:schemeClr>
-          </a:solidFill>
-          <a:ln>
-            <a:solidFill>
-              <a:schemeClr val="bg1"/>
-            </a:solidFill>
-          </a:ln>
-        </p:spPr>
-        <p:style>
-          <a:lnRef idx="2">
-            <a:schemeClr val="accent1">
-              <a:shade val="50000"/>
-            </a:schemeClr>
-          </a:lnRef>
-          <a:fillRef idx="1">
-            <a:schemeClr val="accent1"/>
-          </a:fillRef>
-          <a:effectRef idx="0">
-            <a:schemeClr val="accent1"/>
-          </a:effectRef>
-          <a:fontRef idx="minor">
-            <a:schemeClr val="lt1"/>
-          </a:fontRef>
-        </p:style>
-        <p:txBody>
-          <a:bodyPr rtlCol="0" anchor="ctr"/>
-          <a:lstStyle/>
-          <a:p>
-            <a:pPr algn="ctr"/>
-            <a:r>
-              <a:rPr lang="en-US" altLang="ko-KR" dirty="0"/>
-              <a:t>Perceptron, </a:t>
-            </a:r>
-            <a:br>
-              <a:rPr lang="en-US" altLang="ko-KR" dirty="0"/>
-            </a:br>
-            <a:r>
-              <a:rPr lang="en-US" altLang="ko-KR" dirty="0"/>
-              <a:t>Neural Network</a:t>
-            </a:r>
-          </a:p>
-        </p:txBody>
-      </p:sp>
-      <p:sp>
-        <p:nvSpPr>
-          <p:cNvPr id="22" name="사각형: 둥근 모서리 21">
-            <a:extLst>
-              <a:ext uri="{FF2B5EF4-FFF2-40B4-BE49-F238E27FC236}">
-                <a16:creationId xmlns:a16="http://schemas.microsoft.com/office/drawing/2014/main" id="{B613D72A-D33C-4CDD-93AC-DEE6085F4803}"/>
-              </a:ext>
-            </a:extLst>
-          </p:cNvPr>
-          <p:cNvSpPr/>
-          <p:nvPr/>
-        </p:nvSpPr>
-        <p:spPr>
-          <a:xfrm>
-            <a:off x="492515" y="4869376"/>
-            <a:ext cx="1935465" cy="700217"/>
-          </a:xfrm>
-          <a:prstGeom prst="roundRect">
-            <a:avLst/>
-          </a:prstGeom>
-          <a:solidFill>
-            <a:schemeClr val="tx2">
-              <a:lumMod val="20000"/>
-              <a:lumOff val="80000"/>
-            </a:schemeClr>
-          </a:solidFill>
-          <a:ln>
-            <a:solidFill>
-              <a:schemeClr val="bg1"/>
-            </a:solidFill>
-          </a:ln>
-        </p:spPr>
-        <p:style>
-          <a:lnRef idx="2">
-            <a:schemeClr val="accent1">
-              <a:shade val="50000"/>
-            </a:schemeClr>
-          </a:lnRef>
-          <a:fillRef idx="1">
-            <a:schemeClr val="accent1"/>
-          </a:fillRef>
-          <a:effectRef idx="0">
-            <a:schemeClr val="accent1"/>
-          </a:effectRef>
-          <a:fontRef idx="minor">
-            <a:schemeClr val="lt1"/>
-          </a:fontRef>
-        </p:style>
-        <p:txBody>
-          <a:bodyPr rtlCol="0" anchor="ctr"/>
-          <a:lstStyle/>
-          <a:p>
-            <a:pPr algn="ctr"/>
-            <a:r>
-              <a:rPr lang="en-US" altLang="ko-KR" dirty="0"/>
-              <a:t>GAN</a:t>
-            </a:r>
-          </a:p>
-        </p:txBody>
-      </p:sp>
       <p:pic>
         <p:nvPicPr>
           <p:cNvPr id="2" name="그림 1">
@@ -16818,6 +16024,207 @@
           </a:prstGeom>
         </p:spPr>
       </p:pic>
+      <p:sp>
+        <p:nvSpPr>
+          <p:cNvPr id="8" name="사각형: 둥근 모서리 7">
+            <a:extLst>
+              <a:ext uri="{FF2B5EF4-FFF2-40B4-BE49-F238E27FC236}">
+                <a16:creationId xmlns:a16="http://schemas.microsoft.com/office/drawing/2014/main" id="{7DD3EFCF-B75E-43B8-A1CF-0F6727126410}"/>
+              </a:ext>
+            </a:extLst>
+          </p:cNvPr>
+          <p:cNvSpPr/>
+          <p:nvPr/>
+        </p:nvSpPr>
+        <p:spPr>
+          <a:xfrm>
+            <a:off x="483184" y="2877635"/>
+            <a:ext cx="1935465" cy="700217"/>
+          </a:xfrm>
+          <a:prstGeom prst="roundRect">
+            <a:avLst/>
+          </a:prstGeom>
+          <a:solidFill>
+            <a:schemeClr val="tx2">
+              <a:lumMod val="60000"/>
+              <a:lumOff val="40000"/>
+            </a:schemeClr>
+          </a:solidFill>
+          <a:ln>
+            <a:solidFill>
+              <a:schemeClr val="bg1"/>
+            </a:solidFill>
+          </a:ln>
+        </p:spPr>
+        <p:style>
+          <a:lnRef idx="2">
+            <a:schemeClr val="accent1">
+              <a:shade val="50000"/>
+            </a:schemeClr>
+          </a:lnRef>
+          <a:fillRef idx="1">
+            <a:schemeClr val="accent1"/>
+          </a:fillRef>
+          <a:effectRef idx="0">
+            <a:schemeClr val="accent1"/>
+          </a:effectRef>
+          <a:fontRef idx="minor">
+            <a:schemeClr val="lt1"/>
+          </a:fontRef>
+        </p:style>
+        <p:txBody>
+          <a:bodyPr rtlCol="0" anchor="ctr"/>
+          <a:lstStyle/>
+          <a:p>
+            <a:pPr algn="ctr"/>
+            <a:r>
+              <a:rPr lang="en-US" altLang="ko-KR" dirty="0"/>
+              <a:t>Convolutional</a:t>
+            </a:r>
+            <a:br>
+              <a:rPr lang="en-US" altLang="ko-KR" dirty="0"/>
+            </a:br>
+            <a:r>
+              <a:rPr lang="en-US" altLang="ko-KR" dirty="0"/>
+              <a:t>neural network</a:t>
+            </a:r>
+          </a:p>
+        </p:txBody>
+      </p:sp>
+      <p:sp>
+        <p:nvSpPr>
+          <p:cNvPr id="9" name="사각형: 둥근 모서리 8">
+            <a:extLst>
+              <a:ext uri="{FF2B5EF4-FFF2-40B4-BE49-F238E27FC236}">
+                <a16:creationId xmlns:a16="http://schemas.microsoft.com/office/drawing/2014/main" id="{B82B3B88-2E02-4153-B085-DA2C3493A4B7}"/>
+              </a:ext>
+            </a:extLst>
+          </p:cNvPr>
+          <p:cNvSpPr/>
+          <p:nvPr/>
+        </p:nvSpPr>
+        <p:spPr>
+          <a:xfrm>
+            <a:off x="483183" y="4158638"/>
+            <a:ext cx="1935465" cy="700217"/>
+          </a:xfrm>
+          <a:prstGeom prst="roundRect">
+            <a:avLst/>
+          </a:prstGeom>
+          <a:solidFill>
+            <a:schemeClr val="tx2">
+              <a:lumMod val="20000"/>
+              <a:lumOff val="80000"/>
+            </a:schemeClr>
+          </a:solidFill>
+          <a:ln>
+            <a:solidFill>
+              <a:schemeClr val="bg1"/>
+            </a:solidFill>
+          </a:ln>
+        </p:spPr>
+        <p:style>
+          <a:lnRef idx="2">
+            <a:schemeClr val="accent1">
+              <a:shade val="50000"/>
+            </a:schemeClr>
+          </a:lnRef>
+          <a:fillRef idx="1">
+            <a:schemeClr val="accent1"/>
+          </a:fillRef>
+          <a:effectRef idx="0">
+            <a:schemeClr val="accent1"/>
+          </a:effectRef>
+          <a:fontRef idx="minor">
+            <a:schemeClr val="lt1"/>
+          </a:fontRef>
+        </p:style>
+        <p:txBody>
+          <a:bodyPr rtlCol="0" anchor="ctr"/>
+          <a:lstStyle/>
+          <a:p>
+            <a:pPr algn="ctr"/>
+            <a:r>
+              <a:rPr lang="en-US" altLang="ko-KR" dirty="0"/>
+              <a:t>GAN</a:t>
+            </a:r>
+          </a:p>
+        </p:txBody>
+      </p:sp>
+      <p:sp>
+        <p:nvSpPr>
+          <p:cNvPr id="10" name="사각형: 둥근 모서리 9">
+            <a:extLst>
+              <a:ext uri="{FF2B5EF4-FFF2-40B4-BE49-F238E27FC236}">
+                <a16:creationId xmlns:a16="http://schemas.microsoft.com/office/drawing/2014/main" id="{AB4FD039-AD0E-4632-9A59-64C3C36A8A1B}"/>
+              </a:ext>
+            </a:extLst>
+          </p:cNvPr>
+          <p:cNvSpPr/>
+          <p:nvPr/>
+        </p:nvSpPr>
+        <p:spPr>
+          <a:xfrm>
+            <a:off x="483186" y="1406589"/>
+            <a:ext cx="1935462" cy="890260"/>
+          </a:xfrm>
+          <a:prstGeom prst="roundRect">
+            <a:avLst/>
+          </a:prstGeom>
+          <a:solidFill>
+            <a:schemeClr val="tx2">
+              <a:lumMod val="20000"/>
+              <a:lumOff val="80000"/>
+            </a:schemeClr>
+          </a:solidFill>
+          <a:ln>
+            <a:solidFill>
+              <a:schemeClr val="bg1"/>
+            </a:solidFill>
+          </a:ln>
+        </p:spPr>
+        <p:style>
+          <a:lnRef idx="2">
+            <a:schemeClr val="accent1">
+              <a:shade val="50000"/>
+            </a:schemeClr>
+          </a:lnRef>
+          <a:fillRef idx="1">
+            <a:schemeClr val="accent1"/>
+          </a:fillRef>
+          <a:effectRef idx="0">
+            <a:schemeClr val="accent1"/>
+          </a:effectRef>
+          <a:fontRef idx="minor">
+            <a:schemeClr val="lt1"/>
+          </a:fontRef>
+        </p:style>
+        <p:txBody>
+          <a:bodyPr rtlCol="0" anchor="ctr"/>
+          <a:lstStyle/>
+          <a:p>
+            <a:pPr algn="ctr"/>
+            <a:r>
+              <a:rPr lang="en-US" altLang="ko-KR" dirty="0"/>
+              <a:t>Neural Network</a:t>
+            </a:r>
+          </a:p>
+          <a:p>
+            <a:pPr algn="ctr"/>
+            <a:r>
+              <a:rPr lang="en-US" altLang="ko-KR" dirty="0"/>
+              <a:t>Overfitting</a:t>
+            </a:r>
+          </a:p>
+          <a:p>
+            <a:pPr algn="ctr"/>
+            <a:r>
+              <a:rPr lang="en-US" altLang="ko-KR" dirty="0"/>
+              <a:t>Dropout</a:t>
+            </a:r>
+          </a:p>
+        </p:txBody>
+      </p:sp>
     </p:spTree>
     <p:extLst>
       <p:ext uri="{BB962C8B-B14F-4D97-AF65-F5344CB8AC3E}">
@@ -16848,267 +16255,6 @@
           <a:chExt cx="0" cy="0"/>
         </a:xfrm>
       </p:grpSpPr>
-      <p:sp>
-        <p:nvSpPr>
-          <p:cNvPr id="19" name="사각형: 둥근 모서리 18">
-            <a:extLst>
-              <a:ext uri="{FF2B5EF4-FFF2-40B4-BE49-F238E27FC236}">
-                <a16:creationId xmlns:a16="http://schemas.microsoft.com/office/drawing/2014/main" id="{0C1714FE-6B61-4B06-81E5-4194F6BBA23F}"/>
-              </a:ext>
-            </a:extLst>
-          </p:cNvPr>
-          <p:cNvSpPr/>
-          <p:nvPr/>
-        </p:nvSpPr>
-        <p:spPr>
-          <a:xfrm>
-            <a:off x="492516" y="3588373"/>
-            <a:ext cx="1935465" cy="700217"/>
-          </a:xfrm>
-          <a:prstGeom prst="roundRect">
-            <a:avLst/>
-          </a:prstGeom>
-          <a:solidFill>
-            <a:schemeClr val="tx2">
-              <a:lumMod val="60000"/>
-              <a:lumOff val="40000"/>
-            </a:schemeClr>
-          </a:solidFill>
-          <a:ln>
-            <a:solidFill>
-              <a:schemeClr val="bg1"/>
-            </a:solidFill>
-          </a:ln>
-        </p:spPr>
-        <p:style>
-          <a:lnRef idx="2">
-            <a:schemeClr val="accent1">
-              <a:shade val="50000"/>
-            </a:schemeClr>
-          </a:lnRef>
-          <a:fillRef idx="1">
-            <a:schemeClr val="accent1"/>
-          </a:fillRef>
-          <a:effectRef idx="0">
-            <a:schemeClr val="accent1"/>
-          </a:effectRef>
-          <a:fontRef idx="minor">
-            <a:schemeClr val="lt1"/>
-          </a:fontRef>
-        </p:style>
-        <p:txBody>
-          <a:bodyPr rtlCol="0" anchor="ctr"/>
-          <a:lstStyle/>
-          <a:p>
-            <a:pPr algn="ctr"/>
-            <a:r>
-              <a:rPr lang="en-US" altLang="ko-KR" dirty="0"/>
-              <a:t>Convolutional</a:t>
-            </a:r>
-            <a:br>
-              <a:rPr lang="en-US" altLang="ko-KR" dirty="0"/>
-            </a:br>
-            <a:r>
-              <a:rPr lang="en-US" altLang="ko-KR" dirty="0"/>
-              <a:t>neural network</a:t>
-            </a:r>
-          </a:p>
-        </p:txBody>
-      </p:sp>
-      <p:sp>
-        <p:nvSpPr>
-          <p:cNvPr id="20" name="사각형: 둥근 모서리 19">
-            <a:extLst>
-              <a:ext uri="{FF2B5EF4-FFF2-40B4-BE49-F238E27FC236}">
-                <a16:creationId xmlns:a16="http://schemas.microsoft.com/office/drawing/2014/main" id="{945C16C9-3C0A-46D4-8FDB-DED3B1DB07DF}"/>
-              </a:ext>
-            </a:extLst>
-          </p:cNvPr>
-          <p:cNvSpPr/>
-          <p:nvPr/>
-        </p:nvSpPr>
-        <p:spPr>
-          <a:xfrm>
-            <a:off x="492517" y="2307370"/>
-            <a:ext cx="1935464" cy="700217"/>
-          </a:xfrm>
-          <a:prstGeom prst="roundRect">
-            <a:avLst/>
-          </a:prstGeom>
-          <a:solidFill>
-            <a:schemeClr val="tx2">
-              <a:lumMod val="20000"/>
-              <a:lumOff val="80000"/>
-            </a:schemeClr>
-          </a:solidFill>
-          <a:ln>
-            <a:solidFill>
-              <a:schemeClr val="bg1"/>
-            </a:solidFill>
-          </a:ln>
-        </p:spPr>
-        <p:style>
-          <a:lnRef idx="2">
-            <a:schemeClr val="accent1">
-              <a:shade val="50000"/>
-            </a:schemeClr>
-          </a:lnRef>
-          <a:fillRef idx="1">
-            <a:schemeClr val="accent1"/>
-          </a:fillRef>
-          <a:effectRef idx="0">
-            <a:schemeClr val="accent1"/>
-          </a:effectRef>
-          <a:fontRef idx="minor">
-            <a:schemeClr val="lt1"/>
-          </a:fontRef>
-        </p:style>
-        <p:txBody>
-          <a:bodyPr rtlCol="0" anchor="ctr"/>
-          <a:lstStyle/>
-          <a:p>
-            <a:pPr algn="ctr"/>
-            <a:r>
-              <a:rPr lang="en-US" altLang="ko-KR" dirty="0"/>
-              <a:t>Overfitting</a:t>
-            </a:r>
-          </a:p>
-          <a:p>
-            <a:pPr algn="ctr"/>
-            <a:r>
-              <a:rPr lang="en-US" altLang="ko-KR" dirty="0"/>
-              <a:t>Dropout</a:t>
-            </a:r>
-          </a:p>
-        </p:txBody>
-      </p:sp>
-      <p:sp>
-        <p:nvSpPr>
-          <p:cNvPr id="21" name="사각형: 둥근 모서리 20">
-            <a:extLst>
-              <a:ext uri="{FF2B5EF4-FFF2-40B4-BE49-F238E27FC236}">
-                <a16:creationId xmlns:a16="http://schemas.microsoft.com/office/drawing/2014/main" id="{97772BAE-C7F7-4FA9-A6D4-3139AB286A81}"/>
-              </a:ext>
-            </a:extLst>
-          </p:cNvPr>
-          <p:cNvSpPr/>
-          <p:nvPr/>
-        </p:nvSpPr>
-        <p:spPr>
-          <a:xfrm>
-            <a:off x="492518" y="1026367"/>
-            <a:ext cx="1935463" cy="700217"/>
-          </a:xfrm>
-          <a:prstGeom prst="roundRect">
-            <a:avLst/>
-          </a:prstGeom>
-          <a:solidFill>
-            <a:schemeClr val="tx2">
-              <a:lumMod val="20000"/>
-              <a:lumOff val="80000"/>
-            </a:schemeClr>
-          </a:solidFill>
-          <a:ln>
-            <a:solidFill>
-              <a:schemeClr val="bg1"/>
-            </a:solidFill>
-          </a:ln>
-        </p:spPr>
-        <p:style>
-          <a:lnRef idx="2">
-            <a:schemeClr val="accent1">
-              <a:shade val="50000"/>
-            </a:schemeClr>
-          </a:lnRef>
-          <a:fillRef idx="1">
-            <a:schemeClr val="accent1"/>
-          </a:fillRef>
-          <a:effectRef idx="0">
-            <a:schemeClr val="accent1"/>
-          </a:effectRef>
-          <a:fontRef idx="minor">
-            <a:schemeClr val="lt1"/>
-          </a:fontRef>
-        </p:style>
-        <p:txBody>
-          <a:bodyPr rtlCol="0" anchor="ctr"/>
-          <a:lstStyle/>
-          <a:p>
-            <a:pPr algn="ctr"/>
-            <a:r>
-              <a:rPr lang="en-US" altLang="ko-KR" dirty="0"/>
-              <a:t>Perceptron, </a:t>
-            </a:r>
-            <a:br>
-              <a:rPr lang="en-US" altLang="ko-KR" dirty="0"/>
-            </a:br>
-            <a:r>
-              <a:rPr lang="en-US" altLang="ko-KR" dirty="0"/>
-              <a:t>Neural Network</a:t>
-            </a:r>
-          </a:p>
-        </p:txBody>
-      </p:sp>
-      <p:sp>
-        <p:nvSpPr>
-          <p:cNvPr id="22" name="사각형: 둥근 모서리 21">
-            <a:extLst>
-              <a:ext uri="{FF2B5EF4-FFF2-40B4-BE49-F238E27FC236}">
-                <a16:creationId xmlns:a16="http://schemas.microsoft.com/office/drawing/2014/main" id="{B613D72A-D33C-4CDD-93AC-DEE6085F4803}"/>
-              </a:ext>
-            </a:extLst>
-          </p:cNvPr>
-          <p:cNvSpPr/>
-          <p:nvPr/>
-        </p:nvSpPr>
-        <p:spPr>
-          <a:xfrm>
-            <a:off x="492515" y="4869376"/>
-            <a:ext cx="1935465" cy="700217"/>
-          </a:xfrm>
-          <a:prstGeom prst="roundRect">
-            <a:avLst/>
-          </a:prstGeom>
-          <a:solidFill>
-            <a:schemeClr val="tx2">
-              <a:lumMod val="20000"/>
-              <a:lumOff val="80000"/>
-            </a:schemeClr>
-          </a:solidFill>
-          <a:ln>
-            <a:solidFill>
-              <a:schemeClr val="bg1"/>
-            </a:solidFill>
-          </a:ln>
-        </p:spPr>
-        <p:style>
-          <a:lnRef idx="2">
-            <a:schemeClr val="accent1">
-              <a:shade val="50000"/>
-            </a:schemeClr>
-          </a:lnRef>
-          <a:fillRef idx="1">
-            <a:schemeClr val="accent1"/>
-          </a:fillRef>
-          <a:effectRef idx="0">
-            <a:schemeClr val="accent1"/>
-          </a:effectRef>
-          <a:fontRef idx="minor">
-            <a:schemeClr val="lt1"/>
-          </a:fontRef>
-        </p:style>
-        <p:txBody>
-          <a:bodyPr rtlCol="0" anchor="ctr"/>
-          <a:lstStyle/>
-          <a:p>
-            <a:pPr algn="ctr"/>
-            <a:r>
-              <a:rPr lang="en-US" altLang="ko-KR" dirty="0"/>
-              <a:t>GAN</a:t>
-            </a:r>
-          </a:p>
-        </p:txBody>
-      </p:sp>
       <p:pic>
         <p:nvPicPr>
           <p:cNvPr id="1028" name="Picture 4" descr="Convolutional neural network Very-large-scale integration AlexNet  Handwriting recognition Artificial neural network, Energy Conversion  Efficiency, text, plan, engineering png | PNGWing">
@@ -17156,6 +16302,207 @@
           </a:extLst>
         </p:spPr>
       </p:pic>
+      <p:sp>
+        <p:nvSpPr>
+          <p:cNvPr id="7" name="사각형: 둥근 모서리 6">
+            <a:extLst>
+              <a:ext uri="{FF2B5EF4-FFF2-40B4-BE49-F238E27FC236}">
+                <a16:creationId xmlns:a16="http://schemas.microsoft.com/office/drawing/2014/main" id="{BCAE58EF-C645-4C5D-94C7-2AD13CD89FC8}"/>
+              </a:ext>
+            </a:extLst>
+          </p:cNvPr>
+          <p:cNvSpPr/>
+          <p:nvPr/>
+        </p:nvSpPr>
+        <p:spPr>
+          <a:xfrm>
+            <a:off x="483184" y="2877635"/>
+            <a:ext cx="1935465" cy="700217"/>
+          </a:xfrm>
+          <a:prstGeom prst="roundRect">
+            <a:avLst/>
+          </a:prstGeom>
+          <a:solidFill>
+            <a:schemeClr val="tx2">
+              <a:lumMod val="60000"/>
+              <a:lumOff val="40000"/>
+            </a:schemeClr>
+          </a:solidFill>
+          <a:ln>
+            <a:solidFill>
+              <a:schemeClr val="bg1"/>
+            </a:solidFill>
+          </a:ln>
+        </p:spPr>
+        <p:style>
+          <a:lnRef idx="2">
+            <a:schemeClr val="accent1">
+              <a:shade val="50000"/>
+            </a:schemeClr>
+          </a:lnRef>
+          <a:fillRef idx="1">
+            <a:schemeClr val="accent1"/>
+          </a:fillRef>
+          <a:effectRef idx="0">
+            <a:schemeClr val="accent1"/>
+          </a:effectRef>
+          <a:fontRef idx="minor">
+            <a:schemeClr val="lt1"/>
+          </a:fontRef>
+        </p:style>
+        <p:txBody>
+          <a:bodyPr rtlCol="0" anchor="ctr"/>
+          <a:lstStyle/>
+          <a:p>
+            <a:pPr algn="ctr"/>
+            <a:r>
+              <a:rPr lang="en-US" altLang="ko-KR" dirty="0"/>
+              <a:t>Convolutional</a:t>
+            </a:r>
+            <a:br>
+              <a:rPr lang="en-US" altLang="ko-KR" dirty="0"/>
+            </a:br>
+            <a:r>
+              <a:rPr lang="en-US" altLang="ko-KR" dirty="0"/>
+              <a:t>neural network</a:t>
+            </a:r>
+          </a:p>
+        </p:txBody>
+      </p:sp>
+      <p:sp>
+        <p:nvSpPr>
+          <p:cNvPr id="8" name="사각형: 둥근 모서리 7">
+            <a:extLst>
+              <a:ext uri="{FF2B5EF4-FFF2-40B4-BE49-F238E27FC236}">
+                <a16:creationId xmlns:a16="http://schemas.microsoft.com/office/drawing/2014/main" id="{7BCC17D4-E9DE-4EE2-ACB7-6CE6091BF413}"/>
+              </a:ext>
+            </a:extLst>
+          </p:cNvPr>
+          <p:cNvSpPr/>
+          <p:nvPr/>
+        </p:nvSpPr>
+        <p:spPr>
+          <a:xfrm>
+            <a:off x="483183" y="4158638"/>
+            <a:ext cx="1935465" cy="700217"/>
+          </a:xfrm>
+          <a:prstGeom prst="roundRect">
+            <a:avLst/>
+          </a:prstGeom>
+          <a:solidFill>
+            <a:schemeClr val="tx2">
+              <a:lumMod val="20000"/>
+              <a:lumOff val="80000"/>
+            </a:schemeClr>
+          </a:solidFill>
+          <a:ln>
+            <a:solidFill>
+              <a:schemeClr val="bg1"/>
+            </a:solidFill>
+          </a:ln>
+        </p:spPr>
+        <p:style>
+          <a:lnRef idx="2">
+            <a:schemeClr val="accent1">
+              <a:shade val="50000"/>
+            </a:schemeClr>
+          </a:lnRef>
+          <a:fillRef idx="1">
+            <a:schemeClr val="accent1"/>
+          </a:fillRef>
+          <a:effectRef idx="0">
+            <a:schemeClr val="accent1"/>
+          </a:effectRef>
+          <a:fontRef idx="minor">
+            <a:schemeClr val="lt1"/>
+          </a:fontRef>
+        </p:style>
+        <p:txBody>
+          <a:bodyPr rtlCol="0" anchor="ctr"/>
+          <a:lstStyle/>
+          <a:p>
+            <a:pPr algn="ctr"/>
+            <a:r>
+              <a:rPr lang="en-US" altLang="ko-KR" dirty="0"/>
+              <a:t>GAN</a:t>
+            </a:r>
+          </a:p>
+        </p:txBody>
+      </p:sp>
+      <p:sp>
+        <p:nvSpPr>
+          <p:cNvPr id="9" name="사각형: 둥근 모서리 8">
+            <a:extLst>
+              <a:ext uri="{FF2B5EF4-FFF2-40B4-BE49-F238E27FC236}">
+                <a16:creationId xmlns:a16="http://schemas.microsoft.com/office/drawing/2014/main" id="{800C31A9-FE79-4AF2-970A-52D4E382D4DC}"/>
+              </a:ext>
+            </a:extLst>
+          </p:cNvPr>
+          <p:cNvSpPr/>
+          <p:nvPr/>
+        </p:nvSpPr>
+        <p:spPr>
+          <a:xfrm>
+            <a:off x="483186" y="1406589"/>
+            <a:ext cx="1935462" cy="890260"/>
+          </a:xfrm>
+          <a:prstGeom prst="roundRect">
+            <a:avLst/>
+          </a:prstGeom>
+          <a:solidFill>
+            <a:schemeClr val="tx2">
+              <a:lumMod val="20000"/>
+              <a:lumOff val="80000"/>
+            </a:schemeClr>
+          </a:solidFill>
+          <a:ln>
+            <a:solidFill>
+              <a:schemeClr val="bg1"/>
+            </a:solidFill>
+          </a:ln>
+        </p:spPr>
+        <p:style>
+          <a:lnRef idx="2">
+            <a:schemeClr val="accent1">
+              <a:shade val="50000"/>
+            </a:schemeClr>
+          </a:lnRef>
+          <a:fillRef idx="1">
+            <a:schemeClr val="accent1"/>
+          </a:fillRef>
+          <a:effectRef idx="0">
+            <a:schemeClr val="accent1"/>
+          </a:effectRef>
+          <a:fontRef idx="minor">
+            <a:schemeClr val="lt1"/>
+          </a:fontRef>
+        </p:style>
+        <p:txBody>
+          <a:bodyPr rtlCol="0" anchor="ctr"/>
+          <a:lstStyle/>
+          <a:p>
+            <a:pPr algn="ctr"/>
+            <a:r>
+              <a:rPr lang="en-US" altLang="ko-KR" dirty="0"/>
+              <a:t>Neural Network</a:t>
+            </a:r>
+          </a:p>
+          <a:p>
+            <a:pPr algn="ctr"/>
+            <a:r>
+              <a:rPr lang="en-US" altLang="ko-KR" dirty="0"/>
+              <a:t>Overfitting</a:t>
+            </a:r>
+          </a:p>
+          <a:p>
+            <a:pPr algn="ctr"/>
+            <a:r>
+              <a:rPr lang="en-US" altLang="ko-KR" dirty="0"/>
+              <a:t>Dropout</a:t>
+            </a:r>
+          </a:p>
+        </p:txBody>
+      </p:sp>
     </p:spTree>
     <p:extLst>
       <p:ext uri="{BB962C8B-B14F-4D97-AF65-F5344CB8AC3E}">
@@ -17282,10 +16629,10 @@
       </p:pic>
       <p:sp>
         <p:nvSpPr>
-          <p:cNvPr id="18" name="사각형: 둥근 모서리 17">
-            <a:extLst>
-              <a:ext uri="{FF2B5EF4-FFF2-40B4-BE49-F238E27FC236}">
-                <a16:creationId xmlns:a16="http://schemas.microsoft.com/office/drawing/2014/main" id="{99633B40-0D11-45CE-B2D4-E0A6FA3D1705}"/>
+          <p:cNvPr id="8" name="사각형: 둥근 모서리 7">
+            <a:extLst>
+              <a:ext uri="{FF2B5EF4-FFF2-40B4-BE49-F238E27FC236}">
+                <a16:creationId xmlns:a16="http://schemas.microsoft.com/office/drawing/2014/main" id="{CE686CC9-1B3A-4E18-9D5F-34EC572BEB3B}"/>
               </a:ext>
             </a:extLst>
           </p:cNvPr>
@@ -17294,7 +16641,7 @@
         </p:nvSpPr>
         <p:spPr>
           <a:xfrm>
-            <a:off x="492516" y="3588373"/>
+            <a:off x="483184" y="2877635"/>
             <a:ext cx="1935465" cy="700217"/>
           </a:xfrm>
           <a:prstGeom prst="roundRect">
@@ -17302,8 +16649,8 @@
           </a:prstGeom>
           <a:solidFill>
             <a:schemeClr val="tx2">
-              <a:lumMod val="20000"/>
-              <a:lumOff val="80000"/>
+              <a:lumMod val="60000"/>
+              <a:lumOff val="40000"/>
             </a:schemeClr>
           </a:solidFill>
           <a:ln>
@@ -17349,10 +16696,10 @@
       </p:sp>
       <p:sp>
         <p:nvSpPr>
-          <p:cNvPr id="19" name="사각형: 둥근 모서리 18">
-            <a:extLst>
-              <a:ext uri="{FF2B5EF4-FFF2-40B4-BE49-F238E27FC236}">
-                <a16:creationId xmlns:a16="http://schemas.microsoft.com/office/drawing/2014/main" id="{AB95BC15-E49B-41B0-ACE6-726E279C53AB}"/>
+          <p:cNvPr id="9" name="사각형: 둥근 모서리 8">
+            <a:extLst>
+              <a:ext uri="{FF2B5EF4-FFF2-40B4-BE49-F238E27FC236}">
+                <a16:creationId xmlns:a16="http://schemas.microsoft.com/office/drawing/2014/main" id="{C2F6EA96-EA2F-488A-B555-10B453987D84}"/>
               </a:ext>
             </a:extLst>
           </p:cNvPr>
@@ -17361,8 +16708,8 @@
         </p:nvSpPr>
         <p:spPr>
           <a:xfrm>
-            <a:off x="492517" y="2307370"/>
-            <a:ext cx="1935464" cy="700217"/>
+            <a:off x="483183" y="4158638"/>
+            <a:ext cx="1935465" cy="700217"/>
           </a:xfrm>
           <a:prstGeom prst="roundRect">
             <a:avLst/>
@@ -17402,24 +16749,17 @@
             <a:pPr algn="ctr"/>
             <a:r>
               <a:rPr lang="en-US" altLang="ko-KR" dirty="0"/>
-              <a:t>Overfitting</a:t>
-            </a:r>
-          </a:p>
-          <a:p>
-            <a:pPr algn="ctr"/>
-            <a:r>
-              <a:rPr lang="en-US" altLang="ko-KR" dirty="0"/>
-              <a:t>Dropout</a:t>
-            </a:r>
-          </a:p>
-        </p:txBody>
-      </p:sp>
-      <p:sp>
-        <p:nvSpPr>
-          <p:cNvPr id="20" name="사각형: 둥근 모서리 19">
-            <a:extLst>
-              <a:ext uri="{FF2B5EF4-FFF2-40B4-BE49-F238E27FC236}">
-                <a16:creationId xmlns:a16="http://schemas.microsoft.com/office/drawing/2014/main" id="{07A219B6-D33F-45D7-BDFC-E7C2CB36916E}"/>
+              <a:t>GAN</a:t>
+            </a:r>
+          </a:p>
+        </p:txBody>
+      </p:sp>
+      <p:sp>
+        <p:nvSpPr>
+          <p:cNvPr id="10" name="사각형: 둥근 모서리 9">
+            <a:extLst>
+              <a:ext uri="{FF2B5EF4-FFF2-40B4-BE49-F238E27FC236}">
+                <a16:creationId xmlns:a16="http://schemas.microsoft.com/office/drawing/2014/main" id="{D947F858-197A-426A-B4FE-F569B9F41CD7}"/>
               </a:ext>
             </a:extLst>
           </p:cNvPr>
@@ -17428,8 +16768,8 @@
         </p:nvSpPr>
         <p:spPr>
           <a:xfrm>
-            <a:off x="492518" y="1026367"/>
-            <a:ext cx="1935463" cy="700217"/>
+            <a:off x="483186" y="1406589"/>
+            <a:ext cx="1935462" cy="890260"/>
           </a:xfrm>
           <a:prstGeom prst="roundRect">
             <a:avLst/>
@@ -17469,74 +16809,21 @@
             <a:pPr algn="ctr"/>
             <a:r>
               <a:rPr lang="en-US" altLang="ko-KR" dirty="0"/>
-              <a:t>Perceptron, </a:t>
-            </a:r>
-            <a:br>
-              <a:rPr lang="en-US" altLang="ko-KR" dirty="0"/>
-            </a:br>
-            <a:r>
-              <a:rPr lang="en-US" altLang="ko-KR" dirty="0"/>
               <a:t>Neural Network</a:t>
             </a:r>
           </a:p>
-        </p:txBody>
-      </p:sp>
-      <p:sp>
-        <p:nvSpPr>
-          <p:cNvPr id="21" name="사각형: 둥근 모서리 20">
-            <a:extLst>
-              <a:ext uri="{FF2B5EF4-FFF2-40B4-BE49-F238E27FC236}">
-                <a16:creationId xmlns:a16="http://schemas.microsoft.com/office/drawing/2014/main" id="{264AA7FB-5D08-4C67-9616-5023DB0397F3}"/>
-              </a:ext>
-            </a:extLst>
-          </p:cNvPr>
-          <p:cNvSpPr/>
-          <p:nvPr/>
-        </p:nvSpPr>
-        <p:spPr>
-          <a:xfrm>
-            <a:off x="492515" y="4869376"/>
-            <a:ext cx="1935465" cy="700217"/>
-          </a:xfrm>
-          <a:prstGeom prst="roundRect">
-            <a:avLst/>
-          </a:prstGeom>
-          <a:solidFill>
-            <a:schemeClr val="tx2">
-              <a:lumMod val="60000"/>
-              <a:lumOff val="40000"/>
-            </a:schemeClr>
-          </a:solidFill>
-          <a:ln>
-            <a:solidFill>
-              <a:schemeClr val="bg1"/>
-            </a:solidFill>
-          </a:ln>
-        </p:spPr>
-        <p:style>
-          <a:lnRef idx="2">
-            <a:schemeClr val="accent1">
-              <a:shade val="50000"/>
-            </a:schemeClr>
-          </a:lnRef>
-          <a:fillRef idx="1">
-            <a:schemeClr val="accent1"/>
-          </a:fillRef>
-          <a:effectRef idx="0">
-            <a:schemeClr val="accent1"/>
-          </a:effectRef>
-          <a:fontRef idx="minor">
-            <a:schemeClr val="lt1"/>
-          </a:fontRef>
-        </p:style>
-        <p:txBody>
-          <a:bodyPr rtlCol="0" anchor="ctr"/>
-          <a:lstStyle/>
           <a:p>
             <a:pPr algn="ctr"/>
             <a:r>
               <a:rPr lang="en-US" altLang="ko-KR" dirty="0"/>
-              <a:t>GAN</a:t>
+              <a:t>Overfitting</a:t>
+            </a:r>
+          </a:p>
+          <a:p>
+            <a:pPr algn="ctr"/>
+            <a:r>
+              <a:rPr lang="en-US" altLang="ko-KR" dirty="0"/>
+              <a:t>Dropout</a:t>
             </a:r>
           </a:p>
         </p:txBody>
@@ -24357,29 +23644,27 @@
       </p:sp>
       <p:cxnSp>
         <p:nvCxnSpPr>
-          <p:cNvPr id="29" name="연결선: 꺾임 28">
-            <a:extLst>
-              <a:ext uri="{FF2B5EF4-FFF2-40B4-BE49-F238E27FC236}">
-                <a16:creationId xmlns:a16="http://schemas.microsoft.com/office/drawing/2014/main" id="{CDD4D7F4-C801-4DAA-B571-7899219294D4}"/>
+          <p:cNvPr id="30" name="연결선: 꺾임 29">
+            <a:extLst>
+              <a:ext uri="{FF2B5EF4-FFF2-40B4-BE49-F238E27FC236}">
+                <a16:creationId xmlns:a16="http://schemas.microsoft.com/office/drawing/2014/main" id="{1C6B712B-7DDB-4892-82E5-8C760C1E1355}"/>
               </a:ext>
             </a:extLst>
           </p:cNvPr>
           <p:cNvCxnSpPr>
             <a:cxnSpLocks/>
             <a:stCxn id="21" idx="3"/>
-            <a:endCxn id="37" idx="1"/>
+            <a:endCxn id="36" idx="1"/>
           </p:cNvCxnSpPr>
           <p:nvPr/>
         </p:nvCxnSpPr>
         <p:spPr>
-          <a:xfrm>
-            <a:off x="2342875" y="3379571"/>
-            <a:ext cx="2879996" cy="178286"/>
+          <a:xfrm flipV="1">
+            <a:off x="2342875" y="2207570"/>
+            <a:ext cx="2695694" cy="1172001"/>
           </a:xfrm>
           <a:prstGeom prst="bentConnector3">
-            <a:avLst>
-              <a:gd name="adj1" fmla="val 13066"/>
-            </a:avLst>
+            <a:avLst/>
           </a:prstGeom>
           <a:ln>
             <a:solidFill>
@@ -24408,27 +23693,29 @@
       </p:cxnSp>
       <p:cxnSp>
         <p:nvCxnSpPr>
-          <p:cNvPr id="30" name="연결선: 꺾임 29">
-            <a:extLst>
-              <a:ext uri="{FF2B5EF4-FFF2-40B4-BE49-F238E27FC236}">
-                <a16:creationId xmlns:a16="http://schemas.microsoft.com/office/drawing/2014/main" id="{1C6B712B-7DDB-4892-82E5-8C760C1E1355}"/>
+          <p:cNvPr id="31" name="연결선: 꺾임 30">
+            <a:extLst>
+              <a:ext uri="{FF2B5EF4-FFF2-40B4-BE49-F238E27FC236}">
+                <a16:creationId xmlns:a16="http://schemas.microsoft.com/office/drawing/2014/main" id="{D28A3750-514F-42E2-94A0-B70B399CE4B8}"/>
               </a:ext>
             </a:extLst>
           </p:cNvPr>
           <p:cNvCxnSpPr>
             <a:cxnSpLocks/>
             <a:stCxn id="21" idx="3"/>
-            <a:endCxn id="36" idx="1"/>
+            <a:endCxn id="38" idx="1"/>
           </p:cNvCxnSpPr>
           <p:nvPr/>
         </p:nvCxnSpPr>
         <p:spPr>
           <a:xfrm flipV="1">
-            <a:off x="2342875" y="2119013"/>
-            <a:ext cx="760234" cy="1260558"/>
+            <a:off x="2342875" y="1323118"/>
+            <a:ext cx="2686720" cy="2056453"/>
           </a:xfrm>
           <a:prstGeom prst="bentConnector3">
-            <a:avLst/>
+            <a:avLst>
+              <a:gd name="adj1" fmla="val 50000"/>
+            </a:avLst>
           </a:prstGeom>
           <a:ln>
             <a:solidFill>
@@ -24457,28 +23744,28 @@
       </p:cxnSp>
       <p:cxnSp>
         <p:nvCxnSpPr>
-          <p:cNvPr id="31" name="연결선: 꺾임 30">
-            <a:extLst>
-              <a:ext uri="{FF2B5EF4-FFF2-40B4-BE49-F238E27FC236}">
-                <a16:creationId xmlns:a16="http://schemas.microsoft.com/office/drawing/2014/main" id="{D28A3750-514F-42E2-94A0-B70B399CE4B8}"/>
+          <p:cNvPr id="34" name="연결선: 꺾임 33">
+            <a:extLst>
+              <a:ext uri="{FF2B5EF4-FFF2-40B4-BE49-F238E27FC236}">
+                <a16:creationId xmlns:a16="http://schemas.microsoft.com/office/drawing/2014/main" id="{830674D3-A9D4-4A40-AF5A-8AE231C9EBE7}"/>
               </a:ext>
             </a:extLst>
           </p:cNvPr>
           <p:cNvCxnSpPr>
             <a:cxnSpLocks/>
             <a:stCxn id="21" idx="3"/>
-            <a:endCxn id="38" idx="1"/>
+            <a:endCxn id="40" idx="1"/>
           </p:cNvCxnSpPr>
           <p:nvPr/>
         </p:nvCxnSpPr>
         <p:spPr>
-          <a:xfrm flipV="1">
-            <a:off x="2342875" y="1234561"/>
-            <a:ext cx="751260" cy="2145010"/>
+          <a:xfrm>
+            <a:off x="2342875" y="3379571"/>
+            <a:ext cx="4650395" cy="1952347"/>
           </a:xfrm>
           <a:prstGeom prst="bentConnector3">
             <a:avLst>
-              <a:gd name="adj1" fmla="val 50000"/>
+              <a:gd name="adj1" fmla="val 8194"/>
             </a:avLst>
           </a:prstGeom>
           <a:ln>
@@ -24508,28 +23795,28 @@
       </p:cxnSp>
       <p:cxnSp>
         <p:nvCxnSpPr>
-          <p:cNvPr id="34" name="연결선: 꺾임 33">
-            <a:extLst>
-              <a:ext uri="{FF2B5EF4-FFF2-40B4-BE49-F238E27FC236}">
-                <a16:creationId xmlns:a16="http://schemas.microsoft.com/office/drawing/2014/main" id="{830674D3-A9D4-4A40-AF5A-8AE231C9EBE7}"/>
+          <p:cNvPr id="35" name="연결선: 꺾임 34">
+            <a:extLst>
+              <a:ext uri="{FF2B5EF4-FFF2-40B4-BE49-F238E27FC236}">
+                <a16:creationId xmlns:a16="http://schemas.microsoft.com/office/drawing/2014/main" id="{4D38312D-815E-4AD0-ADBD-CBEC62A1DF7A}"/>
               </a:ext>
             </a:extLst>
           </p:cNvPr>
           <p:cNvCxnSpPr>
             <a:cxnSpLocks/>
             <a:stCxn id="21" idx="3"/>
-            <a:endCxn id="40" idx="1"/>
+            <a:endCxn id="39" idx="1"/>
           </p:cNvCxnSpPr>
           <p:nvPr/>
         </p:nvCxnSpPr>
         <p:spPr>
-          <a:xfrm>
-            <a:off x="2342875" y="3379571"/>
-            <a:ext cx="2871021" cy="1952347"/>
+          <a:xfrm flipV="1">
+            <a:off x="2342875" y="350109"/>
+            <a:ext cx="760234" cy="3029462"/>
           </a:xfrm>
           <a:prstGeom prst="bentConnector3">
             <a:avLst>
-              <a:gd name="adj1" fmla="val 13601"/>
+              <a:gd name="adj1" fmla="val 50000"/>
             </a:avLst>
           </a:prstGeom>
           <a:ln>
@@ -24557,26 +23844,693 @@
           </a:fontRef>
         </p:style>
       </p:cxnSp>
+      <p:sp>
+        <p:nvSpPr>
+          <p:cNvPr id="36" name="사각형: 둥근 모서리 35">
+            <a:extLst>
+              <a:ext uri="{FF2B5EF4-FFF2-40B4-BE49-F238E27FC236}">
+                <a16:creationId xmlns:a16="http://schemas.microsoft.com/office/drawing/2014/main" id="{FF52D6BA-8982-47EC-AC9C-FA2F9D8DAA86}"/>
+              </a:ext>
+            </a:extLst>
+          </p:cNvPr>
+          <p:cNvSpPr/>
+          <p:nvPr/>
+        </p:nvSpPr>
+        <p:spPr>
+          <a:xfrm>
+            <a:off x="5038569" y="1857461"/>
+            <a:ext cx="1935465" cy="700217"/>
+          </a:xfrm>
+          <a:prstGeom prst="roundRect">
+            <a:avLst/>
+          </a:prstGeom>
+          <a:solidFill>
+            <a:schemeClr val="tx2">
+              <a:lumMod val="60000"/>
+              <a:lumOff val="40000"/>
+            </a:schemeClr>
+          </a:solidFill>
+          <a:ln>
+            <a:solidFill>
+              <a:schemeClr val="bg1"/>
+            </a:solidFill>
+          </a:ln>
+        </p:spPr>
+        <p:style>
+          <a:lnRef idx="2">
+            <a:schemeClr val="accent1">
+              <a:shade val="50000"/>
+            </a:schemeClr>
+          </a:lnRef>
+          <a:fillRef idx="1">
+            <a:schemeClr val="accent1"/>
+          </a:fillRef>
+          <a:effectRef idx="0">
+            <a:schemeClr val="accent1"/>
+          </a:effectRef>
+          <a:fontRef idx="minor">
+            <a:schemeClr val="lt1"/>
+          </a:fontRef>
+        </p:style>
+        <p:txBody>
+          <a:bodyPr rtlCol="0" anchor="ctr"/>
+          <a:lstStyle/>
+          <a:p>
+            <a:pPr algn="ctr"/>
+            <a:r>
+              <a:rPr lang="en-US" altLang="ko-KR" dirty="0"/>
+              <a:t>Logistic Regression</a:t>
+            </a:r>
+          </a:p>
+        </p:txBody>
+      </p:sp>
+      <p:sp>
+        <p:nvSpPr>
+          <p:cNvPr id="38" name="사각형: 둥근 모서리 37">
+            <a:extLst>
+              <a:ext uri="{FF2B5EF4-FFF2-40B4-BE49-F238E27FC236}">
+                <a16:creationId xmlns:a16="http://schemas.microsoft.com/office/drawing/2014/main" id="{EE43D673-EC97-42A9-BC63-9B633BBF5F04}"/>
+              </a:ext>
+            </a:extLst>
+          </p:cNvPr>
+          <p:cNvSpPr/>
+          <p:nvPr/>
+        </p:nvSpPr>
+        <p:spPr>
+          <a:xfrm>
+            <a:off x="5029595" y="973009"/>
+            <a:ext cx="1935464" cy="700217"/>
+          </a:xfrm>
+          <a:prstGeom prst="roundRect">
+            <a:avLst/>
+          </a:prstGeom>
+          <a:solidFill>
+            <a:schemeClr val="tx2">
+              <a:lumMod val="60000"/>
+              <a:lumOff val="40000"/>
+            </a:schemeClr>
+          </a:solidFill>
+          <a:ln>
+            <a:solidFill>
+              <a:schemeClr val="bg1"/>
+            </a:solidFill>
+          </a:ln>
+        </p:spPr>
+        <p:style>
+          <a:lnRef idx="2">
+            <a:schemeClr val="accent1">
+              <a:shade val="50000"/>
+            </a:schemeClr>
+          </a:lnRef>
+          <a:fillRef idx="1">
+            <a:schemeClr val="accent1"/>
+          </a:fillRef>
+          <a:effectRef idx="0">
+            <a:schemeClr val="accent1"/>
+          </a:effectRef>
+          <a:fontRef idx="minor">
+            <a:schemeClr val="lt1"/>
+          </a:fontRef>
+        </p:style>
+        <p:txBody>
+          <a:bodyPr rtlCol="0" anchor="ctr"/>
+          <a:lstStyle/>
+          <a:p>
+            <a:pPr algn="ctr"/>
+            <a:r>
+              <a:rPr lang="en-US" altLang="ko-KR" dirty="0"/>
+              <a:t>Simple Linear Regression</a:t>
+            </a:r>
+          </a:p>
+        </p:txBody>
+      </p:sp>
+      <p:sp>
+        <p:nvSpPr>
+          <p:cNvPr id="39" name="사각형: 둥근 모서리 38">
+            <a:extLst>
+              <a:ext uri="{FF2B5EF4-FFF2-40B4-BE49-F238E27FC236}">
+                <a16:creationId xmlns:a16="http://schemas.microsoft.com/office/drawing/2014/main" id="{D635406C-A942-4E6D-ACDB-DDCBA933437F}"/>
+              </a:ext>
+            </a:extLst>
+          </p:cNvPr>
+          <p:cNvSpPr/>
+          <p:nvPr/>
+        </p:nvSpPr>
+        <p:spPr>
+          <a:xfrm>
+            <a:off x="3103109" y="0"/>
+            <a:ext cx="1935463" cy="700217"/>
+          </a:xfrm>
+          <a:prstGeom prst="roundRect">
+            <a:avLst/>
+          </a:prstGeom>
+          <a:solidFill>
+            <a:schemeClr val="tx2">
+              <a:lumMod val="60000"/>
+              <a:lumOff val="40000"/>
+            </a:schemeClr>
+          </a:solidFill>
+          <a:ln>
+            <a:solidFill>
+              <a:schemeClr val="bg1"/>
+            </a:solidFill>
+          </a:ln>
+        </p:spPr>
+        <p:style>
+          <a:lnRef idx="2">
+            <a:schemeClr val="accent1">
+              <a:shade val="50000"/>
+            </a:schemeClr>
+          </a:lnRef>
+          <a:fillRef idx="1">
+            <a:schemeClr val="accent1"/>
+          </a:fillRef>
+          <a:effectRef idx="0">
+            <a:schemeClr val="accent1"/>
+          </a:effectRef>
+          <a:fontRef idx="minor">
+            <a:schemeClr val="lt1"/>
+          </a:fontRef>
+        </p:style>
+        <p:txBody>
+          <a:bodyPr rtlCol="0" anchor="ctr"/>
+          <a:lstStyle/>
+          <a:p>
+            <a:pPr algn="ctr"/>
+            <a:r>
+              <a:rPr lang="en-US" altLang="ko-KR" dirty="0"/>
+              <a:t>K-Nearest Neighbor</a:t>
+            </a:r>
+          </a:p>
+        </p:txBody>
+      </p:sp>
+      <p:sp>
+        <p:nvSpPr>
+          <p:cNvPr id="40" name="사각형: 둥근 모서리 39">
+            <a:extLst>
+              <a:ext uri="{FF2B5EF4-FFF2-40B4-BE49-F238E27FC236}">
+                <a16:creationId xmlns:a16="http://schemas.microsoft.com/office/drawing/2014/main" id="{7FE7FBE2-3CFA-49F0-A6AC-762792E7D97A}"/>
+              </a:ext>
+            </a:extLst>
+          </p:cNvPr>
+          <p:cNvSpPr/>
+          <p:nvPr/>
+        </p:nvSpPr>
+        <p:spPr>
+          <a:xfrm>
+            <a:off x="6993270" y="4981809"/>
+            <a:ext cx="1935462" cy="700217"/>
+          </a:xfrm>
+          <a:prstGeom prst="roundRect">
+            <a:avLst/>
+          </a:prstGeom>
+          <a:solidFill>
+            <a:schemeClr val="tx2">
+              <a:lumMod val="60000"/>
+              <a:lumOff val="40000"/>
+            </a:schemeClr>
+          </a:solidFill>
+          <a:ln>
+            <a:solidFill>
+              <a:schemeClr val="bg1"/>
+            </a:solidFill>
+          </a:ln>
+        </p:spPr>
+        <p:style>
+          <a:lnRef idx="2">
+            <a:schemeClr val="accent1">
+              <a:shade val="50000"/>
+            </a:schemeClr>
+          </a:lnRef>
+          <a:fillRef idx="1">
+            <a:schemeClr val="accent1"/>
+          </a:fillRef>
+          <a:effectRef idx="0">
+            <a:schemeClr val="accent1"/>
+          </a:effectRef>
+          <a:fontRef idx="minor">
+            <a:schemeClr val="lt1"/>
+          </a:fontRef>
+        </p:style>
+        <p:txBody>
+          <a:bodyPr rtlCol="0" anchor="ctr"/>
+          <a:lstStyle/>
+          <a:p>
+            <a:pPr algn="ctr"/>
+            <a:r>
+              <a:rPr lang="en-US" altLang="ko-KR" dirty="0"/>
+              <a:t>Convolutional</a:t>
+            </a:r>
+            <a:br>
+              <a:rPr lang="en-US" altLang="ko-KR" dirty="0"/>
+            </a:br>
+            <a:r>
+              <a:rPr lang="en-US" altLang="ko-KR" dirty="0"/>
+              <a:t>neural network</a:t>
+            </a:r>
+          </a:p>
+        </p:txBody>
+      </p:sp>
+      <p:sp>
+        <p:nvSpPr>
+          <p:cNvPr id="42" name="TextBox 41">
+            <a:extLst>
+              <a:ext uri="{FF2B5EF4-FFF2-40B4-BE49-F238E27FC236}">
+                <a16:creationId xmlns:a16="http://schemas.microsoft.com/office/drawing/2014/main" id="{E3F78CB6-F64B-420A-9931-150013485B5F}"/>
+              </a:ext>
+            </a:extLst>
+          </p:cNvPr>
+          <p:cNvSpPr txBox="1"/>
+          <p:nvPr/>
+        </p:nvSpPr>
+        <p:spPr>
+          <a:xfrm>
+            <a:off x="5181286" y="165442"/>
+            <a:ext cx="2548078" cy="369332"/>
+          </a:xfrm>
+          <a:prstGeom prst="rect">
+            <a:avLst/>
+          </a:prstGeom>
+          <a:noFill/>
+        </p:spPr>
+        <p:txBody>
+          <a:bodyPr wrap="square" rtlCol="0">
+            <a:spAutoFit/>
+          </a:bodyPr>
+          <a:lstStyle/>
+          <a:p>
+            <a:pPr algn="ctr"/>
+            <a:r>
+              <a:rPr lang="ko-KR" altLang="en-US">
+                <a:solidFill>
+                  <a:schemeClr val="tx2">
+                    <a:lumMod val="60000"/>
+                    <a:lumOff val="40000"/>
+                  </a:schemeClr>
+                </a:solidFill>
+              </a:rPr>
+              <a:t>비슷한 케이스 찾기</a:t>
+            </a:r>
+            <a:endParaRPr lang="en-US" altLang="ko-KR" dirty="0">
+              <a:solidFill>
+                <a:schemeClr val="tx2">
+                  <a:lumMod val="60000"/>
+                  <a:lumOff val="40000"/>
+                </a:schemeClr>
+              </a:solidFill>
+            </a:endParaRPr>
+          </a:p>
+        </p:txBody>
+      </p:sp>
+      <p:sp>
+        <p:nvSpPr>
+          <p:cNvPr id="43" name="TextBox 42">
+            <a:extLst>
+              <a:ext uri="{FF2B5EF4-FFF2-40B4-BE49-F238E27FC236}">
+                <a16:creationId xmlns:a16="http://schemas.microsoft.com/office/drawing/2014/main" id="{F80E8198-5D33-4138-8A01-B80B95BF6B02}"/>
+              </a:ext>
+            </a:extLst>
+          </p:cNvPr>
+          <p:cNvSpPr txBox="1"/>
+          <p:nvPr/>
+        </p:nvSpPr>
+        <p:spPr>
+          <a:xfrm>
+            <a:off x="7107771" y="1138451"/>
+            <a:ext cx="2548078" cy="369332"/>
+          </a:xfrm>
+          <a:prstGeom prst="rect">
+            <a:avLst/>
+          </a:prstGeom>
+          <a:noFill/>
+        </p:spPr>
+        <p:txBody>
+          <a:bodyPr wrap="square" rtlCol="0">
+            <a:spAutoFit/>
+          </a:bodyPr>
+          <a:lstStyle/>
+          <a:p>
+            <a:pPr algn="ctr"/>
+            <a:r>
+              <a:rPr lang="en-US" altLang="ko-KR" dirty="0">
+                <a:solidFill>
+                  <a:schemeClr val="tx2">
+                    <a:lumMod val="60000"/>
+                    <a:lumOff val="40000"/>
+                  </a:schemeClr>
+                </a:solidFill>
+              </a:rPr>
+              <a:t>1</a:t>
+            </a:r>
+            <a:r>
+              <a:rPr lang="ko-KR" altLang="en-US" dirty="0">
+                <a:solidFill>
+                  <a:schemeClr val="tx2">
+                    <a:lumMod val="60000"/>
+                    <a:lumOff val="40000"/>
+                  </a:schemeClr>
+                </a:solidFill>
+              </a:rPr>
+              <a:t>차 방정식 구하기</a:t>
+            </a:r>
+            <a:endParaRPr lang="en-US" altLang="ko-KR" dirty="0">
+              <a:solidFill>
+                <a:schemeClr val="tx2">
+                  <a:lumMod val="60000"/>
+                  <a:lumOff val="40000"/>
+                </a:schemeClr>
+              </a:solidFill>
+            </a:endParaRPr>
+          </a:p>
+        </p:txBody>
+      </p:sp>
+      <p:sp>
+        <p:nvSpPr>
+          <p:cNvPr id="44" name="TextBox 43">
+            <a:extLst>
+              <a:ext uri="{FF2B5EF4-FFF2-40B4-BE49-F238E27FC236}">
+                <a16:creationId xmlns:a16="http://schemas.microsoft.com/office/drawing/2014/main" id="{8CC703E4-BBF7-40AD-B65D-95175A9F36A7}"/>
+              </a:ext>
+            </a:extLst>
+          </p:cNvPr>
+          <p:cNvSpPr txBox="1"/>
+          <p:nvPr/>
+        </p:nvSpPr>
+        <p:spPr>
+          <a:xfrm>
+            <a:off x="7116746" y="2035510"/>
+            <a:ext cx="2548078" cy="369332"/>
+          </a:xfrm>
+          <a:prstGeom prst="rect">
+            <a:avLst/>
+          </a:prstGeom>
+          <a:noFill/>
+        </p:spPr>
+        <p:txBody>
+          <a:bodyPr wrap="square" rtlCol="0">
+            <a:spAutoFit/>
+          </a:bodyPr>
+          <a:lstStyle/>
+          <a:p>
+            <a:pPr algn="ctr"/>
+            <a:r>
+              <a:rPr lang="ko-KR" altLang="en-US" dirty="0">
+                <a:solidFill>
+                  <a:schemeClr val="tx2">
+                    <a:lumMod val="60000"/>
+                    <a:lumOff val="40000"/>
+                  </a:schemeClr>
+                </a:solidFill>
+              </a:rPr>
+              <a:t>판단하기</a:t>
+            </a:r>
+            <a:endParaRPr lang="en-US" altLang="ko-KR" dirty="0">
+              <a:solidFill>
+                <a:schemeClr val="tx2">
+                  <a:lumMod val="60000"/>
+                  <a:lumOff val="40000"/>
+                </a:schemeClr>
+              </a:solidFill>
+            </a:endParaRPr>
+          </a:p>
+        </p:txBody>
+      </p:sp>
+      <p:sp>
+        <p:nvSpPr>
+          <p:cNvPr id="48" name="TextBox 47">
+            <a:extLst>
+              <a:ext uri="{FF2B5EF4-FFF2-40B4-BE49-F238E27FC236}">
+                <a16:creationId xmlns:a16="http://schemas.microsoft.com/office/drawing/2014/main" id="{B0152055-7E25-48FF-BCD4-8469DAF4D787}"/>
+              </a:ext>
+            </a:extLst>
+          </p:cNvPr>
+          <p:cNvSpPr txBox="1"/>
+          <p:nvPr/>
+        </p:nvSpPr>
+        <p:spPr>
+          <a:xfrm>
+            <a:off x="9071446" y="5008751"/>
+            <a:ext cx="2548078" cy="646331"/>
+          </a:xfrm>
+          <a:prstGeom prst="rect">
+            <a:avLst/>
+          </a:prstGeom>
+          <a:noFill/>
+        </p:spPr>
+        <p:txBody>
+          <a:bodyPr wrap="square" rtlCol="0">
+            <a:spAutoFit/>
+          </a:bodyPr>
+          <a:lstStyle/>
+          <a:p>
+            <a:pPr algn="ctr"/>
+            <a:r>
+              <a:rPr lang="ko-KR" altLang="en-US" dirty="0">
+                <a:solidFill>
+                  <a:schemeClr val="tx2">
+                    <a:lumMod val="60000"/>
+                    <a:lumOff val="40000"/>
+                  </a:schemeClr>
+                </a:solidFill>
+              </a:rPr>
+              <a:t>특징을 추출하여</a:t>
+            </a:r>
+            <a:endParaRPr lang="en-US" altLang="ko-KR" dirty="0">
+              <a:solidFill>
+                <a:schemeClr val="tx2">
+                  <a:lumMod val="60000"/>
+                  <a:lumOff val="40000"/>
+                </a:schemeClr>
+              </a:solidFill>
+            </a:endParaRPr>
+          </a:p>
+          <a:p>
+            <a:pPr algn="ctr"/>
+            <a:r>
+              <a:rPr lang="ko-KR" altLang="en-US" dirty="0">
+                <a:solidFill>
+                  <a:schemeClr val="tx2">
+                    <a:lumMod val="60000"/>
+                    <a:lumOff val="40000"/>
+                  </a:schemeClr>
+                </a:solidFill>
+              </a:rPr>
+              <a:t>학습하기</a:t>
+            </a:r>
+            <a:r>
+              <a:rPr lang="en-US" altLang="ko-KR" dirty="0">
+                <a:solidFill>
+                  <a:schemeClr val="tx2">
+                    <a:lumMod val="60000"/>
+                    <a:lumOff val="40000"/>
+                  </a:schemeClr>
+                </a:solidFill>
+              </a:rPr>
+              <a:t>(2W)</a:t>
+            </a:r>
+          </a:p>
+        </p:txBody>
+      </p:sp>
+      <p:sp>
+        <p:nvSpPr>
+          <p:cNvPr id="51" name="사각형: 둥근 모서리 50">
+            <a:extLst>
+              <a:ext uri="{FF2B5EF4-FFF2-40B4-BE49-F238E27FC236}">
+                <a16:creationId xmlns:a16="http://schemas.microsoft.com/office/drawing/2014/main" id="{FF994821-EBCC-4A6D-9803-44BC669D1A16}"/>
+              </a:ext>
+            </a:extLst>
+          </p:cNvPr>
+          <p:cNvSpPr/>
+          <p:nvPr/>
+        </p:nvSpPr>
+        <p:spPr>
+          <a:xfrm>
+            <a:off x="5038572" y="3783613"/>
+            <a:ext cx="1935462" cy="890260"/>
+          </a:xfrm>
+          <a:prstGeom prst="roundRect">
+            <a:avLst/>
+          </a:prstGeom>
+          <a:solidFill>
+            <a:schemeClr val="tx2">
+              <a:lumMod val="60000"/>
+              <a:lumOff val="40000"/>
+            </a:schemeClr>
+          </a:solidFill>
+          <a:ln>
+            <a:solidFill>
+              <a:schemeClr val="bg1"/>
+            </a:solidFill>
+          </a:ln>
+        </p:spPr>
+        <p:style>
+          <a:lnRef idx="2">
+            <a:schemeClr val="accent1">
+              <a:shade val="50000"/>
+            </a:schemeClr>
+          </a:lnRef>
+          <a:fillRef idx="1">
+            <a:schemeClr val="accent1"/>
+          </a:fillRef>
+          <a:effectRef idx="0">
+            <a:schemeClr val="accent1"/>
+          </a:effectRef>
+          <a:fontRef idx="minor">
+            <a:schemeClr val="lt1"/>
+          </a:fontRef>
+        </p:style>
+        <p:txBody>
+          <a:bodyPr rtlCol="0" anchor="ctr"/>
+          <a:lstStyle/>
+          <a:p>
+            <a:pPr algn="ctr"/>
+            <a:r>
+              <a:rPr lang="en-US" altLang="ko-KR" dirty="0"/>
+              <a:t>Neural Network</a:t>
+            </a:r>
+          </a:p>
+          <a:p>
+            <a:pPr algn="ctr"/>
+            <a:r>
+              <a:rPr lang="en-US" altLang="ko-KR" dirty="0"/>
+              <a:t>Overfitting</a:t>
+            </a:r>
+          </a:p>
+          <a:p>
+            <a:pPr algn="ctr"/>
+            <a:r>
+              <a:rPr lang="en-US" altLang="ko-KR" dirty="0"/>
+              <a:t>Dropout</a:t>
+            </a:r>
+          </a:p>
+        </p:txBody>
+      </p:sp>
+      <p:sp>
+        <p:nvSpPr>
+          <p:cNvPr id="52" name="TextBox 51">
+            <a:extLst>
+              <a:ext uri="{FF2B5EF4-FFF2-40B4-BE49-F238E27FC236}">
+                <a16:creationId xmlns:a16="http://schemas.microsoft.com/office/drawing/2014/main" id="{0F87D974-2633-4163-B6E6-D37F77EB8A1F}"/>
+              </a:ext>
+            </a:extLst>
+          </p:cNvPr>
+          <p:cNvSpPr txBox="1"/>
+          <p:nvPr/>
+        </p:nvSpPr>
+        <p:spPr>
+          <a:xfrm>
+            <a:off x="7125723" y="3768759"/>
+            <a:ext cx="2548078" cy="923330"/>
+          </a:xfrm>
+          <a:prstGeom prst="rect">
+            <a:avLst/>
+          </a:prstGeom>
+          <a:noFill/>
+        </p:spPr>
+        <p:txBody>
+          <a:bodyPr wrap="square" rtlCol="0">
+            <a:spAutoFit/>
+          </a:bodyPr>
+          <a:lstStyle/>
+          <a:p>
+            <a:pPr algn="ctr"/>
+            <a:r>
+              <a:rPr lang="ko-KR" altLang="en-US" dirty="0">
+                <a:solidFill>
+                  <a:schemeClr val="tx2">
+                    <a:lumMod val="60000"/>
+                    <a:lumOff val="40000"/>
+                  </a:schemeClr>
+                </a:solidFill>
+              </a:rPr>
+              <a:t>신경망 구성하기</a:t>
+            </a:r>
+            <a:endParaRPr lang="en-US" altLang="ko-KR" dirty="0">
+              <a:solidFill>
+                <a:schemeClr val="tx2">
+                  <a:lumMod val="60000"/>
+                  <a:lumOff val="40000"/>
+                </a:schemeClr>
+              </a:solidFill>
+            </a:endParaRPr>
+          </a:p>
+          <a:p>
+            <a:pPr algn="ctr"/>
+            <a:r>
+              <a:rPr lang="ko-KR" altLang="en-US" dirty="0" err="1">
+                <a:solidFill>
+                  <a:schemeClr val="tx2">
+                    <a:lumMod val="60000"/>
+                    <a:lumOff val="40000"/>
+                  </a:schemeClr>
+                </a:solidFill>
+              </a:rPr>
+              <a:t>과적합</a:t>
+            </a:r>
+            <a:r>
+              <a:rPr lang="ko-KR" altLang="en-US" dirty="0">
+                <a:solidFill>
+                  <a:schemeClr val="tx2">
+                    <a:lumMod val="60000"/>
+                    <a:lumOff val="40000"/>
+                  </a:schemeClr>
+                </a:solidFill>
+              </a:rPr>
+              <a:t> 현상과 </a:t>
+            </a:r>
+            <a:endParaRPr lang="en-US" altLang="ko-KR" dirty="0">
+              <a:solidFill>
+                <a:schemeClr val="tx2">
+                  <a:lumMod val="60000"/>
+                  <a:lumOff val="40000"/>
+                </a:schemeClr>
+              </a:solidFill>
+            </a:endParaRPr>
+          </a:p>
+          <a:p>
+            <a:pPr algn="ctr"/>
+            <a:r>
+              <a:rPr lang="ko-KR" altLang="en-US" dirty="0">
+                <a:solidFill>
+                  <a:schemeClr val="tx2">
+                    <a:lumMod val="60000"/>
+                    <a:lumOff val="40000"/>
+                  </a:schemeClr>
+                </a:solidFill>
+              </a:rPr>
+              <a:t>해결방법</a:t>
+            </a:r>
+            <a:endParaRPr lang="en-US" altLang="ko-KR" dirty="0">
+              <a:solidFill>
+                <a:schemeClr val="tx2">
+                  <a:lumMod val="60000"/>
+                  <a:lumOff val="40000"/>
+                </a:schemeClr>
+              </a:solidFill>
+            </a:endParaRPr>
+          </a:p>
+        </p:txBody>
+      </p:sp>
       <p:cxnSp>
         <p:nvCxnSpPr>
-          <p:cNvPr id="35" name="연결선: 꺾임 34">
-            <a:extLst>
-              <a:ext uri="{FF2B5EF4-FFF2-40B4-BE49-F238E27FC236}">
-                <a16:creationId xmlns:a16="http://schemas.microsoft.com/office/drawing/2014/main" id="{4D38312D-815E-4AD0-ADBD-CBEC62A1DF7A}"/>
+          <p:cNvPr id="53" name="연결선: 꺾임 52">
+            <a:extLst>
+              <a:ext uri="{FF2B5EF4-FFF2-40B4-BE49-F238E27FC236}">
+                <a16:creationId xmlns:a16="http://schemas.microsoft.com/office/drawing/2014/main" id="{12FA420F-CD53-4DDB-9EF1-64D4F695197C}"/>
               </a:ext>
             </a:extLst>
           </p:cNvPr>
           <p:cNvCxnSpPr>
             <a:cxnSpLocks/>
             <a:stCxn id="21" idx="3"/>
-            <a:endCxn id="39" idx="1"/>
+            <a:endCxn id="51" idx="1"/>
           </p:cNvCxnSpPr>
           <p:nvPr/>
         </p:nvCxnSpPr>
         <p:spPr>
-          <a:xfrm flipV="1">
-            <a:off x="2342875" y="350109"/>
-            <a:ext cx="760234" cy="3029462"/>
+          <a:xfrm>
+            <a:off x="2342875" y="3379571"/>
+            <a:ext cx="2695697" cy="849172"/>
           </a:xfrm>
           <a:prstGeom prst="bentConnector3">
             <a:avLst>
@@ -24610,10 +24564,10 @@
       </p:cxnSp>
       <p:sp>
         <p:nvSpPr>
-          <p:cNvPr id="36" name="사각형: 둥근 모서리 35">
-            <a:extLst>
-              <a:ext uri="{FF2B5EF4-FFF2-40B4-BE49-F238E27FC236}">
-                <a16:creationId xmlns:a16="http://schemas.microsoft.com/office/drawing/2014/main" id="{FF52D6BA-8982-47EC-AC9C-FA2F9D8DAA86}"/>
+          <p:cNvPr id="67" name="사각형: 둥근 모서리 66">
+            <a:extLst>
+              <a:ext uri="{FF2B5EF4-FFF2-40B4-BE49-F238E27FC236}">
+                <a16:creationId xmlns:a16="http://schemas.microsoft.com/office/drawing/2014/main" id="{C6D4895F-D871-4D0C-8781-B8503BAFD583}"/>
               </a:ext>
             </a:extLst>
           </p:cNvPr>
@@ -24622,8 +24576,8 @@
         </p:nvSpPr>
         <p:spPr>
           <a:xfrm>
-            <a:off x="3103109" y="1768904"/>
-            <a:ext cx="1935465" cy="700217"/>
+            <a:off x="6993270" y="5919495"/>
+            <a:ext cx="1935462" cy="700217"/>
           </a:xfrm>
           <a:prstGeom prst="roundRect">
             <a:avLst/>
@@ -24663,271 +24617,17 @@
             <a:pPr algn="ctr"/>
             <a:r>
               <a:rPr lang="en-US" altLang="ko-KR" dirty="0"/>
-              <a:t>Logistic Regression</a:t>
-            </a:r>
-          </a:p>
-        </p:txBody>
-      </p:sp>
-      <p:sp>
-        <p:nvSpPr>
-          <p:cNvPr id="37" name="사각형: 둥근 모서리 36">
-            <a:extLst>
-              <a:ext uri="{FF2B5EF4-FFF2-40B4-BE49-F238E27FC236}">
-                <a16:creationId xmlns:a16="http://schemas.microsoft.com/office/drawing/2014/main" id="{0BCCBBFE-7FBD-44DB-9D50-3778240762FE}"/>
-              </a:ext>
-            </a:extLst>
-          </p:cNvPr>
-          <p:cNvSpPr/>
-          <p:nvPr/>
-        </p:nvSpPr>
-        <p:spPr>
-          <a:xfrm>
-            <a:off x="5222871" y="3207748"/>
-            <a:ext cx="1935466" cy="700217"/>
-          </a:xfrm>
-          <a:prstGeom prst="roundRect">
-            <a:avLst/>
-          </a:prstGeom>
-          <a:solidFill>
-            <a:schemeClr val="tx2">
-              <a:lumMod val="60000"/>
-              <a:lumOff val="40000"/>
-            </a:schemeClr>
-          </a:solidFill>
-          <a:ln>
-            <a:solidFill>
-              <a:schemeClr val="bg1"/>
-            </a:solidFill>
-          </a:ln>
-        </p:spPr>
-        <p:style>
-          <a:lnRef idx="2">
-            <a:schemeClr val="accent1">
-              <a:shade val="50000"/>
-            </a:schemeClr>
-          </a:lnRef>
-          <a:fillRef idx="1">
-            <a:schemeClr val="accent1"/>
-          </a:fillRef>
-          <a:effectRef idx="0">
-            <a:schemeClr val="accent1"/>
-          </a:effectRef>
-          <a:fontRef idx="minor">
-            <a:schemeClr val="lt1"/>
-          </a:fontRef>
-        </p:style>
-        <p:txBody>
-          <a:bodyPr rtlCol="0" anchor="ctr"/>
-          <a:lstStyle/>
-          <a:p>
-            <a:pPr algn="ctr"/>
-            <a:r>
-              <a:rPr lang="en-US" altLang="ko-KR" dirty="0"/>
-              <a:t>Perceptron, </a:t>
-            </a:r>
-            <a:br>
-              <a:rPr lang="en-US" altLang="ko-KR" dirty="0"/>
-            </a:br>
-            <a:r>
-              <a:rPr lang="en-US" altLang="ko-KR" dirty="0"/>
-              <a:t>Neural Network</a:t>
-            </a:r>
-          </a:p>
-        </p:txBody>
-      </p:sp>
-      <p:sp>
-        <p:nvSpPr>
-          <p:cNvPr id="38" name="사각형: 둥근 모서리 37">
-            <a:extLst>
-              <a:ext uri="{FF2B5EF4-FFF2-40B4-BE49-F238E27FC236}">
-                <a16:creationId xmlns:a16="http://schemas.microsoft.com/office/drawing/2014/main" id="{EE43D673-EC97-42A9-BC63-9B633BBF5F04}"/>
-              </a:ext>
-            </a:extLst>
-          </p:cNvPr>
-          <p:cNvSpPr/>
-          <p:nvPr/>
-        </p:nvSpPr>
-        <p:spPr>
-          <a:xfrm>
-            <a:off x="3094135" y="884452"/>
-            <a:ext cx="1935464" cy="700217"/>
-          </a:xfrm>
-          <a:prstGeom prst="roundRect">
-            <a:avLst/>
-          </a:prstGeom>
-          <a:solidFill>
-            <a:schemeClr val="tx2">
-              <a:lumMod val="60000"/>
-              <a:lumOff val="40000"/>
-            </a:schemeClr>
-          </a:solidFill>
-          <a:ln>
-            <a:solidFill>
-              <a:schemeClr val="bg1"/>
-            </a:solidFill>
-          </a:ln>
-        </p:spPr>
-        <p:style>
-          <a:lnRef idx="2">
-            <a:schemeClr val="accent1">
-              <a:shade val="50000"/>
-            </a:schemeClr>
-          </a:lnRef>
-          <a:fillRef idx="1">
-            <a:schemeClr val="accent1"/>
-          </a:fillRef>
-          <a:effectRef idx="0">
-            <a:schemeClr val="accent1"/>
-          </a:effectRef>
-          <a:fontRef idx="minor">
-            <a:schemeClr val="lt1"/>
-          </a:fontRef>
-        </p:style>
-        <p:txBody>
-          <a:bodyPr rtlCol="0" anchor="ctr"/>
-          <a:lstStyle/>
-          <a:p>
-            <a:pPr algn="ctr"/>
-            <a:r>
-              <a:rPr lang="en-US" altLang="ko-KR" dirty="0"/>
-              <a:t>Simple Linear Regression</a:t>
-            </a:r>
-          </a:p>
-        </p:txBody>
-      </p:sp>
-      <p:sp>
-        <p:nvSpPr>
-          <p:cNvPr id="39" name="사각형: 둥근 모서리 38">
-            <a:extLst>
-              <a:ext uri="{FF2B5EF4-FFF2-40B4-BE49-F238E27FC236}">
-                <a16:creationId xmlns:a16="http://schemas.microsoft.com/office/drawing/2014/main" id="{D635406C-A942-4E6D-ACDB-DDCBA933437F}"/>
-              </a:ext>
-            </a:extLst>
-          </p:cNvPr>
-          <p:cNvSpPr/>
-          <p:nvPr/>
-        </p:nvSpPr>
-        <p:spPr>
-          <a:xfrm>
-            <a:off x="3103109" y="0"/>
-            <a:ext cx="1935463" cy="700217"/>
-          </a:xfrm>
-          <a:prstGeom prst="roundRect">
-            <a:avLst/>
-          </a:prstGeom>
-          <a:solidFill>
-            <a:schemeClr val="tx2">
-              <a:lumMod val="60000"/>
-              <a:lumOff val="40000"/>
-            </a:schemeClr>
-          </a:solidFill>
-          <a:ln>
-            <a:solidFill>
-              <a:schemeClr val="bg1"/>
-            </a:solidFill>
-          </a:ln>
-        </p:spPr>
-        <p:style>
-          <a:lnRef idx="2">
-            <a:schemeClr val="accent1">
-              <a:shade val="50000"/>
-            </a:schemeClr>
-          </a:lnRef>
-          <a:fillRef idx="1">
-            <a:schemeClr val="accent1"/>
-          </a:fillRef>
-          <a:effectRef idx="0">
-            <a:schemeClr val="accent1"/>
-          </a:effectRef>
-          <a:fontRef idx="minor">
-            <a:schemeClr val="lt1"/>
-          </a:fontRef>
-        </p:style>
-        <p:txBody>
-          <a:bodyPr rtlCol="0" anchor="ctr"/>
-          <a:lstStyle/>
-          <a:p>
-            <a:pPr algn="ctr"/>
-            <a:r>
-              <a:rPr lang="en-US" altLang="ko-KR" dirty="0"/>
-              <a:t>K-Nearest Neighbor</a:t>
-            </a:r>
-          </a:p>
-        </p:txBody>
-      </p:sp>
-      <p:sp>
-        <p:nvSpPr>
-          <p:cNvPr id="40" name="사각형: 둥근 모서리 39">
-            <a:extLst>
-              <a:ext uri="{FF2B5EF4-FFF2-40B4-BE49-F238E27FC236}">
-                <a16:creationId xmlns:a16="http://schemas.microsoft.com/office/drawing/2014/main" id="{7FE7FBE2-3CFA-49F0-A6AC-762792E7D97A}"/>
-              </a:ext>
-            </a:extLst>
-          </p:cNvPr>
-          <p:cNvSpPr/>
-          <p:nvPr/>
-        </p:nvSpPr>
-        <p:spPr>
-          <a:xfrm>
-            <a:off x="5213896" y="4981809"/>
-            <a:ext cx="1935462" cy="700217"/>
-          </a:xfrm>
-          <a:prstGeom prst="roundRect">
-            <a:avLst/>
-          </a:prstGeom>
-          <a:solidFill>
-            <a:schemeClr val="tx2">
-              <a:lumMod val="60000"/>
-              <a:lumOff val="40000"/>
-            </a:schemeClr>
-          </a:solidFill>
-          <a:ln>
-            <a:solidFill>
-              <a:schemeClr val="bg1"/>
-            </a:solidFill>
-          </a:ln>
-        </p:spPr>
-        <p:style>
-          <a:lnRef idx="2">
-            <a:schemeClr val="accent1">
-              <a:shade val="50000"/>
-            </a:schemeClr>
-          </a:lnRef>
-          <a:fillRef idx="1">
-            <a:schemeClr val="accent1"/>
-          </a:fillRef>
-          <a:effectRef idx="0">
-            <a:schemeClr val="accent1"/>
-          </a:effectRef>
-          <a:fontRef idx="minor">
-            <a:schemeClr val="lt1"/>
-          </a:fontRef>
-        </p:style>
-        <p:txBody>
-          <a:bodyPr rtlCol="0" anchor="ctr"/>
-          <a:lstStyle/>
-          <a:p>
-            <a:pPr algn="ctr"/>
-            <a:r>
-              <a:rPr lang="en-US" altLang="ko-KR" dirty="0"/>
-              <a:t>Convolutional</a:t>
-            </a:r>
-            <a:br>
-              <a:rPr lang="en-US" altLang="ko-KR" dirty="0"/>
-            </a:br>
-            <a:r>
-              <a:rPr lang="en-US" altLang="ko-KR" dirty="0"/>
-              <a:t>neural network</a:t>
-            </a:r>
-          </a:p>
-        </p:txBody>
-      </p:sp>
-      <p:sp>
-        <p:nvSpPr>
-          <p:cNvPr id="42" name="TextBox 41">
-            <a:extLst>
-              <a:ext uri="{FF2B5EF4-FFF2-40B4-BE49-F238E27FC236}">
-                <a16:creationId xmlns:a16="http://schemas.microsoft.com/office/drawing/2014/main" id="{E3F78CB6-F64B-420A-9931-150013485B5F}"/>
+              <a:t>GAN</a:t>
+            </a:r>
+          </a:p>
+        </p:txBody>
+      </p:sp>
+      <p:sp>
+        <p:nvSpPr>
+          <p:cNvPr id="68" name="TextBox 67">
+            <a:extLst>
+              <a:ext uri="{FF2B5EF4-FFF2-40B4-BE49-F238E27FC236}">
+                <a16:creationId xmlns:a16="http://schemas.microsoft.com/office/drawing/2014/main" id="{2E0D4028-D0C0-4F7A-9488-AC651B7E66A4}"/>
               </a:ext>
             </a:extLst>
           </p:cNvPr>
@@ -24936,8 +24636,8 @@
         </p:nvSpPr>
         <p:spPr>
           <a:xfrm>
-            <a:off x="5181286" y="165442"/>
-            <a:ext cx="2548078" cy="369332"/>
+            <a:off x="9080421" y="5973687"/>
+            <a:ext cx="2548078" cy="646331"/>
           </a:xfrm>
           <a:prstGeom prst="rect">
             <a:avLst/>
@@ -24952,7 +24652,7 @@
           <a:p>
             <a:pPr algn="ctr"/>
             <a:r>
-              <a:rPr lang="ko-KR" altLang="en-US">
+              <a:rPr lang="ko-KR" altLang="en-US" dirty="0">
                 <a:solidFill>
                   <a:schemeClr val="tx2">
                     <a:lumMod val="60000"/>
@@ -24960,7 +24660,7 @@
                   </a:schemeClr>
                 </a:solidFill>
               </a:rPr>
-              <a:t>비슷한 케이스 찾기</a:t>
+              <a:t>위조 데이터 만들기</a:t>
             </a:r>
             <a:endParaRPr lang="en-US" altLang="ko-KR" dirty="0">
               <a:solidFill>
@@ -24971,234 +24671,8 @@
               </a:solidFill>
             </a:endParaRPr>
           </a:p>
-        </p:txBody>
-      </p:sp>
-      <p:sp>
-        <p:nvSpPr>
-          <p:cNvPr id="43" name="TextBox 42">
-            <a:extLst>
-              <a:ext uri="{FF2B5EF4-FFF2-40B4-BE49-F238E27FC236}">
-                <a16:creationId xmlns:a16="http://schemas.microsoft.com/office/drawing/2014/main" id="{F80E8198-5D33-4138-8A01-B80B95BF6B02}"/>
-              </a:ext>
-            </a:extLst>
-          </p:cNvPr>
-          <p:cNvSpPr txBox="1"/>
-          <p:nvPr/>
-        </p:nvSpPr>
-        <p:spPr>
-          <a:xfrm>
-            <a:off x="5172311" y="1049894"/>
-            <a:ext cx="2548078" cy="369332"/>
-          </a:xfrm>
-          <a:prstGeom prst="rect">
-            <a:avLst/>
-          </a:prstGeom>
-          <a:noFill/>
-        </p:spPr>
-        <p:txBody>
-          <a:bodyPr wrap="square" rtlCol="0">
-            <a:spAutoFit/>
-          </a:bodyPr>
-          <a:lstStyle/>
           <a:p>
             <a:pPr algn="ctr"/>
-            <a:r>
-              <a:rPr lang="en-US" altLang="ko-KR" dirty="0">
-                <a:solidFill>
-                  <a:schemeClr val="tx2">
-                    <a:lumMod val="60000"/>
-                    <a:lumOff val="40000"/>
-                  </a:schemeClr>
-                </a:solidFill>
-              </a:rPr>
-              <a:t>1</a:t>
-            </a:r>
-            <a:r>
-              <a:rPr lang="ko-KR" altLang="en-US" dirty="0">
-                <a:solidFill>
-                  <a:schemeClr val="tx2">
-                    <a:lumMod val="60000"/>
-                    <a:lumOff val="40000"/>
-                  </a:schemeClr>
-                </a:solidFill>
-              </a:rPr>
-              <a:t>차 방정식 구하기</a:t>
-            </a:r>
-            <a:endParaRPr lang="en-US" altLang="ko-KR" dirty="0">
-              <a:solidFill>
-                <a:schemeClr val="tx2">
-                  <a:lumMod val="60000"/>
-                  <a:lumOff val="40000"/>
-                </a:schemeClr>
-              </a:solidFill>
-            </a:endParaRPr>
-          </a:p>
-        </p:txBody>
-      </p:sp>
-      <p:sp>
-        <p:nvSpPr>
-          <p:cNvPr id="44" name="TextBox 43">
-            <a:extLst>
-              <a:ext uri="{FF2B5EF4-FFF2-40B4-BE49-F238E27FC236}">
-                <a16:creationId xmlns:a16="http://schemas.microsoft.com/office/drawing/2014/main" id="{8CC703E4-BBF7-40AD-B65D-95175A9F36A7}"/>
-              </a:ext>
-            </a:extLst>
-          </p:cNvPr>
-          <p:cNvSpPr txBox="1"/>
-          <p:nvPr/>
-        </p:nvSpPr>
-        <p:spPr>
-          <a:xfrm>
-            <a:off x="5181286" y="1946953"/>
-            <a:ext cx="2548078" cy="369332"/>
-          </a:xfrm>
-          <a:prstGeom prst="rect">
-            <a:avLst/>
-          </a:prstGeom>
-          <a:noFill/>
-        </p:spPr>
-        <p:txBody>
-          <a:bodyPr wrap="square" rtlCol="0">
-            <a:spAutoFit/>
-          </a:bodyPr>
-          <a:lstStyle/>
-          <a:p>
-            <a:pPr algn="ctr"/>
-            <a:r>
-              <a:rPr lang="ko-KR" altLang="en-US" dirty="0">
-                <a:solidFill>
-                  <a:schemeClr val="tx2">
-                    <a:lumMod val="60000"/>
-                    <a:lumOff val="40000"/>
-                  </a:schemeClr>
-                </a:solidFill>
-              </a:rPr>
-              <a:t>판단하기</a:t>
-            </a:r>
-            <a:endParaRPr lang="en-US" altLang="ko-KR" dirty="0">
-              <a:solidFill>
-                <a:schemeClr val="tx2">
-                  <a:lumMod val="60000"/>
-                  <a:lumOff val="40000"/>
-                </a:schemeClr>
-              </a:solidFill>
-            </a:endParaRPr>
-          </a:p>
-        </p:txBody>
-      </p:sp>
-      <p:sp>
-        <p:nvSpPr>
-          <p:cNvPr id="47" name="TextBox 46">
-            <a:extLst>
-              <a:ext uri="{FF2B5EF4-FFF2-40B4-BE49-F238E27FC236}">
-                <a16:creationId xmlns:a16="http://schemas.microsoft.com/office/drawing/2014/main" id="{60184236-A985-44F0-B437-4DD0F1951E01}"/>
-              </a:ext>
-            </a:extLst>
-          </p:cNvPr>
-          <p:cNvSpPr txBox="1"/>
-          <p:nvPr/>
-        </p:nvSpPr>
-        <p:spPr>
-          <a:xfrm>
-            <a:off x="7301047" y="3381475"/>
-            <a:ext cx="2548078" cy="369332"/>
-          </a:xfrm>
-          <a:prstGeom prst="rect">
-            <a:avLst/>
-          </a:prstGeom>
-          <a:noFill/>
-        </p:spPr>
-        <p:txBody>
-          <a:bodyPr wrap="square" rtlCol="0">
-            <a:spAutoFit/>
-          </a:bodyPr>
-          <a:lstStyle/>
-          <a:p>
-            <a:pPr algn="ctr"/>
-            <a:r>
-              <a:rPr lang="ko-KR" altLang="en-US">
-                <a:solidFill>
-                  <a:schemeClr val="tx2">
-                    <a:lumMod val="60000"/>
-                    <a:lumOff val="40000"/>
-                  </a:schemeClr>
-                </a:solidFill>
-              </a:rPr>
-              <a:t>신경망 구성하기</a:t>
-            </a:r>
-            <a:endParaRPr lang="en-US" altLang="ko-KR" dirty="0">
-              <a:solidFill>
-                <a:schemeClr val="tx2">
-                  <a:lumMod val="60000"/>
-                  <a:lumOff val="40000"/>
-                </a:schemeClr>
-              </a:solidFill>
-            </a:endParaRPr>
-          </a:p>
-        </p:txBody>
-      </p:sp>
-      <p:sp>
-        <p:nvSpPr>
-          <p:cNvPr id="48" name="TextBox 47">
-            <a:extLst>
-              <a:ext uri="{FF2B5EF4-FFF2-40B4-BE49-F238E27FC236}">
-                <a16:creationId xmlns:a16="http://schemas.microsoft.com/office/drawing/2014/main" id="{B0152055-7E25-48FF-BCD4-8469DAF4D787}"/>
-              </a:ext>
-            </a:extLst>
-          </p:cNvPr>
-          <p:cNvSpPr txBox="1"/>
-          <p:nvPr/>
-        </p:nvSpPr>
-        <p:spPr>
-          <a:xfrm>
-            <a:off x="7292072" y="5008751"/>
-            <a:ext cx="2548078" cy="646331"/>
-          </a:xfrm>
-          <a:prstGeom prst="rect">
-            <a:avLst/>
-          </a:prstGeom>
-          <a:noFill/>
-        </p:spPr>
-        <p:txBody>
-          <a:bodyPr wrap="square" rtlCol="0">
-            <a:spAutoFit/>
-          </a:bodyPr>
-          <a:lstStyle/>
-          <a:p>
-            <a:pPr algn="ctr"/>
-            <a:r>
-              <a:rPr lang="ko-KR" altLang="en-US" dirty="0">
-                <a:solidFill>
-                  <a:schemeClr val="tx2">
-                    <a:lumMod val="60000"/>
-                    <a:lumOff val="40000"/>
-                  </a:schemeClr>
-                </a:solidFill>
-              </a:rPr>
-              <a:t>특징을 추출하여</a:t>
-            </a:r>
-            <a:endParaRPr lang="en-US" altLang="ko-KR" dirty="0">
-              <a:solidFill>
-                <a:schemeClr val="tx2">
-                  <a:lumMod val="60000"/>
-                  <a:lumOff val="40000"/>
-                </a:schemeClr>
-              </a:solidFill>
-            </a:endParaRPr>
-          </a:p>
-          <a:p>
-            <a:pPr algn="ctr"/>
-            <a:r>
-              <a:rPr lang="ko-KR" altLang="en-US" dirty="0">
-                <a:solidFill>
-                  <a:schemeClr val="tx2">
-                    <a:lumMod val="60000"/>
-                    <a:lumOff val="40000"/>
-                  </a:schemeClr>
-                </a:solidFill>
-              </a:rPr>
-              <a:t>학습하기</a:t>
-            </a:r>
             <a:r>
               <a:rPr lang="en-US" altLang="ko-KR" dirty="0">
                 <a:solidFill>
@@ -25213,181 +24687,30 @@
           </a:p>
         </p:txBody>
       </p:sp>
-      <p:sp>
-        <p:nvSpPr>
-          <p:cNvPr id="51" name="사각형: 둥근 모서리 50">
-            <a:extLst>
-              <a:ext uri="{FF2B5EF4-FFF2-40B4-BE49-F238E27FC236}">
-                <a16:creationId xmlns:a16="http://schemas.microsoft.com/office/drawing/2014/main" id="{FF994821-EBCC-4A6D-9803-44BC669D1A16}"/>
-              </a:ext>
-            </a:extLst>
-          </p:cNvPr>
-          <p:cNvSpPr/>
-          <p:nvPr/>
-        </p:nvSpPr>
-        <p:spPr>
-          <a:xfrm>
-            <a:off x="5213896" y="4098009"/>
-            <a:ext cx="1935462" cy="700217"/>
-          </a:xfrm>
-          <a:prstGeom prst="roundRect">
-            <a:avLst/>
-          </a:prstGeom>
-          <a:solidFill>
-            <a:schemeClr val="tx2">
-              <a:lumMod val="60000"/>
-              <a:lumOff val="40000"/>
-            </a:schemeClr>
-          </a:solidFill>
-          <a:ln>
-            <a:solidFill>
-              <a:schemeClr val="bg1"/>
-            </a:solidFill>
-          </a:ln>
-        </p:spPr>
-        <p:style>
-          <a:lnRef idx="2">
-            <a:schemeClr val="accent1">
-              <a:shade val="50000"/>
-            </a:schemeClr>
-          </a:lnRef>
-          <a:fillRef idx="1">
-            <a:schemeClr val="accent1"/>
-          </a:fillRef>
-          <a:effectRef idx="0">
-            <a:schemeClr val="accent1"/>
-          </a:effectRef>
-          <a:fontRef idx="minor">
-            <a:schemeClr val="lt1"/>
-          </a:fontRef>
-        </p:style>
-        <p:txBody>
-          <a:bodyPr rtlCol="0" anchor="ctr"/>
-          <a:lstStyle/>
-          <a:p>
-            <a:pPr algn="ctr"/>
-            <a:r>
-              <a:rPr lang="en-US" altLang="ko-KR" dirty="0"/>
-              <a:t>Overfitting</a:t>
-            </a:r>
-          </a:p>
-          <a:p>
-            <a:pPr algn="ctr"/>
-            <a:r>
-              <a:rPr lang="en-US" altLang="ko-KR" dirty="0"/>
-              <a:t>Dropout</a:t>
-            </a:r>
-          </a:p>
-        </p:txBody>
-      </p:sp>
-      <p:sp>
-        <p:nvSpPr>
-          <p:cNvPr id="52" name="TextBox 51">
-            <a:extLst>
-              <a:ext uri="{FF2B5EF4-FFF2-40B4-BE49-F238E27FC236}">
-                <a16:creationId xmlns:a16="http://schemas.microsoft.com/office/drawing/2014/main" id="{0F87D974-2633-4163-B6E6-D37F77EB8A1F}"/>
-              </a:ext>
-            </a:extLst>
-          </p:cNvPr>
-          <p:cNvSpPr txBox="1"/>
-          <p:nvPr/>
-        </p:nvSpPr>
-        <p:spPr>
-          <a:xfrm>
-            <a:off x="7292072" y="4124951"/>
-            <a:ext cx="2548078" cy="646331"/>
-          </a:xfrm>
-          <a:prstGeom prst="rect">
-            <a:avLst/>
-          </a:prstGeom>
-          <a:noFill/>
-        </p:spPr>
-        <p:txBody>
-          <a:bodyPr wrap="square" rtlCol="0">
-            <a:spAutoFit/>
-          </a:bodyPr>
-          <a:lstStyle/>
-          <a:p>
-            <a:pPr algn="ctr"/>
-            <a:r>
-              <a:rPr lang="ko-KR" altLang="en-US" dirty="0" err="1">
-                <a:solidFill>
-                  <a:schemeClr val="tx2">
-                    <a:lumMod val="60000"/>
-                    <a:lumOff val="40000"/>
-                  </a:schemeClr>
-                </a:solidFill>
-              </a:rPr>
-              <a:t>과적합</a:t>
-            </a:r>
-            <a:r>
-              <a:rPr lang="ko-KR" altLang="en-US" dirty="0">
-                <a:solidFill>
-                  <a:schemeClr val="tx2">
-                    <a:lumMod val="60000"/>
-                    <a:lumOff val="40000"/>
-                  </a:schemeClr>
-                </a:solidFill>
-              </a:rPr>
-              <a:t> 현상과 </a:t>
-            </a:r>
-            <a:endParaRPr lang="en-US" altLang="ko-KR" dirty="0">
-              <a:solidFill>
-                <a:schemeClr val="tx2">
-                  <a:lumMod val="60000"/>
-                  <a:lumOff val="40000"/>
-                </a:schemeClr>
-              </a:solidFill>
-            </a:endParaRPr>
-          </a:p>
-          <a:p>
-            <a:pPr algn="ctr"/>
-            <a:r>
-              <a:rPr lang="ko-KR" altLang="en-US" dirty="0">
-                <a:solidFill>
-                  <a:schemeClr val="tx2">
-                    <a:lumMod val="60000"/>
-                    <a:lumOff val="40000"/>
-                  </a:schemeClr>
-                </a:solidFill>
-              </a:rPr>
-              <a:t>해결방법</a:t>
-            </a:r>
-            <a:endParaRPr lang="en-US" altLang="ko-KR" dirty="0">
-              <a:solidFill>
-                <a:schemeClr val="tx2">
-                  <a:lumMod val="60000"/>
-                  <a:lumOff val="40000"/>
-                </a:schemeClr>
-              </a:solidFill>
-            </a:endParaRPr>
-          </a:p>
-        </p:txBody>
-      </p:sp>
       <p:cxnSp>
         <p:nvCxnSpPr>
-          <p:cNvPr id="53" name="연결선: 꺾임 52">
-            <a:extLst>
-              <a:ext uri="{FF2B5EF4-FFF2-40B4-BE49-F238E27FC236}">
-                <a16:creationId xmlns:a16="http://schemas.microsoft.com/office/drawing/2014/main" id="{12FA420F-CD53-4DDB-9EF1-64D4F695197C}"/>
+          <p:cNvPr id="69" name="연결선: 꺾임 68">
+            <a:extLst>
+              <a:ext uri="{FF2B5EF4-FFF2-40B4-BE49-F238E27FC236}">
+                <a16:creationId xmlns:a16="http://schemas.microsoft.com/office/drawing/2014/main" id="{975F7F25-84B5-4FE5-9EA6-23AAFABE32B6}"/>
               </a:ext>
             </a:extLst>
           </p:cNvPr>
           <p:cNvCxnSpPr>
             <a:cxnSpLocks/>
             <a:stCxn id="21" idx="3"/>
-            <a:endCxn id="51" idx="1"/>
+            <a:endCxn id="67" idx="1"/>
           </p:cNvCxnSpPr>
           <p:nvPr/>
         </p:nvCxnSpPr>
         <p:spPr>
           <a:xfrm>
             <a:off x="2342875" y="3379571"/>
-            <a:ext cx="2871021" cy="1068547"/>
+            <a:ext cx="4650395" cy="2890033"/>
           </a:xfrm>
           <a:prstGeom prst="bentConnector3">
             <a:avLst>
-              <a:gd name="adj1" fmla="val 13601"/>
+              <a:gd name="adj1" fmla="val 8017"/>
             </a:avLst>
           </a:prstGeom>
           <a:ln>
@@ -25417,10 +24740,10 @@
       </p:cxnSp>
       <p:sp>
         <p:nvSpPr>
-          <p:cNvPr id="67" name="사각형: 둥근 모서리 66">
-            <a:extLst>
-              <a:ext uri="{FF2B5EF4-FFF2-40B4-BE49-F238E27FC236}">
-                <a16:creationId xmlns:a16="http://schemas.microsoft.com/office/drawing/2014/main" id="{C6D4895F-D871-4D0C-8781-B8503BAFD583}"/>
+          <p:cNvPr id="96" name="사각형: 둥근 모서리 95">
+            <a:extLst>
+              <a:ext uri="{FF2B5EF4-FFF2-40B4-BE49-F238E27FC236}">
+                <a16:creationId xmlns:a16="http://schemas.microsoft.com/office/drawing/2014/main" id="{E03DF1F9-25F1-463F-A65C-17F42A7D6057}"/>
               </a:ext>
             </a:extLst>
           </p:cNvPr>
@@ -25429,8 +24752,8 @@
         </p:nvSpPr>
         <p:spPr>
           <a:xfrm>
-            <a:off x="5213896" y="5919495"/>
-            <a:ext cx="1935462" cy="700217"/>
+            <a:off x="5038569" y="2740061"/>
+            <a:ext cx="1935465" cy="849581"/>
           </a:xfrm>
           <a:prstGeom prst="roundRect">
             <a:avLst/>
@@ -25470,17 +24793,17 @@
             <a:pPr algn="ctr"/>
             <a:r>
               <a:rPr lang="en-US" altLang="ko-KR" dirty="0"/>
-              <a:t>GAN</a:t>
-            </a:r>
-          </a:p>
-        </p:txBody>
-      </p:sp>
-      <p:sp>
-        <p:nvSpPr>
-          <p:cNvPr id="68" name="TextBox 67">
-            <a:extLst>
-              <a:ext uri="{FF2B5EF4-FFF2-40B4-BE49-F238E27FC236}">
-                <a16:creationId xmlns:a16="http://schemas.microsoft.com/office/drawing/2014/main" id="{2E0D4028-D0C0-4F7A-9488-AC651B7E66A4}"/>
+              <a:t>Multiple Regression Perceptron</a:t>
+            </a:r>
+          </a:p>
+        </p:txBody>
+      </p:sp>
+      <p:sp>
+        <p:nvSpPr>
+          <p:cNvPr id="97" name="TextBox 96">
+            <a:extLst>
+              <a:ext uri="{FF2B5EF4-FFF2-40B4-BE49-F238E27FC236}">
+                <a16:creationId xmlns:a16="http://schemas.microsoft.com/office/drawing/2014/main" id="{5C474E41-A130-4410-B55A-70816194F60C}"/>
               </a:ext>
             </a:extLst>
           </p:cNvPr>
@@ -25489,8 +24812,8 @@
         </p:nvSpPr>
         <p:spPr>
           <a:xfrm>
-            <a:off x="7301047" y="5973687"/>
-            <a:ext cx="2548078" cy="646331"/>
+            <a:off x="7116746" y="2918110"/>
+            <a:ext cx="2548078" cy="369332"/>
           </a:xfrm>
           <a:prstGeom prst="rect">
             <a:avLst/>
@@ -25513,19 +24836,19 @@
                   </a:schemeClr>
                 </a:solidFill>
               </a:rPr>
-              <a:t>위조 데이터 만들기</a:t>
-            </a:r>
-            <a:endParaRPr lang="en-US" altLang="ko-KR" dirty="0">
-              <a:solidFill>
-                <a:schemeClr val="tx2">
-                  <a:lumMod val="60000"/>
-                  <a:lumOff val="40000"/>
-                </a:schemeClr>
-              </a:solidFill>
-            </a:endParaRPr>
-          </a:p>
-          <a:p>
-            <a:pPr algn="ctr"/>
+              <a:t>다</a:t>
+            </a:r>
+            <a:r>
+              <a:rPr lang="ko-KR" altLang="en-US">
+                <a:solidFill>
+                  <a:schemeClr val="tx2">
+                    <a:lumMod val="60000"/>
+                    <a:lumOff val="40000"/>
+                  </a:schemeClr>
+                </a:solidFill>
+              </a:rPr>
+              <a:t>차원 </a:t>
+            </a:r>
             <a:r>
               <a:rPr lang="en-US" altLang="ko-KR" dirty="0">
                 <a:solidFill>
@@ -25535,35 +24858,35 @@
                   </a:schemeClr>
                 </a:solidFill>
               </a:rPr>
-              <a:t>(2W)</a:t>
+              <a:t>Regression</a:t>
             </a:r>
           </a:p>
         </p:txBody>
       </p:sp>
       <p:cxnSp>
         <p:nvCxnSpPr>
-          <p:cNvPr id="69" name="연결선: 꺾임 68">
-            <a:extLst>
-              <a:ext uri="{FF2B5EF4-FFF2-40B4-BE49-F238E27FC236}">
-                <a16:creationId xmlns:a16="http://schemas.microsoft.com/office/drawing/2014/main" id="{975F7F25-84B5-4FE5-9EA6-23AAFABE32B6}"/>
+          <p:cNvPr id="32" name="연결선: 꺾임 31">
+            <a:extLst>
+              <a:ext uri="{FF2B5EF4-FFF2-40B4-BE49-F238E27FC236}">
+                <a16:creationId xmlns:a16="http://schemas.microsoft.com/office/drawing/2014/main" id="{46B7434E-F1DB-4EF8-8953-71A115D8F6E6}"/>
               </a:ext>
             </a:extLst>
           </p:cNvPr>
           <p:cNvCxnSpPr>
             <a:cxnSpLocks/>
             <a:stCxn id="21" idx="3"/>
-            <a:endCxn id="67" idx="1"/>
+            <a:endCxn id="96" idx="1"/>
           </p:cNvCxnSpPr>
           <p:nvPr/>
         </p:nvCxnSpPr>
         <p:spPr>
-          <a:xfrm>
-            <a:off x="2342875" y="3379571"/>
-            <a:ext cx="2871021" cy="2890033"/>
+          <a:xfrm flipV="1">
+            <a:off x="2342875" y="3164852"/>
+            <a:ext cx="2695694" cy="214719"/>
           </a:xfrm>
           <a:prstGeom prst="bentConnector3">
             <a:avLst>
-              <a:gd name="adj1" fmla="val 13276"/>
+              <a:gd name="adj1" fmla="val 50000"/>
             </a:avLst>
           </a:prstGeom>
           <a:ln>
@@ -25591,138 +24914,6 @@
           </a:fontRef>
         </p:style>
       </p:cxnSp>
-      <p:sp>
-        <p:nvSpPr>
-          <p:cNvPr id="96" name="사각형: 둥근 모서리 95">
-            <a:extLst>
-              <a:ext uri="{FF2B5EF4-FFF2-40B4-BE49-F238E27FC236}">
-                <a16:creationId xmlns:a16="http://schemas.microsoft.com/office/drawing/2014/main" id="{E03DF1F9-25F1-463F-A65C-17F42A7D6057}"/>
-              </a:ext>
-            </a:extLst>
-          </p:cNvPr>
-          <p:cNvSpPr/>
-          <p:nvPr/>
-        </p:nvSpPr>
-        <p:spPr>
-          <a:xfrm>
-            <a:off x="3103109" y="2651504"/>
-            <a:ext cx="1935465" cy="700217"/>
-          </a:xfrm>
-          <a:prstGeom prst="roundRect">
-            <a:avLst/>
-          </a:prstGeom>
-          <a:solidFill>
-            <a:schemeClr val="tx2">
-              <a:lumMod val="60000"/>
-              <a:lumOff val="40000"/>
-            </a:schemeClr>
-          </a:solidFill>
-          <a:ln>
-            <a:solidFill>
-              <a:schemeClr val="bg1"/>
-            </a:solidFill>
-          </a:ln>
-        </p:spPr>
-        <p:style>
-          <a:lnRef idx="2">
-            <a:schemeClr val="accent1">
-              <a:shade val="50000"/>
-            </a:schemeClr>
-          </a:lnRef>
-          <a:fillRef idx="1">
-            <a:schemeClr val="accent1"/>
-          </a:fillRef>
-          <a:effectRef idx="0">
-            <a:schemeClr val="accent1"/>
-          </a:effectRef>
-          <a:fontRef idx="minor">
-            <a:schemeClr val="lt1"/>
-          </a:fontRef>
-        </p:style>
-        <p:txBody>
-          <a:bodyPr rtlCol="0" anchor="ctr"/>
-          <a:lstStyle/>
-          <a:p>
-            <a:pPr algn="ctr"/>
-            <a:r>
-              <a:rPr lang="en-US" altLang="ko-KR" dirty="0"/>
-              <a:t>Multiple</a:t>
-            </a:r>
-          </a:p>
-          <a:p>
-            <a:pPr algn="ctr"/>
-            <a:r>
-              <a:rPr lang="en-US" altLang="ko-KR" dirty="0"/>
-              <a:t>Regression</a:t>
-            </a:r>
-          </a:p>
-        </p:txBody>
-      </p:sp>
-      <p:sp>
-        <p:nvSpPr>
-          <p:cNvPr id="97" name="TextBox 96">
-            <a:extLst>
-              <a:ext uri="{FF2B5EF4-FFF2-40B4-BE49-F238E27FC236}">
-                <a16:creationId xmlns:a16="http://schemas.microsoft.com/office/drawing/2014/main" id="{5C474E41-A130-4410-B55A-70816194F60C}"/>
-              </a:ext>
-            </a:extLst>
-          </p:cNvPr>
-          <p:cNvSpPr txBox="1"/>
-          <p:nvPr/>
-        </p:nvSpPr>
-        <p:spPr>
-          <a:xfrm>
-            <a:off x="5181286" y="2829553"/>
-            <a:ext cx="2548078" cy="369332"/>
-          </a:xfrm>
-          <a:prstGeom prst="rect">
-            <a:avLst/>
-          </a:prstGeom>
-          <a:noFill/>
-        </p:spPr>
-        <p:txBody>
-          <a:bodyPr wrap="square" rtlCol="0">
-            <a:spAutoFit/>
-          </a:bodyPr>
-          <a:lstStyle/>
-          <a:p>
-            <a:pPr algn="ctr"/>
-            <a:r>
-              <a:rPr lang="ko-KR" altLang="en-US" dirty="0">
-                <a:solidFill>
-                  <a:schemeClr val="tx2">
-                    <a:lumMod val="60000"/>
-                    <a:lumOff val="40000"/>
-                  </a:schemeClr>
-                </a:solidFill>
-              </a:rPr>
-              <a:t>다</a:t>
-            </a:r>
-            <a:r>
-              <a:rPr lang="ko-KR" altLang="en-US">
-                <a:solidFill>
-                  <a:schemeClr val="tx2">
-                    <a:lumMod val="60000"/>
-                    <a:lumOff val="40000"/>
-                  </a:schemeClr>
-                </a:solidFill>
-              </a:rPr>
-              <a:t>차원 </a:t>
-            </a:r>
-            <a:r>
-              <a:rPr lang="en-US" altLang="ko-KR" dirty="0">
-                <a:solidFill>
-                  <a:schemeClr val="tx2">
-                    <a:lumMod val="60000"/>
-                    <a:lumOff val="40000"/>
-                  </a:schemeClr>
-                </a:solidFill>
-              </a:rPr>
-              <a:t>Regression</a:t>
-            </a:r>
-          </a:p>
-        </p:txBody>
-      </p:sp>
     </p:spTree>
     <p:extLst>
       <p:ext uri="{BB962C8B-B14F-4D97-AF65-F5344CB8AC3E}">

--- a/planning/AI seminar.pptx
+++ b/planning/AI seminar.pptx
@@ -27,8 +27,8 @@
     <p:sldId id="288" r:id="rId21"/>
     <p:sldId id="292" r:id="rId22"/>
     <p:sldId id="294" r:id="rId23"/>
-    <p:sldId id="287" r:id="rId24"/>
-    <p:sldId id="293" r:id="rId25"/>
+    <p:sldId id="293" r:id="rId24"/>
+    <p:sldId id="287" r:id="rId25"/>
     <p:sldId id="296" r:id="rId26"/>
     <p:sldId id="269" r:id="rId27"/>
     <p:sldId id="297" r:id="rId28"/>
@@ -296,7 +296,7 @@
           <a:p>
             <a:fld id="{D62B2740-61DE-4A8F-81E2-0B40A1BCC892}" type="datetimeFigureOut">
               <a:rPr lang="ko-KR" altLang="en-US" smtClean="0"/>
-              <a:t>2021-01-12</a:t>
+              <a:t>2021-01-13</a:t>
             </a:fld>
             <a:endParaRPr lang="ko-KR" altLang="en-US"/>
           </a:p>
@@ -494,7 +494,7 @@
           <a:p>
             <a:fld id="{D62B2740-61DE-4A8F-81E2-0B40A1BCC892}" type="datetimeFigureOut">
               <a:rPr lang="ko-KR" altLang="en-US" smtClean="0"/>
-              <a:t>2021-01-12</a:t>
+              <a:t>2021-01-13</a:t>
             </a:fld>
             <a:endParaRPr lang="ko-KR" altLang="en-US"/>
           </a:p>
@@ -702,7 +702,7 @@
           <a:p>
             <a:fld id="{D62B2740-61DE-4A8F-81E2-0B40A1BCC892}" type="datetimeFigureOut">
               <a:rPr lang="ko-KR" altLang="en-US" smtClean="0"/>
-              <a:t>2021-01-12</a:t>
+              <a:t>2021-01-13</a:t>
             </a:fld>
             <a:endParaRPr lang="ko-KR" altLang="en-US"/>
           </a:p>
@@ -900,7 +900,7 @@
           <a:p>
             <a:fld id="{D62B2740-61DE-4A8F-81E2-0B40A1BCC892}" type="datetimeFigureOut">
               <a:rPr lang="ko-KR" altLang="en-US" smtClean="0"/>
-              <a:t>2021-01-12</a:t>
+              <a:t>2021-01-13</a:t>
             </a:fld>
             <a:endParaRPr lang="ko-KR" altLang="en-US"/>
           </a:p>
@@ -1175,7 +1175,7 @@
           <a:p>
             <a:fld id="{D62B2740-61DE-4A8F-81E2-0B40A1BCC892}" type="datetimeFigureOut">
               <a:rPr lang="ko-KR" altLang="en-US" smtClean="0"/>
-              <a:t>2021-01-12</a:t>
+              <a:t>2021-01-13</a:t>
             </a:fld>
             <a:endParaRPr lang="ko-KR" altLang="en-US"/>
           </a:p>
@@ -1440,7 +1440,7 @@
           <a:p>
             <a:fld id="{D62B2740-61DE-4A8F-81E2-0B40A1BCC892}" type="datetimeFigureOut">
               <a:rPr lang="ko-KR" altLang="en-US" smtClean="0"/>
-              <a:t>2021-01-12</a:t>
+              <a:t>2021-01-13</a:t>
             </a:fld>
             <a:endParaRPr lang="ko-KR" altLang="en-US"/>
           </a:p>
@@ -1852,7 +1852,7 @@
           <a:p>
             <a:fld id="{D62B2740-61DE-4A8F-81E2-0B40A1BCC892}" type="datetimeFigureOut">
               <a:rPr lang="ko-KR" altLang="en-US" smtClean="0"/>
-              <a:t>2021-01-12</a:t>
+              <a:t>2021-01-13</a:t>
             </a:fld>
             <a:endParaRPr lang="ko-KR" altLang="en-US"/>
           </a:p>
@@ -1993,7 +1993,7 @@
           <a:p>
             <a:fld id="{D62B2740-61DE-4A8F-81E2-0B40A1BCC892}" type="datetimeFigureOut">
               <a:rPr lang="ko-KR" altLang="en-US" smtClean="0"/>
-              <a:t>2021-01-12</a:t>
+              <a:t>2021-01-13</a:t>
             </a:fld>
             <a:endParaRPr lang="ko-KR" altLang="en-US"/>
           </a:p>
@@ -2106,7 +2106,7 @@
           <a:p>
             <a:fld id="{D62B2740-61DE-4A8F-81E2-0B40A1BCC892}" type="datetimeFigureOut">
               <a:rPr lang="ko-KR" altLang="en-US" smtClean="0"/>
-              <a:t>2021-01-12</a:t>
+              <a:t>2021-01-13</a:t>
             </a:fld>
             <a:endParaRPr lang="ko-KR" altLang="en-US"/>
           </a:p>
@@ -2417,7 +2417,7 @@
           <a:p>
             <a:fld id="{D62B2740-61DE-4A8F-81E2-0B40A1BCC892}" type="datetimeFigureOut">
               <a:rPr lang="ko-KR" altLang="en-US" smtClean="0"/>
-              <a:t>2021-01-12</a:t>
+              <a:t>2021-01-13</a:t>
             </a:fld>
             <a:endParaRPr lang="ko-KR" altLang="en-US"/>
           </a:p>
@@ -2705,7 +2705,7 @@
           <a:p>
             <a:fld id="{D62B2740-61DE-4A8F-81E2-0B40A1BCC892}" type="datetimeFigureOut">
               <a:rPr lang="ko-KR" altLang="en-US" smtClean="0"/>
-              <a:t>2021-01-12</a:t>
+              <a:t>2021-01-13</a:t>
             </a:fld>
             <a:endParaRPr lang="ko-KR" altLang="en-US"/>
           </a:p>
@@ -2946,7 +2946,7 @@
           <a:p>
             <a:fld id="{D62B2740-61DE-4A8F-81E2-0B40A1BCC892}" type="datetimeFigureOut">
               <a:rPr lang="ko-KR" altLang="en-US" smtClean="0"/>
-              <a:t>2021-01-12</a:t>
+              <a:t>2021-01-13</a:t>
             </a:fld>
             <a:endParaRPr lang="ko-KR" altLang="en-US"/>
           </a:p>
@@ -12632,7 +12632,7 @@
         <p:spPr>
           <a:xfrm>
             <a:off x="3115141" y="5177152"/>
-            <a:ext cx="3618298" cy="923330"/>
+            <a:ext cx="3618298" cy="1200329"/>
           </a:xfrm>
           <a:prstGeom prst="rect">
             <a:avLst/>
@@ -12670,7 +12670,10 @@
               <a:rPr lang="en-US" altLang="ko-KR" dirty="0"/>
               <a:t>?</a:t>
             </a:r>
-            <a:endParaRPr lang="ko-KR" altLang="en-US" dirty="0"/>
+          </a:p>
+          <a:p>
+            <a:pPr algn="ctr"/>
+            <a:endParaRPr lang="en-US" altLang="ko-KR" dirty="0"/>
           </a:p>
         </p:txBody>
       </p:sp>
@@ -12863,7 +12866,7 @@
             <a:pPr algn="ctr"/>
             <a:r>
               <a:rPr lang="en-US" altLang="ko-KR" dirty="0"/>
-              <a:t>Overfitting</a:t>
+              <a:t>fitting</a:t>
             </a:r>
           </a:p>
           <a:p>
@@ -12872,6 +12875,42 @@
               <a:rPr lang="en-US" altLang="ko-KR" dirty="0"/>
               <a:t>Dropout</a:t>
             </a:r>
+          </a:p>
+        </p:txBody>
+      </p:sp>
+      <p:sp>
+        <p:nvSpPr>
+          <p:cNvPr id="4" name="직사각형 3">
+            <a:extLst>
+              <a:ext uri="{FF2B5EF4-FFF2-40B4-BE49-F238E27FC236}">
+                <a16:creationId xmlns:a16="http://schemas.microsoft.com/office/drawing/2014/main" id="{A357D536-2CAB-46BD-89C9-5EFEE03A7BA7}"/>
+              </a:ext>
+            </a:extLst>
+          </p:cNvPr>
+          <p:cNvSpPr/>
+          <p:nvPr/>
+        </p:nvSpPr>
+        <p:spPr>
+          <a:xfrm>
+            <a:off x="4360916" y="6192815"/>
+            <a:ext cx="1447769" cy="369332"/>
+          </a:xfrm>
+          <a:prstGeom prst="rect">
+            <a:avLst/>
+          </a:prstGeom>
+        </p:spPr>
+        <p:txBody>
+          <a:bodyPr wrap="none">
+            <a:spAutoFit/>
+          </a:bodyPr>
+          <a:lstStyle/>
+          <a:p>
+            <a:pPr algn="ctr"/>
+            <a:r>
+              <a:rPr lang="en-US" altLang="ko-KR" dirty="0"/>
+              <a:t>Underfitting</a:t>
+            </a:r>
+            <a:endParaRPr lang="ko-KR" altLang="en-US" dirty="0"/>
           </a:p>
         </p:txBody>
       </p:sp>
@@ -12907,10 +12946,10 @@
       </p:grpSpPr>
       <p:pic>
         <p:nvPicPr>
-          <p:cNvPr id="1032" name="Picture 8" descr="강아지종류]101마리 달마시안의 점박이 강아지 달마시안! : 네이버 블로그">
-            <a:extLst>
-              <a:ext uri="{FF2B5EF4-FFF2-40B4-BE49-F238E27FC236}">
-                <a16:creationId xmlns:a16="http://schemas.microsoft.com/office/drawing/2014/main" id="{3DCD93CF-DC66-46A3-A45A-6DAF7A81DF08}"/>
+          <p:cNvPr id="25" name="Picture 4" descr="Image for post">
+            <a:extLst>
+              <a:ext uri="{FF2B5EF4-FFF2-40B4-BE49-F238E27FC236}">
+                <a16:creationId xmlns:a16="http://schemas.microsoft.com/office/drawing/2014/main" id="{87139BFC-E9F0-4315-B160-311400CB24D9}"/>
               </a:ext>
             </a:extLst>
           </p:cNvPr>
@@ -12934,8 +12973,8 @@
         </p:blipFill>
         <p:spPr bwMode="auto">
           <a:xfrm>
-            <a:off x="3005355" y="1237199"/>
-            <a:ext cx="2619375" cy="1743075"/>
+            <a:off x="6430851" y="809806"/>
+            <a:ext cx="4469323" cy="3779111"/>
           </a:xfrm>
           <a:prstGeom prst="rect">
             <a:avLst/>
@@ -12952,12 +12991,821 @@
           </a:extLst>
         </p:spPr>
       </p:pic>
+      <p:cxnSp>
+        <p:nvCxnSpPr>
+          <p:cNvPr id="34" name="직선 화살표 연결선 33">
+            <a:extLst>
+              <a:ext uri="{FF2B5EF4-FFF2-40B4-BE49-F238E27FC236}">
+                <a16:creationId xmlns:a16="http://schemas.microsoft.com/office/drawing/2014/main" id="{6CEAAB6A-DD31-42BC-B1E8-27DAEAAF47FF}"/>
+              </a:ext>
+            </a:extLst>
+          </p:cNvPr>
+          <p:cNvCxnSpPr>
+            <a:cxnSpLocks/>
+          </p:cNvCxnSpPr>
+          <p:nvPr/>
+        </p:nvCxnSpPr>
+        <p:spPr>
+          <a:xfrm flipV="1">
+            <a:off x="6638605" y="3305559"/>
+            <a:ext cx="1293341" cy="1115855"/>
+          </a:xfrm>
+          <a:prstGeom prst="straightConnector1">
+            <a:avLst/>
+          </a:prstGeom>
+          <a:ln w="25400">
+            <a:solidFill>
+              <a:srgbClr val="FF0000"/>
+            </a:solidFill>
+            <a:tailEnd type="triangle"/>
+          </a:ln>
+        </p:spPr>
+        <p:style>
+          <a:lnRef idx="1">
+            <a:schemeClr val="accent1"/>
+          </a:lnRef>
+          <a:fillRef idx="0">
+            <a:schemeClr val="accent1"/>
+          </a:fillRef>
+          <a:effectRef idx="0">
+            <a:schemeClr val="accent1"/>
+          </a:effectRef>
+          <a:fontRef idx="minor">
+            <a:schemeClr val="tx1"/>
+          </a:fontRef>
+        </p:style>
+      </p:cxnSp>
+      <p:sp>
+        <p:nvSpPr>
+          <p:cNvPr id="35" name="TextBox 34">
+            <a:extLst>
+              <a:ext uri="{FF2B5EF4-FFF2-40B4-BE49-F238E27FC236}">
+                <a16:creationId xmlns:a16="http://schemas.microsoft.com/office/drawing/2014/main" id="{AA5A9FE4-C696-418E-8707-754D48D04227}"/>
+              </a:ext>
+            </a:extLst>
+          </p:cNvPr>
+          <p:cNvSpPr txBox="1"/>
+          <p:nvPr/>
+        </p:nvSpPr>
+        <p:spPr>
+          <a:xfrm>
+            <a:off x="5470780" y="4375247"/>
+            <a:ext cx="1988045" cy="369332"/>
+          </a:xfrm>
+          <a:prstGeom prst="rect">
+            <a:avLst/>
+          </a:prstGeom>
+          <a:noFill/>
+        </p:spPr>
+        <p:txBody>
+          <a:bodyPr wrap="none" rtlCol="0">
+            <a:spAutoFit/>
+          </a:bodyPr>
+          <a:lstStyle/>
+          <a:p>
+            <a:r>
+              <a:rPr lang="ko-KR" altLang="en-US" dirty="0"/>
+              <a:t>코가 검정색인가</a:t>
+            </a:r>
+            <a:r>
+              <a:rPr lang="en-US" altLang="ko-KR" dirty="0"/>
+              <a:t>?</a:t>
+            </a:r>
+            <a:endParaRPr lang="ko-KR" altLang="en-US" dirty="0"/>
+          </a:p>
+        </p:txBody>
+      </p:sp>
+      <p:cxnSp>
+        <p:nvCxnSpPr>
+          <p:cNvPr id="36" name="직선 화살표 연결선 35">
+            <a:extLst>
+              <a:ext uri="{FF2B5EF4-FFF2-40B4-BE49-F238E27FC236}">
+                <a16:creationId xmlns:a16="http://schemas.microsoft.com/office/drawing/2014/main" id="{7AF85500-BDB4-44BE-8F9B-7A31710DD762}"/>
+              </a:ext>
+            </a:extLst>
+          </p:cNvPr>
+          <p:cNvCxnSpPr>
+            <a:cxnSpLocks/>
+          </p:cNvCxnSpPr>
+          <p:nvPr/>
+        </p:nvCxnSpPr>
+        <p:spPr>
+          <a:xfrm flipV="1">
+            <a:off x="6786948" y="3813307"/>
+            <a:ext cx="1144998" cy="1520503"/>
+          </a:xfrm>
+          <a:prstGeom prst="straightConnector1">
+            <a:avLst/>
+          </a:prstGeom>
+          <a:ln w="25400">
+            <a:solidFill>
+              <a:srgbClr val="FF0000"/>
+            </a:solidFill>
+            <a:tailEnd type="triangle"/>
+          </a:ln>
+        </p:spPr>
+        <p:style>
+          <a:lnRef idx="1">
+            <a:schemeClr val="accent1"/>
+          </a:lnRef>
+          <a:fillRef idx="0">
+            <a:schemeClr val="accent1"/>
+          </a:fillRef>
+          <a:effectRef idx="0">
+            <a:schemeClr val="accent1"/>
+          </a:effectRef>
+          <a:fontRef idx="minor">
+            <a:schemeClr val="tx1"/>
+          </a:fontRef>
+        </p:style>
+      </p:cxnSp>
+      <p:sp>
+        <p:nvSpPr>
+          <p:cNvPr id="37" name="TextBox 36">
+            <a:extLst>
+              <a:ext uri="{FF2B5EF4-FFF2-40B4-BE49-F238E27FC236}">
+                <a16:creationId xmlns:a16="http://schemas.microsoft.com/office/drawing/2014/main" id="{5D513790-1153-49FE-BFD8-EA8274F2E43A}"/>
+              </a:ext>
+            </a:extLst>
+          </p:cNvPr>
+          <p:cNvSpPr txBox="1"/>
+          <p:nvPr/>
+        </p:nvSpPr>
+        <p:spPr>
+          <a:xfrm>
+            <a:off x="5633777" y="5306980"/>
+            <a:ext cx="1950246" cy="369332"/>
+          </a:xfrm>
+          <a:prstGeom prst="rect">
+            <a:avLst/>
+          </a:prstGeom>
+          <a:noFill/>
+        </p:spPr>
+        <p:txBody>
+          <a:bodyPr wrap="square" rtlCol="0">
+            <a:spAutoFit/>
+          </a:bodyPr>
+          <a:lstStyle/>
+          <a:p>
+            <a:r>
+              <a:rPr lang="ko-KR" altLang="en-US" dirty="0"/>
+              <a:t>눈이 검정색인가</a:t>
+            </a:r>
+            <a:r>
+              <a:rPr lang="en-US" altLang="ko-KR" dirty="0"/>
+              <a:t>?</a:t>
+            </a:r>
+            <a:endParaRPr lang="ko-KR" altLang="en-US" dirty="0"/>
+          </a:p>
+        </p:txBody>
+      </p:sp>
+      <p:cxnSp>
+        <p:nvCxnSpPr>
+          <p:cNvPr id="38" name="직선 화살표 연결선 37">
+            <a:extLst>
+              <a:ext uri="{FF2B5EF4-FFF2-40B4-BE49-F238E27FC236}">
+                <a16:creationId xmlns:a16="http://schemas.microsoft.com/office/drawing/2014/main" id="{745E5506-AE16-42F6-9C47-4B2AE0DBCF84}"/>
+              </a:ext>
+            </a:extLst>
+          </p:cNvPr>
+          <p:cNvCxnSpPr>
+            <a:cxnSpLocks/>
+          </p:cNvCxnSpPr>
+          <p:nvPr/>
+        </p:nvCxnSpPr>
+        <p:spPr>
+          <a:xfrm flipH="1" flipV="1">
+            <a:off x="9224356" y="4290776"/>
+            <a:ext cx="435226" cy="386705"/>
+          </a:xfrm>
+          <a:prstGeom prst="straightConnector1">
+            <a:avLst/>
+          </a:prstGeom>
+          <a:ln w="25400">
+            <a:solidFill>
+              <a:srgbClr val="FF0000"/>
+            </a:solidFill>
+            <a:tailEnd type="triangle"/>
+          </a:ln>
+        </p:spPr>
+        <p:style>
+          <a:lnRef idx="1">
+            <a:schemeClr val="accent1"/>
+          </a:lnRef>
+          <a:fillRef idx="0">
+            <a:schemeClr val="accent1"/>
+          </a:fillRef>
+          <a:effectRef idx="0">
+            <a:schemeClr val="accent1"/>
+          </a:effectRef>
+          <a:fontRef idx="minor">
+            <a:schemeClr val="tx1"/>
+          </a:fontRef>
+        </p:style>
+      </p:cxnSp>
+      <p:sp>
+        <p:nvSpPr>
+          <p:cNvPr id="39" name="TextBox 38">
+            <a:extLst>
+              <a:ext uri="{FF2B5EF4-FFF2-40B4-BE49-F238E27FC236}">
+                <a16:creationId xmlns:a16="http://schemas.microsoft.com/office/drawing/2014/main" id="{F619CE5A-F750-464E-8D5A-187F4C81B019}"/>
+              </a:ext>
+            </a:extLst>
+          </p:cNvPr>
+          <p:cNvSpPr txBox="1"/>
+          <p:nvPr/>
+        </p:nvSpPr>
+        <p:spPr>
+          <a:xfrm>
+            <a:off x="9659582" y="4459092"/>
+            <a:ext cx="1963999" cy="1200329"/>
+          </a:xfrm>
+          <a:prstGeom prst="rect">
+            <a:avLst/>
+          </a:prstGeom>
+          <a:noFill/>
+        </p:spPr>
+        <p:txBody>
+          <a:bodyPr wrap="none" rtlCol="0">
+            <a:spAutoFit/>
+          </a:bodyPr>
+          <a:lstStyle/>
+          <a:p>
+            <a:r>
+              <a:rPr lang="ko-KR" altLang="en-US" dirty="0"/>
+              <a:t>코가 검정색이고 </a:t>
+            </a:r>
+            <a:endParaRPr lang="en-US" altLang="ko-KR" dirty="0"/>
+          </a:p>
+          <a:p>
+            <a:r>
+              <a:rPr lang="ko-KR" altLang="en-US" dirty="0"/>
+              <a:t>눈이 검정색이고</a:t>
+            </a:r>
+            <a:endParaRPr lang="en-US" altLang="ko-KR" dirty="0"/>
+          </a:p>
+          <a:p>
+            <a:r>
+              <a:rPr lang="ko-KR" altLang="en-US" dirty="0" err="1"/>
+              <a:t>민무늬이고</a:t>
+            </a:r>
+            <a:endParaRPr lang="en-US" altLang="ko-KR" dirty="0"/>
+          </a:p>
+          <a:p>
+            <a:r>
+              <a:rPr lang="ko-KR" altLang="en-US" dirty="0"/>
+              <a:t>귀가 </a:t>
+            </a:r>
+            <a:r>
+              <a:rPr lang="ko-KR" altLang="en-US" dirty="0" err="1"/>
+              <a:t>삐죽한가</a:t>
+            </a:r>
+            <a:r>
+              <a:rPr lang="en-US" altLang="ko-KR" dirty="0"/>
+              <a:t>?</a:t>
+            </a:r>
+            <a:endParaRPr lang="ko-KR" altLang="en-US" dirty="0"/>
+          </a:p>
+        </p:txBody>
+      </p:sp>
+      <p:sp>
+        <p:nvSpPr>
+          <p:cNvPr id="2" name="TextBox 1">
+            <a:extLst>
+              <a:ext uri="{FF2B5EF4-FFF2-40B4-BE49-F238E27FC236}">
+                <a16:creationId xmlns:a16="http://schemas.microsoft.com/office/drawing/2014/main" id="{24C0DB24-EED1-456F-BB30-BFF0B145B171}"/>
+              </a:ext>
+            </a:extLst>
+          </p:cNvPr>
+          <p:cNvSpPr txBox="1"/>
+          <p:nvPr/>
+        </p:nvSpPr>
+        <p:spPr>
+          <a:xfrm>
+            <a:off x="4848139" y="751381"/>
+            <a:ext cx="290464" cy="369332"/>
+          </a:xfrm>
+          <a:prstGeom prst="rect">
+            <a:avLst/>
+          </a:prstGeom>
+          <a:noFill/>
+        </p:spPr>
+        <p:txBody>
+          <a:bodyPr wrap="none" rtlCol="0">
+            <a:spAutoFit/>
+          </a:bodyPr>
+          <a:lstStyle/>
+          <a:p>
+            <a:r>
+              <a:rPr lang="en-US" altLang="ko-KR" dirty="0">
+                <a:solidFill>
+                  <a:schemeClr val="bg1"/>
+                </a:solidFill>
+              </a:rPr>
+              <a:t>?</a:t>
+            </a:r>
+            <a:endParaRPr lang="ko-KR" altLang="en-US" dirty="0">
+              <a:solidFill>
+                <a:schemeClr val="bg1"/>
+              </a:solidFill>
+            </a:endParaRPr>
+          </a:p>
+        </p:txBody>
+      </p:sp>
+      <p:sp>
+        <p:nvSpPr>
+          <p:cNvPr id="46" name="TextBox 45">
+            <a:extLst>
+              <a:ext uri="{FF2B5EF4-FFF2-40B4-BE49-F238E27FC236}">
+                <a16:creationId xmlns:a16="http://schemas.microsoft.com/office/drawing/2014/main" id="{FC538F8A-4BD6-4D44-87FC-CAA7FC067C39}"/>
+              </a:ext>
+            </a:extLst>
+          </p:cNvPr>
+          <p:cNvSpPr txBox="1"/>
+          <p:nvPr/>
+        </p:nvSpPr>
+        <p:spPr>
+          <a:xfrm>
+            <a:off x="5065063" y="4476737"/>
+            <a:ext cx="290464" cy="369332"/>
+          </a:xfrm>
+          <a:prstGeom prst="rect">
+            <a:avLst/>
+          </a:prstGeom>
+          <a:noFill/>
+        </p:spPr>
+        <p:txBody>
+          <a:bodyPr wrap="none" rtlCol="0">
+            <a:spAutoFit/>
+          </a:bodyPr>
+          <a:lstStyle/>
+          <a:p>
+            <a:r>
+              <a:rPr lang="en-US" altLang="ko-KR" dirty="0">
+                <a:solidFill>
+                  <a:schemeClr val="bg1"/>
+                </a:solidFill>
+              </a:rPr>
+              <a:t>?</a:t>
+            </a:r>
+            <a:endParaRPr lang="ko-KR" altLang="en-US" dirty="0">
+              <a:solidFill>
+                <a:schemeClr val="bg1"/>
+              </a:solidFill>
+            </a:endParaRPr>
+          </a:p>
+        </p:txBody>
+      </p:sp>
+      <p:sp>
+        <p:nvSpPr>
+          <p:cNvPr id="47" name="TextBox 46">
+            <a:extLst>
+              <a:ext uri="{FF2B5EF4-FFF2-40B4-BE49-F238E27FC236}">
+                <a16:creationId xmlns:a16="http://schemas.microsoft.com/office/drawing/2014/main" id="{A14E8B46-5C37-4F78-B616-191E36A81E86}"/>
+              </a:ext>
+            </a:extLst>
+          </p:cNvPr>
+          <p:cNvSpPr txBox="1"/>
+          <p:nvPr/>
+        </p:nvSpPr>
+        <p:spPr>
+          <a:xfrm>
+            <a:off x="6834722" y="5827737"/>
+            <a:ext cx="3661580" cy="369332"/>
+          </a:xfrm>
+          <a:prstGeom prst="rect">
+            <a:avLst/>
+          </a:prstGeom>
+          <a:noFill/>
+        </p:spPr>
+        <p:txBody>
+          <a:bodyPr wrap="none" rtlCol="0">
+            <a:spAutoFit/>
+          </a:bodyPr>
+          <a:lstStyle/>
+          <a:p>
+            <a:r>
+              <a:rPr lang="ko-KR" altLang="en-US" b="1" dirty="0"/>
+              <a:t>호랑이인지 개인지 판단하는 모델</a:t>
+            </a:r>
+          </a:p>
+        </p:txBody>
+      </p:sp>
+      <p:sp>
+        <p:nvSpPr>
+          <p:cNvPr id="20" name="사각형: 둥근 모서리 19">
+            <a:extLst>
+              <a:ext uri="{FF2B5EF4-FFF2-40B4-BE49-F238E27FC236}">
+                <a16:creationId xmlns:a16="http://schemas.microsoft.com/office/drawing/2014/main" id="{DCB3FA11-349D-407F-92BE-5395845BE40C}"/>
+              </a:ext>
+            </a:extLst>
+          </p:cNvPr>
+          <p:cNvSpPr/>
+          <p:nvPr/>
+        </p:nvSpPr>
+        <p:spPr>
+          <a:xfrm>
+            <a:off x="483184" y="2877635"/>
+            <a:ext cx="1935465" cy="700217"/>
+          </a:xfrm>
+          <a:prstGeom prst="roundRect">
+            <a:avLst/>
+          </a:prstGeom>
+          <a:solidFill>
+            <a:schemeClr val="tx2">
+              <a:lumMod val="20000"/>
+              <a:lumOff val="80000"/>
+            </a:schemeClr>
+          </a:solidFill>
+          <a:ln>
+            <a:solidFill>
+              <a:schemeClr val="bg1"/>
+            </a:solidFill>
+          </a:ln>
+        </p:spPr>
+        <p:style>
+          <a:lnRef idx="2">
+            <a:schemeClr val="accent1">
+              <a:shade val="50000"/>
+            </a:schemeClr>
+          </a:lnRef>
+          <a:fillRef idx="1">
+            <a:schemeClr val="accent1"/>
+          </a:fillRef>
+          <a:effectRef idx="0">
+            <a:schemeClr val="accent1"/>
+          </a:effectRef>
+          <a:fontRef idx="minor">
+            <a:schemeClr val="lt1"/>
+          </a:fontRef>
+        </p:style>
+        <p:txBody>
+          <a:bodyPr rtlCol="0" anchor="ctr"/>
+          <a:lstStyle/>
+          <a:p>
+            <a:pPr algn="ctr"/>
+            <a:r>
+              <a:rPr lang="en-US" altLang="ko-KR" dirty="0"/>
+              <a:t>Convolutional</a:t>
+            </a:r>
+            <a:br>
+              <a:rPr lang="en-US" altLang="ko-KR" dirty="0"/>
+            </a:br>
+            <a:r>
+              <a:rPr lang="en-US" altLang="ko-KR" dirty="0"/>
+              <a:t>neural network</a:t>
+            </a:r>
+          </a:p>
+        </p:txBody>
+      </p:sp>
+      <p:sp>
+        <p:nvSpPr>
+          <p:cNvPr id="21" name="사각형: 둥근 모서리 20">
+            <a:extLst>
+              <a:ext uri="{FF2B5EF4-FFF2-40B4-BE49-F238E27FC236}">
+                <a16:creationId xmlns:a16="http://schemas.microsoft.com/office/drawing/2014/main" id="{46739667-8EE6-479B-A9BC-CA2FC548B99E}"/>
+              </a:ext>
+            </a:extLst>
+          </p:cNvPr>
+          <p:cNvSpPr/>
+          <p:nvPr/>
+        </p:nvSpPr>
+        <p:spPr>
+          <a:xfrm>
+            <a:off x="483183" y="4158638"/>
+            <a:ext cx="1935465" cy="700217"/>
+          </a:xfrm>
+          <a:prstGeom prst="roundRect">
+            <a:avLst/>
+          </a:prstGeom>
+          <a:solidFill>
+            <a:schemeClr val="tx2">
+              <a:lumMod val="20000"/>
+              <a:lumOff val="80000"/>
+            </a:schemeClr>
+          </a:solidFill>
+          <a:ln>
+            <a:solidFill>
+              <a:schemeClr val="bg1"/>
+            </a:solidFill>
+          </a:ln>
+        </p:spPr>
+        <p:style>
+          <a:lnRef idx="2">
+            <a:schemeClr val="accent1">
+              <a:shade val="50000"/>
+            </a:schemeClr>
+          </a:lnRef>
+          <a:fillRef idx="1">
+            <a:schemeClr val="accent1"/>
+          </a:fillRef>
+          <a:effectRef idx="0">
+            <a:schemeClr val="accent1"/>
+          </a:effectRef>
+          <a:fontRef idx="minor">
+            <a:schemeClr val="lt1"/>
+          </a:fontRef>
+        </p:style>
+        <p:txBody>
+          <a:bodyPr rtlCol="0" anchor="ctr"/>
+          <a:lstStyle/>
+          <a:p>
+            <a:pPr algn="ctr"/>
+            <a:r>
+              <a:rPr lang="en-US" altLang="ko-KR" dirty="0"/>
+              <a:t>GAN</a:t>
+            </a:r>
+          </a:p>
+        </p:txBody>
+      </p:sp>
+      <p:sp>
+        <p:nvSpPr>
+          <p:cNvPr id="22" name="사각형: 둥근 모서리 21">
+            <a:extLst>
+              <a:ext uri="{FF2B5EF4-FFF2-40B4-BE49-F238E27FC236}">
+                <a16:creationId xmlns:a16="http://schemas.microsoft.com/office/drawing/2014/main" id="{14A4F426-02B4-44DD-BB27-999CB31326EF}"/>
+              </a:ext>
+            </a:extLst>
+          </p:cNvPr>
+          <p:cNvSpPr/>
+          <p:nvPr/>
+        </p:nvSpPr>
+        <p:spPr>
+          <a:xfrm>
+            <a:off x="483186" y="1406589"/>
+            <a:ext cx="1935462" cy="890260"/>
+          </a:xfrm>
+          <a:prstGeom prst="roundRect">
+            <a:avLst/>
+          </a:prstGeom>
+          <a:solidFill>
+            <a:schemeClr val="tx2">
+              <a:lumMod val="60000"/>
+              <a:lumOff val="40000"/>
+            </a:schemeClr>
+          </a:solidFill>
+          <a:ln>
+            <a:solidFill>
+              <a:schemeClr val="bg1"/>
+            </a:solidFill>
+          </a:ln>
+        </p:spPr>
+        <p:style>
+          <a:lnRef idx="2">
+            <a:schemeClr val="accent1">
+              <a:shade val="50000"/>
+            </a:schemeClr>
+          </a:lnRef>
+          <a:fillRef idx="1">
+            <a:schemeClr val="accent1"/>
+          </a:fillRef>
+          <a:effectRef idx="0">
+            <a:schemeClr val="accent1"/>
+          </a:effectRef>
+          <a:fontRef idx="minor">
+            <a:schemeClr val="lt1"/>
+          </a:fontRef>
+        </p:style>
+        <p:txBody>
+          <a:bodyPr rtlCol="0" anchor="ctr"/>
+          <a:lstStyle/>
+          <a:p>
+            <a:pPr algn="ctr"/>
+            <a:r>
+              <a:rPr lang="en-US" altLang="ko-KR" dirty="0"/>
+              <a:t>Neural Network</a:t>
+            </a:r>
+          </a:p>
+          <a:p>
+            <a:pPr algn="ctr"/>
+            <a:r>
+              <a:rPr lang="en-US" altLang="ko-KR" dirty="0"/>
+              <a:t>fitting</a:t>
+            </a:r>
+          </a:p>
+          <a:p>
+            <a:pPr algn="ctr"/>
+            <a:r>
+              <a:rPr lang="en-US" altLang="ko-KR" dirty="0"/>
+              <a:t>Dropout</a:t>
+            </a:r>
+          </a:p>
+        </p:txBody>
+      </p:sp>
+      <p:sp>
+        <p:nvSpPr>
+          <p:cNvPr id="3" name="TextBox 2">
+            <a:extLst>
+              <a:ext uri="{FF2B5EF4-FFF2-40B4-BE49-F238E27FC236}">
+                <a16:creationId xmlns:a16="http://schemas.microsoft.com/office/drawing/2014/main" id="{2B6540FF-EAB8-477A-8FFA-C9F49F3F05AE}"/>
+              </a:ext>
+            </a:extLst>
+          </p:cNvPr>
+          <p:cNvSpPr txBox="1"/>
+          <p:nvPr/>
+        </p:nvSpPr>
+        <p:spPr>
+          <a:xfrm>
+            <a:off x="8086650" y="6265617"/>
+            <a:ext cx="1302023" cy="369332"/>
+          </a:xfrm>
+          <a:prstGeom prst="rect">
+            <a:avLst/>
+          </a:prstGeom>
+          <a:noFill/>
+        </p:spPr>
+        <p:txBody>
+          <a:bodyPr wrap="none" rtlCol="0">
+            <a:spAutoFit/>
+          </a:bodyPr>
+          <a:lstStyle/>
+          <a:p>
+            <a:r>
+              <a:rPr lang="en-US" altLang="ko-KR" dirty="0"/>
+              <a:t>Overfitting</a:t>
+            </a:r>
+            <a:endParaRPr lang="ko-KR" altLang="en-US" dirty="0"/>
+          </a:p>
+        </p:txBody>
+      </p:sp>
+      <p:cxnSp>
+        <p:nvCxnSpPr>
+          <p:cNvPr id="23" name="직선 화살표 연결선 22">
+            <a:extLst>
+              <a:ext uri="{FF2B5EF4-FFF2-40B4-BE49-F238E27FC236}">
+                <a16:creationId xmlns:a16="http://schemas.microsoft.com/office/drawing/2014/main" id="{6947F2EE-2F32-48C3-B1E5-F742C5E849B0}"/>
+              </a:ext>
+            </a:extLst>
+          </p:cNvPr>
+          <p:cNvCxnSpPr>
+            <a:cxnSpLocks/>
+          </p:cNvCxnSpPr>
+          <p:nvPr/>
+        </p:nvCxnSpPr>
+        <p:spPr>
+          <a:xfrm>
+            <a:off x="7616813" y="851616"/>
+            <a:ext cx="280087" cy="944846"/>
+          </a:xfrm>
+          <a:prstGeom prst="straightConnector1">
+            <a:avLst/>
+          </a:prstGeom>
+          <a:ln w="25400">
+            <a:solidFill>
+              <a:srgbClr val="FF0000"/>
+            </a:solidFill>
+            <a:tailEnd type="triangle"/>
+          </a:ln>
+        </p:spPr>
+        <p:style>
+          <a:lnRef idx="1">
+            <a:schemeClr val="accent1"/>
+          </a:lnRef>
+          <a:fillRef idx="0">
+            <a:schemeClr val="accent1"/>
+          </a:fillRef>
+          <a:effectRef idx="0">
+            <a:schemeClr val="accent1"/>
+          </a:effectRef>
+          <a:fontRef idx="minor">
+            <a:schemeClr val="tx1"/>
+          </a:fontRef>
+        </p:style>
+      </p:cxnSp>
+      <p:sp>
+        <p:nvSpPr>
+          <p:cNvPr id="24" name="TextBox 23">
+            <a:extLst>
+              <a:ext uri="{FF2B5EF4-FFF2-40B4-BE49-F238E27FC236}">
+                <a16:creationId xmlns:a16="http://schemas.microsoft.com/office/drawing/2014/main" id="{F3977525-0F16-4D15-89B3-0223FEC2FFC1}"/>
+              </a:ext>
+            </a:extLst>
+          </p:cNvPr>
+          <p:cNvSpPr txBox="1"/>
+          <p:nvPr/>
+        </p:nvSpPr>
+        <p:spPr>
+          <a:xfrm>
+            <a:off x="6783601" y="440474"/>
+            <a:ext cx="1757212" cy="369332"/>
+          </a:xfrm>
+          <a:prstGeom prst="rect">
+            <a:avLst/>
+          </a:prstGeom>
+          <a:noFill/>
+        </p:spPr>
+        <p:txBody>
+          <a:bodyPr wrap="none" rtlCol="0">
+            <a:spAutoFit/>
+          </a:bodyPr>
+          <a:lstStyle/>
+          <a:p>
+            <a:r>
+              <a:rPr lang="ko-KR" altLang="en-US" dirty="0"/>
+              <a:t>귀가 </a:t>
+            </a:r>
+            <a:r>
+              <a:rPr lang="ko-KR" altLang="en-US" dirty="0" err="1"/>
+              <a:t>삐죽한가</a:t>
+            </a:r>
+            <a:r>
+              <a:rPr lang="en-US" altLang="ko-KR" dirty="0"/>
+              <a:t>?</a:t>
+            </a:r>
+            <a:endParaRPr lang="ko-KR" altLang="en-US" dirty="0"/>
+          </a:p>
+        </p:txBody>
+      </p:sp>
+      <p:cxnSp>
+        <p:nvCxnSpPr>
+          <p:cNvPr id="26" name="직선 화살표 연결선 25">
+            <a:extLst>
+              <a:ext uri="{FF2B5EF4-FFF2-40B4-BE49-F238E27FC236}">
+                <a16:creationId xmlns:a16="http://schemas.microsoft.com/office/drawing/2014/main" id="{67254DCB-7AEF-4E55-B684-050340502D9F}"/>
+              </a:ext>
+            </a:extLst>
+          </p:cNvPr>
+          <p:cNvCxnSpPr>
+            <a:cxnSpLocks/>
+          </p:cNvCxnSpPr>
+          <p:nvPr/>
+        </p:nvCxnSpPr>
+        <p:spPr>
+          <a:xfrm>
+            <a:off x="6603559" y="1038581"/>
+            <a:ext cx="1293341" cy="1210962"/>
+          </a:xfrm>
+          <a:prstGeom prst="straightConnector1">
+            <a:avLst/>
+          </a:prstGeom>
+          <a:ln w="25400">
+            <a:solidFill>
+              <a:srgbClr val="FF0000"/>
+            </a:solidFill>
+            <a:tailEnd type="triangle"/>
+          </a:ln>
+        </p:spPr>
+        <p:style>
+          <a:lnRef idx="1">
+            <a:schemeClr val="accent1"/>
+          </a:lnRef>
+          <a:fillRef idx="0">
+            <a:schemeClr val="accent1"/>
+          </a:fillRef>
+          <a:effectRef idx="0">
+            <a:schemeClr val="accent1"/>
+          </a:effectRef>
+          <a:fontRef idx="minor">
+            <a:schemeClr val="tx1"/>
+          </a:fontRef>
+        </p:style>
+      </p:cxnSp>
+      <p:sp>
+        <p:nvSpPr>
+          <p:cNvPr id="27" name="TextBox 26">
+            <a:extLst>
+              <a:ext uri="{FF2B5EF4-FFF2-40B4-BE49-F238E27FC236}">
+                <a16:creationId xmlns:a16="http://schemas.microsoft.com/office/drawing/2014/main" id="{2629794B-C643-46FA-90E5-E1D42147DA3D}"/>
+              </a:ext>
+            </a:extLst>
+          </p:cNvPr>
+          <p:cNvSpPr txBox="1"/>
+          <p:nvPr/>
+        </p:nvSpPr>
+        <p:spPr>
+          <a:xfrm>
+            <a:off x="5707444" y="755217"/>
+            <a:ext cx="1444626" cy="369332"/>
+          </a:xfrm>
+          <a:prstGeom prst="rect">
+            <a:avLst/>
+          </a:prstGeom>
+          <a:noFill/>
+        </p:spPr>
+        <p:txBody>
+          <a:bodyPr wrap="none" rtlCol="0">
+            <a:spAutoFit/>
+          </a:bodyPr>
+          <a:lstStyle/>
+          <a:p>
+            <a:r>
+              <a:rPr lang="ko-KR" altLang="en-US" dirty="0"/>
+              <a:t>민무늬인가</a:t>
+            </a:r>
+            <a:r>
+              <a:rPr lang="en-US" altLang="ko-KR" dirty="0"/>
+              <a:t>?</a:t>
+            </a:r>
+            <a:endParaRPr lang="ko-KR" altLang="en-US" dirty="0"/>
+          </a:p>
+        </p:txBody>
+      </p:sp>
       <p:pic>
         <p:nvPicPr>
-          <p:cNvPr id="1036" name="Picture 12" descr="G마켓 - 기타강아지패션용품">
-            <a:extLst>
-              <a:ext uri="{FF2B5EF4-FFF2-40B4-BE49-F238E27FC236}">
-                <a16:creationId xmlns:a16="http://schemas.microsoft.com/office/drawing/2014/main" id="{8E6998AB-DB09-45FB-BFD6-D724B503FBAC}"/>
+          <p:cNvPr id="28" name="Picture 2" descr="백두산 호랑이' 멸종을 막아라!">
+            <a:extLst>
+              <a:ext uri="{FF2B5EF4-FFF2-40B4-BE49-F238E27FC236}">
+                <a16:creationId xmlns:a16="http://schemas.microsoft.com/office/drawing/2014/main" id="{CE107EEF-43D5-4FA0-8979-2EF778B2F668}"/>
               </a:ext>
             </a:extLst>
           </p:cNvPr>
@@ -12981,8 +13829,8 @@
         </p:blipFill>
         <p:spPr bwMode="auto">
           <a:xfrm>
-            <a:off x="3237821" y="3345747"/>
-            <a:ext cx="2290828" cy="2290828"/>
+            <a:off x="2751144" y="870379"/>
+            <a:ext cx="2752725" cy="1657350"/>
           </a:xfrm>
           <a:prstGeom prst="rect">
             <a:avLst/>
@@ -13001,10 +13849,10 @@
       </p:pic>
       <p:pic>
         <p:nvPicPr>
-          <p:cNvPr id="88" name="Picture 4" descr="Image for post">
-            <a:extLst>
-              <a:ext uri="{FF2B5EF4-FFF2-40B4-BE49-F238E27FC236}">
-                <a16:creationId xmlns:a16="http://schemas.microsoft.com/office/drawing/2014/main" id="{2E2532E4-F18D-4211-87E3-133BA2BA4801}"/>
+          <p:cNvPr id="29" name="Picture 4" descr="치와와 성격과 특징, 단모치와와 손질법과 기르는법">
+            <a:extLst>
+              <a:ext uri="{FF2B5EF4-FFF2-40B4-BE49-F238E27FC236}">
+                <a16:creationId xmlns:a16="http://schemas.microsoft.com/office/drawing/2014/main" id="{5FBD18C6-B584-45DF-9E4B-A90B3123A9D3}"/>
               </a:ext>
             </a:extLst>
           </p:cNvPr>
@@ -13028,8 +13876,8 @@
         </p:blipFill>
         <p:spPr bwMode="auto">
           <a:xfrm>
-            <a:off x="6434570" y="1539444"/>
-            <a:ext cx="4469323" cy="3779111"/>
+            <a:off x="3223658" y="2861531"/>
+            <a:ext cx="1796196" cy="1557697"/>
           </a:xfrm>
           <a:prstGeom prst="rect">
             <a:avLst/>
@@ -13046,671 +13894,57 @@
           </a:extLst>
         </p:spPr>
       </p:pic>
-      <p:cxnSp>
-        <p:nvCxnSpPr>
-          <p:cNvPr id="89" name="직선 화살표 연결선 88">
-            <a:extLst>
-              <a:ext uri="{FF2B5EF4-FFF2-40B4-BE49-F238E27FC236}">
-                <a16:creationId xmlns:a16="http://schemas.microsoft.com/office/drawing/2014/main" id="{5D248A62-E3A0-4794-87F3-FA999895492F}"/>
-              </a:ext>
-            </a:extLst>
-          </p:cNvPr>
-          <p:cNvCxnSpPr>
-            <a:cxnSpLocks/>
-          </p:cNvCxnSpPr>
-          <p:nvPr/>
-        </p:nvCxnSpPr>
-        <p:spPr>
-          <a:xfrm>
-            <a:off x="7655578" y="1549875"/>
-            <a:ext cx="280087" cy="944846"/>
-          </a:xfrm>
-          <a:prstGeom prst="straightConnector1">
-            <a:avLst/>
-          </a:prstGeom>
-          <a:ln w="25400">
-            <a:solidFill>
-              <a:srgbClr val="FF0000"/>
-            </a:solidFill>
-            <a:tailEnd type="triangle"/>
-          </a:ln>
-        </p:spPr>
-        <p:style>
-          <a:lnRef idx="1">
-            <a:schemeClr val="accent1"/>
-          </a:lnRef>
-          <a:fillRef idx="0">
-            <a:schemeClr val="accent1"/>
-          </a:fillRef>
-          <a:effectRef idx="0">
-            <a:schemeClr val="accent1"/>
-          </a:effectRef>
-          <a:fontRef idx="minor">
-            <a:schemeClr val="tx1"/>
-          </a:fontRef>
-        </p:style>
-      </p:cxnSp>
-      <p:sp>
-        <p:nvSpPr>
-          <p:cNvPr id="90" name="TextBox 89">
-            <a:extLst>
-              <a:ext uri="{FF2B5EF4-FFF2-40B4-BE49-F238E27FC236}">
-                <a16:creationId xmlns:a16="http://schemas.microsoft.com/office/drawing/2014/main" id="{431BC463-CED3-40E3-A3B5-F5B72EE3B1D1}"/>
-              </a:ext>
-            </a:extLst>
-          </p:cNvPr>
-          <p:cNvSpPr txBox="1"/>
-          <p:nvPr/>
-        </p:nvSpPr>
-        <p:spPr>
-          <a:xfrm>
-            <a:off x="6822366" y="1138733"/>
-            <a:ext cx="1757212" cy="369332"/>
+      <p:pic>
+        <p:nvPicPr>
+          <p:cNvPr id="30" name="Picture 10" descr="허스키! 행복하자~ 아프지말고!">
+            <a:extLst>
+              <a:ext uri="{FF2B5EF4-FFF2-40B4-BE49-F238E27FC236}">
+                <a16:creationId xmlns:a16="http://schemas.microsoft.com/office/drawing/2014/main" id="{59F8A2AA-8834-4574-87A0-1E110B453440}"/>
+              </a:ext>
+            </a:extLst>
+          </p:cNvPr>
+          <p:cNvPicPr>
+            <a:picLocks noChangeAspect="1" noChangeArrowheads="1"/>
+          </p:cNvPicPr>
+          <p:nvPr/>
+        </p:nvPicPr>
+        <p:blipFill>
+          <a:blip r:embed="rId5">
+            <a:extLst>
+              <a:ext uri="{28A0092B-C50C-407E-A947-70E740481C1C}">
+                <a14:useLocalDpi xmlns:a14="http://schemas.microsoft.com/office/drawing/2010/main" val="0"/>
+              </a:ext>
+            </a:extLst>
+          </a:blip>
+          <a:srcRect/>
+          <a:stretch>
+            <a:fillRect/>
+          </a:stretch>
+        </p:blipFill>
+        <p:spPr bwMode="auto">
+          <a:xfrm>
+            <a:off x="2803327" y="4615133"/>
+            <a:ext cx="2752725" cy="1835150"/>
           </a:xfrm>
           <a:prstGeom prst="rect">
             <a:avLst/>
           </a:prstGeom>
           <a:noFill/>
-        </p:spPr>
-        <p:txBody>
-          <a:bodyPr wrap="none" rtlCol="0">
-            <a:spAutoFit/>
-          </a:bodyPr>
-          <a:lstStyle/>
-          <a:p>
-            <a:r>
-              <a:rPr lang="ko-KR" altLang="en-US" dirty="0"/>
-              <a:t>귀가 </a:t>
-            </a:r>
-            <a:r>
-              <a:rPr lang="ko-KR" altLang="en-US" dirty="0" err="1"/>
-              <a:t>삐죽한가</a:t>
-            </a:r>
-            <a:r>
-              <a:rPr lang="en-US" altLang="ko-KR" dirty="0"/>
-              <a:t>?</a:t>
-            </a:r>
-            <a:endParaRPr lang="ko-KR" altLang="en-US" dirty="0"/>
-          </a:p>
-        </p:txBody>
-      </p:sp>
-      <p:cxnSp>
-        <p:nvCxnSpPr>
-          <p:cNvPr id="91" name="직선 화살표 연결선 90">
-            <a:extLst>
-              <a:ext uri="{FF2B5EF4-FFF2-40B4-BE49-F238E27FC236}">
-                <a16:creationId xmlns:a16="http://schemas.microsoft.com/office/drawing/2014/main" id="{D3F8B759-0E44-41FB-B08A-3E8D5BBEB29A}"/>
-              </a:ext>
-            </a:extLst>
-          </p:cNvPr>
-          <p:cNvCxnSpPr>
-            <a:cxnSpLocks/>
-          </p:cNvCxnSpPr>
-          <p:nvPr/>
-        </p:nvCxnSpPr>
-        <p:spPr>
-          <a:xfrm>
-            <a:off x="6642324" y="1736840"/>
-            <a:ext cx="1293341" cy="1210962"/>
-          </a:xfrm>
-          <a:prstGeom prst="straightConnector1">
-            <a:avLst/>
-          </a:prstGeom>
-          <a:ln w="25400">
-            <a:solidFill>
-              <a:srgbClr val="FF0000"/>
-            </a:solidFill>
-            <a:tailEnd type="triangle"/>
-          </a:ln>
-        </p:spPr>
-        <p:style>
-          <a:lnRef idx="1">
-            <a:schemeClr val="accent1"/>
-          </a:lnRef>
-          <a:fillRef idx="0">
-            <a:schemeClr val="accent1"/>
-          </a:fillRef>
-          <a:effectRef idx="0">
-            <a:schemeClr val="accent1"/>
-          </a:effectRef>
-          <a:fontRef idx="minor">
-            <a:schemeClr val="tx1"/>
-          </a:fontRef>
-        </p:style>
-      </p:cxnSp>
-      <p:sp>
-        <p:nvSpPr>
-          <p:cNvPr id="92" name="TextBox 91">
-            <a:extLst>
-              <a:ext uri="{FF2B5EF4-FFF2-40B4-BE49-F238E27FC236}">
-                <a16:creationId xmlns:a16="http://schemas.microsoft.com/office/drawing/2014/main" id="{101318E7-0252-4049-88FE-D42E435C1BD0}"/>
-              </a:ext>
-            </a:extLst>
-          </p:cNvPr>
-          <p:cNvSpPr txBox="1"/>
-          <p:nvPr/>
-        </p:nvSpPr>
-        <p:spPr>
-          <a:xfrm>
-            <a:off x="5746209" y="1453476"/>
-            <a:ext cx="1444626" cy="369332"/>
-          </a:xfrm>
-          <a:prstGeom prst="rect">
-            <a:avLst/>
-          </a:prstGeom>
-          <a:noFill/>
-        </p:spPr>
-        <p:txBody>
-          <a:bodyPr wrap="none" rtlCol="0">
-            <a:spAutoFit/>
-          </a:bodyPr>
-          <a:lstStyle/>
-          <a:p>
-            <a:r>
-              <a:rPr lang="ko-KR" altLang="en-US" dirty="0"/>
-              <a:t>민무늬인가</a:t>
-            </a:r>
-            <a:r>
-              <a:rPr lang="en-US" altLang="ko-KR" dirty="0"/>
-              <a:t>?</a:t>
-            </a:r>
-            <a:endParaRPr lang="ko-KR" altLang="en-US" dirty="0"/>
-          </a:p>
-        </p:txBody>
-      </p:sp>
-      <p:cxnSp>
-        <p:nvCxnSpPr>
-          <p:cNvPr id="93" name="직선 화살표 연결선 92">
-            <a:extLst>
-              <a:ext uri="{FF2B5EF4-FFF2-40B4-BE49-F238E27FC236}">
-                <a16:creationId xmlns:a16="http://schemas.microsoft.com/office/drawing/2014/main" id="{6080A15B-F72C-4A8D-9976-DD21CDD4D9A4}"/>
-              </a:ext>
-            </a:extLst>
-          </p:cNvPr>
-          <p:cNvCxnSpPr>
-            <a:cxnSpLocks/>
-          </p:cNvCxnSpPr>
-          <p:nvPr/>
-        </p:nvCxnSpPr>
-        <p:spPr>
-          <a:xfrm flipH="1">
-            <a:off x="9237244" y="1420525"/>
-            <a:ext cx="548961" cy="601773"/>
-          </a:xfrm>
-          <a:prstGeom prst="straightConnector1">
-            <a:avLst/>
-          </a:prstGeom>
-          <a:ln w="25400">
-            <a:solidFill>
-              <a:srgbClr val="FF0000"/>
-            </a:solidFill>
-            <a:tailEnd type="triangle"/>
-          </a:ln>
-        </p:spPr>
-        <p:style>
-          <a:lnRef idx="1">
-            <a:schemeClr val="accent1"/>
-          </a:lnRef>
-          <a:fillRef idx="0">
-            <a:schemeClr val="accent1"/>
-          </a:fillRef>
-          <a:effectRef idx="0">
-            <a:schemeClr val="accent1"/>
-          </a:effectRef>
-          <a:fontRef idx="minor">
-            <a:schemeClr val="tx1"/>
-          </a:fontRef>
-        </p:style>
-      </p:cxnSp>
-      <p:sp>
-        <p:nvSpPr>
-          <p:cNvPr id="94" name="TextBox 93">
-            <a:extLst>
-              <a:ext uri="{FF2B5EF4-FFF2-40B4-BE49-F238E27FC236}">
-                <a16:creationId xmlns:a16="http://schemas.microsoft.com/office/drawing/2014/main" id="{C63B6713-59F4-47C2-9AEF-D22AFF6FD6AF}"/>
-              </a:ext>
-            </a:extLst>
-          </p:cNvPr>
-          <p:cNvSpPr txBox="1"/>
-          <p:nvPr/>
-        </p:nvSpPr>
-        <p:spPr>
-          <a:xfrm>
-            <a:off x="8437714" y="965225"/>
-            <a:ext cx="3305713" cy="369332"/>
-          </a:xfrm>
-          <a:prstGeom prst="rect">
-            <a:avLst/>
-          </a:prstGeom>
-          <a:noFill/>
-        </p:spPr>
-        <p:txBody>
-          <a:bodyPr wrap="none" rtlCol="0">
-            <a:spAutoFit/>
-          </a:bodyPr>
-          <a:lstStyle/>
-          <a:p>
-            <a:r>
-              <a:rPr lang="ko-KR" altLang="en-US" dirty="0"/>
-              <a:t>귀가 삐죽하면서 </a:t>
-            </a:r>
-            <a:r>
-              <a:rPr lang="ko-KR" altLang="en-US" dirty="0" err="1"/>
-              <a:t>민무늬</a:t>
-            </a:r>
-            <a:r>
-              <a:rPr lang="ko-KR" altLang="en-US" dirty="0"/>
-              <a:t> 인가</a:t>
-            </a:r>
-            <a:r>
-              <a:rPr lang="en-US" altLang="ko-KR" dirty="0"/>
-              <a:t>?</a:t>
-            </a:r>
-            <a:endParaRPr lang="ko-KR" altLang="en-US" dirty="0"/>
-          </a:p>
-        </p:txBody>
-      </p:sp>
-      <p:cxnSp>
-        <p:nvCxnSpPr>
-          <p:cNvPr id="95" name="직선 화살표 연결선 94">
-            <a:extLst>
-              <a:ext uri="{FF2B5EF4-FFF2-40B4-BE49-F238E27FC236}">
-                <a16:creationId xmlns:a16="http://schemas.microsoft.com/office/drawing/2014/main" id="{B55B6235-8DBD-4F23-BA6C-3A148E88C12A}"/>
-              </a:ext>
-            </a:extLst>
-          </p:cNvPr>
-          <p:cNvCxnSpPr/>
-          <p:nvPr/>
-        </p:nvCxnSpPr>
-        <p:spPr>
-          <a:xfrm flipH="1">
-            <a:off x="9237244" y="2128824"/>
-            <a:ext cx="548961" cy="365897"/>
-          </a:xfrm>
-          <a:prstGeom prst="straightConnector1">
-            <a:avLst/>
-          </a:prstGeom>
-          <a:ln w="25400">
-            <a:solidFill>
-              <a:srgbClr val="FF0000"/>
-            </a:solidFill>
-            <a:tailEnd type="triangle"/>
-          </a:ln>
-        </p:spPr>
-        <p:style>
-          <a:lnRef idx="1">
-            <a:schemeClr val="accent1"/>
-          </a:lnRef>
-          <a:fillRef idx="0">
-            <a:schemeClr val="accent1"/>
-          </a:fillRef>
-          <a:effectRef idx="0">
-            <a:schemeClr val="accent1"/>
-          </a:effectRef>
-          <a:fontRef idx="minor">
-            <a:schemeClr val="tx1"/>
-          </a:fontRef>
-        </p:style>
-      </p:cxnSp>
-      <p:sp>
-        <p:nvSpPr>
-          <p:cNvPr id="96" name="TextBox 95">
-            <a:extLst>
-              <a:ext uri="{FF2B5EF4-FFF2-40B4-BE49-F238E27FC236}">
-                <a16:creationId xmlns:a16="http://schemas.microsoft.com/office/drawing/2014/main" id="{1E98CD8B-46AB-4DBE-BAE7-721D1B96A7B0}"/>
-              </a:ext>
-            </a:extLst>
-          </p:cNvPr>
-          <p:cNvSpPr txBox="1"/>
-          <p:nvPr/>
-        </p:nvSpPr>
-        <p:spPr>
-          <a:xfrm>
-            <a:off x="9649243" y="1602203"/>
-            <a:ext cx="2656496" cy="646331"/>
-          </a:xfrm>
-          <a:prstGeom prst="rect">
-            <a:avLst/>
-          </a:prstGeom>
-          <a:noFill/>
-        </p:spPr>
-        <p:txBody>
-          <a:bodyPr wrap="none" rtlCol="0">
-            <a:spAutoFit/>
-          </a:bodyPr>
-          <a:lstStyle/>
-          <a:p>
-            <a:r>
-              <a:rPr lang="ko-KR" altLang="en-US" dirty="0"/>
-              <a:t>귀가 삐죽하지 않으면서</a:t>
-            </a:r>
-            <a:endParaRPr lang="en-US" altLang="ko-KR" dirty="0"/>
-          </a:p>
-          <a:p>
-            <a:r>
-              <a:rPr lang="ko-KR" altLang="en-US" dirty="0"/>
-              <a:t>민무늬가 아닌가</a:t>
-            </a:r>
-            <a:r>
-              <a:rPr lang="en-US" altLang="ko-KR" dirty="0"/>
-              <a:t>?</a:t>
-            </a:r>
-            <a:endParaRPr lang="ko-KR" altLang="en-US" dirty="0"/>
-          </a:p>
-        </p:txBody>
-      </p:sp>
-      <p:sp>
-        <p:nvSpPr>
-          <p:cNvPr id="32" name="TextBox 31">
-            <a:extLst>
-              <a:ext uri="{FF2B5EF4-FFF2-40B4-BE49-F238E27FC236}">
-                <a16:creationId xmlns:a16="http://schemas.microsoft.com/office/drawing/2014/main" id="{90E464F5-5A56-419B-857A-DDC2C34C37D7}"/>
-              </a:ext>
-            </a:extLst>
-          </p:cNvPr>
-          <p:cNvSpPr txBox="1"/>
-          <p:nvPr/>
-        </p:nvSpPr>
-        <p:spPr>
-          <a:xfrm>
-            <a:off x="5287317" y="1268810"/>
-            <a:ext cx="290464" cy="369332"/>
-          </a:xfrm>
-          <a:prstGeom prst="rect">
-            <a:avLst/>
-          </a:prstGeom>
-          <a:noFill/>
-        </p:spPr>
-        <p:txBody>
-          <a:bodyPr wrap="none" rtlCol="0">
-            <a:spAutoFit/>
-          </a:bodyPr>
-          <a:lstStyle/>
-          <a:p>
-            <a:r>
-              <a:rPr lang="en-US" altLang="ko-KR" dirty="0"/>
-              <a:t>?</a:t>
-            </a:r>
-            <a:endParaRPr lang="ko-KR" altLang="en-US" dirty="0"/>
-          </a:p>
-        </p:txBody>
-      </p:sp>
-      <p:sp>
-        <p:nvSpPr>
-          <p:cNvPr id="107" name="TextBox 106">
-            <a:extLst>
-              <a:ext uri="{FF2B5EF4-FFF2-40B4-BE49-F238E27FC236}">
-                <a16:creationId xmlns:a16="http://schemas.microsoft.com/office/drawing/2014/main" id="{2714BB94-3A89-4254-A32A-463291EF7DA7}"/>
-              </a:ext>
-            </a:extLst>
-          </p:cNvPr>
-          <p:cNvSpPr txBox="1"/>
-          <p:nvPr/>
-        </p:nvSpPr>
-        <p:spPr>
-          <a:xfrm>
-            <a:off x="5231714" y="3345747"/>
-            <a:ext cx="290464" cy="369332"/>
-          </a:xfrm>
-          <a:prstGeom prst="rect">
-            <a:avLst/>
-          </a:prstGeom>
-          <a:noFill/>
-        </p:spPr>
-        <p:txBody>
-          <a:bodyPr wrap="none" rtlCol="0">
-            <a:spAutoFit/>
-          </a:bodyPr>
-          <a:lstStyle/>
-          <a:p>
-            <a:r>
-              <a:rPr lang="en-US" altLang="ko-KR" dirty="0"/>
-              <a:t>?</a:t>
-            </a:r>
-            <a:endParaRPr lang="ko-KR" altLang="en-US" dirty="0"/>
-          </a:p>
-        </p:txBody>
-      </p:sp>
-      <p:sp>
-        <p:nvSpPr>
-          <p:cNvPr id="109" name="TextBox 108">
-            <a:extLst>
-              <a:ext uri="{FF2B5EF4-FFF2-40B4-BE49-F238E27FC236}">
-                <a16:creationId xmlns:a16="http://schemas.microsoft.com/office/drawing/2014/main" id="{D617C572-FE59-446A-9DB2-0BCC51FD284A}"/>
-              </a:ext>
-            </a:extLst>
-          </p:cNvPr>
-          <p:cNvSpPr txBox="1"/>
-          <p:nvPr/>
-        </p:nvSpPr>
-        <p:spPr>
-          <a:xfrm>
-            <a:off x="6844052" y="5746310"/>
-            <a:ext cx="3661580" cy="369332"/>
-          </a:xfrm>
-          <a:prstGeom prst="rect">
-            <a:avLst/>
-          </a:prstGeom>
-          <a:noFill/>
-        </p:spPr>
-        <p:txBody>
-          <a:bodyPr wrap="none" rtlCol="0">
-            <a:spAutoFit/>
-          </a:bodyPr>
-          <a:lstStyle/>
-          <a:p>
-            <a:r>
-              <a:rPr lang="ko-KR" altLang="en-US" b="1" dirty="0"/>
-              <a:t>호랑이인지 개인지 판단하는 모델</a:t>
-            </a:r>
-          </a:p>
-        </p:txBody>
-      </p:sp>
-      <p:sp>
-        <p:nvSpPr>
-          <p:cNvPr id="20" name="사각형: 둥근 모서리 19">
-            <a:extLst>
-              <a:ext uri="{FF2B5EF4-FFF2-40B4-BE49-F238E27FC236}">
-                <a16:creationId xmlns:a16="http://schemas.microsoft.com/office/drawing/2014/main" id="{339F8E5A-3904-4EE8-805E-77CF31727456}"/>
-              </a:ext>
-            </a:extLst>
-          </p:cNvPr>
-          <p:cNvSpPr/>
-          <p:nvPr/>
-        </p:nvSpPr>
-        <p:spPr>
-          <a:xfrm>
-            <a:off x="483184" y="2877635"/>
-            <a:ext cx="1935465" cy="700217"/>
-          </a:xfrm>
-          <a:prstGeom prst="roundRect">
-            <a:avLst/>
-          </a:prstGeom>
-          <a:solidFill>
-            <a:schemeClr val="tx2">
-              <a:lumMod val="20000"/>
-              <a:lumOff val="80000"/>
-            </a:schemeClr>
-          </a:solidFill>
-          <a:ln>
-            <a:solidFill>
-              <a:schemeClr val="bg1"/>
-            </a:solidFill>
-          </a:ln>
-        </p:spPr>
-        <p:style>
-          <a:lnRef idx="2">
-            <a:schemeClr val="accent1">
-              <a:shade val="50000"/>
-            </a:schemeClr>
-          </a:lnRef>
-          <a:fillRef idx="1">
-            <a:schemeClr val="accent1"/>
-          </a:fillRef>
-          <a:effectRef idx="0">
-            <a:schemeClr val="accent1"/>
-          </a:effectRef>
-          <a:fontRef idx="minor">
-            <a:schemeClr val="lt1"/>
-          </a:fontRef>
-        </p:style>
-        <p:txBody>
-          <a:bodyPr rtlCol="0" anchor="ctr"/>
-          <a:lstStyle/>
-          <a:p>
-            <a:pPr algn="ctr"/>
-            <a:r>
-              <a:rPr lang="en-US" altLang="ko-KR" dirty="0"/>
-              <a:t>Convolutional</a:t>
-            </a:r>
-            <a:br>
-              <a:rPr lang="en-US" altLang="ko-KR" dirty="0"/>
-            </a:br>
-            <a:r>
-              <a:rPr lang="en-US" altLang="ko-KR" dirty="0"/>
-              <a:t>neural network</a:t>
-            </a:r>
-          </a:p>
-        </p:txBody>
-      </p:sp>
-      <p:sp>
-        <p:nvSpPr>
-          <p:cNvPr id="21" name="사각형: 둥근 모서리 20">
-            <a:extLst>
-              <a:ext uri="{FF2B5EF4-FFF2-40B4-BE49-F238E27FC236}">
-                <a16:creationId xmlns:a16="http://schemas.microsoft.com/office/drawing/2014/main" id="{E918B7F5-57C4-4CC8-BCA3-8ADE52878E4C}"/>
-              </a:ext>
-            </a:extLst>
-          </p:cNvPr>
-          <p:cNvSpPr/>
-          <p:nvPr/>
-        </p:nvSpPr>
-        <p:spPr>
-          <a:xfrm>
-            <a:off x="483183" y="4158638"/>
-            <a:ext cx="1935465" cy="700217"/>
-          </a:xfrm>
-          <a:prstGeom prst="roundRect">
-            <a:avLst/>
-          </a:prstGeom>
-          <a:solidFill>
-            <a:schemeClr val="tx2">
-              <a:lumMod val="20000"/>
-              <a:lumOff val="80000"/>
-            </a:schemeClr>
-          </a:solidFill>
-          <a:ln>
-            <a:solidFill>
-              <a:schemeClr val="bg1"/>
-            </a:solidFill>
-          </a:ln>
-        </p:spPr>
-        <p:style>
-          <a:lnRef idx="2">
-            <a:schemeClr val="accent1">
-              <a:shade val="50000"/>
-            </a:schemeClr>
-          </a:lnRef>
-          <a:fillRef idx="1">
-            <a:schemeClr val="accent1"/>
-          </a:fillRef>
-          <a:effectRef idx="0">
-            <a:schemeClr val="accent1"/>
-          </a:effectRef>
-          <a:fontRef idx="minor">
-            <a:schemeClr val="lt1"/>
-          </a:fontRef>
-        </p:style>
-        <p:txBody>
-          <a:bodyPr rtlCol="0" anchor="ctr"/>
-          <a:lstStyle/>
-          <a:p>
-            <a:pPr algn="ctr"/>
-            <a:r>
-              <a:rPr lang="en-US" altLang="ko-KR" dirty="0"/>
-              <a:t>GAN</a:t>
-            </a:r>
-          </a:p>
-        </p:txBody>
-      </p:sp>
-      <p:sp>
-        <p:nvSpPr>
-          <p:cNvPr id="22" name="사각형: 둥근 모서리 21">
-            <a:extLst>
-              <a:ext uri="{FF2B5EF4-FFF2-40B4-BE49-F238E27FC236}">
-                <a16:creationId xmlns:a16="http://schemas.microsoft.com/office/drawing/2014/main" id="{A4203F12-805A-48D4-9A1E-D02EC129EC9E}"/>
-              </a:ext>
-            </a:extLst>
-          </p:cNvPr>
-          <p:cNvSpPr/>
-          <p:nvPr/>
-        </p:nvSpPr>
-        <p:spPr>
-          <a:xfrm>
-            <a:off x="483186" y="1406589"/>
-            <a:ext cx="1935462" cy="890260"/>
-          </a:xfrm>
-          <a:prstGeom prst="roundRect">
-            <a:avLst/>
-          </a:prstGeom>
-          <a:solidFill>
-            <a:schemeClr val="tx2">
-              <a:lumMod val="60000"/>
-              <a:lumOff val="40000"/>
-            </a:schemeClr>
-          </a:solidFill>
-          <a:ln>
-            <a:solidFill>
-              <a:schemeClr val="bg1"/>
-            </a:solidFill>
-          </a:ln>
-        </p:spPr>
-        <p:style>
-          <a:lnRef idx="2">
-            <a:schemeClr val="accent1">
-              <a:shade val="50000"/>
-            </a:schemeClr>
-          </a:lnRef>
-          <a:fillRef idx="1">
-            <a:schemeClr val="accent1"/>
-          </a:fillRef>
-          <a:effectRef idx="0">
-            <a:schemeClr val="accent1"/>
-          </a:effectRef>
-          <a:fontRef idx="minor">
-            <a:schemeClr val="lt1"/>
-          </a:fontRef>
-        </p:style>
-        <p:txBody>
-          <a:bodyPr rtlCol="0" anchor="ctr"/>
-          <a:lstStyle/>
-          <a:p>
-            <a:pPr algn="ctr"/>
-            <a:r>
-              <a:rPr lang="en-US" altLang="ko-KR" dirty="0"/>
-              <a:t>Neural Network</a:t>
-            </a:r>
-          </a:p>
-          <a:p>
-            <a:pPr algn="ctr"/>
-            <a:r>
-              <a:rPr lang="en-US" altLang="ko-KR" dirty="0"/>
-              <a:t>Overfitting</a:t>
-            </a:r>
-          </a:p>
-          <a:p>
-            <a:pPr algn="ctr"/>
-            <a:r>
-              <a:rPr lang="en-US" altLang="ko-KR" dirty="0"/>
-              <a:t>Dropout</a:t>
-            </a:r>
-          </a:p>
-        </p:txBody>
-      </p:sp>
+          <a:extLst>
+            <a:ext uri="{909E8E84-426E-40DD-AFC4-6F175D3DCCD1}">
+              <a14:hiddenFill xmlns:a14="http://schemas.microsoft.com/office/drawing/2010/main">
+                <a:solidFill>
+                  <a:srgbClr val="FFFFFF"/>
+                </a:solidFill>
+              </a14:hiddenFill>
+            </a:ext>
+          </a:extLst>
+        </p:spPr>
+      </p:pic>
     </p:spTree>
     <p:extLst>
       <p:ext uri="{BB962C8B-B14F-4D97-AF65-F5344CB8AC3E}">
-        <p14:creationId xmlns:p14="http://schemas.microsoft.com/office/powerpoint/2010/main" val="544541476"/>
+        <p14:creationId xmlns:p14="http://schemas.microsoft.com/office/powerpoint/2010/main" val="3061639492"/>
       </p:ext>
     </p:extLst>
   </p:cSld>
@@ -13739,10 +13973,10 @@
       </p:grpSpPr>
       <p:pic>
         <p:nvPicPr>
-          <p:cNvPr id="25" name="Picture 4" descr="Image for post">
-            <a:extLst>
-              <a:ext uri="{FF2B5EF4-FFF2-40B4-BE49-F238E27FC236}">
-                <a16:creationId xmlns:a16="http://schemas.microsoft.com/office/drawing/2014/main" id="{87139BFC-E9F0-4315-B160-311400CB24D9}"/>
+          <p:cNvPr id="1032" name="Picture 8" descr="강아지종류]101마리 달마시안의 점박이 강아지 달마시안! : 네이버 블로그">
+            <a:extLst>
+              <a:ext uri="{FF2B5EF4-FFF2-40B4-BE49-F238E27FC236}">
+                <a16:creationId xmlns:a16="http://schemas.microsoft.com/office/drawing/2014/main" id="{3DCD93CF-DC66-46A3-A45A-6DAF7A81DF08}"/>
               </a:ext>
             </a:extLst>
           </p:cNvPr>
@@ -13766,8 +14000,8 @@
         </p:blipFill>
         <p:spPr bwMode="auto">
           <a:xfrm>
-            <a:off x="6430850" y="703087"/>
-            <a:ext cx="4469323" cy="3779111"/>
+            <a:off x="3005355" y="1237199"/>
+            <a:ext cx="2619375" cy="1743075"/>
           </a:xfrm>
           <a:prstGeom prst="rect">
             <a:avLst/>
@@ -13784,362 +14018,12 @@
           </a:extLst>
         </p:spPr>
       </p:pic>
-      <p:cxnSp>
-        <p:nvCxnSpPr>
-          <p:cNvPr id="34" name="직선 화살표 연결선 33">
-            <a:extLst>
-              <a:ext uri="{FF2B5EF4-FFF2-40B4-BE49-F238E27FC236}">
-                <a16:creationId xmlns:a16="http://schemas.microsoft.com/office/drawing/2014/main" id="{6CEAAB6A-DD31-42BC-B1E8-27DAEAAF47FF}"/>
-              </a:ext>
-            </a:extLst>
-          </p:cNvPr>
-          <p:cNvCxnSpPr>
-            <a:cxnSpLocks/>
-          </p:cNvCxnSpPr>
-          <p:nvPr/>
-        </p:nvCxnSpPr>
-        <p:spPr>
-          <a:xfrm flipV="1">
-            <a:off x="6638604" y="3198840"/>
-            <a:ext cx="1293341" cy="1115855"/>
-          </a:xfrm>
-          <a:prstGeom prst="straightConnector1">
-            <a:avLst/>
-          </a:prstGeom>
-          <a:ln w="25400">
-            <a:solidFill>
-              <a:srgbClr val="FF0000"/>
-            </a:solidFill>
-            <a:tailEnd type="triangle"/>
-          </a:ln>
-        </p:spPr>
-        <p:style>
-          <a:lnRef idx="1">
-            <a:schemeClr val="accent1"/>
-          </a:lnRef>
-          <a:fillRef idx="0">
-            <a:schemeClr val="accent1"/>
-          </a:fillRef>
-          <a:effectRef idx="0">
-            <a:schemeClr val="accent1"/>
-          </a:effectRef>
-          <a:fontRef idx="minor">
-            <a:schemeClr val="tx1"/>
-          </a:fontRef>
-        </p:style>
-      </p:cxnSp>
-      <p:sp>
-        <p:nvSpPr>
-          <p:cNvPr id="35" name="TextBox 34">
-            <a:extLst>
-              <a:ext uri="{FF2B5EF4-FFF2-40B4-BE49-F238E27FC236}">
-                <a16:creationId xmlns:a16="http://schemas.microsoft.com/office/drawing/2014/main" id="{AA5A9FE4-C696-418E-8707-754D48D04227}"/>
-              </a:ext>
-            </a:extLst>
-          </p:cNvPr>
-          <p:cNvSpPr txBox="1"/>
-          <p:nvPr/>
-        </p:nvSpPr>
-        <p:spPr>
-          <a:xfrm>
-            <a:off x="5470779" y="4268528"/>
-            <a:ext cx="1988045" cy="369332"/>
-          </a:xfrm>
-          <a:prstGeom prst="rect">
-            <a:avLst/>
-          </a:prstGeom>
-          <a:noFill/>
-        </p:spPr>
-        <p:txBody>
-          <a:bodyPr wrap="none" rtlCol="0">
-            <a:spAutoFit/>
-          </a:bodyPr>
-          <a:lstStyle/>
-          <a:p>
-            <a:r>
-              <a:rPr lang="ko-KR" altLang="en-US" dirty="0"/>
-              <a:t>코가 검정색인가</a:t>
-            </a:r>
-            <a:r>
-              <a:rPr lang="en-US" altLang="ko-KR" dirty="0"/>
-              <a:t>?</a:t>
-            </a:r>
-            <a:endParaRPr lang="ko-KR" altLang="en-US" dirty="0"/>
-          </a:p>
-        </p:txBody>
-      </p:sp>
-      <p:cxnSp>
-        <p:nvCxnSpPr>
-          <p:cNvPr id="36" name="직선 화살표 연결선 35">
-            <a:extLst>
-              <a:ext uri="{FF2B5EF4-FFF2-40B4-BE49-F238E27FC236}">
-                <a16:creationId xmlns:a16="http://schemas.microsoft.com/office/drawing/2014/main" id="{7AF85500-BDB4-44BE-8F9B-7A31710DD762}"/>
-              </a:ext>
-            </a:extLst>
-          </p:cNvPr>
-          <p:cNvCxnSpPr>
-            <a:cxnSpLocks/>
-          </p:cNvCxnSpPr>
-          <p:nvPr/>
-        </p:nvCxnSpPr>
-        <p:spPr>
-          <a:xfrm flipV="1">
-            <a:off x="6786947" y="3706588"/>
-            <a:ext cx="1144998" cy="1520503"/>
-          </a:xfrm>
-          <a:prstGeom prst="straightConnector1">
-            <a:avLst/>
-          </a:prstGeom>
-          <a:ln w="25400">
-            <a:solidFill>
-              <a:srgbClr val="FF0000"/>
-            </a:solidFill>
-            <a:tailEnd type="triangle"/>
-          </a:ln>
-        </p:spPr>
-        <p:style>
-          <a:lnRef idx="1">
-            <a:schemeClr val="accent1"/>
-          </a:lnRef>
-          <a:fillRef idx="0">
-            <a:schemeClr val="accent1"/>
-          </a:fillRef>
-          <a:effectRef idx="0">
-            <a:schemeClr val="accent1"/>
-          </a:effectRef>
-          <a:fontRef idx="minor">
-            <a:schemeClr val="tx1"/>
-          </a:fontRef>
-        </p:style>
-      </p:cxnSp>
-      <p:sp>
-        <p:nvSpPr>
-          <p:cNvPr id="37" name="TextBox 36">
-            <a:extLst>
-              <a:ext uri="{FF2B5EF4-FFF2-40B4-BE49-F238E27FC236}">
-                <a16:creationId xmlns:a16="http://schemas.microsoft.com/office/drawing/2014/main" id="{5D513790-1153-49FE-BFD8-EA8274F2E43A}"/>
-              </a:ext>
-            </a:extLst>
-          </p:cNvPr>
-          <p:cNvSpPr txBox="1"/>
-          <p:nvPr/>
-        </p:nvSpPr>
-        <p:spPr>
-          <a:xfrm>
-            <a:off x="5633776" y="5200261"/>
-            <a:ext cx="1950246" cy="369332"/>
-          </a:xfrm>
-          <a:prstGeom prst="rect">
-            <a:avLst/>
-          </a:prstGeom>
-          <a:noFill/>
-        </p:spPr>
-        <p:txBody>
-          <a:bodyPr wrap="square" rtlCol="0">
-            <a:spAutoFit/>
-          </a:bodyPr>
-          <a:lstStyle/>
-          <a:p>
-            <a:r>
-              <a:rPr lang="ko-KR" altLang="en-US" dirty="0"/>
-              <a:t>눈이 검정색인가</a:t>
-            </a:r>
-            <a:r>
-              <a:rPr lang="en-US" altLang="ko-KR" dirty="0"/>
-              <a:t>?</a:t>
-            </a:r>
-            <a:endParaRPr lang="ko-KR" altLang="en-US" dirty="0"/>
-          </a:p>
-        </p:txBody>
-      </p:sp>
-      <p:cxnSp>
-        <p:nvCxnSpPr>
-          <p:cNvPr id="38" name="직선 화살표 연결선 37">
-            <a:extLst>
-              <a:ext uri="{FF2B5EF4-FFF2-40B4-BE49-F238E27FC236}">
-                <a16:creationId xmlns:a16="http://schemas.microsoft.com/office/drawing/2014/main" id="{745E5506-AE16-42F6-9C47-4B2AE0DBCF84}"/>
-              </a:ext>
-            </a:extLst>
-          </p:cNvPr>
-          <p:cNvCxnSpPr>
-            <a:cxnSpLocks/>
-          </p:cNvCxnSpPr>
-          <p:nvPr/>
-        </p:nvCxnSpPr>
-        <p:spPr>
-          <a:xfrm flipH="1" flipV="1">
-            <a:off x="9224354" y="4184057"/>
-            <a:ext cx="301011" cy="540934"/>
-          </a:xfrm>
-          <a:prstGeom prst="straightConnector1">
-            <a:avLst/>
-          </a:prstGeom>
-          <a:ln w="25400">
-            <a:solidFill>
-              <a:srgbClr val="FF0000"/>
-            </a:solidFill>
-            <a:tailEnd type="triangle"/>
-          </a:ln>
-        </p:spPr>
-        <p:style>
-          <a:lnRef idx="1">
-            <a:schemeClr val="accent1"/>
-          </a:lnRef>
-          <a:fillRef idx="0">
-            <a:schemeClr val="accent1"/>
-          </a:fillRef>
-          <a:effectRef idx="0">
-            <a:schemeClr val="accent1"/>
-          </a:effectRef>
-          <a:fontRef idx="minor">
-            <a:schemeClr val="tx1"/>
-          </a:fontRef>
-        </p:style>
-      </p:cxnSp>
-      <p:sp>
-        <p:nvSpPr>
-          <p:cNvPr id="39" name="TextBox 38">
-            <a:extLst>
-              <a:ext uri="{FF2B5EF4-FFF2-40B4-BE49-F238E27FC236}">
-                <a16:creationId xmlns:a16="http://schemas.microsoft.com/office/drawing/2014/main" id="{F619CE5A-F750-464E-8D5A-187F4C81B019}"/>
-              </a:ext>
-            </a:extLst>
-          </p:cNvPr>
-          <p:cNvSpPr txBox="1"/>
-          <p:nvPr/>
-        </p:nvSpPr>
-        <p:spPr>
-          <a:xfrm>
-            <a:off x="9442924" y="4749844"/>
-            <a:ext cx="2045753" cy="646331"/>
-          </a:xfrm>
-          <a:prstGeom prst="rect">
-            <a:avLst/>
-          </a:prstGeom>
-          <a:noFill/>
-        </p:spPr>
-        <p:txBody>
-          <a:bodyPr wrap="none" rtlCol="0">
-            <a:spAutoFit/>
-          </a:bodyPr>
-          <a:lstStyle/>
-          <a:p>
-            <a:r>
-              <a:rPr lang="ko-KR" altLang="en-US" dirty="0"/>
-              <a:t>코가 검정색이고 </a:t>
-            </a:r>
-            <a:endParaRPr lang="en-US" altLang="ko-KR" dirty="0"/>
-          </a:p>
-          <a:p>
-            <a:r>
-              <a:rPr lang="ko-KR" altLang="en-US" dirty="0"/>
-              <a:t>눈이 검정색인가</a:t>
-            </a:r>
-            <a:r>
-              <a:rPr lang="en-US" altLang="ko-KR" dirty="0"/>
-              <a:t>?</a:t>
-            </a:r>
-            <a:endParaRPr lang="ko-KR" altLang="en-US" dirty="0"/>
-          </a:p>
-        </p:txBody>
-      </p:sp>
-      <p:cxnSp>
-        <p:nvCxnSpPr>
-          <p:cNvPr id="44" name="직선 화살표 연결선 43">
-            <a:extLst>
-              <a:ext uri="{FF2B5EF4-FFF2-40B4-BE49-F238E27FC236}">
-                <a16:creationId xmlns:a16="http://schemas.microsoft.com/office/drawing/2014/main" id="{264CB987-0535-4752-8CEA-0ECAE91B8E57}"/>
-              </a:ext>
-            </a:extLst>
-          </p:cNvPr>
-          <p:cNvCxnSpPr>
-            <a:cxnSpLocks/>
-          </p:cNvCxnSpPr>
-          <p:nvPr/>
-        </p:nvCxnSpPr>
-        <p:spPr>
-          <a:xfrm flipH="1" flipV="1">
-            <a:off x="9265553" y="3657775"/>
-            <a:ext cx="379970" cy="501429"/>
-          </a:xfrm>
-          <a:prstGeom prst="straightConnector1">
-            <a:avLst/>
-          </a:prstGeom>
-          <a:ln w="25400">
-            <a:solidFill>
-              <a:srgbClr val="FF0000"/>
-            </a:solidFill>
-            <a:tailEnd type="triangle"/>
-          </a:ln>
-        </p:spPr>
-        <p:style>
-          <a:lnRef idx="1">
-            <a:schemeClr val="accent1"/>
-          </a:lnRef>
-          <a:fillRef idx="0">
-            <a:schemeClr val="accent1"/>
-          </a:fillRef>
-          <a:effectRef idx="0">
-            <a:schemeClr val="accent1"/>
-          </a:effectRef>
-          <a:fontRef idx="minor">
-            <a:schemeClr val="tx1"/>
-          </a:fontRef>
-        </p:style>
-      </p:cxnSp>
-      <p:sp>
-        <p:nvSpPr>
-          <p:cNvPr id="45" name="TextBox 44">
-            <a:extLst>
-              <a:ext uri="{FF2B5EF4-FFF2-40B4-BE49-F238E27FC236}">
-                <a16:creationId xmlns:a16="http://schemas.microsoft.com/office/drawing/2014/main" id="{4379DECF-E4DC-4C24-9A08-062C29E167A1}"/>
-              </a:ext>
-            </a:extLst>
-          </p:cNvPr>
-          <p:cNvSpPr txBox="1"/>
-          <p:nvPr/>
-        </p:nvSpPr>
-        <p:spPr>
-          <a:xfrm>
-            <a:off x="9552043" y="3991529"/>
-            <a:ext cx="2531462" cy="646331"/>
-          </a:xfrm>
-          <a:prstGeom prst="rect">
-            <a:avLst/>
-          </a:prstGeom>
-          <a:noFill/>
-        </p:spPr>
-        <p:txBody>
-          <a:bodyPr wrap="none" rtlCol="0">
-            <a:spAutoFit/>
-          </a:bodyPr>
-          <a:lstStyle/>
-          <a:p>
-            <a:r>
-              <a:rPr lang="ko-KR" altLang="en-US" dirty="0"/>
-              <a:t>코가 검정색이 아니고 </a:t>
-            </a:r>
-            <a:endParaRPr lang="en-US" altLang="ko-KR" dirty="0"/>
-          </a:p>
-          <a:p>
-            <a:r>
-              <a:rPr lang="ko-KR" altLang="en-US" dirty="0"/>
-              <a:t>눈이 검정색이 아닌가</a:t>
-            </a:r>
-            <a:r>
-              <a:rPr lang="en-US" altLang="ko-KR" dirty="0"/>
-              <a:t>?</a:t>
-            </a:r>
-            <a:endParaRPr lang="ko-KR" altLang="en-US" dirty="0"/>
-          </a:p>
-        </p:txBody>
-      </p:sp>
       <p:pic>
         <p:nvPicPr>
-          <p:cNvPr id="9218" name="Picture 2" descr="초고화질백호사진입니다. (폰배경으로쓰세요) | 짤방-이전자료5 | 일베저장소">
-            <a:extLst>
-              <a:ext uri="{FF2B5EF4-FFF2-40B4-BE49-F238E27FC236}">
-                <a16:creationId xmlns:a16="http://schemas.microsoft.com/office/drawing/2014/main" id="{7D71E144-8C25-4715-AF66-F32A14935C52}"/>
+          <p:cNvPr id="1036" name="Picture 12" descr="G마켓 - 기타강아지패션용품">
+            <a:extLst>
+              <a:ext uri="{FF2B5EF4-FFF2-40B4-BE49-F238E27FC236}">
+                <a16:creationId xmlns:a16="http://schemas.microsoft.com/office/drawing/2014/main" id="{8E6998AB-DB09-45FB-BFD6-D724B503FBAC}"/>
               </a:ext>
             </a:extLst>
           </p:cNvPr>
@@ -14163,8 +14047,8 @@
         </p:blipFill>
         <p:spPr bwMode="auto">
           <a:xfrm>
-            <a:off x="3209294" y="588791"/>
-            <a:ext cx="1938478" cy="3349690"/>
+            <a:off x="3237821" y="3345747"/>
+            <a:ext cx="2290828" cy="2290828"/>
           </a:xfrm>
           <a:prstGeom prst="rect">
             <a:avLst/>
@@ -14181,12 +14065,285 @@
           </a:extLst>
         </p:spPr>
       </p:pic>
+      <p:sp>
+        <p:nvSpPr>
+          <p:cNvPr id="32" name="TextBox 31">
+            <a:extLst>
+              <a:ext uri="{FF2B5EF4-FFF2-40B4-BE49-F238E27FC236}">
+                <a16:creationId xmlns:a16="http://schemas.microsoft.com/office/drawing/2014/main" id="{90E464F5-5A56-419B-857A-DDC2C34C37D7}"/>
+              </a:ext>
+            </a:extLst>
+          </p:cNvPr>
+          <p:cNvSpPr txBox="1"/>
+          <p:nvPr/>
+        </p:nvSpPr>
+        <p:spPr>
+          <a:xfrm>
+            <a:off x="5287317" y="1268810"/>
+            <a:ext cx="290464" cy="369332"/>
+          </a:xfrm>
+          <a:prstGeom prst="rect">
+            <a:avLst/>
+          </a:prstGeom>
+          <a:noFill/>
+        </p:spPr>
+        <p:txBody>
+          <a:bodyPr wrap="none" rtlCol="0">
+            <a:spAutoFit/>
+          </a:bodyPr>
+          <a:lstStyle/>
+          <a:p>
+            <a:r>
+              <a:rPr lang="en-US" altLang="ko-KR" dirty="0"/>
+              <a:t>?</a:t>
+            </a:r>
+            <a:endParaRPr lang="ko-KR" altLang="en-US" dirty="0"/>
+          </a:p>
+        </p:txBody>
+      </p:sp>
+      <p:sp>
+        <p:nvSpPr>
+          <p:cNvPr id="107" name="TextBox 106">
+            <a:extLst>
+              <a:ext uri="{FF2B5EF4-FFF2-40B4-BE49-F238E27FC236}">
+                <a16:creationId xmlns:a16="http://schemas.microsoft.com/office/drawing/2014/main" id="{2714BB94-3A89-4254-A32A-463291EF7DA7}"/>
+              </a:ext>
+            </a:extLst>
+          </p:cNvPr>
+          <p:cNvSpPr txBox="1"/>
+          <p:nvPr/>
+        </p:nvSpPr>
+        <p:spPr>
+          <a:xfrm>
+            <a:off x="5231714" y="3345747"/>
+            <a:ext cx="290464" cy="369332"/>
+          </a:xfrm>
+          <a:prstGeom prst="rect">
+            <a:avLst/>
+          </a:prstGeom>
+          <a:noFill/>
+        </p:spPr>
+        <p:txBody>
+          <a:bodyPr wrap="none" rtlCol="0">
+            <a:spAutoFit/>
+          </a:bodyPr>
+          <a:lstStyle/>
+          <a:p>
+            <a:r>
+              <a:rPr lang="en-US" altLang="ko-KR" dirty="0"/>
+              <a:t>?</a:t>
+            </a:r>
+            <a:endParaRPr lang="ko-KR" altLang="en-US" dirty="0"/>
+          </a:p>
+        </p:txBody>
+      </p:sp>
+      <p:sp>
+        <p:nvSpPr>
+          <p:cNvPr id="20" name="사각형: 둥근 모서리 19">
+            <a:extLst>
+              <a:ext uri="{FF2B5EF4-FFF2-40B4-BE49-F238E27FC236}">
+                <a16:creationId xmlns:a16="http://schemas.microsoft.com/office/drawing/2014/main" id="{339F8E5A-3904-4EE8-805E-77CF31727456}"/>
+              </a:ext>
+            </a:extLst>
+          </p:cNvPr>
+          <p:cNvSpPr/>
+          <p:nvPr/>
+        </p:nvSpPr>
+        <p:spPr>
+          <a:xfrm>
+            <a:off x="483184" y="2877635"/>
+            <a:ext cx="1935465" cy="700217"/>
+          </a:xfrm>
+          <a:prstGeom prst="roundRect">
+            <a:avLst/>
+          </a:prstGeom>
+          <a:solidFill>
+            <a:schemeClr val="tx2">
+              <a:lumMod val="20000"/>
+              <a:lumOff val="80000"/>
+            </a:schemeClr>
+          </a:solidFill>
+          <a:ln>
+            <a:solidFill>
+              <a:schemeClr val="bg1"/>
+            </a:solidFill>
+          </a:ln>
+        </p:spPr>
+        <p:style>
+          <a:lnRef idx="2">
+            <a:schemeClr val="accent1">
+              <a:shade val="50000"/>
+            </a:schemeClr>
+          </a:lnRef>
+          <a:fillRef idx="1">
+            <a:schemeClr val="accent1"/>
+          </a:fillRef>
+          <a:effectRef idx="0">
+            <a:schemeClr val="accent1"/>
+          </a:effectRef>
+          <a:fontRef idx="minor">
+            <a:schemeClr val="lt1"/>
+          </a:fontRef>
+        </p:style>
+        <p:txBody>
+          <a:bodyPr rtlCol="0" anchor="ctr"/>
+          <a:lstStyle/>
+          <a:p>
+            <a:pPr algn="ctr"/>
+            <a:r>
+              <a:rPr lang="en-US" altLang="ko-KR" dirty="0"/>
+              <a:t>Convolutional</a:t>
+            </a:r>
+            <a:br>
+              <a:rPr lang="en-US" altLang="ko-KR" dirty="0"/>
+            </a:br>
+            <a:r>
+              <a:rPr lang="en-US" altLang="ko-KR" dirty="0"/>
+              <a:t>neural network</a:t>
+            </a:r>
+          </a:p>
+        </p:txBody>
+      </p:sp>
+      <p:sp>
+        <p:nvSpPr>
+          <p:cNvPr id="21" name="사각형: 둥근 모서리 20">
+            <a:extLst>
+              <a:ext uri="{FF2B5EF4-FFF2-40B4-BE49-F238E27FC236}">
+                <a16:creationId xmlns:a16="http://schemas.microsoft.com/office/drawing/2014/main" id="{E918B7F5-57C4-4CC8-BCA3-8ADE52878E4C}"/>
+              </a:ext>
+            </a:extLst>
+          </p:cNvPr>
+          <p:cNvSpPr/>
+          <p:nvPr/>
+        </p:nvSpPr>
+        <p:spPr>
+          <a:xfrm>
+            <a:off x="483183" y="4158638"/>
+            <a:ext cx="1935465" cy="700217"/>
+          </a:xfrm>
+          <a:prstGeom prst="roundRect">
+            <a:avLst/>
+          </a:prstGeom>
+          <a:solidFill>
+            <a:schemeClr val="tx2">
+              <a:lumMod val="20000"/>
+              <a:lumOff val="80000"/>
+            </a:schemeClr>
+          </a:solidFill>
+          <a:ln>
+            <a:solidFill>
+              <a:schemeClr val="bg1"/>
+            </a:solidFill>
+          </a:ln>
+        </p:spPr>
+        <p:style>
+          <a:lnRef idx="2">
+            <a:schemeClr val="accent1">
+              <a:shade val="50000"/>
+            </a:schemeClr>
+          </a:lnRef>
+          <a:fillRef idx="1">
+            <a:schemeClr val="accent1"/>
+          </a:fillRef>
+          <a:effectRef idx="0">
+            <a:schemeClr val="accent1"/>
+          </a:effectRef>
+          <a:fontRef idx="minor">
+            <a:schemeClr val="lt1"/>
+          </a:fontRef>
+        </p:style>
+        <p:txBody>
+          <a:bodyPr rtlCol="0" anchor="ctr"/>
+          <a:lstStyle/>
+          <a:p>
+            <a:pPr algn="ctr"/>
+            <a:r>
+              <a:rPr lang="en-US" altLang="ko-KR" dirty="0"/>
+              <a:t>GAN</a:t>
+            </a:r>
+          </a:p>
+        </p:txBody>
+      </p:sp>
+      <p:sp>
+        <p:nvSpPr>
+          <p:cNvPr id="22" name="사각형: 둥근 모서리 21">
+            <a:extLst>
+              <a:ext uri="{FF2B5EF4-FFF2-40B4-BE49-F238E27FC236}">
+                <a16:creationId xmlns:a16="http://schemas.microsoft.com/office/drawing/2014/main" id="{A4203F12-805A-48D4-9A1E-D02EC129EC9E}"/>
+              </a:ext>
+            </a:extLst>
+          </p:cNvPr>
+          <p:cNvSpPr/>
+          <p:nvPr/>
+        </p:nvSpPr>
+        <p:spPr>
+          <a:xfrm>
+            <a:off x="483186" y="1406589"/>
+            <a:ext cx="1935462" cy="890260"/>
+          </a:xfrm>
+          <a:prstGeom prst="roundRect">
+            <a:avLst/>
+          </a:prstGeom>
+          <a:solidFill>
+            <a:schemeClr val="tx2">
+              <a:lumMod val="60000"/>
+              <a:lumOff val="40000"/>
+            </a:schemeClr>
+          </a:solidFill>
+          <a:ln>
+            <a:solidFill>
+              <a:schemeClr val="bg1"/>
+            </a:solidFill>
+          </a:ln>
+        </p:spPr>
+        <p:style>
+          <a:lnRef idx="2">
+            <a:schemeClr val="accent1">
+              <a:shade val="50000"/>
+            </a:schemeClr>
+          </a:lnRef>
+          <a:fillRef idx="1">
+            <a:schemeClr val="accent1"/>
+          </a:fillRef>
+          <a:effectRef idx="0">
+            <a:schemeClr val="accent1"/>
+          </a:effectRef>
+          <a:fontRef idx="minor">
+            <a:schemeClr val="lt1"/>
+          </a:fontRef>
+        </p:style>
+        <p:txBody>
+          <a:bodyPr rtlCol="0" anchor="ctr"/>
+          <a:lstStyle/>
+          <a:p>
+            <a:pPr algn="ctr"/>
+            <a:r>
+              <a:rPr lang="en-US" altLang="ko-KR" dirty="0"/>
+              <a:t>Neural Network</a:t>
+            </a:r>
+          </a:p>
+          <a:p>
+            <a:pPr algn="ctr"/>
+            <a:r>
+              <a:rPr lang="en-US" altLang="ko-KR" dirty="0"/>
+              <a:t>fitting</a:t>
+            </a:r>
+          </a:p>
+          <a:p>
+            <a:pPr algn="ctr"/>
+            <a:r>
+              <a:rPr lang="en-US" altLang="ko-KR" dirty="0"/>
+              <a:t>Dropout</a:t>
+            </a:r>
+          </a:p>
+        </p:txBody>
+      </p:sp>
       <p:pic>
         <p:nvPicPr>
-          <p:cNvPr id="9220" name="Picture 4" descr="인종별 피지컬 특징: 흑인 [상동피티/상동PT/헬스/운동] : 네이버 블로그">
-            <a:extLst>
-              <a:ext uri="{FF2B5EF4-FFF2-40B4-BE49-F238E27FC236}">
-                <a16:creationId xmlns:a16="http://schemas.microsoft.com/office/drawing/2014/main" id="{ED488FE8-2999-463E-BD65-3BD45177E879}"/>
+          <p:cNvPr id="23" name="Picture 4" descr="Image for post">
+            <a:extLst>
+              <a:ext uri="{FF2B5EF4-FFF2-40B4-BE49-F238E27FC236}">
+                <a16:creationId xmlns:a16="http://schemas.microsoft.com/office/drawing/2014/main" id="{71762E53-7C99-420E-90D5-C79B04CCC2DE}"/>
               </a:ext>
             </a:extLst>
           </p:cNvPr>
@@ -14210,8 +14367,8 @@
         </p:blipFill>
         <p:spPr bwMode="auto">
           <a:xfrm>
-            <a:off x="3138256" y="4331330"/>
-            <a:ext cx="2228850" cy="2057400"/>
+            <a:off x="6430851" y="809806"/>
+            <a:ext cx="4469323" cy="3779111"/>
           </a:xfrm>
           <a:prstGeom prst="rect">
             <a:avLst/>
@@ -14228,12 +14385,56 @@
           </a:extLst>
         </p:spPr>
       </p:pic>
-      <p:sp>
-        <p:nvSpPr>
-          <p:cNvPr id="2" name="TextBox 1">
-            <a:extLst>
-              <a:ext uri="{FF2B5EF4-FFF2-40B4-BE49-F238E27FC236}">
-                <a16:creationId xmlns:a16="http://schemas.microsoft.com/office/drawing/2014/main" id="{24C0DB24-EED1-456F-BB30-BFF0B145B171}"/>
+      <p:cxnSp>
+        <p:nvCxnSpPr>
+          <p:cNvPr id="24" name="직선 화살표 연결선 23">
+            <a:extLst>
+              <a:ext uri="{FF2B5EF4-FFF2-40B4-BE49-F238E27FC236}">
+                <a16:creationId xmlns:a16="http://schemas.microsoft.com/office/drawing/2014/main" id="{C8275A81-22A9-4309-B901-BABBC35FAE4D}"/>
+              </a:ext>
+            </a:extLst>
+          </p:cNvPr>
+          <p:cNvCxnSpPr>
+            <a:cxnSpLocks/>
+          </p:cNvCxnSpPr>
+          <p:nvPr/>
+        </p:nvCxnSpPr>
+        <p:spPr>
+          <a:xfrm flipV="1">
+            <a:off x="6638605" y="3305559"/>
+            <a:ext cx="1293341" cy="1115855"/>
+          </a:xfrm>
+          <a:prstGeom prst="straightConnector1">
+            <a:avLst/>
+          </a:prstGeom>
+          <a:ln w="25400">
+            <a:solidFill>
+              <a:srgbClr val="FF0000"/>
+            </a:solidFill>
+            <a:tailEnd type="triangle"/>
+          </a:ln>
+        </p:spPr>
+        <p:style>
+          <a:lnRef idx="1">
+            <a:schemeClr val="accent1"/>
+          </a:lnRef>
+          <a:fillRef idx="0">
+            <a:schemeClr val="accent1"/>
+          </a:fillRef>
+          <a:effectRef idx="0">
+            <a:schemeClr val="accent1"/>
+          </a:effectRef>
+          <a:fontRef idx="minor">
+            <a:schemeClr val="tx1"/>
+          </a:fontRef>
+        </p:style>
+      </p:cxnSp>
+      <p:sp>
+        <p:nvSpPr>
+          <p:cNvPr id="25" name="TextBox 24">
+            <a:extLst>
+              <a:ext uri="{FF2B5EF4-FFF2-40B4-BE49-F238E27FC236}">
+                <a16:creationId xmlns:a16="http://schemas.microsoft.com/office/drawing/2014/main" id="{9338E494-A4A5-41BB-8BAE-4CE0184E5A92}"/>
               </a:ext>
             </a:extLst>
           </p:cNvPr>
@@ -14242,8 +14443,8 @@
         </p:nvSpPr>
         <p:spPr>
           <a:xfrm>
-            <a:off x="4848138" y="644662"/>
-            <a:ext cx="290464" cy="369332"/>
+            <a:off x="5470780" y="4375247"/>
+            <a:ext cx="1988045" cy="369332"/>
           </a:xfrm>
           <a:prstGeom prst="rect">
             <a:avLst/>
@@ -14257,27 +14458,67 @@
           <a:lstStyle/>
           <a:p>
             <a:r>
-              <a:rPr lang="en-US" altLang="ko-KR" dirty="0">
-                <a:solidFill>
-                  <a:schemeClr val="bg1"/>
-                </a:solidFill>
-              </a:rPr>
+              <a:rPr lang="ko-KR" altLang="en-US" dirty="0"/>
+              <a:t>코가 검정색인가</a:t>
+            </a:r>
+            <a:r>
+              <a:rPr lang="en-US" altLang="ko-KR" dirty="0"/>
               <a:t>?</a:t>
             </a:r>
-            <a:endParaRPr lang="ko-KR" altLang="en-US" dirty="0">
-              <a:solidFill>
-                <a:schemeClr val="bg1"/>
-              </a:solidFill>
-            </a:endParaRPr>
-          </a:p>
-        </p:txBody>
-      </p:sp>
-      <p:sp>
-        <p:nvSpPr>
-          <p:cNvPr id="46" name="TextBox 45">
-            <a:extLst>
-              <a:ext uri="{FF2B5EF4-FFF2-40B4-BE49-F238E27FC236}">
-                <a16:creationId xmlns:a16="http://schemas.microsoft.com/office/drawing/2014/main" id="{FC538F8A-4BD6-4D44-87FC-CAA7FC067C39}"/>
+            <a:endParaRPr lang="ko-KR" altLang="en-US" dirty="0"/>
+          </a:p>
+        </p:txBody>
+      </p:sp>
+      <p:cxnSp>
+        <p:nvCxnSpPr>
+          <p:cNvPr id="26" name="직선 화살표 연결선 25">
+            <a:extLst>
+              <a:ext uri="{FF2B5EF4-FFF2-40B4-BE49-F238E27FC236}">
+                <a16:creationId xmlns:a16="http://schemas.microsoft.com/office/drawing/2014/main" id="{E51F4C46-8AF2-4010-BA68-938FC9889345}"/>
+              </a:ext>
+            </a:extLst>
+          </p:cNvPr>
+          <p:cNvCxnSpPr>
+            <a:cxnSpLocks/>
+          </p:cNvCxnSpPr>
+          <p:nvPr/>
+        </p:nvCxnSpPr>
+        <p:spPr>
+          <a:xfrm flipV="1">
+            <a:off x="6786948" y="3813307"/>
+            <a:ext cx="1144998" cy="1520503"/>
+          </a:xfrm>
+          <a:prstGeom prst="straightConnector1">
+            <a:avLst/>
+          </a:prstGeom>
+          <a:ln w="25400">
+            <a:solidFill>
+              <a:srgbClr val="FF0000"/>
+            </a:solidFill>
+            <a:tailEnd type="triangle"/>
+          </a:ln>
+        </p:spPr>
+        <p:style>
+          <a:lnRef idx="1">
+            <a:schemeClr val="accent1"/>
+          </a:lnRef>
+          <a:fillRef idx="0">
+            <a:schemeClr val="accent1"/>
+          </a:fillRef>
+          <a:effectRef idx="0">
+            <a:schemeClr val="accent1"/>
+          </a:effectRef>
+          <a:fontRef idx="minor">
+            <a:schemeClr val="tx1"/>
+          </a:fontRef>
+        </p:style>
+      </p:cxnSp>
+      <p:sp>
+        <p:nvSpPr>
+          <p:cNvPr id="27" name="TextBox 26">
+            <a:extLst>
+              <a:ext uri="{FF2B5EF4-FFF2-40B4-BE49-F238E27FC236}">
+                <a16:creationId xmlns:a16="http://schemas.microsoft.com/office/drawing/2014/main" id="{F262323E-7762-41E3-86D4-DD38C86E21FD}"/>
               </a:ext>
             </a:extLst>
           </p:cNvPr>
@@ -14286,8 +14527,92 @@
         </p:nvSpPr>
         <p:spPr>
           <a:xfrm>
-            <a:off x="5065062" y="4370018"/>
-            <a:ext cx="290464" cy="369332"/>
+            <a:off x="5633777" y="5306980"/>
+            <a:ext cx="1950246" cy="369332"/>
+          </a:xfrm>
+          <a:prstGeom prst="rect">
+            <a:avLst/>
+          </a:prstGeom>
+          <a:noFill/>
+        </p:spPr>
+        <p:txBody>
+          <a:bodyPr wrap="square" rtlCol="0">
+            <a:spAutoFit/>
+          </a:bodyPr>
+          <a:lstStyle/>
+          <a:p>
+            <a:r>
+              <a:rPr lang="ko-KR" altLang="en-US" dirty="0"/>
+              <a:t>눈이 검정색인가</a:t>
+            </a:r>
+            <a:r>
+              <a:rPr lang="en-US" altLang="ko-KR" dirty="0"/>
+              <a:t>?</a:t>
+            </a:r>
+            <a:endParaRPr lang="ko-KR" altLang="en-US" dirty="0"/>
+          </a:p>
+        </p:txBody>
+      </p:sp>
+      <p:cxnSp>
+        <p:nvCxnSpPr>
+          <p:cNvPr id="28" name="직선 화살표 연결선 27">
+            <a:extLst>
+              <a:ext uri="{FF2B5EF4-FFF2-40B4-BE49-F238E27FC236}">
+                <a16:creationId xmlns:a16="http://schemas.microsoft.com/office/drawing/2014/main" id="{41D73489-C056-4908-8125-B34D44383629}"/>
+              </a:ext>
+            </a:extLst>
+          </p:cNvPr>
+          <p:cNvCxnSpPr>
+            <a:cxnSpLocks/>
+          </p:cNvCxnSpPr>
+          <p:nvPr/>
+        </p:nvCxnSpPr>
+        <p:spPr>
+          <a:xfrm flipH="1" flipV="1">
+            <a:off x="9224356" y="4290776"/>
+            <a:ext cx="435226" cy="386705"/>
+          </a:xfrm>
+          <a:prstGeom prst="straightConnector1">
+            <a:avLst/>
+          </a:prstGeom>
+          <a:ln w="25400">
+            <a:solidFill>
+              <a:srgbClr val="FF0000"/>
+            </a:solidFill>
+            <a:tailEnd type="triangle"/>
+          </a:ln>
+        </p:spPr>
+        <p:style>
+          <a:lnRef idx="1">
+            <a:schemeClr val="accent1"/>
+          </a:lnRef>
+          <a:fillRef idx="0">
+            <a:schemeClr val="accent1"/>
+          </a:fillRef>
+          <a:effectRef idx="0">
+            <a:schemeClr val="accent1"/>
+          </a:effectRef>
+          <a:fontRef idx="minor">
+            <a:schemeClr val="tx1"/>
+          </a:fontRef>
+        </p:style>
+      </p:cxnSp>
+      <p:sp>
+        <p:nvSpPr>
+          <p:cNvPr id="29" name="TextBox 28">
+            <a:extLst>
+              <a:ext uri="{FF2B5EF4-FFF2-40B4-BE49-F238E27FC236}">
+                <a16:creationId xmlns:a16="http://schemas.microsoft.com/office/drawing/2014/main" id="{FCE136DC-E591-4036-9539-4198EB387B51}"/>
+              </a:ext>
+            </a:extLst>
+          </p:cNvPr>
+          <p:cNvSpPr txBox="1"/>
+          <p:nvPr/>
+        </p:nvSpPr>
+        <p:spPr>
+          <a:xfrm>
+            <a:off x="9659582" y="4459092"/>
+            <a:ext cx="1963999" cy="1200329"/>
           </a:xfrm>
           <a:prstGeom prst="rect">
             <a:avLst/>
@@ -14301,27 +14626,48 @@
           <a:lstStyle/>
           <a:p>
             <a:r>
-              <a:rPr lang="en-US" altLang="ko-KR" dirty="0">
-                <a:solidFill>
-                  <a:schemeClr val="bg1"/>
-                </a:solidFill>
-              </a:rPr>
+              <a:rPr lang="ko-KR" altLang="en-US" dirty="0"/>
+              <a:t>코가 검정색이고 </a:t>
+            </a:r>
+            <a:endParaRPr lang="en-US" altLang="ko-KR" dirty="0"/>
+          </a:p>
+          <a:p>
+            <a:r>
+              <a:rPr lang="ko-KR" altLang="en-US" dirty="0"/>
+              <a:t>눈이 검정색이고</a:t>
+            </a:r>
+            <a:endParaRPr lang="en-US" altLang="ko-KR" dirty="0"/>
+          </a:p>
+          <a:p>
+            <a:r>
+              <a:rPr lang="ko-KR" altLang="en-US" dirty="0" err="1"/>
+              <a:t>민무늬이고</a:t>
+            </a:r>
+            <a:endParaRPr lang="en-US" altLang="ko-KR" dirty="0"/>
+          </a:p>
+          <a:p>
+            <a:r>
+              <a:rPr lang="ko-KR" altLang="en-US" dirty="0"/>
+              <a:t>귀가 </a:t>
+            </a:r>
+            <a:r>
+              <a:rPr lang="ko-KR" altLang="en-US" dirty="0" err="1"/>
+              <a:t>삐죽한가</a:t>
+            </a:r>
+            <a:r>
+              <a:rPr lang="en-US" altLang="ko-KR" dirty="0"/>
               <a:t>?</a:t>
             </a:r>
-            <a:endParaRPr lang="ko-KR" altLang="en-US" dirty="0">
-              <a:solidFill>
-                <a:schemeClr val="bg1"/>
-              </a:solidFill>
-            </a:endParaRPr>
-          </a:p>
-        </p:txBody>
-      </p:sp>
-      <p:sp>
-        <p:nvSpPr>
-          <p:cNvPr id="47" name="TextBox 46">
-            <a:extLst>
-              <a:ext uri="{FF2B5EF4-FFF2-40B4-BE49-F238E27FC236}">
-                <a16:creationId xmlns:a16="http://schemas.microsoft.com/office/drawing/2014/main" id="{A14E8B46-5C37-4F78-B616-191E36A81E86}"/>
+            <a:endParaRPr lang="ko-KR" altLang="en-US" dirty="0"/>
+          </a:p>
+        </p:txBody>
+      </p:sp>
+      <p:sp>
+        <p:nvSpPr>
+          <p:cNvPr id="30" name="TextBox 29">
+            <a:extLst>
+              <a:ext uri="{FF2B5EF4-FFF2-40B4-BE49-F238E27FC236}">
+                <a16:creationId xmlns:a16="http://schemas.microsoft.com/office/drawing/2014/main" id="{6FE32636-4845-4F0B-960D-DAF70B95F690}"/>
               </a:ext>
             </a:extLst>
           </p:cNvPr>
@@ -14330,7 +14676,7 @@
         </p:nvSpPr>
         <p:spPr>
           <a:xfrm>
-            <a:off x="6844052" y="5746310"/>
+            <a:off x="6834722" y="5827737"/>
             <a:ext cx="3661580" cy="369332"/>
           </a:xfrm>
           <a:prstGeom prst="rect">
@@ -14353,209 +14699,428 @@
       </p:sp>
       <p:sp>
         <p:nvSpPr>
-          <p:cNvPr id="20" name="사각형: 둥근 모서리 19">
-            <a:extLst>
-              <a:ext uri="{FF2B5EF4-FFF2-40B4-BE49-F238E27FC236}">
-                <a16:creationId xmlns:a16="http://schemas.microsoft.com/office/drawing/2014/main" id="{DCB3FA11-349D-407F-92BE-5395845BE40C}"/>
-              </a:ext>
-            </a:extLst>
-          </p:cNvPr>
-          <p:cNvSpPr/>
-          <p:nvPr/>
-        </p:nvSpPr>
-        <p:spPr>
-          <a:xfrm>
-            <a:off x="483184" y="2877635"/>
-            <a:ext cx="1935465" cy="700217"/>
-          </a:xfrm>
-          <a:prstGeom prst="roundRect">
-            <a:avLst/>
-          </a:prstGeom>
-          <a:solidFill>
-            <a:schemeClr val="tx2">
-              <a:lumMod val="20000"/>
-              <a:lumOff val="80000"/>
-            </a:schemeClr>
-          </a:solidFill>
-          <a:ln>
+          <p:cNvPr id="31" name="TextBox 30">
+            <a:extLst>
+              <a:ext uri="{FF2B5EF4-FFF2-40B4-BE49-F238E27FC236}">
+                <a16:creationId xmlns:a16="http://schemas.microsoft.com/office/drawing/2014/main" id="{381A58BC-DC77-4C02-A871-3B5DEB0C1DE3}"/>
+              </a:ext>
+            </a:extLst>
+          </p:cNvPr>
+          <p:cNvSpPr txBox="1"/>
+          <p:nvPr/>
+        </p:nvSpPr>
+        <p:spPr>
+          <a:xfrm>
+            <a:off x="8086650" y="6265617"/>
+            <a:ext cx="1302023" cy="369332"/>
+          </a:xfrm>
+          <a:prstGeom prst="rect">
+            <a:avLst/>
+          </a:prstGeom>
+          <a:noFill/>
+        </p:spPr>
+        <p:txBody>
+          <a:bodyPr wrap="none" rtlCol="0">
+            <a:spAutoFit/>
+          </a:bodyPr>
+          <a:lstStyle/>
+          <a:p>
+            <a:r>
+              <a:rPr lang="en-US" altLang="ko-KR" dirty="0"/>
+              <a:t>Overfitting</a:t>
+            </a:r>
+            <a:endParaRPr lang="ko-KR" altLang="en-US" dirty="0"/>
+          </a:p>
+        </p:txBody>
+      </p:sp>
+      <p:cxnSp>
+        <p:nvCxnSpPr>
+          <p:cNvPr id="33" name="직선 화살표 연결선 32">
+            <a:extLst>
+              <a:ext uri="{FF2B5EF4-FFF2-40B4-BE49-F238E27FC236}">
+                <a16:creationId xmlns:a16="http://schemas.microsoft.com/office/drawing/2014/main" id="{30425C2E-8F8A-4348-B3ED-AF80E3DCAA61}"/>
+              </a:ext>
+            </a:extLst>
+          </p:cNvPr>
+          <p:cNvCxnSpPr>
+            <a:cxnSpLocks/>
+          </p:cNvCxnSpPr>
+          <p:nvPr/>
+        </p:nvCxnSpPr>
+        <p:spPr>
+          <a:xfrm>
+            <a:off x="7616813" y="851616"/>
+            <a:ext cx="280087" cy="944846"/>
+          </a:xfrm>
+          <a:prstGeom prst="straightConnector1">
+            <a:avLst/>
+          </a:prstGeom>
+          <a:ln w="25400">
             <a:solidFill>
-              <a:schemeClr val="bg1"/>
+              <a:srgbClr val="FF0000"/>
+            </a:solidFill>
+            <a:tailEnd type="triangle"/>
+          </a:ln>
+        </p:spPr>
+        <p:style>
+          <a:lnRef idx="1">
+            <a:schemeClr val="accent1"/>
+          </a:lnRef>
+          <a:fillRef idx="0">
+            <a:schemeClr val="accent1"/>
+          </a:fillRef>
+          <a:effectRef idx="0">
+            <a:schemeClr val="accent1"/>
+          </a:effectRef>
+          <a:fontRef idx="minor">
+            <a:schemeClr val="tx1"/>
+          </a:fontRef>
+        </p:style>
+      </p:cxnSp>
+      <p:sp>
+        <p:nvSpPr>
+          <p:cNvPr id="34" name="TextBox 33">
+            <a:extLst>
+              <a:ext uri="{FF2B5EF4-FFF2-40B4-BE49-F238E27FC236}">
+                <a16:creationId xmlns:a16="http://schemas.microsoft.com/office/drawing/2014/main" id="{F6AB8C91-47AB-4016-B99C-B0EA9B9FE0AB}"/>
+              </a:ext>
+            </a:extLst>
+          </p:cNvPr>
+          <p:cNvSpPr txBox="1"/>
+          <p:nvPr/>
+        </p:nvSpPr>
+        <p:spPr>
+          <a:xfrm>
+            <a:off x="6783601" y="440474"/>
+            <a:ext cx="1757212" cy="369332"/>
+          </a:xfrm>
+          <a:prstGeom prst="rect">
+            <a:avLst/>
+          </a:prstGeom>
+          <a:noFill/>
+        </p:spPr>
+        <p:txBody>
+          <a:bodyPr wrap="none" rtlCol="0">
+            <a:spAutoFit/>
+          </a:bodyPr>
+          <a:lstStyle/>
+          <a:p>
+            <a:r>
+              <a:rPr lang="ko-KR" altLang="en-US" dirty="0"/>
+              <a:t>귀가 </a:t>
+            </a:r>
+            <a:r>
+              <a:rPr lang="ko-KR" altLang="en-US" dirty="0" err="1"/>
+              <a:t>삐죽한가</a:t>
+            </a:r>
+            <a:r>
+              <a:rPr lang="en-US" altLang="ko-KR" dirty="0"/>
+              <a:t>?</a:t>
+            </a:r>
+            <a:endParaRPr lang="ko-KR" altLang="en-US" dirty="0"/>
+          </a:p>
+        </p:txBody>
+      </p:sp>
+      <p:cxnSp>
+        <p:nvCxnSpPr>
+          <p:cNvPr id="35" name="직선 화살표 연결선 34">
+            <a:extLst>
+              <a:ext uri="{FF2B5EF4-FFF2-40B4-BE49-F238E27FC236}">
+                <a16:creationId xmlns:a16="http://schemas.microsoft.com/office/drawing/2014/main" id="{9BB977AD-BBC7-4BF7-B0A9-3EB49C48A6E8}"/>
+              </a:ext>
+            </a:extLst>
+          </p:cNvPr>
+          <p:cNvCxnSpPr>
+            <a:cxnSpLocks/>
+          </p:cNvCxnSpPr>
+          <p:nvPr/>
+        </p:nvCxnSpPr>
+        <p:spPr>
+          <a:xfrm>
+            <a:off x="6603559" y="1038581"/>
+            <a:ext cx="1293341" cy="1210962"/>
+          </a:xfrm>
+          <a:prstGeom prst="straightConnector1">
+            <a:avLst/>
+          </a:prstGeom>
+          <a:ln w="25400">
+            <a:solidFill>
+              <a:srgbClr val="FF0000"/>
+            </a:solidFill>
+            <a:tailEnd type="triangle"/>
+          </a:ln>
+        </p:spPr>
+        <p:style>
+          <a:lnRef idx="1">
+            <a:schemeClr val="accent1"/>
+          </a:lnRef>
+          <a:fillRef idx="0">
+            <a:schemeClr val="accent1"/>
+          </a:fillRef>
+          <a:effectRef idx="0">
+            <a:schemeClr val="accent1"/>
+          </a:effectRef>
+          <a:fontRef idx="minor">
+            <a:schemeClr val="tx1"/>
+          </a:fontRef>
+        </p:style>
+      </p:cxnSp>
+      <p:sp>
+        <p:nvSpPr>
+          <p:cNvPr id="36" name="TextBox 35">
+            <a:extLst>
+              <a:ext uri="{FF2B5EF4-FFF2-40B4-BE49-F238E27FC236}">
+                <a16:creationId xmlns:a16="http://schemas.microsoft.com/office/drawing/2014/main" id="{C1142B03-6F5B-4695-92C6-EB41351D2A4F}"/>
+              </a:ext>
+            </a:extLst>
+          </p:cNvPr>
+          <p:cNvSpPr txBox="1"/>
+          <p:nvPr/>
+        </p:nvSpPr>
+        <p:spPr>
+          <a:xfrm>
+            <a:off x="5707444" y="755217"/>
+            <a:ext cx="1444626" cy="369332"/>
+          </a:xfrm>
+          <a:prstGeom prst="rect">
+            <a:avLst/>
+          </a:prstGeom>
+          <a:noFill/>
+        </p:spPr>
+        <p:txBody>
+          <a:bodyPr wrap="none" rtlCol="0">
+            <a:spAutoFit/>
+          </a:bodyPr>
+          <a:lstStyle/>
+          <a:p>
+            <a:r>
+              <a:rPr lang="ko-KR" altLang="en-US" dirty="0"/>
+              <a:t>민무늬인가</a:t>
+            </a:r>
+            <a:r>
+              <a:rPr lang="en-US" altLang="ko-KR" dirty="0"/>
+              <a:t>?</a:t>
+            </a:r>
+            <a:endParaRPr lang="ko-KR" altLang="en-US" dirty="0"/>
+          </a:p>
+        </p:txBody>
+      </p:sp>
+      <p:cxnSp>
+        <p:nvCxnSpPr>
+          <p:cNvPr id="37" name="직선 연결선 36">
+            <a:extLst>
+              <a:ext uri="{FF2B5EF4-FFF2-40B4-BE49-F238E27FC236}">
+                <a16:creationId xmlns:a16="http://schemas.microsoft.com/office/drawing/2014/main" id="{3E3E98B2-DB36-4A89-88EA-B1A459F111A2}"/>
+              </a:ext>
+            </a:extLst>
+          </p:cNvPr>
+          <p:cNvCxnSpPr/>
+          <p:nvPr/>
+        </p:nvCxnSpPr>
+        <p:spPr>
+          <a:xfrm flipH="1">
+            <a:off x="7831678" y="2101590"/>
+            <a:ext cx="475861" cy="480299"/>
+          </a:xfrm>
+          <a:prstGeom prst="line">
+            <a:avLst/>
+          </a:prstGeom>
+          <a:ln w="44450">
+            <a:solidFill>
+              <a:srgbClr val="FF0000"/>
             </a:solidFill>
           </a:ln>
         </p:spPr>
         <p:style>
-          <a:lnRef idx="2">
-            <a:schemeClr val="accent1">
-              <a:shade val="50000"/>
-            </a:schemeClr>
+          <a:lnRef idx="1">
+            <a:schemeClr val="accent1"/>
           </a:lnRef>
-          <a:fillRef idx="1">
+          <a:fillRef idx="0">
             <a:schemeClr val="accent1"/>
           </a:fillRef>
           <a:effectRef idx="0">
             <a:schemeClr val="accent1"/>
           </a:effectRef>
           <a:fontRef idx="minor">
-            <a:schemeClr val="lt1"/>
+            <a:schemeClr val="tx1"/>
           </a:fontRef>
         </p:style>
-        <p:txBody>
-          <a:bodyPr rtlCol="0" anchor="ctr"/>
-          <a:lstStyle/>
-          <a:p>
-            <a:pPr algn="ctr"/>
-            <a:r>
-              <a:rPr lang="en-US" altLang="ko-KR" dirty="0"/>
-              <a:t>Convolutional</a:t>
-            </a:r>
-            <a:br>
-              <a:rPr lang="en-US" altLang="ko-KR" dirty="0"/>
-            </a:br>
-            <a:r>
-              <a:rPr lang="en-US" altLang="ko-KR" dirty="0"/>
-              <a:t>neural network</a:t>
-            </a:r>
-          </a:p>
-        </p:txBody>
-      </p:sp>
-      <p:sp>
-        <p:nvSpPr>
-          <p:cNvPr id="21" name="사각형: 둥근 모서리 20">
-            <a:extLst>
-              <a:ext uri="{FF2B5EF4-FFF2-40B4-BE49-F238E27FC236}">
-                <a16:creationId xmlns:a16="http://schemas.microsoft.com/office/drawing/2014/main" id="{46739667-8EE6-479B-A9BC-CA2FC548B99E}"/>
-              </a:ext>
-            </a:extLst>
-          </p:cNvPr>
-          <p:cNvSpPr/>
-          <p:nvPr/>
-        </p:nvSpPr>
-        <p:spPr>
-          <a:xfrm>
-            <a:off x="483183" y="4158638"/>
-            <a:ext cx="1935465" cy="700217"/>
-          </a:xfrm>
-          <a:prstGeom prst="roundRect">
-            <a:avLst/>
-          </a:prstGeom>
-          <a:solidFill>
-            <a:schemeClr val="tx2">
-              <a:lumMod val="20000"/>
-              <a:lumOff val="80000"/>
-            </a:schemeClr>
-          </a:solidFill>
-          <a:ln>
+      </p:cxnSp>
+      <p:cxnSp>
+        <p:nvCxnSpPr>
+          <p:cNvPr id="38" name="직선 연결선 37">
+            <a:extLst>
+              <a:ext uri="{FF2B5EF4-FFF2-40B4-BE49-F238E27FC236}">
+                <a16:creationId xmlns:a16="http://schemas.microsoft.com/office/drawing/2014/main" id="{74BC8693-C1B1-4D0D-B9B2-A0CE1C3CE152}"/>
+              </a:ext>
+            </a:extLst>
+          </p:cNvPr>
+          <p:cNvCxnSpPr>
+            <a:cxnSpLocks/>
+          </p:cNvCxnSpPr>
+          <p:nvPr/>
+        </p:nvCxnSpPr>
+        <p:spPr>
+          <a:xfrm>
+            <a:off x="7831677" y="2101590"/>
+            <a:ext cx="475861" cy="480299"/>
+          </a:xfrm>
+          <a:prstGeom prst="line">
+            <a:avLst/>
+          </a:prstGeom>
+          <a:ln w="44450">
             <a:solidFill>
-              <a:schemeClr val="bg1"/>
+              <a:srgbClr val="FF0000"/>
             </a:solidFill>
           </a:ln>
         </p:spPr>
         <p:style>
-          <a:lnRef idx="2">
-            <a:schemeClr val="accent1">
-              <a:shade val="50000"/>
-            </a:schemeClr>
+          <a:lnRef idx="1">
+            <a:schemeClr val="accent1"/>
           </a:lnRef>
-          <a:fillRef idx="1">
+          <a:fillRef idx="0">
             <a:schemeClr val="accent1"/>
           </a:fillRef>
           <a:effectRef idx="0">
             <a:schemeClr val="accent1"/>
           </a:effectRef>
           <a:fontRef idx="minor">
-            <a:schemeClr val="lt1"/>
+            <a:schemeClr val="tx1"/>
           </a:fontRef>
         </p:style>
-        <p:txBody>
-          <a:bodyPr rtlCol="0" anchor="ctr"/>
-          <a:lstStyle/>
-          <a:p>
-            <a:pPr algn="ctr"/>
-            <a:r>
-              <a:rPr lang="en-US" altLang="ko-KR" dirty="0"/>
-              <a:t>GAN</a:t>
-            </a:r>
-          </a:p>
-        </p:txBody>
-      </p:sp>
-      <p:sp>
-        <p:nvSpPr>
-          <p:cNvPr id="22" name="사각형: 둥근 모서리 21">
-            <a:extLst>
-              <a:ext uri="{FF2B5EF4-FFF2-40B4-BE49-F238E27FC236}">
-                <a16:creationId xmlns:a16="http://schemas.microsoft.com/office/drawing/2014/main" id="{14A4F426-02B4-44DD-BB27-999CB31326EF}"/>
-              </a:ext>
-            </a:extLst>
-          </p:cNvPr>
-          <p:cNvSpPr/>
-          <p:nvPr/>
-        </p:nvSpPr>
-        <p:spPr>
-          <a:xfrm>
-            <a:off x="483186" y="1406589"/>
-            <a:ext cx="1935462" cy="890260"/>
-          </a:xfrm>
-          <a:prstGeom prst="roundRect">
-            <a:avLst/>
-          </a:prstGeom>
-          <a:solidFill>
-            <a:schemeClr val="tx2">
-              <a:lumMod val="60000"/>
-              <a:lumOff val="40000"/>
-            </a:schemeClr>
-          </a:solidFill>
-          <a:ln>
+      </p:cxnSp>
+      <p:cxnSp>
+        <p:nvCxnSpPr>
+          <p:cNvPr id="39" name="직선 연결선 38">
+            <a:extLst>
+              <a:ext uri="{FF2B5EF4-FFF2-40B4-BE49-F238E27FC236}">
+                <a16:creationId xmlns:a16="http://schemas.microsoft.com/office/drawing/2014/main" id="{BFA0F503-7599-4DB4-89ED-FAEA9C12F5A5}"/>
+              </a:ext>
+            </a:extLst>
+          </p:cNvPr>
+          <p:cNvCxnSpPr/>
+          <p:nvPr/>
+        </p:nvCxnSpPr>
+        <p:spPr>
+          <a:xfrm flipH="1">
+            <a:off x="7828204" y="1638283"/>
+            <a:ext cx="475861" cy="480299"/>
+          </a:xfrm>
+          <a:prstGeom prst="line">
+            <a:avLst/>
+          </a:prstGeom>
+          <a:ln w="44450">
             <a:solidFill>
-              <a:schemeClr val="bg1"/>
+              <a:srgbClr val="FF0000"/>
             </a:solidFill>
           </a:ln>
         </p:spPr>
         <p:style>
-          <a:lnRef idx="2">
-            <a:schemeClr val="accent1">
-              <a:shade val="50000"/>
-            </a:schemeClr>
+          <a:lnRef idx="1">
+            <a:schemeClr val="accent1"/>
           </a:lnRef>
-          <a:fillRef idx="1">
+          <a:fillRef idx="0">
             <a:schemeClr val="accent1"/>
           </a:fillRef>
           <a:effectRef idx="0">
             <a:schemeClr val="accent1"/>
           </a:effectRef>
           <a:fontRef idx="minor">
-            <a:schemeClr val="lt1"/>
+            <a:schemeClr val="tx1"/>
           </a:fontRef>
         </p:style>
-        <p:txBody>
-          <a:bodyPr rtlCol="0" anchor="ctr"/>
-          <a:lstStyle/>
-          <a:p>
-            <a:pPr algn="ctr"/>
-            <a:r>
-              <a:rPr lang="en-US" altLang="ko-KR" dirty="0"/>
-              <a:t>Neural Network</a:t>
-            </a:r>
-          </a:p>
-          <a:p>
-            <a:pPr algn="ctr"/>
-            <a:r>
-              <a:rPr lang="en-US" altLang="ko-KR" dirty="0"/>
-              <a:t>Overfitting</a:t>
-            </a:r>
-          </a:p>
-          <a:p>
-            <a:pPr algn="ctr"/>
-            <a:r>
-              <a:rPr lang="en-US" altLang="ko-KR" dirty="0"/>
+      </p:cxnSp>
+      <p:cxnSp>
+        <p:nvCxnSpPr>
+          <p:cNvPr id="40" name="직선 연결선 39">
+            <a:extLst>
+              <a:ext uri="{FF2B5EF4-FFF2-40B4-BE49-F238E27FC236}">
+                <a16:creationId xmlns:a16="http://schemas.microsoft.com/office/drawing/2014/main" id="{AA813CE6-1708-4CCB-8DE1-8D5409BFE9AE}"/>
+              </a:ext>
+            </a:extLst>
+          </p:cNvPr>
+          <p:cNvCxnSpPr>
+            <a:cxnSpLocks/>
+          </p:cNvCxnSpPr>
+          <p:nvPr/>
+        </p:nvCxnSpPr>
+        <p:spPr>
+          <a:xfrm>
+            <a:off x="7828203" y="1638283"/>
+            <a:ext cx="475861" cy="480299"/>
+          </a:xfrm>
+          <a:prstGeom prst="line">
+            <a:avLst/>
+          </a:prstGeom>
+          <a:ln w="44450">
+            <a:solidFill>
+              <a:srgbClr val="FF0000"/>
+            </a:solidFill>
+          </a:ln>
+        </p:spPr>
+        <p:style>
+          <a:lnRef idx="1">
+            <a:schemeClr val="accent1"/>
+          </a:lnRef>
+          <a:fillRef idx="0">
+            <a:schemeClr val="accent1"/>
+          </a:fillRef>
+          <a:effectRef idx="0">
+            <a:schemeClr val="accent1"/>
+          </a:effectRef>
+          <a:fontRef idx="minor">
+            <a:schemeClr val="tx1"/>
+          </a:fontRef>
+        </p:style>
+      </p:cxnSp>
+      <p:sp>
+        <p:nvSpPr>
+          <p:cNvPr id="41" name="TextBox 40">
+            <a:extLst>
+              <a:ext uri="{FF2B5EF4-FFF2-40B4-BE49-F238E27FC236}">
+                <a16:creationId xmlns:a16="http://schemas.microsoft.com/office/drawing/2014/main" id="{A682D86A-3C4D-4AF6-BE5A-985EED7EF00C}"/>
+              </a:ext>
+            </a:extLst>
+          </p:cNvPr>
+          <p:cNvSpPr txBox="1"/>
+          <p:nvPr/>
+        </p:nvSpPr>
+        <p:spPr>
+          <a:xfrm>
+            <a:off x="8252953" y="1140447"/>
+            <a:ext cx="1105239" cy="369332"/>
+          </a:xfrm>
+          <a:prstGeom prst="rect">
+            <a:avLst/>
+          </a:prstGeom>
+          <a:noFill/>
+        </p:spPr>
+        <p:txBody>
+          <a:bodyPr wrap="none" rtlCol="0">
+            <a:spAutoFit/>
+          </a:bodyPr>
+          <a:lstStyle/>
+          <a:p>
+            <a:r>
+              <a:rPr lang="en-US" altLang="ko-KR" b="1" dirty="0">
+                <a:solidFill>
+                  <a:srgbClr val="FF0000"/>
+                </a:solidFill>
+              </a:rPr>
               <a:t>Dropout</a:t>
             </a:r>
+            <a:endParaRPr lang="ko-KR" altLang="en-US" b="1" dirty="0">
+              <a:solidFill>
+                <a:srgbClr val="FF0000"/>
+              </a:solidFill>
+            </a:endParaRPr>
           </a:p>
         </p:txBody>
       </p:sp>
     </p:spTree>
     <p:extLst>
       <p:ext uri="{BB962C8B-B14F-4D97-AF65-F5344CB8AC3E}">
-        <p14:creationId xmlns:p14="http://schemas.microsoft.com/office/powerpoint/2010/main" val="3061639492"/>
+        <p14:creationId xmlns:p14="http://schemas.microsoft.com/office/powerpoint/2010/main" val="544541476"/>
       </p:ext>
     </p:extLst>
   </p:cSld>
